--- a/methode/static/theorie/informatie/Tekst-geluid-video-en-compressie.pptx
+++ b/methode/static/theorie/informatie/Tekst-geluid-video-en-compressie.pptx
@@ -1,33 +1,33 @@
 
 <file path=ppt/presentation.xml><?xml version="1.0" encoding="utf-8"?>
-<p:presentation xmlns:a="http://schemas.openxmlformats.org/drawingml/2006/main" xmlns:r="http://schemas.openxmlformats.org/officeDocument/2006/relationships" xmlns:mc="http://schemas.openxmlformats.org/markup-compatibility/2006" xmlns:mv="urn:schemas-microsoft-com:mac:vml" xmlns:p="http://schemas.openxmlformats.org/presentationml/2006/main" xmlns:c="http://schemas.openxmlformats.org/drawingml/2006/chart" xmlns:dgm="http://schemas.openxmlformats.org/drawingml/2006/diagram" xmlns:o="urn:schemas-microsoft-com:office:office" xmlns:v="urn:schemas-microsoft-com:vml" xmlns:pvml="urn:schemas-microsoft-com:office:powerpoint" xmlns:com="http://schemas.openxmlformats.org/drawingml/2006/compatibility" xmlns:p14="http://schemas.microsoft.com/office/powerpoint/2010/main" xmlns:p15="http://schemas.microsoft.com/office/powerpoint/2012/main" xmlns:ahyp="http://schemas.microsoft.com/office/drawing/2018/hyperlinkcolor" autoCompressPictures="0" strictFirstAndLastChars="0" saveSubsetFonts="1">
+<p:presentation xmlns:a="http://schemas.openxmlformats.org/drawingml/2006/main" xmlns:r="http://schemas.openxmlformats.org/officeDocument/2006/relationships" xmlns:p="http://schemas.openxmlformats.org/presentationml/2006/main" strictFirstAndLastChars="0" saveSubsetFonts="1" autoCompressPictures="0">
   <p:sldMasterIdLst>
-    <p:sldMasterId id="2147483659" r:id="rId4"/>
+    <p:sldMasterId id="2147483659" r:id="rId1"/>
   </p:sldMasterIdLst>
   <p:notesMasterIdLst>
-    <p:notesMasterId r:id="rId5"/>
+    <p:notesMasterId r:id="rId17"/>
   </p:notesMasterIdLst>
   <p:sldIdLst>
-    <p:sldId id="256" r:id="rId6"/>
-    <p:sldId id="257" r:id="rId7"/>
-    <p:sldId id="258" r:id="rId8"/>
-    <p:sldId id="259" r:id="rId9"/>
-    <p:sldId id="260" r:id="rId10"/>
-    <p:sldId id="261" r:id="rId11"/>
-    <p:sldId id="262" r:id="rId12"/>
-    <p:sldId id="263" r:id="rId13"/>
-    <p:sldId id="264" r:id="rId14"/>
-    <p:sldId id="265" r:id="rId15"/>
-    <p:sldId id="266" r:id="rId16"/>
-    <p:sldId id="267" r:id="rId17"/>
-    <p:sldId id="268" r:id="rId18"/>
-    <p:sldId id="269" r:id="rId19"/>
-    <p:sldId id="270" r:id="rId20"/>
+    <p:sldId id="256" r:id="rId2"/>
+    <p:sldId id="257" r:id="rId3"/>
+    <p:sldId id="258" r:id="rId4"/>
+    <p:sldId id="259" r:id="rId5"/>
+    <p:sldId id="260" r:id="rId6"/>
+    <p:sldId id="261" r:id="rId7"/>
+    <p:sldId id="262" r:id="rId8"/>
+    <p:sldId id="263" r:id="rId9"/>
+    <p:sldId id="264" r:id="rId10"/>
+    <p:sldId id="265" r:id="rId11"/>
+    <p:sldId id="266" r:id="rId12"/>
+    <p:sldId id="267" r:id="rId13"/>
+    <p:sldId id="268" r:id="rId14"/>
+    <p:sldId id="269" r:id="rId15"/>
+    <p:sldId id="270" r:id="rId16"/>
   </p:sldIdLst>
-  <p:sldSz cy="5143500" cx="9144000"/>
+  <p:sldSz cx="9144000" cy="5143500" type="screen16x9"/>
   <p:notesSz cx="6858000" cy="9144000"/>
   <p:defaultTextStyle>
-    <a:defPPr lvl="0" marR="0" rtl="0" algn="l">
+    <a:defPPr marR="0" lvl="0" algn="l" rtl="0">
       <a:lnSpc>
         <a:spcPct val="100000"/>
       </a:lnSpc>
@@ -38,7 +38,7 @@
         <a:spcPts val="0"/>
       </a:spcAft>
     </a:defPPr>
-    <a:lvl1pPr lvl="0" marR="0" rtl="0" algn="l">
+    <a:lvl1pPr marR="0" lvl="0" algn="l" rtl="0">
       <a:lnSpc>
         <a:spcPct val="100000"/>
       </a:lnSpc>
@@ -52,7 +52,7 @@
         <a:srgbClr val="000000"/>
       </a:buClr>
       <a:buFont typeface="Arial"/>
-      <a:defRPr b="0" i="0" sz="1400" u="none" cap="none" strike="noStrike">
+      <a:defRPr sz="1400" b="0" i="0" u="none" strike="noStrike" cap="none">
         <a:solidFill>
           <a:srgbClr val="000000"/>
         </a:solidFill>
@@ -62,7 +62,7 @@
         <a:sym typeface="Arial"/>
       </a:defRPr>
     </a:lvl1pPr>
-    <a:lvl2pPr lvl="1" marR="0" rtl="0" algn="l">
+    <a:lvl2pPr marR="0" lvl="1" algn="l" rtl="0">
       <a:lnSpc>
         <a:spcPct val="100000"/>
       </a:lnSpc>
@@ -76,7 +76,7 @@
         <a:srgbClr val="000000"/>
       </a:buClr>
       <a:buFont typeface="Arial"/>
-      <a:defRPr b="0" i="0" sz="1400" u="none" cap="none" strike="noStrike">
+      <a:defRPr sz="1400" b="0" i="0" u="none" strike="noStrike" cap="none">
         <a:solidFill>
           <a:srgbClr val="000000"/>
         </a:solidFill>
@@ -86,7 +86,7 @@
         <a:sym typeface="Arial"/>
       </a:defRPr>
     </a:lvl2pPr>
-    <a:lvl3pPr lvl="2" marR="0" rtl="0" algn="l">
+    <a:lvl3pPr marR="0" lvl="2" algn="l" rtl="0">
       <a:lnSpc>
         <a:spcPct val="100000"/>
       </a:lnSpc>
@@ -100,7 +100,7 @@
         <a:srgbClr val="000000"/>
       </a:buClr>
       <a:buFont typeface="Arial"/>
-      <a:defRPr b="0" i="0" sz="1400" u="none" cap="none" strike="noStrike">
+      <a:defRPr sz="1400" b="0" i="0" u="none" strike="noStrike" cap="none">
         <a:solidFill>
           <a:srgbClr val="000000"/>
         </a:solidFill>
@@ -110,7 +110,7 @@
         <a:sym typeface="Arial"/>
       </a:defRPr>
     </a:lvl3pPr>
-    <a:lvl4pPr lvl="3" marR="0" rtl="0" algn="l">
+    <a:lvl4pPr marR="0" lvl="3" algn="l" rtl="0">
       <a:lnSpc>
         <a:spcPct val="100000"/>
       </a:lnSpc>
@@ -124,7 +124,7 @@
         <a:srgbClr val="000000"/>
       </a:buClr>
       <a:buFont typeface="Arial"/>
-      <a:defRPr b="0" i="0" sz="1400" u="none" cap="none" strike="noStrike">
+      <a:defRPr sz="1400" b="0" i="0" u="none" strike="noStrike" cap="none">
         <a:solidFill>
           <a:srgbClr val="000000"/>
         </a:solidFill>
@@ -134,7 +134,7 @@
         <a:sym typeface="Arial"/>
       </a:defRPr>
     </a:lvl4pPr>
-    <a:lvl5pPr lvl="4" marR="0" rtl="0" algn="l">
+    <a:lvl5pPr marR="0" lvl="4" algn="l" rtl="0">
       <a:lnSpc>
         <a:spcPct val="100000"/>
       </a:lnSpc>
@@ -148,7 +148,7 @@
         <a:srgbClr val="000000"/>
       </a:buClr>
       <a:buFont typeface="Arial"/>
-      <a:defRPr b="0" i="0" sz="1400" u="none" cap="none" strike="noStrike">
+      <a:defRPr sz="1400" b="0" i="0" u="none" strike="noStrike" cap="none">
         <a:solidFill>
           <a:srgbClr val="000000"/>
         </a:solidFill>
@@ -158,7 +158,7 @@
         <a:sym typeface="Arial"/>
       </a:defRPr>
     </a:lvl5pPr>
-    <a:lvl6pPr lvl="5" marR="0" rtl="0" algn="l">
+    <a:lvl6pPr marR="0" lvl="5" algn="l" rtl="0">
       <a:lnSpc>
         <a:spcPct val="100000"/>
       </a:lnSpc>
@@ -172,7 +172,7 @@
         <a:srgbClr val="000000"/>
       </a:buClr>
       <a:buFont typeface="Arial"/>
-      <a:defRPr b="0" i="0" sz="1400" u="none" cap="none" strike="noStrike">
+      <a:defRPr sz="1400" b="0" i="0" u="none" strike="noStrike" cap="none">
         <a:solidFill>
           <a:srgbClr val="000000"/>
         </a:solidFill>
@@ -182,7 +182,7 @@
         <a:sym typeface="Arial"/>
       </a:defRPr>
     </a:lvl6pPr>
-    <a:lvl7pPr lvl="6" marR="0" rtl="0" algn="l">
+    <a:lvl7pPr marR="0" lvl="6" algn="l" rtl="0">
       <a:lnSpc>
         <a:spcPct val="100000"/>
       </a:lnSpc>
@@ -196,7 +196,7 @@
         <a:srgbClr val="000000"/>
       </a:buClr>
       <a:buFont typeface="Arial"/>
-      <a:defRPr b="0" i="0" sz="1400" u="none" cap="none" strike="noStrike">
+      <a:defRPr sz="1400" b="0" i="0" u="none" strike="noStrike" cap="none">
         <a:solidFill>
           <a:srgbClr val="000000"/>
         </a:solidFill>
@@ -206,7 +206,7 @@
         <a:sym typeface="Arial"/>
       </a:defRPr>
     </a:lvl7pPr>
-    <a:lvl8pPr lvl="7" marR="0" rtl="0" algn="l">
+    <a:lvl8pPr marR="0" lvl="7" algn="l" rtl="0">
       <a:lnSpc>
         <a:spcPct val="100000"/>
       </a:lnSpc>
@@ -220,7 +220,7 @@
         <a:srgbClr val="000000"/>
       </a:buClr>
       <a:buFont typeface="Arial"/>
-      <a:defRPr b="0" i="0" sz="1400" u="none" cap="none" strike="noStrike">
+      <a:defRPr sz="1400" b="0" i="0" u="none" strike="noStrike" cap="none">
         <a:solidFill>
           <a:srgbClr val="000000"/>
         </a:solidFill>
@@ -230,7 +230,7 @@
         <a:sym typeface="Arial"/>
       </a:defRPr>
     </a:lvl8pPr>
-    <a:lvl9pPr lvl="8" marR="0" rtl="0" algn="l">
+    <a:lvl9pPr marR="0" lvl="8" algn="l" rtl="0">
       <a:lnSpc>
         <a:spcPct val="100000"/>
       </a:lnSpc>
@@ -244,7 +244,7 @@
         <a:srgbClr val="000000"/>
       </a:buClr>
       <a:buFont typeface="Arial"/>
-      <a:defRPr b="0" i="0" sz="1400" u="none" cap="none" strike="noStrike">
+      <a:defRPr sz="1400" b="0" i="0" u="none" strike="noStrike" cap="none">
         <a:solidFill>
           <a:srgbClr val="000000"/>
         </a:solidFill>
@@ -257,7 +257,7 @@
   </p:defaultTextStyle>
   <p:extLst>
     <p:ext uri="{EFAFB233-063F-42B5-8137-9DF3F51BA10A}">
-      <p15:sldGuideLst>
+      <p15:sldGuideLst xmlns:p15="http://schemas.microsoft.com/office/powerpoint/2012/main">
         <p15:guide id="1" orient="horz" pos="1620">
           <p15:clr>
             <a:srgbClr val="747775"/>
@@ -275,11 +275,16 @@
 </file>
 
 <file path=ppt/notesMasters/notesMaster1.xml><?xml version="1.0" encoding="utf-8"?>
-<p:notesMaster xmlns:a="http://schemas.openxmlformats.org/drawingml/2006/main" xmlns:r="http://schemas.openxmlformats.org/officeDocument/2006/relationships" xmlns:mc="http://schemas.openxmlformats.org/markup-compatibility/2006" xmlns:mv="urn:schemas-microsoft-com:mac:vml" xmlns:p="http://schemas.openxmlformats.org/presentationml/2006/main" xmlns:c="http://schemas.openxmlformats.org/drawingml/2006/chart" xmlns:dgm="http://schemas.openxmlformats.org/drawingml/2006/diagram" xmlns:o="urn:schemas-microsoft-com:office:office" xmlns:v="urn:schemas-microsoft-com:vml" xmlns:pvml="urn:schemas-microsoft-com:office:powerpoint" xmlns:com="http://schemas.openxmlformats.org/drawingml/2006/compatibility" xmlns:p14="http://schemas.microsoft.com/office/powerpoint/2010/main" xmlns:p15="http://schemas.microsoft.com/office/powerpoint/2012/main" xmlns:ahyp="http://schemas.microsoft.com/office/drawing/2018/hyperlinkcolor">
+<p:notesMaster xmlns:a="http://schemas.openxmlformats.org/drawingml/2006/main" xmlns:r="http://schemas.openxmlformats.org/officeDocument/2006/relationships" xmlns:p="http://schemas.openxmlformats.org/presentationml/2006/main">
   <p:cSld>
+    <p:bg>
+      <p:bgRef idx="1001">
+        <a:schemeClr val="bg1"/>
+      </p:bgRef>
+    </p:bg>
     <p:spTree>
       <p:nvGrpSpPr>
-        <p:cNvPr id="2" name="Shape 2"/>
+        <p:cNvPr id="1" name="Shape 2"/>
         <p:cNvGrpSpPr/>
         <p:nvPr/>
       </p:nvGrpSpPr>
@@ -294,9 +299,11 @@
       <p:sp>
         <p:nvSpPr>
           <p:cNvPr id="3" name="Google Shape;3;n"/>
-          <p:cNvSpPr/>
+          <p:cNvSpPr>
+            <a:spLocks noGrp="1" noRot="1" noChangeAspect="1"/>
+          </p:cNvSpPr>
           <p:nvPr>
-            <p:ph idx="2" type="sldImg"/>
+            <p:ph type="sldImg" idx="2"/>
           </p:nvPr>
         </p:nvSpPr>
         <p:spPr>
@@ -305,9 +312,13 @@
             <a:ext cx="6096075" cy="3429000"/>
           </a:xfrm>
           <a:custGeom>
-            <a:rect b="b" l="l" r="r" t="t"/>
+            <a:avLst/>
+            <a:gdLst/>
+            <a:ahLst/>
+            <a:cxnLst/>
+            <a:rect l="l" t="t" r="r" b="b"/>
             <a:pathLst>
-              <a:path extrusionOk="0" h="120000" w="120000">
+              <a:path w="120000" h="120000" extrusionOk="0">
                 <a:moveTo>
                   <a:pt x="0" y="0"/>
                 </a:moveTo>
@@ -325,23 +336,25 @@
             </a:pathLst>
           </a:custGeom>
           <a:noFill/>
-          <a:ln cap="flat" cmpd="sng" w="9525">
+          <a:ln w="9525" cap="flat" cmpd="sng">
             <a:solidFill>
               <a:srgbClr val="000000"/>
             </a:solidFill>
             <a:prstDash val="solid"/>
             <a:round/>
-            <a:headEnd len="sm" w="sm" type="none"/>
-            <a:tailEnd len="sm" w="sm" type="none"/>
+            <a:headEnd type="none" w="sm" len="sm"/>
+            <a:tailEnd type="none" w="sm" len="sm"/>
           </a:ln>
         </p:spPr>
       </p:sp>
       <p:sp>
         <p:nvSpPr>
           <p:cNvPr id="4" name="Google Shape;4;n"/>
-          <p:cNvSpPr txBox="1"/>
+          <p:cNvSpPr txBox="1">
+            <a:spLocks noGrp="1"/>
+          </p:cNvSpPr>
           <p:nvPr>
-            <p:ph idx="1" type="body"/>
+            <p:ph type="body" idx="1"/>
           </p:nvPr>
         </p:nvSpPr>
         <p:spPr>
@@ -358,11 +371,11 @@
           </a:ln>
         </p:spPr>
         <p:txBody>
-          <a:bodyPr anchorCtr="0" anchor="t" bIns="91425" lIns="91425" spcFirstLastPara="1" rIns="91425" wrap="square" tIns="91425">
+          <a:bodyPr spcFirstLastPara="1" wrap="square" lIns="91425" tIns="91425" rIns="91425" bIns="91425" anchor="t" anchorCtr="0">
             <a:noAutofit/>
           </a:bodyPr>
           <a:lstStyle>
-            <a:lvl1pPr indent="-298450" lvl="0" marL="457200">
+            <a:lvl1pPr marL="457200" lvl="0" indent="-298450">
               <a:spcBef>
                 <a:spcPts val="0"/>
               </a:spcBef>
@@ -373,7 +386,7 @@
               <a:buChar char="●"/>
               <a:defRPr sz="1100"/>
             </a:lvl1pPr>
-            <a:lvl2pPr indent="-298450" lvl="1" marL="914400">
+            <a:lvl2pPr marL="914400" lvl="1" indent="-298450">
               <a:spcBef>
                 <a:spcPts val="0"/>
               </a:spcBef>
@@ -384,7 +397,7 @@
               <a:buChar char="○"/>
               <a:defRPr sz="1100"/>
             </a:lvl2pPr>
-            <a:lvl3pPr indent="-298450" lvl="2" marL="1371600">
+            <a:lvl3pPr marL="1371600" lvl="2" indent="-298450">
               <a:spcBef>
                 <a:spcPts val="0"/>
               </a:spcBef>
@@ -395,7 +408,7 @@
               <a:buChar char="■"/>
               <a:defRPr sz="1100"/>
             </a:lvl3pPr>
-            <a:lvl4pPr indent="-298450" lvl="3" marL="1828800">
+            <a:lvl4pPr marL="1828800" lvl="3" indent="-298450">
               <a:spcBef>
                 <a:spcPts val="0"/>
               </a:spcBef>
@@ -406,7 +419,7 @@
               <a:buChar char="●"/>
               <a:defRPr sz="1100"/>
             </a:lvl4pPr>
-            <a:lvl5pPr indent="-298450" lvl="4" marL="2286000">
+            <a:lvl5pPr marL="2286000" lvl="4" indent="-298450">
               <a:spcBef>
                 <a:spcPts val="0"/>
               </a:spcBef>
@@ -417,7 +430,7 @@
               <a:buChar char="○"/>
               <a:defRPr sz="1100"/>
             </a:lvl5pPr>
-            <a:lvl6pPr indent="-298450" lvl="5" marL="2743200">
+            <a:lvl6pPr marL="2743200" lvl="5" indent="-298450">
               <a:spcBef>
                 <a:spcPts val="0"/>
               </a:spcBef>
@@ -428,7 +441,7 @@
               <a:buChar char="■"/>
               <a:defRPr sz="1100"/>
             </a:lvl6pPr>
-            <a:lvl7pPr indent="-298450" lvl="6" marL="3200400">
+            <a:lvl7pPr marL="3200400" lvl="6" indent="-298450">
               <a:spcBef>
                 <a:spcPts val="0"/>
               </a:spcBef>
@@ -439,7 +452,7 @@
               <a:buChar char="●"/>
               <a:defRPr sz="1100"/>
             </a:lvl7pPr>
-            <a:lvl8pPr indent="-298450" lvl="7" marL="3657600">
+            <a:lvl8pPr marL="3657600" lvl="7" indent="-298450">
               <a:spcBef>
                 <a:spcPts val="0"/>
               </a:spcBef>
@@ -450,7 +463,7 @@
               <a:buChar char="○"/>
               <a:defRPr sz="1100"/>
             </a:lvl8pPr>
-            <a:lvl9pPr indent="-298450" lvl="8" marL="4114800">
+            <a:lvl9pPr marL="4114800" lvl="8" indent="-298450">
               <a:spcBef>
                 <a:spcPts val="0"/>
               </a:spcBef>
@@ -462,14 +475,16 @@
               <a:defRPr sz="1100"/>
             </a:lvl9pPr>
           </a:lstStyle>
-          <a:p/>
+          <a:p>
+            <a:endParaRPr/>
+          </a:p>
         </p:txBody>
       </p:sp>
     </p:spTree>
   </p:cSld>
-  <p:clrMap accent1="accent1" accent2="accent2" accent3="accent3" accent4="accent4" accent5="accent5" accent6="accent6" bg1="lt1" bg2="dk2" tx1="dk1" tx2="lt2" folHlink="folHlink" hlink="hlink"/>
+  <p:clrMap bg1="lt1" tx1="dk1" bg2="dk2" tx2="lt2" accent1="accent1" accent2="accent2" accent3="accent3" accent4="accent4" accent5="accent5" accent6="accent6" hlink="hlink" folHlink="folHlink"/>
   <p:notesStyle>
-    <a:defPPr lvl="0" marR="0" rtl="0" algn="l">
+    <a:defPPr marR="0" lvl="0" algn="l" rtl="0">
       <a:lnSpc>
         <a:spcPct val="100000"/>
       </a:lnSpc>
@@ -480,7 +495,7 @@
         <a:spcPts val="0"/>
       </a:spcAft>
     </a:defPPr>
-    <a:lvl1pPr lvl="0" marR="0" rtl="0" algn="l">
+    <a:lvl1pPr marR="0" lvl="0" algn="l" rtl="0">
       <a:lnSpc>
         <a:spcPct val="100000"/>
       </a:lnSpc>
@@ -494,7 +509,7 @@
         <a:srgbClr val="000000"/>
       </a:buClr>
       <a:buFont typeface="Arial"/>
-      <a:defRPr b="0" i="0" sz="1400" u="none" cap="none" strike="noStrike">
+      <a:defRPr sz="1400" b="0" i="0" u="none" strike="noStrike" cap="none">
         <a:solidFill>
           <a:srgbClr val="000000"/>
         </a:solidFill>
@@ -504,7 +519,7 @@
         <a:sym typeface="Arial"/>
       </a:defRPr>
     </a:lvl1pPr>
-    <a:lvl2pPr lvl="1" marR="0" rtl="0" algn="l">
+    <a:lvl2pPr marR="0" lvl="1" algn="l" rtl="0">
       <a:lnSpc>
         <a:spcPct val="100000"/>
       </a:lnSpc>
@@ -518,7 +533,7 @@
         <a:srgbClr val="000000"/>
       </a:buClr>
       <a:buFont typeface="Arial"/>
-      <a:defRPr b="0" i="0" sz="1400" u="none" cap="none" strike="noStrike">
+      <a:defRPr sz="1400" b="0" i="0" u="none" strike="noStrike" cap="none">
         <a:solidFill>
           <a:srgbClr val="000000"/>
         </a:solidFill>
@@ -528,7 +543,7 @@
         <a:sym typeface="Arial"/>
       </a:defRPr>
     </a:lvl2pPr>
-    <a:lvl3pPr lvl="2" marR="0" rtl="0" algn="l">
+    <a:lvl3pPr marR="0" lvl="2" algn="l" rtl="0">
       <a:lnSpc>
         <a:spcPct val="100000"/>
       </a:lnSpc>
@@ -542,7 +557,7 @@
         <a:srgbClr val="000000"/>
       </a:buClr>
       <a:buFont typeface="Arial"/>
-      <a:defRPr b="0" i="0" sz="1400" u="none" cap="none" strike="noStrike">
+      <a:defRPr sz="1400" b="0" i="0" u="none" strike="noStrike" cap="none">
         <a:solidFill>
           <a:srgbClr val="000000"/>
         </a:solidFill>
@@ -552,7 +567,7 @@
         <a:sym typeface="Arial"/>
       </a:defRPr>
     </a:lvl3pPr>
-    <a:lvl4pPr lvl="3" marR="0" rtl="0" algn="l">
+    <a:lvl4pPr marR="0" lvl="3" algn="l" rtl="0">
       <a:lnSpc>
         <a:spcPct val="100000"/>
       </a:lnSpc>
@@ -566,7 +581,7 @@
         <a:srgbClr val="000000"/>
       </a:buClr>
       <a:buFont typeface="Arial"/>
-      <a:defRPr b="0" i="0" sz="1400" u="none" cap="none" strike="noStrike">
+      <a:defRPr sz="1400" b="0" i="0" u="none" strike="noStrike" cap="none">
         <a:solidFill>
           <a:srgbClr val="000000"/>
         </a:solidFill>
@@ -576,7 +591,7 @@
         <a:sym typeface="Arial"/>
       </a:defRPr>
     </a:lvl4pPr>
-    <a:lvl5pPr lvl="4" marR="0" rtl="0" algn="l">
+    <a:lvl5pPr marR="0" lvl="4" algn="l" rtl="0">
       <a:lnSpc>
         <a:spcPct val="100000"/>
       </a:lnSpc>
@@ -590,7 +605,7 @@
         <a:srgbClr val="000000"/>
       </a:buClr>
       <a:buFont typeface="Arial"/>
-      <a:defRPr b="0" i="0" sz="1400" u="none" cap="none" strike="noStrike">
+      <a:defRPr sz="1400" b="0" i="0" u="none" strike="noStrike" cap="none">
         <a:solidFill>
           <a:srgbClr val="000000"/>
         </a:solidFill>
@@ -600,7 +615,7 @@
         <a:sym typeface="Arial"/>
       </a:defRPr>
     </a:lvl5pPr>
-    <a:lvl6pPr lvl="5" marR="0" rtl="0" algn="l">
+    <a:lvl6pPr marR="0" lvl="5" algn="l" rtl="0">
       <a:lnSpc>
         <a:spcPct val="100000"/>
       </a:lnSpc>
@@ -614,7 +629,7 @@
         <a:srgbClr val="000000"/>
       </a:buClr>
       <a:buFont typeface="Arial"/>
-      <a:defRPr b="0" i="0" sz="1400" u="none" cap="none" strike="noStrike">
+      <a:defRPr sz="1400" b="0" i="0" u="none" strike="noStrike" cap="none">
         <a:solidFill>
           <a:srgbClr val="000000"/>
         </a:solidFill>
@@ -624,7 +639,7 @@
         <a:sym typeface="Arial"/>
       </a:defRPr>
     </a:lvl6pPr>
-    <a:lvl7pPr lvl="6" marR="0" rtl="0" algn="l">
+    <a:lvl7pPr marR="0" lvl="6" algn="l" rtl="0">
       <a:lnSpc>
         <a:spcPct val="100000"/>
       </a:lnSpc>
@@ -638,7 +653,7 @@
         <a:srgbClr val="000000"/>
       </a:buClr>
       <a:buFont typeface="Arial"/>
-      <a:defRPr b="0" i="0" sz="1400" u="none" cap="none" strike="noStrike">
+      <a:defRPr sz="1400" b="0" i="0" u="none" strike="noStrike" cap="none">
         <a:solidFill>
           <a:srgbClr val="000000"/>
         </a:solidFill>
@@ -648,7 +663,7 @@
         <a:sym typeface="Arial"/>
       </a:defRPr>
     </a:lvl7pPr>
-    <a:lvl8pPr lvl="7" marR="0" rtl="0" algn="l">
+    <a:lvl8pPr marR="0" lvl="7" algn="l" rtl="0">
       <a:lnSpc>
         <a:spcPct val="100000"/>
       </a:lnSpc>
@@ -662,7 +677,7 @@
         <a:srgbClr val="000000"/>
       </a:buClr>
       <a:buFont typeface="Arial"/>
-      <a:defRPr b="0" i="0" sz="1400" u="none" cap="none" strike="noStrike">
+      <a:defRPr sz="1400" b="0" i="0" u="none" strike="noStrike" cap="none">
         <a:solidFill>
           <a:srgbClr val="000000"/>
         </a:solidFill>
@@ -672,7 +687,7 @@
         <a:sym typeface="Arial"/>
       </a:defRPr>
     </a:lvl8pPr>
-    <a:lvl9pPr lvl="8" marR="0" rtl="0" algn="l">
+    <a:lvl9pPr marR="0" lvl="8" algn="l" rtl="0">
       <a:lnSpc>
         <a:spcPct val="100000"/>
       </a:lnSpc>
@@ -686,7 +701,7 @@
         <a:srgbClr val="000000"/>
       </a:buClr>
       <a:buFont typeface="Arial"/>
-      <a:defRPr b="0" i="0" sz="1400" u="none" cap="none" strike="noStrike">
+      <a:defRPr sz="1400" b="0" i="0" u="none" strike="noStrike" cap="none">
         <a:solidFill>
           <a:srgbClr val="000000"/>
         </a:solidFill>
@@ -701,11 +716,11 @@
 </file>
 
 <file path=ppt/notesSlides/notesSlide1.xml><?xml version="1.0" encoding="utf-8"?>
-<p:notes xmlns:a="http://schemas.openxmlformats.org/drawingml/2006/main" xmlns:r="http://schemas.openxmlformats.org/officeDocument/2006/relationships" xmlns:mc="http://schemas.openxmlformats.org/markup-compatibility/2006" xmlns:mv="urn:schemas-microsoft-com:mac:vml" xmlns:p="http://schemas.openxmlformats.org/presentationml/2006/main" xmlns:c="http://schemas.openxmlformats.org/drawingml/2006/chart" xmlns:dgm="http://schemas.openxmlformats.org/drawingml/2006/diagram" xmlns:o="urn:schemas-microsoft-com:office:office" xmlns:v="urn:schemas-microsoft-com:vml" xmlns:pvml="urn:schemas-microsoft-com:office:powerpoint" xmlns:com="http://schemas.openxmlformats.org/drawingml/2006/compatibility" xmlns:p14="http://schemas.microsoft.com/office/powerpoint/2010/main" xmlns:p15="http://schemas.microsoft.com/office/powerpoint/2012/main" xmlns:ahyp="http://schemas.microsoft.com/office/drawing/2018/hyperlinkcolor" showMasterPhAnim="0" showMasterSp="0">
+<p:notes xmlns:a="http://schemas.openxmlformats.org/drawingml/2006/main" xmlns:r="http://schemas.openxmlformats.org/officeDocument/2006/relationships" xmlns:p="http://schemas.openxmlformats.org/presentationml/2006/main" showMasterSp="0" showMasterPhAnim="0">
   <p:cSld>
     <p:spTree>
       <p:nvGrpSpPr>
-        <p:cNvPr id="50" name="Shape 50"/>
+        <p:cNvPr id="1" name="Shape 50"/>
         <p:cNvGrpSpPr/>
         <p:nvPr/>
       </p:nvGrpSpPr>
@@ -720,9 +735,11 @@
       <p:sp>
         <p:nvSpPr>
           <p:cNvPr id="51" name="Google Shape;51;p:notes"/>
-          <p:cNvSpPr/>
+          <p:cNvSpPr>
+            <a:spLocks noGrp="1" noRot="1" noChangeAspect="1"/>
+          </p:cNvSpPr>
           <p:nvPr>
-            <p:ph idx="2" type="sldImg"/>
+            <p:ph type="sldImg" idx="2"/>
           </p:nvPr>
         </p:nvSpPr>
         <p:spPr>
@@ -731,9 +748,13 @@
             <a:ext cx="6096075" cy="3429000"/>
           </a:xfrm>
           <a:custGeom>
-            <a:rect b="b" l="l" r="r" t="t"/>
+            <a:avLst/>
+            <a:gdLst/>
+            <a:ahLst/>
+            <a:cxnLst/>
+            <a:rect l="l" t="t" r="r" b="b"/>
             <a:pathLst>
-              <a:path extrusionOk="0" h="120000" w="120000">
+              <a:path w="120000" h="120000" extrusionOk="0">
                 <a:moveTo>
                   <a:pt x="0" y="0"/>
                 </a:moveTo>
@@ -755,9 +776,11 @@
       <p:sp>
         <p:nvSpPr>
           <p:cNvPr id="52" name="Google Shape;52;p:notes"/>
-          <p:cNvSpPr txBox="1"/>
+          <p:cNvSpPr txBox="1">
+            <a:spLocks noGrp="1"/>
+          </p:cNvSpPr>
           <p:nvPr>
-            <p:ph idx="1" type="body"/>
+            <p:ph type="body" idx="1"/>
           </p:nvPr>
         </p:nvSpPr>
         <p:spPr>
@@ -770,23 +793,20 @@
           </a:prstGeom>
         </p:spPr>
         <p:txBody>
-          <a:bodyPr anchorCtr="0" anchor="t" bIns="91425" lIns="91425" spcFirstLastPara="1" rIns="91425" wrap="square" tIns="91425">
+          <a:bodyPr spcFirstLastPara="1" wrap="square" lIns="91425" tIns="91425" rIns="91425" bIns="91425" anchor="t" anchorCtr="0">
             <a:noAutofit/>
           </a:bodyPr>
           <a:lstStyle/>
           <a:p>
-            <a:pPr indent="0" lvl="0" marL="0" rtl="0" algn="l">
-              <a:spcBef>
-                <a:spcPts val="0"/>
-              </a:spcBef>
-              <a:spcAft>
-                <a:spcPts val="0"/>
-              </a:spcAft>
-              <a:buNone/>
-            </a:pPr>
-            <a:r>
-              <a:t/>
-            </a:r>
+            <a:pPr marL="0" lvl="0" indent="0" algn="l" rtl="0">
+              <a:spcBef>
+                <a:spcPts val="0"/>
+              </a:spcBef>
+              <a:spcAft>
+                <a:spcPts val="0"/>
+              </a:spcAft>
+              <a:buNone/>
+            </a:pPr>
             <a:endParaRPr/>
           </a:p>
         </p:txBody>
@@ -800,11 +820,11 @@
 </file>
 
 <file path=ppt/notesSlides/notesSlide10.xml><?xml version="1.0" encoding="utf-8"?>
-<p:notes xmlns:a="http://schemas.openxmlformats.org/drawingml/2006/main" xmlns:r="http://schemas.openxmlformats.org/officeDocument/2006/relationships" xmlns:mc="http://schemas.openxmlformats.org/markup-compatibility/2006" xmlns:mv="urn:schemas-microsoft-com:mac:vml" xmlns:p="http://schemas.openxmlformats.org/presentationml/2006/main" xmlns:c="http://schemas.openxmlformats.org/drawingml/2006/chart" xmlns:dgm="http://schemas.openxmlformats.org/drawingml/2006/diagram" xmlns:o="urn:schemas-microsoft-com:office:office" xmlns:v="urn:schemas-microsoft-com:vml" xmlns:pvml="urn:schemas-microsoft-com:office:powerpoint" xmlns:com="http://schemas.openxmlformats.org/drawingml/2006/compatibility" xmlns:p14="http://schemas.microsoft.com/office/powerpoint/2010/main" xmlns:p15="http://schemas.microsoft.com/office/powerpoint/2012/main" xmlns:ahyp="http://schemas.microsoft.com/office/drawing/2018/hyperlinkcolor" showMasterPhAnim="0" showMasterSp="0">
+<p:notes xmlns:a="http://schemas.openxmlformats.org/drawingml/2006/main" xmlns:r="http://schemas.openxmlformats.org/officeDocument/2006/relationships" xmlns:p="http://schemas.openxmlformats.org/presentationml/2006/main" showMasterSp="0" showMasterPhAnim="0">
   <p:cSld>
     <p:spTree>
       <p:nvGrpSpPr>
-        <p:cNvPr id="117" name="Shape 117"/>
+        <p:cNvPr id="1" name="Shape 117"/>
         <p:cNvGrpSpPr/>
         <p:nvPr/>
       </p:nvGrpSpPr>
@@ -819,9 +839,11 @@
       <p:sp>
         <p:nvSpPr>
           <p:cNvPr id="118" name="Google Shape;118;g3ab96c88398_0_71:notes"/>
-          <p:cNvSpPr/>
+          <p:cNvSpPr>
+            <a:spLocks noGrp="1" noRot="1" noChangeAspect="1"/>
+          </p:cNvSpPr>
           <p:nvPr>
-            <p:ph idx="2" type="sldImg"/>
+            <p:ph type="sldImg" idx="2"/>
           </p:nvPr>
         </p:nvSpPr>
         <p:spPr>
@@ -830,9 +852,13 @@
             <a:ext cx="6096000" cy="3429000"/>
           </a:xfrm>
           <a:custGeom>
-            <a:rect b="b" l="l" r="r" t="t"/>
+            <a:avLst/>
+            <a:gdLst/>
+            <a:ahLst/>
+            <a:cxnLst/>
+            <a:rect l="l" t="t" r="r" b="b"/>
             <a:pathLst>
-              <a:path extrusionOk="0" h="120000" w="120000">
+              <a:path w="120000" h="120000" extrusionOk="0">
                 <a:moveTo>
                   <a:pt x="0" y="0"/>
                 </a:moveTo>
@@ -854,9 +880,11 @@
       <p:sp>
         <p:nvSpPr>
           <p:cNvPr id="119" name="Google Shape;119;g3ab96c88398_0_71:notes"/>
-          <p:cNvSpPr txBox="1"/>
+          <p:cNvSpPr txBox="1">
+            <a:spLocks noGrp="1"/>
+          </p:cNvSpPr>
           <p:nvPr>
-            <p:ph idx="1" type="body"/>
+            <p:ph type="body" idx="1"/>
           </p:nvPr>
         </p:nvSpPr>
         <p:spPr>
@@ -869,23 +897,20 @@
           </a:prstGeom>
         </p:spPr>
         <p:txBody>
-          <a:bodyPr anchorCtr="0" anchor="t" bIns="91425" lIns="91425" spcFirstLastPara="1" rIns="91425" wrap="square" tIns="91425">
+          <a:bodyPr spcFirstLastPara="1" wrap="square" lIns="91425" tIns="91425" rIns="91425" bIns="91425" anchor="t" anchorCtr="0">
             <a:noAutofit/>
           </a:bodyPr>
           <a:lstStyle/>
           <a:p>
-            <a:pPr indent="0" lvl="0" marL="0" rtl="0" algn="l">
-              <a:spcBef>
-                <a:spcPts val="0"/>
-              </a:spcBef>
-              <a:spcAft>
-                <a:spcPts val="0"/>
-              </a:spcAft>
-              <a:buNone/>
-            </a:pPr>
-            <a:r>
-              <a:t/>
-            </a:r>
+            <a:pPr marL="0" lvl="0" indent="0" algn="l" rtl="0">
+              <a:spcBef>
+                <a:spcPts val="0"/>
+              </a:spcBef>
+              <a:spcAft>
+                <a:spcPts val="0"/>
+              </a:spcAft>
+              <a:buNone/>
+            </a:pPr>
             <a:endParaRPr/>
           </a:p>
         </p:txBody>
@@ -899,11 +924,11 @@
 </file>
 
 <file path=ppt/notesSlides/notesSlide11.xml><?xml version="1.0" encoding="utf-8"?>
-<p:notes xmlns:a="http://schemas.openxmlformats.org/drawingml/2006/main" xmlns:r="http://schemas.openxmlformats.org/officeDocument/2006/relationships" xmlns:mc="http://schemas.openxmlformats.org/markup-compatibility/2006" xmlns:mv="urn:schemas-microsoft-com:mac:vml" xmlns:p="http://schemas.openxmlformats.org/presentationml/2006/main" xmlns:c="http://schemas.openxmlformats.org/drawingml/2006/chart" xmlns:dgm="http://schemas.openxmlformats.org/drawingml/2006/diagram" xmlns:o="urn:schemas-microsoft-com:office:office" xmlns:v="urn:schemas-microsoft-com:vml" xmlns:pvml="urn:schemas-microsoft-com:office:powerpoint" xmlns:com="http://schemas.openxmlformats.org/drawingml/2006/compatibility" xmlns:p14="http://schemas.microsoft.com/office/powerpoint/2010/main" xmlns:p15="http://schemas.microsoft.com/office/powerpoint/2012/main" xmlns:ahyp="http://schemas.microsoft.com/office/drawing/2018/hyperlinkcolor" showMasterPhAnim="0" showMasterSp="0">
+<p:notes xmlns:a="http://schemas.openxmlformats.org/drawingml/2006/main" xmlns:r="http://schemas.openxmlformats.org/officeDocument/2006/relationships" xmlns:p="http://schemas.openxmlformats.org/presentationml/2006/main" showMasterSp="0" showMasterPhAnim="0">
   <p:cSld>
     <p:spTree>
       <p:nvGrpSpPr>
-        <p:cNvPr id="127" name="Shape 127"/>
+        <p:cNvPr id="1" name="Shape 127"/>
         <p:cNvGrpSpPr/>
         <p:nvPr/>
       </p:nvGrpSpPr>
@@ -918,9 +943,11 @@
       <p:sp>
         <p:nvSpPr>
           <p:cNvPr id="128" name="Google Shape;128;g3ab96c88398_0_92:notes"/>
-          <p:cNvSpPr/>
+          <p:cNvSpPr>
+            <a:spLocks noGrp="1" noRot="1" noChangeAspect="1"/>
+          </p:cNvSpPr>
           <p:nvPr>
-            <p:ph idx="2" type="sldImg"/>
+            <p:ph type="sldImg" idx="2"/>
           </p:nvPr>
         </p:nvSpPr>
         <p:spPr>
@@ -929,9 +956,13 @@
             <a:ext cx="6096000" cy="3429000"/>
           </a:xfrm>
           <a:custGeom>
-            <a:rect b="b" l="l" r="r" t="t"/>
+            <a:avLst/>
+            <a:gdLst/>
+            <a:ahLst/>
+            <a:cxnLst/>
+            <a:rect l="l" t="t" r="r" b="b"/>
             <a:pathLst>
-              <a:path extrusionOk="0" h="120000" w="120000">
+              <a:path w="120000" h="120000" extrusionOk="0">
                 <a:moveTo>
                   <a:pt x="0" y="0"/>
                 </a:moveTo>
@@ -953,9 +984,11 @@
       <p:sp>
         <p:nvSpPr>
           <p:cNvPr id="129" name="Google Shape;129;g3ab96c88398_0_92:notes"/>
-          <p:cNvSpPr txBox="1"/>
+          <p:cNvSpPr txBox="1">
+            <a:spLocks noGrp="1"/>
+          </p:cNvSpPr>
           <p:nvPr>
-            <p:ph idx="1" type="body"/>
+            <p:ph type="body" idx="1"/>
           </p:nvPr>
         </p:nvSpPr>
         <p:spPr>
@@ -968,23 +1001,20 @@
           </a:prstGeom>
         </p:spPr>
         <p:txBody>
-          <a:bodyPr anchorCtr="0" anchor="t" bIns="91425" lIns="91425" spcFirstLastPara="1" rIns="91425" wrap="square" tIns="91425">
+          <a:bodyPr spcFirstLastPara="1" wrap="square" lIns="91425" tIns="91425" rIns="91425" bIns="91425" anchor="t" anchorCtr="0">
             <a:noAutofit/>
           </a:bodyPr>
           <a:lstStyle/>
           <a:p>
-            <a:pPr indent="0" lvl="0" marL="0" rtl="0" algn="l">
-              <a:spcBef>
-                <a:spcPts val="0"/>
-              </a:spcBef>
-              <a:spcAft>
-                <a:spcPts val="0"/>
-              </a:spcAft>
-              <a:buNone/>
-            </a:pPr>
-            <a:r>
-              <a:t/>
-            </a:r>
+            <a:pPr marL="0" lvl="0" indent="0" algn="l" rtl="0">
+              <a:spcBef>
+                <a:spcPts val="0"/>
+              </a:spcBef>
+              <a:spcAft>
+                <a:spcPts val="0"/>
+              </a:spcAft>
+              <a:buNone/>
+            </a:pPr>
             <a:endParaRPr/>
           </a:p>
         </p:txBody>
@@ -998,11 +1028,11 @@
 </file>
 
 <file path=ppt/notesSlides/notesSlide12.xml><?xml version="1.0" encoding="utf-8"?>
-<p:notes xmlns:a="http://schemas.openxmlformats.org/drawingml/2006/main" xmlns:r="http://schemas.openxmlformats.org/officeDocument/2006/relationships" xmlns:mc="http://schemas.openxmlformats.org/markup-compatibility/2006" xmlns:mv="urn:schemas-microsoft-com:mac:vml" xmlns:p="http://schemas.openxmlformats.org/presentationml/2006/main" xmlns:c="http://schemas.openxmlformats.org/drawingml/2006/chart" xmlns:dgm="http://schemas.openxmlformats.org/drawingml/2006/diagram" xmlns:o="urn:schemas-microsoft-com:office:office" xmlns:v="urn:schemas-microsoft-com:vml" xmlns:pvml="urn:schemas-microsoft-com:office:powerpoint" xmlns:com="http://schemas.openxmlformats.org/drawingml/2006/compatibility" xmlns:p14="http://schemas.microsoft.com/office/powerpoint/2010/main" xmlns:p15="http://schemas.microsoft.com/office/powerpoint/2012/main" xmlns:ahyp="http://schemas.microsoft.com/office/drawing/2018/hyperlinkcolor" showMasterPhAnim="0" showMasterSp="0">
+<p:notes xmlns:a="http://schemas.openxmlformats.org/drawingml/2006/main" xmlns:r="http://schemas.openxmlformats.org/officeDocument/2006/relationships" xmlns:p="http://schemas.openxmlformats.org/presentationml/2006/main" showMasterSp="0" showMasterPhAnim="0">
   <p:cSld>
     <p:spTree>
       <p:nvGrpSpPr>
-        <p:cNvPr id="140" name="Shape 140"/>
+        <p:cNvPr id="1" name="Shape 140"/>
         <p:cNvGrpSpPr/>
         <p:nvPr/>
       </p:nvGrpSpPr>
@@ -1017,9 +1047,11 @@
       <p:sp>
         <p:nvSpPr>
           <p:cNvPr id="141" name="Google Shape;141;g3ab96c88398_0_107:notes"/>
-          <p:cNvSpPr/>
+          <p:cNvSpPr>
+            <a:spLocks noGrp="1" noRot="1" noChangeAspect="1"/>
+          </p:cNvSpPr>
           <p:nvPr>
-            <p:ph idx="2" type="sldImg"/>
+            <p:ph type="sldImg" idx="2"/>
           </p:nvPr>
         </p:nvSpPr>
         <p:spPr>
@@ -1028,9 +1060,13 @@
             <a:ext cx="6096000" cy="3429000"/>
           </a:xfrm>
           <a:custGeom>
-            <a:rect b="b" l="l" r="r" t="t"/>
+            <a:avLst/>
+            <a:gdLst/>
+            <a:ahLst/>
+            <a:cxnLst/>
+            <a:rect l="l" t="t" r="r" b="b"/>
             <a:pathLst>
-              <a:path extrusionOk="0" h="120000" w="120000">
+              <a:path w="120000" h="120000" extrusionOk="0">
                 <a:moveTo>
                   <a:pt x="0" y="0"/>
                 </a:moveTo>
@@ -1052,9 +1088,11 @@
       <p:sp>
         <p:nvSpPr>
           <p:cNvPr id="142" name="Google Shape;142;g3ab96c88398_0_107:notes"/>
-          <p:cNvSpPr txBox="1"/>
+          <p:cNvSpPr txBox="1">
+            <a:spLocks noGrp="1"/>
+          </p:cNvSpPr>
           <p:nvPr>
-            <p:ph idx="1" type="body"/>
+            <p:ph type="body" idx="1"/>
           </p:nvPr>
         </p:nvSpPr>
         <p:spPr>
@@ -1067,23 +1105,20 @@
           </a:prstGeom>
         </p:spPr>
         <p:txBody>
-          <a:bodyPr anchorCtr="0" anchor="t" bIns="91425" lIns="91425" spcFirstLastPara="1" rIns="91425" wrap="square" tIns="91425">
+          <a:bodyPr spcFirstLastPara="1" wrap="square" lIns="91425" tIns="91425" rIns="91425" bIns="91425" anchor="t" anchorCtr="0">
             <a:noAutofit/>
           </a:bodyPr>
           <a:lstStyle/>
           <a:p>
-            <a:pPr indent="0" lvl="0" marL="0" rtl="0" algn="l">
-              <a:spcBef>
-                <a:spcPts val="0"/>
-              </a:spcBef>
-              <a:spcAft>
-                <a:spcPts val="0"/>
-              </a:spcAft>
-              <a:buNone/>
-            </a:pPr>
-            <a:r>
-              <a:t/>
-            </a:r>
+            <a:pPr marL="0" lvl="0" indent="0" algn="l" rtl="0">
+              <a:spcBef>
+                <a:spcPts val="0"/>
+              </a:spcBef>
+              <a:spcAft>
+                <a:spcPts val="0"/>
+              </a:spcAft>
+              <a:buNone/>
+            </a:pPr>
             <a:endParaRPr/>
           </a:p>
         </p:txBody>
@@ -1097,11 +1132,11 @@
 </file>
 
 <file path=ppt/notesSlides/notesSlide13.xml><?xml version="1.0" encoding="utf-8"?>
-<p:notes xmlns:a="http://schemas.openxmlformats.org/drawingml/2006/main" xmlns:r="http://schemas.openxmlformats.org/officeDocument/2006/relationships" xmlns:mc="http://schemas.openxmlformats.org/markup-compatibility/2006" xmlns:mv="urn:schemas-microsoft-com:mac:vml" xmlns:p="http://schemas.openxmlformats.org/presentationml/2006/main" xmlns:c="http://schemas.openxmlformats.org/drawingml/2006/chart" xmlns:dgm="http://schemas.openxmlformats.org/drawingml/2006/diagram" xmlns:o="urn:schemas-microsoft-com:office:office" xmlns:v="urn:schemas-microsoft-com:vml" xmlns:pvml="urn:schemas-microsoft-com:office:powerpoint" xmlns:com="http://schemas.openxmlformats.org/drawingml/2006/compatibility" xmlns:p14="http://schemas.microsoft.com/office/powerpoint/2010/main" xmlns:p15="http://schemas.microsoft.com/office/powerpoint/2012/main" xmlns:ahyp="http://schemas.microsoft.com/office/drawing/2018/hyperlinkcolor" showMasterPhAnim="0" showMasterSp="0">
+<p:notes xmlns:a="http://schemas.openxmlformats.org/drawingml/2006/main" xmlns:r="http://schemas.openxmlformats.org/officeDocument/2006/relationships" xmlns:p="http://schemas.openxmlformats.org/presentationml/2006/main" showMasterSp="0" showMasterPhAnim="0">
   <p:cSld>
     <p:spTree>
       <p:nvGrpSpPr>
-        <p:cNvPr id="159" name="Shape 159"/>
+        <p:cNvPr id="1" name="Shape 159"/>
         <p:cNvGrpSpPr/>
         <p:nvPr/>
       </p:nvGrpSpPr>
@@ -1116,9 +1151,11 @@
       <p:sp>
         <p:nvSpPr>
           <p:cNvPr id="160" name="Google Shape;160;g3ab96c88398_0_125:notes"/>
-          <p:cNvSpPr/>
+          <p:cNvSpPr>
+            <a:spLocks noGrp="1" noRot="1" noChangeAspect="1"/>
+          </p:cNvSpPr>
           <p:nvPr>
-            <p:ph idx="2" type="sldImg"/>
+            <p:ph type="sldImg" idx="2"/>
           </p:nvPr>
         </p:nvSpPr>
         <p:spPr>
@@ -1127,9 +1164,13 @@
             <a:ext cx="6096000" cy="3429000"/>
           </a:xfrm>
           <a:custGeom>
-            <a:rect b="b" l="l" r="r" t="t"/>
+            <a:avLst/>
+            <a:gdLst/>
+            <a:ahLst/>
+            <a:cxnLst/>
+            <a:rect l="l" t="t" r="r" b="b"/>
             <a:pathLst>
-              <a:path extrusionOk="0" h="120000" w="120000">
+              <a:path w="120000" h="120000" extrusionOk="0">
                 <a:moveTo>
                   <a:pt x="0" y="0"/>
                 </a:moveTo>
@@ -1151,9 +1192,11 @@
       <p:sp>
         <p:nvSpPr>
           <p:cNvPr id="161" name="Google Shape;161;g3ab96c88398_0_125:notes"/>
-          <p:cNvSpPr txBox="1"/>
+          <p:cNvSpPr txBox="1">
+            <a:spLocks noGrp="1"/>
+          </p:cNvSpPr>
           <p:nvPr>
-            <p:ph idx="1" type="body"/>
+            <p:ph type="body" idx="1"/>
           </p:nvPr>
         </p:nvSpPr>
         <p:spPr>
@@ -1166,23 +1209,20 @@
           </a:prstGeom>
         </p:spPr>
         <p:txBody>
-          <a:bodyPr anchorCtr="0" anchor="t" bIns="91425" lIns="91425" spcFirstLastPara="1" rIns="91425" wrap="square" tIns="91425">
+          <a:bodyPr spcFirstLastPara="1" wrap="square" lIns="91425" tIns="91425" rIns="91425" bIns="91425" anchor="t" anchorCtr="0">
             <a:noAutofit/>
           </a:bodyPr>
           <a:lstStyle/>
           <a:p>
-            <a:pPr indent="0" lvl="0" marL="0" rtl="0" algn="l">
-              <a:spcBef>
-                <a:spcPts val="0"/>
-              </a:spcBef>
-              <a:spcAft>
-                <a:spcPts val="0"/>
-              </a:spcAft>
-              <a:buNone/>
-            </a:pPr>
-            <a:r>
-              <a:t/>
-            </a:r>
+            <a:pPr marL="0" lvl="0" indent="0" algn="l" rtl="0">
+              <a:spcBef>
+                <a:spcPts val="0"/>
+              </a:spcBef>
+              <a:spcAft>
+                <a:spcPts val="0"/>
+              </a:spcAft>
+              <a:buNone/>
+            </a:pPr>
             <a:endParaRPr/>
           </a:p>
         </p:txBody>
@@ -1196,11 +1236,11 @@
 </file>
 
 <file path=ppt/notesSlides/notesSlide14.xml><?xml version="1.0" encoding="utf-8"?>
-<p:notes xmlns:a="http://schemas.openxmlformats.org/drawingml/2006/main" xmlns:r="http://schemas.openxmlformats.org/officeDocument/2006/relationships" xmlns:mc="http://schemas.openxmlformats.org/markup-compatibility/2006" xmlns:mv="urn:schemas-microsoft-com:mac:vml" xmlns:p="http://schemas.openxmlformats.org/presentationml/2006/main" xmlns:c="http://schemas.openxmlformats.org/drawingml/2006/chart" xmlns:dgm="http://schemas.openxmlformats.org/drawingml/2006/diagram" xmlns:o="urn:schemas-microsoft-com:office:office" xmlns:v="urn:schemas-microsoft-com:vml" xmlns:pvml="urn:schemas-microsoft-com:office:powerpoint" xmlns:com="http://schemas.openxmlformats.org/drawingml/2006/compatibility" xmlns:p14="http://schemas.microsoft.com/office/powerpoint/2010/main" xmlns:p15="http://schemas.microsoft.com/office/powerpoint/2012/main" xmlns:ahyp="http://schemas.microsoft.com/office/drawing/2018/hyperlinkcolor" showMasterPhAnim="0" showMasterSp="0">
+<p:notes xmlns:a="http://schemas.openxmlformats.org/drawingml/2006/main" xmlns:r="http://schemas.openxmlformats.org/officeDocument/2006/relationships" xmlns:p="http://schemas.openxmlformats.org/presentationml/2006/main" showMasterSp="0" showMasterPhAnim="0">
   <p:cSld>
     <p:spTree>
       <p:nvGrpSpPr>
-        <p:cNvPr id="184" name="Shape 184"/>
+        <p:cNvPr id="1" name="Shape 184"/>
         <p:cNvGrpSpPr/>
         <p:nvPr/>
       </p:nvGrpSpPr>
@@ -1215,9 +1255,11 @@
       <p:sp>
         <p:nvSpPr>
           <p:cNvPr id="185" name="Google Shape;185;g3ab96c88398_0_150:notes"/>
-          <p:cNvSpPr/>
+          <p:cNvSpPr>
+            <a:spLocks noGrp="1" noRot="1" noChangeAspect="1"/>
+          </p:cNvSpPr>
           <p:nvPr>
-            <p:ph idx="2" type="sldImg"/>
+            <p:ph type="sldImg" idx="2"/>
           </p:nvPr>
         </p:nvSpPr>
         <p:spPr>
@@ -1226,9 +1268,13 @@
             <a:ext cx="6096000" cy="3429000"/>
           </a:xfrm>
           <a:custGeom>
-            <a:rect b="b" l="l" r="r" t="t"/>
+            <a:avLst/>
+            <a:gdLst/>
+            <a:ahLst/>
+            <a:cxnLst/>
+            <a:rect l="l" t="t" r="r" b="b"/>
             <a:pathLst>
-              <a:path extrusionOk="0" h="120000" w="120000">
+              <a:path w="120000" h="120000" extrusionOk="0">
                 <a:moveTo>
                   <a:pt x="0" y="0"/>
                 </a:moveTo>
@@ -1250,9 +1296,11 @@
       <p:sp>
         <p:nvSpPr>
           <p:cNvPr id="186" name="Google Shape;186;g3ab96c88398_0_150:notes"/>
-          <p:cNvSpPr txBox="1"/>
+          <p:cNvSpPr txBox="1">
+            <a:spLocks noGrp="1"/>
+          </p:cNvSpPr>
           <p:nvPr>
-            <p:ph idx="1" type="body"/>
+            <p:ph type="body" idx="1"/>
           </p:nvPr>
         </p:nvSpPr>
         <p:spPr>
@@ -1265,23 +1313,20 @@
           </a:prstGeom>
         </p:spPr>
         <p:txBody>
-          <a:bodyPr anchorCtr="0" anchor="t" bIns="91425" lIns="91425" spcFirstLastPara="1" rIns="91425" wrap="square" tIns="91425">
+          <a:bodyPr spcFirstLastPara="1" wrap="square" lIns="91425" tIns="91425" rIns="91425" bIns="91425" anchor="t" anchorCtr="0">
             <a:noAutofit/>
           </a:bodyPr>
           <a:lstStyle/>
           <a:p>
-            <a:pPr indent="0" lvl="0" marL="0" rtl="0" algn="l">
-              <a:spcBef>
-                <a:spcPts val="0"/>
-              </a:spcBef>
-              <a:spcAft>
-                <a:spcPts val="0"/>
-              </a:spcAft>
-              <a:buNone/>
-            </a:pPr>
-            <a:r>
-              <a:t/>
-            </a:r>
+            <a:pPr marL="0" lvl="0" indent="0" algn="l" rtl="0">
+              <a:spcBef>
+                <a:spcPts val="0"/>
+              </a:spcBef>
+              <a:spcAft>
+                <a:spcPts val="0"/>
+              </a:spcAft>
+              <a:buNone/>
+            </a:pPr>
             <a:endParaRPr/>
           </a:p>
         </p:txBody>
@@ -1295,11 +1340,11 @@
 </file>
 
 <file path=ppt/notesSlides/notesSlide15.xml><?xml version="1.0" encoding="utf-8"?>
-<p:notes xmlns:a="http://schemas.openxmlformats.org/drawingml/2006/main" xmlns:r="http://schemas.openxmlformats.org/officeDocument/2006/relationships" xmlns:mc="http://schemas.openxmlformats.org/markup-compatibility/2006" xmlns:mv="urn:schemas-microsoft-com:mac:vml" xmlns:p="http://schemas.openxmlformats.org/presentationml/2006/main" xmlns:c="http://schemas.openxmlformats.org/drawingml/2006/chart" xmlns:dgm="http://schemas.openxmlformats.org/drawingml/2006/diagram" xmlns:o="urn:schemas-microsoft-com:office:office" xmlns:v="urn:schemas-microsoft-com:vml" xmlns:pvml="urn:schemas-microsoft-com:office:powerpoint" xmlns:com="http://schemas.openxmlformats.org/drawingml/2006/compatibility" xmlns:p14="http://schemas.microsoft.com/office/powerpoint/2010/main" xmlns:p15="http://schemas.microsoft.com/office/powerpoint/2012/main" xmlns:ahyp="http://schemas.microsoft.com/office/drawing/2018/hyperlinkcolor" showMasterPhAnim="0" showMasterSp="0">
+<p:notes xmlns:a="http://schemas.openxmlformats.org/drawingml/2006/main" xmlns:r="http://schemas.openxmlformats.org/officeDocument/2006/relationships" xmlns:p="http://schemas.openxmlformats.org/presentationml/2006/main" showMasterSp="0" showMasterPhAnim="0">
   <p:cSld>
     <p:spTree>
       <p:nvGrpSpPr>
-        <p:cNvPr id="209" name="Shape 209"/>
+        <p:cNvPr id="1" name="Shape 209"/>
         <p:cNvGrpSpPr/>
         <p:nvPr/>
       </p:nvGrpSpPr>
@@ -1314,9 +1359,11 @@
       <p:sp>
         <p:nvSpPr>
           <p:cNvPr id="210" name="Google Shape;210;g3ab96c88398_0_174:notes"/>
-          <p:cNvSpPr/>
+          <p:cNvSpPr>
+            <a:spLocks noGrp="1" noRot="1" noChangeAspect="1"/>
+          </p:cNvSpPr>
           <p:nvPr>
-            <p:ph idx="2" type="sldImg"/>
+            <p:ph type="sldImg" idx="2"/>
           </p:nvPr>
         </p:nvSpPr>
         <p:spPr>
@@ -1325,9 +1372,13 @@
             <a:ext cx="6096000" cy="3429000"/>
           </a:xfrm>
           <a:custGeom>
-            <a:rect b="b" l="l" r="r" t="t"/>
+            <a:avLst/>
+            <a:gdLst/>
+            <a:ahLst/>
+            <a:cxnLst/>
+            <a:rect l="l" t="t" r="r" b="b"/>
             <a:pathLst>
-              <a:path extrusionOk="0" h="120000" w="120000">
+              <a:path w="120000" h="120000" extrusionOk="0">
                 <a:moveTo>
                   <a:pt x="0" y="0"/>
                 </a:moveTo>
@@ -1349,9 +1400,11 @@
       <p:sp>
         <p:nvSpPr>
           <p:cNvPr id="211" name="Google Shape;211;g3ab96c88398_0_174:notes"/>
-          <p:cNvSpPr txBox="1"/>
+          <p:cNvSpPr txBox="1">
+            <a:spLocks noGrp="1"/>
+          </p:cNvSpPr>
           <p:nvPr>
-            <p:ph idx="1" type="body"/>
+            <p:ph type="body" idx="1"/>
           </p:nvPr>
         </p:nvSpPr>
         <p:spPr>
@@ -1364,23 +1417,20 @@
           </a:prstGeom>
         </p:spPr>
         <p:txBody>
-          <a:bodyPr anchorCtr="0" anchor="t" bIns="91425" lIns="91425" spcFirstLastPara="1" rIns="91425" wrap="square" tIns="91425">
+          <a:bodyPr spcFirstLastPara="1" wrap="square" lIns="91425" tIns="91425" rIns="91425" bIns="91425" anchor="t" anchorCtr="0">
             <a:noAutofit/>
           </a:bodyPr>
           <a:lstStyle/>
           <a:p>
-            <a:pPr indent="0" lvl="0" marL="0" rtl="0" algn="l">
-              <a:spcBef>
-                <a:spcPts val="0"/>
-              </a:spcBef>
-              <a:spcAft>
-                <a:spcPts val="0"/>
-              </a:spcAft>
-              <a:buNone/>
-            </a:pPr>
-            <a:r>
-              <a:t/>
-            </a:r>
+            <a:pPr marL="0" lvl="0" indent="0" algn="l" rtl="0">
+              <a:spcBef>
+                <a:spcPts val="0"/>
+              </a:spcBef>
+              <a:spcAft>
+                <a:spcPts val="0"/>
+              </a:spcAft>
+              <a:buNone/>
+            </a:pPr>
             <a:endParaRPr/>
           </a:p>
         </p:txBody>
@@ -1394,11 +1444,11 @@
 </file>
 
 <file path=ppt/notesSlides/notesSlide2.xml><?xml version="1.0" encoding="utf-8"?>
-<p:notes xmlns:a="http://schemas.openxmlformats.org/drawingml/2006/main" xmlns:r="http://schemas.openxmlformats.org/officeDocument/2006/relationships" xmlns:mc="http://schemas.openxmlformats.org/markup-compatibility/2006" xmlns:mv="urn:schemas-microsoft-com:mac:vml" xmlns:p="http://schemas.openxmlformats.org/presentationml/2006/main" xmlns:c="http://schemas.openxmlformats.org/drawingml/2006/chart" xmlns:dgm="http://schemas.openxmlformats.org/drawingml/2006/diagram" xmlns:o="urn:schemas-microsoft-com:office:office" xmlns:v="urn:schemas-microsoft-com:vml" xmlns:pvml="urn:schemas-microsoft-com:office:powerpoint" xmlns:com="http://schemas.openxmlformats.org/drawingml/2006/compatibility" xmlns:p14="http://schemas.microsoft.com/office/powerpoint/2010/main" xmlns:p15="http://schemas.microsoft.com/office/powerpoint/2012/main" xmlns:ahyp="http://schemas.microsoft.com/office/drawing/2018/hyperlinkcolor" showMasterPhAnim="0" showMasterSp="0">
+<p:notes xmlns:a="http://schemas.openxmlformats.org/drawingml/2006/main" xmlns:r="http://schemas.openxmlformats.org/officeDocument/2006/relationships" xmlns:p="http://schemas.openxmlformats.org/presentationml/2006/main" showMasterSp="0" showMasterPhAnim="0">
   <p:cSld>
     <p:spTree>
       <p:nvGrpSpPr>
-        <p:cNvPr id="60" name="Shape 60"/>
+        <p:cNvPr id="1" name="Shape 60"/>
         <p:cNvGrpSpPr/>
         <p:nvPr/>
       </p:nvGrpSpPr>
@@ -1413,9 +1463,11 @@
       <p:sp>
         <p:nvSpPr>
           <p:cNvPr id="61" name="Google Shape;61;g3ab96c88398_0_16:notes"/>
-          <p:cNvSpPr/>
+          <p:cNvSpPr>
+            <a:spLocks noGrp="1" noRot="1" noChangeAspect="1"/>
+          </p:cNvSpPr>
           <p:nvPr>
-            <p:ph idx="2" type="sldImg"/>
+            <p:ph type="sldImg" idx="2"/>
           </p:nvPr>
         </p:nvSpPr>
         <p:spPr>
@@ -1424,9 +1476,13 @@
             <a:ext cx="6096000" cy="3429000"/>
           </a:xfrm>
           <a:custGeom>
-            <a:rect b="b" l="l" r="r" t="t"/>
+            <a:avLst/>
+            <a:gdLst/>
+            <a:ahLst/>
+            <a:cxnLst/>
+            <a:rect l="l" t="t" r="r" b="b"/>
             <a:pathLst>
-              <a:path extrusionOk="0" h="120000" w="120000">
+              <a:path w="120000" h="120000" extrusionOk="0">
                 <a:moveTo>
                   <a:pt x="0" y="0"/>
                 </a:moveTo>
@@ -1448,9 +1504,11 @@
       <p:sp>
         <p:nvSpPr>
           <p:cNvPr id="62" name="Google Shape;62;g3ab96c88398_0_16:notes"/>
-          <p:cNvSpPr txBox="1"/>
+          <p:cNvSpPr txBox="1">
+            <a:spLocks noGrp="1"/>
+          </p:cNvSpPr>
           <p:nvPr>
-            <p:ph idx="1" type="body"/>
+            <p:ph type="body" idx="1"/>
           </p:nvPr>
         </p:nvSpPr>
         <p:spPr>
@@ -1463,23 +1521,20 @@
           </a:prstGeom>
         </p:spPr>
         <p:txBody>
-          <a:bodyPr anchorCtr="0" anchor="t" bIns="91425" lIns="91425" spcFirstLastPara="1" rIns="91425" wrap="square" tIns="91425">
+          <a:bodyPr spcFirstLastPara="1" wrap="square" lIns="91425" tIns="91425" rIns="91425" bIns="91425" anchor="t" anchorCtr="0">
             <a:noAutofit/>
           </a:bodyPr>
           <a:lstStyle/>
           <a:p>
-            <a:pPr indent="0" lvl="0" marL="0" rtl="0" algn="l">
-              <a:spcBef>
-                <a:spcPts val="0"/>
-              </a:spcBef>
-              <a:spcAft>
-                <a:spcPts val="0"/>
-              </a:spcAft>
-              <a:buNone/>
-            </a:pPr>
-            <a:r>
-              <a:t/>
-            </a:r>
+            <a:pPr marL="0" lvl="0" indent="0" algn="l" rtl="0">
+              <a:spcBef>
+                <a:spcPts val="0"/>
+              </a:spcBef>
+              <a:spcAft>
+                <a:spcPts val="0"/>
+              </a:spcAft>
+              <a:buNone/>
+            </a:pPr>
             <a:endParaRPr/>
           </a:p>
         </p:txBody>
@@ -1493,11 +1548,11 @@
 </file>
 
 <file path=ppt/notesSlides/notesSlide3.xml><?xml version="1.0" encoding="utf-8"?>
-<p:notes xmlns:a="http://schemas.openxmlformats.org/drawingml/2006/main" xmlns:r="http://schemas.openxmlformats.org/officeDocument/2006/relationships" xmlns:mc="http://schemas.openxmlformats.org/markup-compatibility/2006" xmlns:mv="urn:schemas-microsoft-com:mac:vml" xmlns:p="http://schemas.openxmlformats.org/presentationml/2006/main" xmlns:c="http://schemas.openxmlformats.org/drawingml/2006/chart" xmlns:dgm="http://schemas.openxmlformats.org/drawingml/2006/diagram" xmlns:o="urn:schemas-microsoft-com:office:office" xmlns:v="urn:schemas-microsoft-com:vml" xmlns:pvml="urn:schemas-microsoft-com:office:powerpoint" xmlns:com="http://schemas.openxmlformats.org/drawingml/2006/compatibility" xmlns:p14="http://schemas.microsoft.com/office/powerpoint/2010/main" xmlns:p15="http://schemas.microsoft.com/office/powerpoint/2012/main" xmlns:ahyp="http://schemas.microsoft.com/office/drawing/2018/hyperlinkcolor" showMasterPhAnim="0" showMasterSp="0">
+<p:notes xmlns:a="http://schemas.openxmlformats.org/drawingml/2006/main" xmlns:r="http://schemas.openxmlformats.org/officeDocument/2006/relationships" xmlns:p="http://schemas.openxmlformats.org/presentationml/2006/main" showMasterSp="0" showMasterPhAnim="0">
   <p:cSld>
     <p:spTree>
       <p:nvGrpSpPr>
-        <p:cNvPr id="67" name="Shape 67"/>
+        <p:cNvPr id="1" name="Shape 67"/>
         <p:cNvGrpSpPr/>
         <p:nvPr/>
       </p:nvGrpSpPr>
@@ -1512,9 +1567,11 @@
       <p:sp>
         <p:nvSpPr>
           <p:cNvPr id="68" name="Google Shape;68;g3ab96c88398_0_22:notes"/>
-          <p:cNvSpPr/>
+          <p:cNvSpPr>
+            <a:spLocks noGrp="1" noRot="1" noChangeAspect="1"/>
+          </p:cNvSpPr>
           <p:nvPr>
-            <p:ph idx="2" type="sldImg"/>
+            <p:ph type="sldImg" idx="2"/>
           </p:nvPr>
         </p:nvSpPr>
         <p:spPr>
@@ -1523,9 +1580,13 @@
             <a:ext cx="6096000" cy="3429000"/>
           </a:xfrm>
           <a:custGeom>
-            <a:rect b="b" l="l" r="r" t="t"/>
+            <a:avLst/>
+            <a:gdLst/>
+            <a:ahLst/>
+            <a:cxnLst/>
+            <a:rect l="l" t="t" r="r" b="b"/>
             <a:pathLst>
-              <a:path extrusionOk="0" h="120000" w="120000">
+              <a:path w="120000" h="120000" extrusionOk="0">
                 <a:moveTo>
                   <a:pt x="0" y="0"/>
                 </a:moveTo>
@@ -1547,9 +1608,11 @@
       <p:sp>
         <p:nvSpPr>
           <p:cNvPr id="69" name="Google Shape;69;g3ab96c88398_0_22:notes"/>
-          <p:cNvSpPr txBox="1"/>
+          <p:cNvSpPr txBox="1">
+            <a:spLocks noGrp="1"/>
+          </p:cNvSpPr>
           <p:nvPr>
-            <p:ph idx="1" type="body"/>
+            <p:ph type="body" idx="1"/>
           </p:nvPr>
         </p:nvSpPr>
         <p:spPr>
@@ -1562,23 +1625,20 @@
           </a:prstGeom>
         </p:spPr>
         <p:txBody>
-          <a:bodyPr anchorCtr="0" anchor="t" bIns="91425" lIns="91425" spcFirstLastPara="1" rIns="91425" wrap="square" tIns="91425">
+          <a:bodyPr spcFirstLastPara="1" wrap="square" lIns="91425" tIns="91425" rIns="91425" bIns="91425" anchor="t" anchorCtr="0">
             <a:noAutofit/>
           </a:bodyPr>
           <a:lstStyle/>
           <a:p>
-            <a:pPr indent="0" lvl="0" marL="0" rtl="0" algn="l">
-              <a:spcBef>
-                <a:spcPts val="0"/>
-              </a:spcBef>
-              <a:spcAft>
-                <a:spcPts val="0"/>
-              </a:spcAft>
-              <a:buNone/>
-            </a:pPr>
-            <a:r>
-              <a:t/>
-            </a:r>
+            <a:pPr marL="0" lvl="0" indent="0" algn="l" rtl="0">
+              <a:spcBef>
+                <a:spcPts val="0"/>
+              </a:spcBef>
+              <a:spcAft>
+                <a:spcPts val="0"/>
+              </a:spcAft>
+              <a:buNone/>
+            </a:pPr>
             <a:endParaRPr/>
           </a:p>
         </p:txBody>
@@ -1592,11 +1652,11 @@
 </file>
 
 <file path=ppt/notesSlides/notesSlide4.xml><?xml version="1.0" encoding="utf-8"?>
-<p:notes xmlns:a="http://schemas.openxmlformats.org/drawingml/2006/main" xmlns:r="http://schemas.openxmlformats.org/officeDocument/2006/relationships" xmlns:mc="http://schemas.openxmlformats.org/markup-compatibility/2006" xmlns:mv="urn:schemas-microsoft-com:mac:vml" xmlns:p="http://schemas.openxmlformats.org/presentationml/2006/main" xmlns:c="http://schemas.openxmlformats.org/drawingml/2006/chart" xmlns:dgm="http://schemas.openxmlformats.org/drawingml/2006/diagram" xmlns:o="urn:schemas-microsoft-com:office:office" xmlns:v="urn:schemas-microsoft-com:vml" xmlns:pvml="urn:schemas-microsoft-com:office:powerpoint" xmlns:com="http://schemas.openxmlformats.org/drawingml/2006/compatibility" xmlns:p14="http://schemas.microsoft.com/office/powerpoint/2010/main" xmlns:p15="http://schemas.microsoft.com/office/powerpoint/2012/main" xmlns:ahyp="http://schemas.microsoft.com/office/drawing/2018/hyperlinkcolor" showMasterPhAnim="0" showMasterSp="0">
+<p:notes xmlns:a="http://schemas.openxmlformats.org/drawingml/2006/main" xmlns:r="http://schemas.openxmlformats.org/officeDocument/2006/relationships" xmlns:p="http://schemas.openxmlformats.org/presentationml/2006/main" showMasterSp="0" showMasterPhAnim="0">
   <p:cSld>
     <p:spTree>
       <p:nvGrpSpPr>
-        <p:cNvPr id="74" name="Shape 74"/>
+        <p:cNvPr id="1" name="Shape 74"/>
         <p:cNvGrpSpPr/>
         <p:nvPr/>
       </p:nvGrpSpPr>
@@ -1611,9 +1671,11 @@
       <p:sp>
         <p:nvSpPr>
           <p:cNvPr id="75" name="Google Shape;75;g3ab96c88398_0_29:notes"/>
-          <p:cNvSpPr/>
+          <p:cNvSpPr>
+            <a:spLocks noGrp="1" noRot="1" noChangeAspect="1"/>
+          </p:cNvSpPr>
           <p:nvPr>
-            <p:ph idx="2" type="sldImg"/>
+            <p:ph type="sldImg" idx="2"/>
           </p:nvPr>
         </p:nvSpPr>
         <p:spPr>
@@ -1622,9 +1684,13 @@
             <a:ext cx="6096000" cy="3429000"/>
           </a:xfrm>
           <a:custGeom>
-            <a:rect b="b" l="l" r="r" t="t"/>
+            <a:avLst/>
+            <a:gdLst/>
+            <a:ahLst/>
+            <a:cxnLst/>
+            <a:rect l="l" t="t" r="r" b="b"/>
             <a:pathLst>
-              <a:path extrusionOk="0" h="120000" w="120000">
+              <a:path w="120000" h="120000" extrusionOk="0">
                 <a:moveTo>
                   <a:pt x="0" y="0"/>
                 </a:moveTo>
@@ -1646,9 +1712,11 @@
       <p:sp>
         <p:nvSpPr>
           <p:cNvPr id="76" name="Google Shape;76;g3ab96c88398_0_29:notes"/>
-          <p:cNvSpPr txBox="1"/>
+          <p:cNvSpPr txBox="1">
+            <a:spLocks noGrp="1"/>
+          </p:cNvSpPr>
           <p:nvPr>
-            <p:ph idx="1" type="body"/>
+            <p:ph type="body" idx="1"/>
           </p:nvPr>
         </p:nvSpPr>
         <p:spPr>
@@ -1661,23 +1729,20 @@
           </a:prstGeom>
         </p:spPr>
         <p:txBody>
-          <a:bodyPr anchorCtr="0" anchor="t" bIns="91425" lIns="91425" spcFirstLastPara="1" rIns="91425" wrap="square" tIns="91425">
+          <a:bodyPr spcFirstLastPara="1" wrap="square" lIns="91425" tIns="91425" rIns="91425" bIns="91425" anchor="t" anchorCtr="0">
             <a:noAutofit/>
           </a:bodyPr>
           <a:lstStyle/>
           <a:p>
-            <a:pPr indent="0" lvl="0" marL="0" rtl="0" algn="l">
-              <a:spcBef>
-                <a:spcPts val="0"/>
-              </a:spcBef>
-              <a:spcAft>
-                <a:spcPts val="0"/>
-              </a:spcAft>
-              <a:buNone/>
-            </a:pPr>
-            <a:r>
-              <a:t/>
-            </a:r>
+            <a:pPr marL="0" lvl="0" indent="0" algn="l" rtl="0">
+              <a:spcBef>
+                <a:spcPts val="0"/>
+              </a:spcBef>
+              <a:spcAft>
+                <a:spcPts val="0"/>
+              </a:spcAft>
+              <a:buNone/>
+            </a:pPr>
             <a:endParaRPr/>
           </a:p>
         </p:txBody>
@@ -1691,11 +1756,11 @@
 </file>
 
 <file path=ppt/notesSlides/notesSlide5.xml><?xml version="1.0" encoding="utf-8"?>
-<p:notes xmlns:a="http://schemas.openxmlformats.org/drawingml/2006/main" xmlns:r="http://schemas.openxmlformats.org/officeDocument/2006/relationships" xmlns:mc="http://schemas.openxmlformats.org/markup-compatibility/2006" xmlns:mv="urn:schemas-microsoft-com:mac:vml" xmlns:p="http://schemas.openxmlformats.org/presentationml/2006/main" xmlns:c="http://schemas.openxmlformats.org/drawingml/2006/chart" xmlns:dgm="http://schemas.openxmlformats.org/drawingml/2006/diagram" xmlns:o="urn:schemas-microsoft-com:office:office" xmlns:v="urn:schemas-microsoft-com:vml" xmlns:pvml="urn:schemas-microsoft-com:office:powerpoint" xmlns:com="http://schemas.openxmlformats.org/drawingml/2006/compatibility" xmlns:p14="http://schemas.microsoft.com/office/powerpoint/2010/main" xmlns:p15="http://schemas.microsoft.com/office/powerpoint/2012/main" xmlns:ahyp="http://schemas.microsoft.com/office/drawing/2018/hyperlinkcolor" showMasterPhAnim="0" showMasterSp="0">
+<p:notes xmlns:a="http://schemas.openxmlformats.org/drawingml/2006/main" xmlns:r="http://schemas.openxmlformats.org/officeDocument/2006/relationships" xmlns:p="http://schemas.openxmlformats.org/presentationml/2006/main" showMasterSp="0" showMasterPhAnim="0">
   <p:cSld>
     <p:spTree>
       <p:nvGrpSpPr>
-        <p:cNvPr id="80" name="Shape 80"/>
+        <p:cNvPr id="1" name="Shape 80"/>
         <p:cNvGrpSpPr/>
         <p:nvPr/>
       </p:nvGrpSpPr>
@@ -1710,9 +1775,11 @@
       <p:sp>
         <p:nvSpPr>
           <p:cNvPr id="81" name="Google Shape;81;g3ab96c88398_0_35:notes"/>
-          <p:cNvSpPr/>
+          <p:cNvSpPr>
+            <a:spLocks noGrp="1" noRot="1" noChangeAspect="1"/>
+          </p:cNvSpPr>
           <p:nvPr>
-            <p:ph idx="2" type="sldImg"/>
+            <p:ph type="sldImg" idx="2"/>
           </p:nvPr>
         </p:nvSpPr>
         <p:spPr>
@@ -1721,9 +1788,13 @@
             <a:ext cx="6096000" cy="3429000"/>
           </a:xfrm>
           <a:custGeom>
-            <a:rect b="b" l="l" r="r" t="t"/>
+            <a:avLst/>
+            <a:gdLst/>
+            <a:ahLst/>
+            <a:cxnLst/>
+            <a:rect l="l" t="t" r="r" b="b"/>
             <a:pathLst>
-              <a:path extrusionOk="0" h="120000" w="120000">
+              <a:path w="120000" h="120000" extrusionOk="0">
                 <a:moveTo>
                   <a:pt x="0" y="0"/>
                 </a:moveTo>
@@ -1745,9 +1816,11 @@
       <p:sp>
         <p:nvSpPr>
           <p:cNvPr id="82" name="Google Shape;82;g3ab96c88398_0_35:notes"/>
-          <p:cNvSpPr txBox="1"/>
+          <p:cNvSpPr txBox="1">
+            <a:spLocks noGrp="1"/>
+          </p:cNvSpPr>
           <p:nvPr>
-            <p:ph idx="1" type="body"/>
+            <p:ph type="body" idx="1"/>
           </p:nvPr>
         </p:nvSpPr>
         <p:spPr>
@@ -1760,23 +1833,20 @@
           </a:prstGeom>
         </p:spPr>
         <p:txBody>
-          <a:bodyPr anchorCtr="0" anchor="t" bIns="91425" lIns="91425" spcFirstLastPara="1" rIns="91425" wrap="square" tIns="91425">
+          <a:bodyPr spcFirstLastPara="1" wrap="square" lIns="91425" tIns="91425" rIns="91425" bIns="91425" anchor="t" anchorCtr="0">
             <a:noAutofit/>
           </a:bodyPr>
           <a:lstStyle/>
           <a:p>
-            <a:pPr indent="0" lvl="0" marL="0" rtl="0" algn="l">
-              <a:spcBef>
-                <a:spcPts val="0"/>
-              </a:spcBef>
-              <a:spcAft>
-                <a:spcPts val="0"/>
-              </a:spcAft>
-              <a:buNone/>
-            </a:pPr>
-            <a:r>
-              <a:t/>
-            </a:r>
+            <a:pPr marL="0" lvl="0" indent="0" algn="l" rtl="0">
+              <a:spcBef>
+                <a:spcPts val="0"/>
+              </a:spcBef>
+              <a:spcAft>
+                <a:spcPts val="0"/>
+              </a:spcAft>
+              <a:buNone/>
+            </a:pPr>
             <a:endParaRPr/>
           </a:p>
         </p:txBody>
@@ -1790,11 +1860,11 @@
 </file>
 
 <file path=ppt/notesSlides/notesSlide6.xml><?xml version="1.0" encoding="utf-8"?>
-<p:notes xmlns:a="http://schemas.openxmlformats.org/drawingml/2006/main" xmlns:r="http://schemas.openxmlformats.org/officeDocument/2006/relationships" xmlns:mc="http://schemas.openxmlformats.org/markup-compatibility/2006" xmlns:mv="urn:schemas-microsoft-com:mac:vml" xmlns:p="http://schemas.openxmlformats.org/presentationml/2006/main" xmlns:c="http://schemas.openxmlformats.org/drawingml/2006/chart" xmlns:dgm="http://schemas.openxmlformats.org/drawingml/2006/diagram" xmlns:o="urn:schemas-microsoft-com:office:office" xmlns:v="urn:schemas-microsoft-com:vml" xmlns:pvml="urn:schemas-microsoft-com:office:powerpoint" xmlns:com="http://schemas.openxmlformats.org/drawingml/2006/compatibility" xmlns:p14="http://schemas.microsoft.com/office/powerpoint/2010/main" xmlns:p15="http://schemas.microsoft.com/office/powerpoint/2012/main" xmlns:ahyp="http://schemas.microsoft.com/office/drawing/2018/hyperlinkcolor" showMasterPhAnim="0" showMasterSp="0">
+<p:notes xmlns:a="http://schemas.openxmlformats.org/drawingml/2006/main" xmlns:r="http://schemas.openxmlformats.org/officeDocument/2006/relationships" xmlns:p="http://schemas.openxmlformats.org/presentationml/2006/main" showMasterSp="0" showMasterPhAnim="0">
   <p:cSld>
     <p:spTree>
       <p:nvGrpSpPr>
-        <p:cNvPr id="87" name="Shape 87"/>
+        <p:cNvPr id="1" name="Shape 87"/>
         <p:cNvGrpSpPr/>
         <p:nvPr/>
       </p:nvGrpSpPr>
@@ -1809,20 +1879,26 @@
       <p:sp>
         <p:nvSpPr>
           <p:cNvPr id="88" name="Google Shape;88;g3ab96c88398_0_41:notes"/>
-          <p:cNvSpPr/>
+          <p:cNvSpPr>
+            <a:spLocks noGrp="1" noRot="1" noChangeAspect="1"/>
+          </p:cNvSpPr>
           <p:nvPr>
-            <p:ph idx="2" type="sldImg"/>
+            <p:ph type="sldImg" idx="2"/>
           </p:nvPr>
         </p:nvSpPr>
         <p:spPr>
           <a:xfrm>
-            <a:off x="381300" y="685800"/>
+            <a:off x="381000" y="685800"/>
             <a:ext cx="6096000" cy="3429000"/>
           </a:xfrm>
           <a:custGeom>
-            <a:rect b="b" l="l" r="r" t="t"/>
+            <a:avLst/>
+            <a:gdLst/>
+            <a:ahLst/>
+            <a:cxnLst/>
+            <a:rect l="l" t="t" r="r" b="b"/>
             <a:pathLst>
-              <a:path extrusionOk="0" h="120000" w="120000">
+              <a:path w="120000" h="120000" extrusionOk="0">
                 <a:moveTo>
                   <a:pt x="0" y="0"/>
                 </a:moveTo>
@@ -1844,9 +1920,11 @@
       <p:sp>
         <p:nvSpPr>
           <p:cNvPr id="89" name="Google Shape;89;g3ab96c88398_0_41:notes"/>
-          <p:cNvSpPr txBox="1"/>
+          <p:cNvSpPr txBox="1">
+            <a:spLocks noGrp="1"/>
+          </p:cNvSpPr>
           <p:nvPr>
-            <p:ph idx="1" type="body"/>
+            <p:ph type="body" idx="1"/>
           </p:nvPr>
         </p:nvSpPr>
         <p:spPr>
@@ -1859,23 +1937,20 @@
           </a:prstGeom>
         </p:spPr>
         <p:txBody>
-          <a:bodyPr anchorCtr="0" anchor="t" bIns="91425" lIns="91425" spcFirstLastPara="1" rIns="91425" wrap="square" tIns="91425">
+          <a:bodyPr spcFirstLastPara="1" wrap="square" lIns="91425" tIns="91425" rIns="91425" bIns="91425" anchor="t" anchorCtr="0">
             <a:noAutofit/>
           </a:bodyPr>
           <a:lstStyle/>
           <a:p>
-            <a:pPr indent="0" lvl="0" marL="0" rtl="0" algn="l">
-              <a:spcBef>
-                <a:spcPts val="0"/>
-              </a:spcBef>
-              <a:spcAft>
-                <a:spcPts val="0"/>
-              </a:spcAft>
-              <a:buNone/>
-            </a:pPr>
-            <a:r>
-              <a:t/>
-            </a:r>
+            <a:pPr marL="0" lvl="0" indent="0" algn="l" rtl="0">
+              <a:spcBef>
+                <a:spcPts val="0"/>
+              </a:spcBef>
+              <a:spcAft>
+                <a:spcPts val="0"/>
+              </a:spcAft>
+              <a:buNone/>
+            </a:pPr>
             <a:endParaRPr/>
           </a:p>
         </p:txBody>
@@ -1889,11 +1964,11 @@
 </file>
 
 <file path=ppt/notesSlides/notesSlide7.xml><?xml version="1.0" encoding="utf-8"?>
-<p:notes xmlns:a="http://schemas.openxmlformats.org/drawingml/2006/main" xmlns:r="http://schemas.openxmlformats.org/officeDocument/2006/relationships" xmlns:mc="http://schemas.openxmlformats.org/markup-compatibility/2006" xmlns:mv="urn:schemas-microsoft-com:mac:vml" xmlns:p="http://schemas.openxmlformats.org/presentationml/2006/main" xmlns:c="http://schemas.openxmlformats.org/drawingml/2006/chart" xmlns:dgm="http://schemas.openxmlformats.org/drawingml/2006/diagram" xmlns:o="urn:schemas-microsoft-com:office:office" xmlns:v="urn:schemas-microsoft-com:vml" xmlns:pvml="urn:schemas-microsoft-com:office:powerpoint" xmlns:com="http://schemas.openxmlformats.org/drawingml/2006/compatibility" xmlns:p14="http://schemas.microsoft.com/office/powerpoint/2010/main" xmlns:p15="http://schemas.microsoft.com/office/powerpoint/2012/main" xmlns:ahyp="http://schemas.microsoft.com/office/drawing/2018/hyperlinkcolor" showMasterPhAnim="0" showMasterSp="0">
+<p:notes xmlns:a="http://schemas.openxmlformats.org/drawingml/2006/main" xmlns:r="http://schemas.openxmlformats.org/officeDocument/2006/relationships" xmlns:p="http://schemas.openxmlformats.org/presentationml/2006/main" showMasterSp="0" showMasterPhAnim="0">
   <p:cSld>
     <p:spTree>
       <p:nvGrpSpPr>
-        <p:cNvPr id="95" name="Shape 95"/>
+        <p:cNvPr id="1" name="Shape 95"/>
         <p:cNvGrpSpPr/>
         <p:nvPr/>
       </p:nvGrpSpPr>
@@ -1908,9 +1983,11 @@
       <p:sp>
         <p:nvSpPr>
           <p:cNvPr id="96" name="Google Shape;96;g3ab96c88398_0_49:notes"/>
-          <p:cNvSpPr/>
+          <p:cNvSpPr>
+            <a:spLocks noGrp="1" noRot="1" noChangeAspect="1"/>
+          </p:cNvSpPr>
           <p:nvPr>
-            <p:ph idx="2" type="sldImg"/>
+            <p:ph type="sldImg" idx="2"/>
           </p:nvPr>
         </p:nvSpPr>
         <p:spPr>
@@ -1919,9 +1996,13 @@
             <a:ext cx="6096000" cy="3429000"/>
           </a:xfrm>
           <a:custGeom>
-            <a:rect b="b" l="l" r="r" t="t"/>
+            <a:avLst/>
+            <a:gdLst/>
+            <a:ahLst/>
+            <a:cxnLst/>
+            <a:rect l="l" t="t" r="r" b="b"/>
             <a:pathLst>
-              <a:path extrusionOk="0" h="120000" w="120000">
+              <a:path w="120000" h="120000" extrusionOk="0">
                 <a:moveTo>
                   <a:pt x="0" y="0"/>
                 </a:moveTo>
@@ -1943,9 +2024,11 @@
       <p:sp>
         <p:nvSpPr>
           <p:cNvPr id="97" name="Google Shape;97;g3ab96c88398_0_49:notes"/>
-          <p:cNvSpPr txBox="1"/>
+          <p:cNvSpPr txBox="1">
+            <a:spLocks noGrp="1"/>
+          </p:cNvSpPr>
           <p:nvPr>
-            <p:ph idx="1" type="body"/>
+            <p:ph type="body" idx="1"/>
           </p:nvPr>
         </p:nvSpPr>
         <p:spPr>
@@ -1958,23 +2041,20 @@
           </a:prstGeom>
         </p:spPr>
         <p:txBody>
-          <a:bodyPr anchorCtr="0" anchor="t" bIns="91425" lIns="91425" spcFirstLastPara="1" rIns="91425" wrap="square" tIns="91425">
+          <a:bodyPr spcFirstLastPara="1" wrap="square" lIns="91425" tIns="91425" rIns="91425" bIns="91425" anchor="t" anchorCtr="0">
             <a:noAutofit/>
           </a:bodyPr>
           <a:lstStyle/>
           <a:p>
-            <a:pPr indent="0" lvl="0" marL="0" rtl="0" algn="l">
-              <a:spcBef>
-                <a:spcPts val="0"/>
-              </a:spcBef>
-              <a:spcAft>
-                <a:spcPts val="0"/>
-              </a:spcAft>
-              <a:buNone/>
-            </a:pPr>
-            <a:r>
-              <a:t/>
-            </a:r>
+            <a:pPr marL="0" lvl="0" indent="0" algn="l" rtl="0">
+              <a:spcBef>
+                <a:spcPts val="0"/>
+              </a:spcBef>
+              <a:spcAft>
+                <a:spcPts val="0"/>
+              </a:spcAft>
+              <a:buNone/>
+            </a:pPr>
             <a:endParaRPr/>
           </a:p>
         </p:txBody>
@@ -1988,11 +2068,11 @@
 </file>
 
 <file path=ppt/notesSlides/notesSlide8.xml><?xml version="1.0" encoding="utf-8"?>
-<p:notes xmlns:a="http://schemas.openxmlformats.org/drawingml/2006/main" xmlns:r="http://schemas.openxmlformats.org/officeDocument/2006/relationships" xmlns:mc="http://schemas.openxmlformats.org/markup-compatibility/2006" xmlns:mv="urn:schemas-microsoft-com:mac:vml" xmlns:p="http://schemas.openxmlformats.org/presentationml/2006/main" xmlns:c="http://schemas.openxmlformats.org/drawingml/2006/chart" xmlns:dgm="http://schemas.openxmlformats.org/drawingml/2006/diagram" xmlns:o="urn:schemas-microsoft-com:office:office" xmlns:v="urn:schemas-microsoft-com:vml" xmlns:pvml="urn:schemas-microsoft-com:office:powerpoint" xmlns:com="http://schemas.openxmlformats.org/drawingml/2006/compatibility" xmlns:p14="http://schemas.microsoft.com/office/powerpoint/2010/main" xmlns:p15="http://schemas.microsoft.com/office/powerpoint/2012/main" xmlns:ahyp="http://schemas.microsoft.com/office/drawing/2018/hyperlinkcolor" showMasterPhAnim="0" showMasterSp="0">
+<p:notes xmlns:a="http://schemas.openxmlformats.org/drawingml/2006/main" xmlns:r="http://schemas.openxmlformats.org/officeDocument/2006/relationships" xmlns:p="http://schemas.openxmlformats.org/presentationml/2006/main" showMasterSp="0" showMasterPhAnim="0">
   <p:cSld>
     <p:spTree>
       <p:nvGrpSpPr>
-        <p:cNvPr id="102" name="Shape 102"/>
+        <p:cNvPr id="1" name="Shape 102"/>
         <p:cNvGrpSpPr/>
         <p:nvPr/>
       </p:nvGrpSpPr>
@@ -2007,9 +2087,11 @@
       <p:sp>
         <p:nvSpPr>
           <p:cNvPr id="103" name="Google Shape;103;g3ab96c88398_0_59:notes"/>
-          <p:cNvSpPr/>
+          <p:cNvSpPr>
+            <a:spLocks noGrp="1" noRot="1" noChangeAspect="1"/>
+          </p:cNvSpPr>
           <p:nvPr>
-            <p:ph idx="2" type="sldImg"/>
+            <p:ph type="sldImg" idx="2"/>
           </p:nvPr>
         </p:nvSpPr>
         <p:spPr>
@@ -2018,9 +2100,13 @@
             <a:ext cx="6096000" cy="3429000"/>
           </a:xfrm>
           <a:custGeom>
-            <a:rect b="b" l="l" r="r" t="t"/>
+            <a:avLst/>
+            <a:gdLst/>
+            <a:ahLst/>
+            <a:cxnLst/>
+            <a:rect l="l" t="t" r="r" b="b"/>
             <a:pathLst>
-              <a:path extrusionOk="0" h="120000" w="120000">
+              <a:path w="120000" h="120000" extrusionOk="0">
                 <a:moveTo>
                   <a:pt x="0" y="0"/>
                 </a:moveTo>
@@ -2042,9 +2128,11 @@
       <p:sp>
         <p:nvSpPr>
           <p:cNvPr id="104" name="Google Shape;104;g3ab96c88398_0_59:notes"/>
-          <p:cNvSpPr txBox="1"/>
+          <p:cNvSpPr txBox="1">
+            <a:spLocks noGrp="1"/>
+          </p:cNvSpPr>
           <p:nvPr>
-            <p:ph idx="1" type="body"/>
+            <p:ph type="body" idx="1"/>
           </p:nvPr>
         </p:nvSpPr>
         <p:spPr>
@@ -2057,23 +2145,20 @@
           </a:prstGeom>
         </p:spPr>
         <p:txBody>
-          <a:bodyPr anchorCtr="0" anchor="t" bIns="91425" lIns="91425" spcFirstLastPara="1" rIns="91425" wrap="square" tIns="91425">
+          <a:bodyPr spcFirstLastPara="1" wrap="square" lIns="91425" tIns="91425" rIns="91425" bIns="91425" anchor="t" anchorCtr="0">
             <a:noAutofit/>
           </a:bodyPr>
           <a:lstStyle/>
           <a:p>
-            <a:pPr indent="0" lvl="0" marL="0" rtl="0" algn="l">
-              <a:spcBef>
-                <a:spcPts val="0"/>
-              </a:spcBef>
-              <a:spcAft>
-                <a:spcPts val="0"/>
-              </a:spcAft>
-              <a:buNone/>
-            </a:pPr>
-            <a:r>
-              <a:t/>
-            </a:r>
+            <a:pPr marL="0" lvl="0" indent="0" algn="l" rtl="0">
+              <a:spcBef>
+                <a:spcPts val="0"/>
+              </a:spcBef>
+              <a:spcAft>
+                <a:spcPts val="0"/>
+              </a:spcAft>
+              <a:buNone/>
+            </a:pPr>
             <a:endParaRPr/>
           </a:p>
         </p:txBody>
@@ -2087,11 +2172,11 @@
 </file>
 
 <file path=ppt/notesSlides/notesSlide9.xml><?xml version="1.0" encoding="utf-8"?>
-<p:notes xmlns:a="http://schemas.openxmlformats.org/drawingml/2006/main" xmlns:r="http://schemas.openxmlformats.org/officeDocument/2006/relationships" xmlns:mc="http://schemas.openxmlformats.org/markup-compatibility/2006" xmlns:mv="urn:schemas-microsoft-com:mac:vml" xmlns:p="http://schemas.openxmlformats.org/presentationml/2006/main" xmlns:c="http://schemas.openxmlformats.org/drawingml/2006/chart" xmlns:dgm="http://schemas.openxmlformats.org/drawingml/2006/diagram" xmlns:o="urn:schemas-microsoft-com:office:office" xmlns:v="urn:schemas-microsoft-com:vml" xmlns:pvml="urn:schemas-microsoft-com:office:powerpoint" xmlns:com="http://schemas.openxmlformats.org/drawingml/2006/compatibility" xmlns:p14="http://schemas.microsoft.com/office/powerpoint/2010/main" xmlns:p15="http://schemas.microsoft.com/office/powerpoint/2012/main" xmlns:ahyp="http://schemas.microsoft.com/office/drawing/2018/hyperlinkcolor" showMasterPhAnim="0" showMasterSp="0">
+<p:notes xmlns:a="http://schemas.openxmlformats.org/drawingml/2006/main" xmlns:r="http://schemas.openxmlformats.org/officeDocument/2006/relationships" xmlns:p="http://schemas.openxmlformats.org/presentationml/2006/main" showMasterSp="0" showMasterPhAnim="0">
   <p:cSld>
     <p:spTree>
       <p:nvGrpSpPr>
-        <p:cNvPr id="109" name="Shape 109"/>
+        <p:cNvPr id="1" name="Shape 109"/>
         <p:cNvGrpSpPr/>
         <p:nvPr/>
       </p:nvGrpSpPr>
@@ -2106,9 +2191,11 @@
       <p:sp>
         <p:nvSpPr>
           <p:cNvPr id="110" name="Google Shape;110;g3ab96c88398_0_66:notes"/>
-          <p:cNvSpPr/>
+          <p:cNvSpPr>
+            <a:spLocks noGrp="1" noRot="1" noChangeAspect="1"/>
+          </p:cNvSpPr>
           <p:nvPr>
-            <p:ph idx="2" type="sldImg"/>
+            <p:ph type="sldImg" idx="2"/>
           </p:nvPr>
         </p:nvSpPr>
         <p:spPr>
@@ -2117,9 +2204,13 @@
             <a:ext cx="6096000" cy="3429000"/>
           </a:xfrm>
           <a:custGeom>
-            <a:rect b="b" l="l" r="r" t="t"/>
+            <a:avLst/>
+            <a:gdLst/>
+            <a:ahLst/>
+            <a:cxnLst/>
+            <a:rect l="l" t="t" r="r" b="b"/>
             <a:pathLst>
-              <a:path extrusionOk="0" h="120000" w="120000">
+              <a:path w="120000" h="120000" extrusionOk="0">
                 <a:moveTo>
                   <a:pt x="0" y="0"/>
                 </a:moveTo>
@@ -2141,9 +2232,11 @@
       <p:sp>
         <p:nvSpPr>
           <p:cNvPr id="111" name="Google Shape;111;g3ab96c88398_0_66:notes"/>
-          <p:cNvSpPr txBox="1"/>
+          <p:cNvSpPr txBox="1">
+            <a:spLocks noGrp="1"/>
+          </p:cNvSpPr>
           <p:nvPr>
-            <p:ph idx="1" type="body"/>
+            <p:ph type="body" idx="1"/>
           </p:nvPr>
         </p:nvSpPr>
         <p:spPr>
@@ -2156,23 +2249,20 @@
           </a:prstGeom>
         </p:spPr>
         <p:txBody>
-          <a:bodyPr anchorCtr="0" anchor="t" bIns="91425" lIns="91425" spcFirstLastPara="1" rIns="91425" wrap="square" tIns="91425">
+          <a:bodyPr spcFirstLastPara="1" wrap="square" lIns="91425" tIns="91425" rIns="91425" bIns="91425" anchor="t" anchorCtr="0">
             <a:noAutofit/>
           </a:bodyPr>
           <a:lstStyle/>
           <a:p>
-            <a:pPr indent="0" lvl="0" marL="0" rtl="0" algn="l">
-              <a:spcBef>
-                <a:spcPts val="0"/>
-              </a:spcBef>
-              <a:spcAft>
-                <a:spcPts val="0"/>
-              </a:spcAft>
-              <a:buNone/>
-            </a:pPr>
-            <a:r>
-              <a:t/>
-            </a:r>
+            <a:pPr marL="0" lvl="0" indent="0" algn="l" rtl="0">
+              <a:spcBef>
+                <a:spcPts val="0"/>
+              </a:spcBef>
+              <a:spcAft>
+                <a:spcPts val="0"/>
+              </a:spcAft>
+              <a:buNone/>
+            </a:pPr>
             <a:endParaRPr/>
           </a:p>
         </p:txBody>
@@ -2186,11 +2276,11 @@
 </file>
 
 <file path=ppt/slideLayouts/slideLayout1.xml><?xml version="1.0" encoding="utf-8"?>
-<p:sldLayout xmlns:a="http://schemas.openxmlformats.org/drawingml/2006/main" xmlns:r="http://schemas.openxmlformats.org/officeDocument/2006/relationships" xmlns:mc="http://schemas.openxmlformats.org/markup-compatibility/2006" xmlns:mv="urn:schemas-microsoft-com:mac:vml" xmlns:p="http://schemas.openxmlformats.org/presentationml/2006/main" xmlns:c="http://schemas.openxmlformats.org/drawingml/2006/chart" xmlns:dgm="http://schemas.openxmlformats.org/drawingml/2006/diagram" xmlns:o="urn:schemas-microsoft-com:office:office" xmlns:v="urn:schemas-microsoft-com:vml" xmlns:pvml="urn:schemas-microsoft-com:office:powerpoint" xmlns:com="http://schemas.openxmlformats.org/drawingml/2006/compatibility" xmlns:p14="http://schemas.microsoft.com/office/powerpoint/2010/main" xmlns:p15="http://schemas.microsoft.com/office/powerpoint/2012/main" xmlns:ahyp="http://schemas.microsoft.com/office/drawing/2018/hyperlinkcolor" matchingName="Title slide" type="title">
+<p:sldLayout xmlns:a="http://schemas.openxmlformats.org/drawingml/2006/main" xmlns:r="http://schemas.openxmlformats.org/officeDocument/2006/relationships" xmlns:p="http://schemas.openxmlformats.org/presentationml/2006/main" matchingName="Title slide" type="title">
   <p:cSld name="TITLE">
     <p:spTree>
       <p:nvGrpSpPr>
-        <p:cNvPr id="9" name="Shape 9"/>
+        <p:cNvPr id="1" name="Shape 9"/>
         <p:cNvGrpSpPr/>
         <p:nvPr/>
       </p:nvGrpSpPr>
@@ -2205,7 +2295,9 @@
       <p:sp>
         <p:nvSpPr>
           <p:cNvPr id="10" name="Google Shape;10;p2"/>
-          <p:cNvSpPr txBox="1"/>
+          <p:cNvSpPr txBox="1">
+            <a:spLocks noGrp="1"/>
+          </p:cNvSpPr>
           <p:nvPr>
             <p:ph type="ctrTitle"/>
           </p:nvPr>
@@ -2220,7 +2312,7 @@
           </a:prstGeom>
         </p:spPr>
         <p:txBody>
-          <a:bodyPr anchorCtr="0" anchor="b" bIns="91425" lIns="91425" spcFirstLastPara="1" rIns="91425" wrap="square" tIns="91425">
+          <a:bodyPr spcFirstLastPara="1" wrap="square" lIns="91425" tIns="91425" rIns="91425" bIns="91425" anchor="b" anchorCtr="0">
             <a:normAutofit/>
           </a:bodyPr>
           <a:lstStyle>
@@ -2324,15 +2416,19 @@
               <a:defRPr sz="5200"/>
             </a:lvl9pPr>
           </a:lstStyle>
-          <a:p/>
+          <a:p>
+            <a:endParaRPr/>
+          </a:p>
         </p:txBody>
       </p:sp>
       <p:sp>
         <p:nvSpPr>
           <p:cNvPr id="11" name="Google Shape;11;p2"/>
-          <p:cNvSpPr txBox="1"/>
+          <p:cNvSpPr txBox="1">
+            <a:spLocks noGrp="1"/>
+          </p:cNvSpPr>
           <p:nvPr>
-            <p:ph idx="1" type="subTitle"/>
+            <p:ph type="subTitle" idx="1"/>
           </p:nvPr>
         </p:nvSpPr>
         <p:spPr>
@@ -2345,7 +2441,7 @@
           </a:prstGeom>
         </p:spPr>
         <p:txBody>
-          <a:bodyPr anchorCtr="0" anchor="t" bIns="91425" lIns="91425" spcFirstLastPara="1" rIns="91425" wrap="square" tIns="91425">
+          <a:bodyPr spcFirstLastPara="1" wrap="square" lIns="91425" tIns="91425" rIns="91425" bIns="91425" anchor="t" anchorCtr="0">
             <a:normAutofit/>
           </a:bodyPr>
           <a:lstStyle>
@@ -2476,15 +2572,19 @@
               <a:defRPr sz="2800"/>
             </a:lvl9pPr>
           </a:lstStyle>
-          <a:p/>
+          <a:p>
+            <a:endParaRPr/>
+          </a:p>
         </p:txBody>
       </p:sp>
       <p:sp>
         <p:nvSpPr>
           <p:cNvPr id="12" name="Google Shape;12;p2"/>
-          <p:cNvSpPr txBox="1"/>
+          <p:cNvSpPr txBox="1">
+            <a:spLocks noGrp="1"/>
+          </p:cNvSpPr>
           <p:nvPr>
-            <p:ph idx="12" type="sldNum"/>
+            <p:ph type="sldNum" idx="12"/>
           </p:nvPr>
         </p:nvSpPr>
         <p:spPr>
@@ -2497,7 +2597,7 @@
           </a:prstGeom>
         </p:spPr>
         <p:txBody>
-          <a:bodyPr anchorCtr="0" anchor="ctr" bIns="91425" lIns="91425" spcFirstLastPara="1" rIns="91425" wrap="square" tIns="91425">
+          <a:bodyPr spcFirstLastPara="1" wrap="square" lIns="91425" tIns="91425" rIns="91425" bIns="91425" anchor="ctr" anchorCtr="0">
             <a:normAutofit/>
           </a:bodyPr>
           <a:lstStyle>
@@ -2539,7 +2639,7 @@
             </a:lvl9pPr>
           </a:lstStyle>
           <a:p>
-            <a:pPr indent="0" lvl="0" marL="0" rtl="0" algn="r">
+            <a:pPr marL="0" lvl="0" indent="0" algn="r" rtl="0">
               <a:spcBef>
                 <a:spcPts val="0"/>
               </a:spcBef>
@@ -2550,7 +2650,7 @@
             </a:pPr>
             <a:fld id="{00000000-1234-1234-1234-123412341234}" type="slidenum">
               <a:rPr lang="nl"/>
-              <a:t>‹#›</a:t>
+              <a:t>‹nr.›</a:t>
             </a:fld>
             <a:endParaRPr/>
           </a:p>
@@ -2565,11 +2665,11 @@
 </file>
 
 <file path=ppt/slideLayouts/slideLayout10.xml><?xml version="1.0" encoding="utf-8"?>
-<p:sldLayout xmlns:a="http://schemas.openxmlformats.org/drawingml/2006/main" xmlns:r="http://schemas.openxmlformats.org/officeDocument/2006/relationships" xmlns:mc="http://schemas.openxmlformats.org/markup-compatibility/2006" xmlns:mv="urn:schemas-microsoft-com:mac:vml" xmlns:p="http://schemas.openxmlformats.org/presentationml/2006/main" xmlns:c="http://schemas.openxmlformats.org/drawingml/2006/chart" xmlns:dgm="http://schemas.openxmlformats.org/drawingml/2006/diagram" xmlns:o="urn:schemas-microsoft-com:office:office" xmlns:v="urn:schemas-microsoft-com:vml" xmlns:pvml="urn:schemas-microsoft-com:office:powerpoint" xmlns:com="http://schemas.openxmlformats.org/drawingml/2006/compatibility" xmlns:p14="http://schemas.microsoft.com/office/powerpoint/2010/main" xmlns:p15="http://schemas.microsoft.com/office/powerpoint/2012/main" xmlns:ahyp="http://schemas.microsoft.com/office/drawing/2018/hyperlinkcolor" matchingName="Big number">
+<p:sldLayout xmlns:a="http://schemas.openxmlformats.org/drawingml/2006/main" xmlns:r="http://schemas.openxmlformats.org/officeDocument/2006/relationships" xmlns:p="http://schemas.openxmlformats.org/presentationml/2006/main" matchingName="Big number">
   <p:cSld name="BIG_NUMBER">
     <p:spTree>
       <p:nvGrpSpPr>
-        <p:cNvPr id="44" name="Shape 44"/>
+        <p:cNvPr id="1" name="Shape 44"/>
         <p:cNvGrpSpPr/>
         <p:nvPr/>
       </p:nvGrpSpPr>
@@ -2584,9 +2684,11 @@
       <p:sp>
         <p:nvSpPr>
           <p:cNvPr id="45" name="Google Shape;45;p11"/>
-          <p:cNvSpPr txBox="1"/>
+          <p:cNvSpPr txBox="1">
+            <a:spLocks noGrp="1"/>
+          </p:cNvSpPr>
           <p:nvPr>
-            <p:ph hasCustomPrompt="1" type="title"/>
+            <p:ph type="title" hasCustomPrompt="1"/>
           </p:nvPr>
         </p:nvSpPr>
         <p:spPr>
@@ -2599,7 +2701,7 @@
           </a:prstGeom>
         </p:spPr>
         <p:txBody>
-          <a:bodyPr anchorCtr="0" anchor="b" bIns="91425" lIns="91425" spcFirstLastPara="1" rIns="91425" wrap="square" tIns="91425">
+          <a:bodyPr spcFirstLastPara="1" wrap="square" lIns="91425" tIns="91425" rIns="91425" bIns="91425" anchor="b" anchorCtr="0">
             <a:normAutofit/>
           </a:bodyPr>
           <a:lstStyle>
@@ -2713,9 +2815,11 @@
       <p:sp>
         <p:nvSpPr>
           <p:cNvPr id="46" name="Google Shape;46;p11"/>
-          <p:cNvSpPr txBox="1"/>
+          <p:cNvSpPr txBox="1">
+            <a:spLocks noGrp="1"/>
+          </p:cNvSpPr>
           <p:nvPr>
-            <p:ph idx="1" type="body"/>
+            <p:ph type="body" idx="1"/>
           </p:nvPr>
         </p:nvSpPr>
         <p:spPr>
@@ -2728,11 +2832,11 @@
           </a:prstGeom>
         </p:spPr>
         <p:txBody>
-          <a:bodyPr anchorCtr="0" anchor="t" bIns="91425" lIns="91425" spcFirstLastPara="1" rIns="91425" wrap="square" tIns="91425">
+          <a:bodyPr spcFirstLastPara="1" wrap="square" lIns="91425" tIns="91425" rIns="91425" bIns="91425" anchor="t" anchorCtr="0">
             <a:normAutofit/>
           </a:bodyPr>
           <a:lstStyle>
-            <a:lvl1pPr indent="-342900" lvl="0" marL="457200" algn="ctr">
+            <a:lvl1pPr marL="457200" lvl="0" indent="-342900" algn="ctr">
               <a:spcBef>
                 <a:spcPts val="0"/>
               </a:spcBef>
@@ -2743,7 +2847,7 @@
               <a:buChar char="●"/>
               <a:defRPr/>
             </a:lvl1pPr>
-            <a:lvl2pPr indent="-317500" lvl="1" marL="914400" algn="ctr">
+            <a:lvl2pPr marL="914400" lvl="1" indent="-317500" algn="ctr">
               <a:spcBef>
                 <a:spcPts val="0"/>
               </a:spcBef>
@@ -2754,7 +2858,7 @@
               <a:buChar char="○"/>
               <a:defRPr/>
             </a:lvl2pPr>
-            <a:lvl3pPr indent="-317500" lvl="2" marL="1371600" algn="ctr">
+            <a:lvl3pPr marL="1371600" lvl="2" indent="-317500" algn="ctr">
               <a:spcBef>
                 <a:spcPts val="0"/>
               </a:spcBef>
@@ -2765,7 +2869,7 @@
               <a:buChar char="■"/>
               <a:defRPr/>
             </a:lvl3pPr>
-            <a:lvl4pPr indent="-317500" lvl="3" marL="1828800" algn="ctr">
+            <a:lvl4pPr marL="1828800" lvl="3" indent="-317500" algn="ctr">
               <a:spcBef>
                 <a:spcPts val="0"/>
               </a:spcBef>
@@ -2776,7 +2880,7 @@
               <a:buChar char="●"/>
               <a:defRPr/>
             </a:lvl4pPr>
-            <a:lvl5pPr indent="-317500" lvl="4" marL="2286000" algn="ctr">
+            <a:lvl5pPr marL="2286000" lvl="4" indent="-317500" algn="ctr">
               <a:spcBef>
                 <a:spcPts val="0"/>
               </a:spcBef>
@@ -2787,7 +2891,7 @@
               <a:buChar char="○"/>
               <a:defRPr/>
             </a:lvl5pPr>
-            <a:lvl6pPr indent="-317500" lvl="5" marL="2743200" algn="ctr">
+            <a:lvl6pPr marL="2743200" lvl="5" indent="-317500" algn="ctr">
               <a:spcBef>
                 <a:spcPts val="0"/>
               </a:spcBef>
@@ -2798,7 +2902,7 @@
               <a:buChar char="■"/>
               <a:defRPr/>
             </a:lvl6pPr>
-            <a:lvl7pPr indent="-317500" lvl="6" marL="3200400" algn="ctr">
+            <a:lvl7pPr marL="3200400" lvl="6" indent="-317500" algn="ctr">
               <a:spcBef>
                 <a:spcPts val="0"/>
               </a:spcBef>
@@ -2809,7 +2913,7 @@
               <a:buChar char="●"/>
               <a:defRPr/>
             </a:lvl7pPr>
-            <a:lvl8pPr indent="-317500" lvl="7" marL="3657600" algn="ctr">
+            <a:lvl8pPr marL="3657600" lvl="7" indent="-317500" algn="ctr">
               <a:spcBef>
                 <a:spcPts val="0"/>
               </a:spcBef>
@@ -2820,7 +2924,7 @@
               <a:buChar char="○"/>
               <a:defRPr/>
             </a:lvl8pPr>
-            <a:lvl9pPr indent="-317500" lvl="8" marL="4114800" algn="ctr">
+            <a:lvl9pPr marL="4114800" lvl="8" indent="-317500" algn="ctr">
               <a:spcBef>
                 <a:spcPts val="0"/>
               </a:spcBef>
@@ -2832,15 +2936,19 @@
               <a:defRPr/>
             </a:lvl9pPr>
           </a:lstStyle>
-          <a:p/>
+          <a:p>
+            <a:endParaRPr/>
+          </a:p>
         </p:txBody>
       </p:sp>
       <p:sp>
         <p:nvSpPr>
           <p:cNvPr id="47" name="Google Shape;47;p11"/>
-          <p:cNvSpPr txBox="1"/>
+          <p:cNvSpPr txBox="1">
+            <a:spLocks noGrp="1"/>
+          </p:cNvSpPr>
           <p:nvPr>
-            <p:ph idx="12" type="sldNum"/>
+            <p:ph type="sldNum" idx="12"/>
           </p:nvPr>
         </p:nvSpPr>
         <p:spPr>
@@ -2853,7 +2961,7 @@
           </a:prstGeom>
         </p:spPr>
         <p:txBody>
-          <a:bodyPr anchorCtr="0" anchor="ctr" bIns="91425" lIns="91425" spcFirstLastPara="1" rIns="91425" wrap="square" tIns="91425">
+          <a:bodyPr spcFirstLastPara="1" wrap="square" lIns="91425" tIns="91425" rIns="91425" bIns="91425" anchor="ctr" anchorCtr="0">
             <a:normAutofit/>
           </a:bodyPr>
           <a:lstStyle>
@@ -2895,7 +3003,7 @@
             </a:lvl9pPr>
           </a:lstStyle>
           <a:p>
-            <a:pPr indent="0" lvl="0" marL="0" rtl="0" algn="r">
+            <a:pPr marL="0" lvl="0" indent="0" algn="r" rtl="0">
               <a:spcBef>
                 <a:spcPts val="0"/>
               </a:spcBef>
@@ -2906,7 +3014,7 @@
             </a:pPr>
             <a:fld id="{00000000-1234-1234-1234-123412341234}" type="slidenum">
               <a:rPr lang="nl"/>
-              <a:t>‹#›</a:t>
+              <a:t>‹nr.›</a:t>
             </a:fld>
             <a:endParaRPr/>
           </a:p>
@@ -2921,11 +3029,11 @@
 </file>
 
 <file path=ppt/slideLayouts/slideLayout11.xml><?xml version="1.0" encoding="utf-8"?>
-<p:sldLayout xmlns:a="http://schemas.openxmlformats.org/drawingml/2006/main" xmlns:r="http://schemas.openxmlformats.org/officeDocument/2006/relationships" xmlns:mc="http://schemas.openxmlformats.org/markup-compatibility/2006" xmlns:mv="urn:schemas-microsoft-com:mac:vml" xmlns:p="http://schemas.openxmlformats.org/presentationml/2006/main" xmlns:c="http://schemas.openxmlformats.org/drawingml/2006/chart" xmlns:dgm="http://schemas.openxmlformats.org/drawingml/2006/diagram" xmlns:o="urn:schemas-microsoft-com:office:office" xmlns:v="urn:schemas-microsoft-com:vml" xmlns:pvml="urn:schemas-microsoft-com:office:powerpoint" xmlns:com="http://schemas.openxmlformats.org/drawingml/2006/compatibility" xmlns:p14="http://schemas.microsoft.com/office/powerpoint/2010/main" xmlns:p15="http://schemas.microsoft.com/office/powerpoint/2012/main" xmlns:ahyp="http://schemas.microsoft.com/office/drawing/2018/hyperlinkcolor" matchingName="Blank" type="blank">
+<p:sldLayout xmlns:a="http://schemas.openxmlformats.org/drawingml/2006/main" xmlns:r="http://schemas.openxmlformats.org/officeDocument/2006/relationships" xmlns:p="http://schemas.openxmlformats.org/presentationml/2006/main" matchingName="Blank" type="blank">
   <p:cSld name="BLANK">
     <p:spTree>
       <p:nvGrpSpPr>
-        <p:cNvPr id="48" name="Shape 48"/>
+        <p:cNvPr id="1" name="Shape 48"/>
         <p:cNvGrpSpPr/>
         <p:nvPr/>
       </p:nvGrpSpPr>
@@ -2940,9 +3048,11 @@
       <p:sp>
         <p:nvSpPr>
           <p:cNvPr id="49" name="Google Shape;49;p12"/>
-          <p:cNvSpPr txBox="1"/>
+          <p:cNvSpPr txBox="1">
+            <a:spLocks noGrp="1"/>
+          </p:cNvSpPr>
           <p:nvPr>
-            <p:ph idx="12" type="sldNum"/>
+            <p:ph type="sldNum" idx="12"/>
           </p:nvPr>
         </p:nvSpPr>
         <p:spPr>
@@ -2955,7 +3065,7 @@
           </a:prstGeom>
         </p:spPr>
         <p:txBody>
-          <a:bodyPr anchorCtr="0" anchor="ctr" bIns="91425" lIns="91425" spcFirstLastPara="1" rIns="91425" wrap="square" tIns="91425">
+          <a:bodyPr spcFirstLastPara="1" wrap="square" lIns="91425" tIns="91425" rIns="91425" bIns="91425" anchor="ctr" anchorCtr="0">
             <a:normAutofit/>
           </a:bodyPr>
           <a:lstStyle>
@@ -2997,7 +3107,7 @@
             </a:lvl9pPr>
           </a:lstStyle>
           <a:p>
-            <a:pPr indent="0" lvl="0" marL="0" rtl="0" algn="r">
+            <a:pPr marL="0" lvl="0" indent="0" algn="r" rtl="0">
               <a:spcBef>
                 <a:spcPts val="0"/>
               </a:spcBef>
@@ -3008,7 +3118,7 @@
             </a:pPr>
             <a:fld id="{00000000-1234-1234-1234-123412341234}" type="slidenum">
               <a:rPr lang="nl"/>
-              <a:t>‹#›</a:t>
+              <a:t>‹nr.›</a:t>
             </a:fld>
             <a:endParaRPr/>
           </a:p>
@@ -3023,11 +3133,11 @@
 </file>
 
 <file path=ppt/slideLayouts/slideLayout2.xml><?xml version="1.0" encoding="utf-8"?>
-<p:sldLayout xmlns:a="http://schemas.openxmlformats.org/drawingml/2006/main" xmlns:r="http://schemas.openxmlformats.org/officeDocument/2006/relationships" xmlns:mc="http://schemas.openxmlformats.org/markup-compatibility/2006" xmlns:mv="urn:schemas-microsoft-com:mac:vml" xmlns:p="http://schemas.openxmlformats.org/presentationml/2006/main" xmlns:c="http://schemas.openxmlformats.org/drawingml/2006/chart" xmlns:dgm="http://schemas.openxmlformats.org/drawingml/2006/diagram" xmlns:o="urn:schemas-microsoft-com:office:office" xmlns:v="urn:schemas-microsoft-com:vml" xmlns:pvml="urn:schemas-microsoft-com:office:powerpoint" xmlns:com="http://schemas.openxmlformats.org/drawingml/2006/compatibility" xmlns:p14="http://schemas.microsoft.com/office/powerpoint/2010/main" xmlns:p15="http://schemas.microsoft.com/office/powerpoint/2012/main" xmlns:ahyp="http://schemas.microsoft.com/office/drawing/2018/hyperlinkcolor" matchingName="Section header" type="secHead">
+<p:sldLayout xmlns:a="http://schemas.openxmlformats.org/drawingml/2006/main" xmlns:r="http://schemas.openxmlformats.org/officeDocument/2006/relationships" xmlns:p="http://schemas.openxmlformats.org/presentationml/2006/main" matchingName="Section header" type="secHead">
   <p:cSld name="SECTION_HEADER">
     <p:spTree>
       <p:nvGrpSpPr>
-        <p:cNvPr id="13" name="Shape 13"/>
+        <p:cNvPr id="1" name="Shape 13"/>
         <p:cNvGrpSpPr/>
         <p:nvPr/>
       </p:nvGrpSpPr>
@@ -3042,7 +3152,9 @@
       <p:sp>
         <p:nvSpPr>
           <p:cNvPr id="14" name="Google Shape;14;p3"/>
-          <p:cNvSpPr txBox="1"/>
+          <p:cNvSpPr txBox="1">
+            <a:spLocks noGrp="1"/>
+          </p:cNvSpPr>
           <p:nvPr>
             <p:ph type="title"/>
           </p:nvPr>
@@ -3057,7 +3169,7 @@
           </a:prstGeom>
         </p:spPr>
         <p:txBody>
-          <a:bodyPr anchorCtr="0" anchor="ctr" bIns="91425" lIns="91425" spcFirstLastPara="1" rIns="91425" wrap="square" tIns="91425">
+          <a:bodyPr spcFirstLastPara="1" wrap="square" lIns="91425" tIns="91425" rIns="91425" bIns="91425" anchor="ctr" anchorCtr="0">
             <a:normAutofit/>
           </a:bodyPr>
           <a:lstStyle>
@@ -3161,15 +3273,19 @@
               <a:defRPr sz="3600"/>
             </a:lvl9pPr>
           </a:lstStyle>
-          <a:p/>
+          <a:p>
+            <a:endParaRPr/>
+          </a:p>
         </p:txBody>
       </p:sp>
       <p:sp>
         <p:nvSpPr>
           <p:cNvPr id="15" name="Google Shape;15;p3"/>
-          <p:cNvSpPr txBox="1"/>
+          <p:cNvSpPr txBox="1">
+            <a:spLocks noGrp="1"/>
+          </p:cNvSpPr>
           <p:nvPr>
-            <p:ph idx="12" type="sldNum"/>
+            <p:ph type="sldNum" idx="12"/>
           </p:nvPr>
         </p:nvSpPr>
         <p:spPr>
@@ -3182,7 +3298,7 @@
           </a:prstGeom>
         </p:spPr>
         <p:txBody>
-          <a:bodyPr anchorCtr="0" anchor="ctr" bIns="91425" lIns="91425" spcFirstLastPara="1" rIns="91425" wrap="square" tIns="91425">
+          <a:bodyPr spcFirstLastPara="1" wrap="square" lIns="91425" tIns="91425" rIns="91425" bIns="91425" anchor="ctr" anchorCtr="0">
             <a:normAutofit/>
           </a:bodyPr>
           <a:lstStyle>
@@ -3224,7 +3340,7 @@
             </a:lvl9pPr>
           </a:lstStyle>
           <a:p>
-            <a:pPr indent="0" lvl="0" marL="0" rtl="0" algn="r">
+            <a:pPr marL="0" lvl="0" indent="0" algn="r" rtl="0">
               <a:spcBef>
                 <a:spcPts val="0"/>
               </a:spcBef>
@@ -3235,7 +3351,7 @@
             </a:pPr>
             <a:fld id="{00000000-1234-1234-1234-123412341234}" type="slidenum">
               <a:rPr lang="nl"/>
-              <a:t>‹#›</a:t>
+              <a:t>‹nr.›</a:t>
             </a:fld>
             <a:endParaRPr/>
           </a:p>
@@ -3250,11 +3366,11 @@
 </file>
 
 <file path=ppt/slideLayouts/slideLayout3.xml><?xml version="1.0" encoding="utf-8"?>
-<p:sldLayout xmlns:a="http://schemas.openxmlformats.org/drawingml/2006/main" xmlns:r="http://schemas.openxmlformats.org/officeDocument/2006/relationships" xmlns:mc="http://schemas.openxmlformats.org/markup-compatibility/2006" xmlns:mv="urn:schemas-microsoft-com:mac:vml" xmlns:p="http://schemas.openxmlformats.org/presentationml/2006/main" xmlns:c="http://schemas.openxmlformats.org/drawingml/2006/chart" xmlns:dgm="http://schemas.openxmlformats.org/drawingml/2006/diagram" xmlns:o="urn:schemas-microsoft-com:office:office" xmlns:v="urn:schemas-microsoft-com:vml" xmlns:pvml="urn:schemas-microsoft-com:office:powerpoint" xmlns:com="http://schemas.openxmlformats.org/drawingml/2006/compatibility" xmlns:p14="http://schemas.microsoft.com/office/powerpoint/2010/main" xmlns:p15="http://schemas.microsoft.com/office/powerpoint/2012/main" xmlns:ahyp="http://schemas.microsoft.com/office/drawing/2018/hyperlinkcolor" matchingName="Title and body" type="tx">
+<p:sldLayout xmlns:a="http://schemas.openxmlformats.org/drawingml/2006/main" xmlns:r="http://schemas.openxmlformats.org/officeDocument/2006/relationships" xmlns:p="http://schemas.openxmlformats.org/presentationml/2006/main" matchingName="Title and body" type="tx">
   <p:cSld name="TITLE_AND_BODY">
     <p:spTree>
       <p:nvGrpSpPr>
-        <p:cNvPr id="16" name="Shape 16"/>
+        <p:cNvPr id="1" name="Shape 16"/>
         <p:cNvGrpSpPr/>
         <p:nvPr/>
       </p:nvGrpSpPr>
@@ -3269,7 +3385,9 @@
       <p:sp>
         <p:nvSpPr>
           <p:cNvPr id="17" name="Google Shape;17;p4"/>
-          <p:cNvSpPr txBox="1"/>
+          <p:cNvSpPr txBox="1">
+            <a:spLocks noGrp="1"/>
+          </p:cNvSpPr>
           <p:nvPr>
             <p:ph type="title"/>
           </p:nvPr>
@@ -3284,7 +3402,7 @@
           </a:prstGeom>
         </p:spPr>
         <p:txBody>
-          <a:bodyPr anchorCtr="0" anchor="t" bIns="91425" lIns="91425" spcFirstLastPara="1" rIns="91425" wrap="square" tIns="91425">
+          <a:bodyPr spcFirstLastPara="1" wrap="square" lIns="91425" tIns="91425" rIns="91425" bIns="91425" anchor="t" anchorCtr="0">
             <a:normAutofit/>
           </a:bodyPr>
           <a:lstStyle>
@@ -3388,15 +3506,19 @@
               <a:defRPr/>
             </a:lvl9pPr>
           </a:lstStyle>
-          <a:p/>
+          <a:p>
+            <a:endParaRPr/>
+          </a:p>
         </p:txBody>
       </p:sp>
       <p:sp>
         <p:nvSpPr>
           <p:cNvPr id="18" name="Google Shape;18;p4"/>
-          <p:cNvSpPr txBox="1"/>
+          <p:cNvSpPr txBox="1">
+            <a:spLocks noGrp="1"/>
+          </p:cNvSpPr>
           <p:nvPr>
-            <p:ph idx="1" type="body"/>
+            <p:ph type="body" idx="1"/>
           </p:nvPr>
         </p:nvSpPr>
         <p:spPr>
@@ -3409,11 +3531,11 @@
           </a:prstGeom>
         </p:spPr>
         <p:txBody>
-          <a:bodyPr anchorCtr="0" anchor="t" bIns="91425" lIns="91425" spcFirstLastPara="1" rIns="91425" wrap="square" tIns="91425">
+          <a:bodyPr spcFirstLastPara="1" wrap="square" lIns="91425" tIns="91425" rIns="91425" bIns="91425" anchor="t" anchorCtr="0">
             <a:normAutofit/>
           </a:bodyPr>
           <a:lstStyle>
-            <a:lvl1pPr indent="-342900" lvl="0" marL="457200">
+            <a:lvl1pPr marL="457200" lvl="0" indent="-342900">
               <a:spcBef>
                 <a:spcPts val="0"/>
               </a:spcBef>
@@ -3424,7 +3546,7 @@
               <a:buChar char="●"/>
               <a:defRPr/>
             </a:lvl1pPr>
-            <a:lvl2pPr indent="-317500" lvl="1" marL="914400">
+            <a:lvl2pPr marL="914400" lvl="1" indent="-317500">
               <a:spcBef>
                 <a:spcPts val="0"/>
               </a:spcBef>
@@ -3435,7 +3557,7 @@
               <a:buChar char="○"/>
               <a:defRPr/>
             </a:lvl2pPr>
-            <a:lvl3pPr indent="-317500" lvl="2" marL="1371600">
+            <a:lvl3pPr marL="1371600" lvl="2" indent="-317500">
               <a:spcBef>
                 <a:spcPts val="0"/>
               </a:spcBef>
@@ -3446,7 +3568,7 @@
               <a:buChar char="■"/>
               <a:defRPr/>
             </a:lvl3pPr>
-            <a:lvl4pPr indent="-317500" lvl="3" marL="1828800">
+            <a:lvl4pPr marL="1828800" lvl="3" indent="-317500">
               <a:spcBef>
                 <a:spcPts val="0"/>
               </a:spcBef>
@@ -3457,7 +3579,7 @@
               <a:buChar char="●"/>
               <a:defRPr/>
             </a:lvl4pPr>
-            <a:lvl5pPr indent="-317500" lvl="4" marL="2286000">
+            <a:lvl5pPr marL="2286000" lvl="4" indent="-317500">
               <a:spcBef>
                 <a:spcPts val="0"/>
               </a:spcBef>
@@ -3468,7 +3590,7 @@
               <a:buChar char="○"/>
               <a:defRPr/>
             </a:lvl5pPr>
-            <a:lvl6pPr indent="-317500" lvl="5" marL="2743200">
+            <a:lvl6pPr marL="2743200" lvl="5" indent="-317500">
               <a:spcBef>
                 <a:spcPts val="0"/>
               </a:spcBef>
@@ -3479,7 +3601,7 @@
               <a:buChar char="■"/>
               <a:defRPr/>
             </a:lvl6pPr>
-            <a:lvl7pPr indent="-317500" lvl="6" marL="3200400">
+            <a:lvl7pPr marL="3200400" lvl="6" indent="-317500">
               <a:spcBef>
                 <a:spcPts val="0"/>
               </a:spcBef>
@@ -3490,7 +3612,7 @@
               <a:buChar char="●"/>
               <a:defRPr/>
             </a:lvl7pPr>
-            <a:lvl8pPr indent="-317500" lvl="7" marL="3657600">
+            <a:lvl8pPr marL="3657600" lvl="7" indent="-317500">
               <a:spcBef>
                 <a:spcPts val="0"/>
               </a:spcBef>
@@ -3501,7 +3623,7 @@
               <a:buChar char="○"/>
               <a:defRPr/>
             </a:lvl8pPr>
-            <a:lvl9pPr indent="-317500" lvl="8" marL="4114800">
+            <a:lvl9pPr marL="4114800" lvl="8" indent="-317500">
               <a:spcBef>
                 <a:spcPts val="0"/>
               </a:spcBef>
@@ -3513,15 +3635,19 @@
               <a:defRPr/>
             </a:lvl9pPr>
           </a:lstStyle>
-          <a:p/>
+          <a:p>
+            <a:endParaRPr/>
+          </a:p>
         </p:txBody>
       </p:sp>
       <p:sp>
         <p:nvSpPr>
           <p:cNvPr id="19" name="Google Shape;19;p4"/>
-          <p:cNvSpPr txBox="1"/>
+          <p:cNvSpPr txBox="1">
+            <a:spLocks noGrp="1"/>
+          </p:cNvSpPr>
           <p:nvPr>
-            <p:ph idx="12" type="sldNum"/>
+            <p:ph type="sldNum" idx="12"/>
           </p:nvPr>
         </p:nvSpPr>
         <p:spPr>
@@ -3534,7 +3660,7 @@
           </a:prstGeom>
         </p:spPr>
         <p:txBody>
-          <a:bodyPr anchorCtr="0" anchor="ctr" bIns="91425" lIns="91425" spcFirstLastPara="1" rIns="91425" wrap="square" tIns="91425">
+          <a:bodyPr spcFirstLastPara="1" wrap="square" lIns="91425" tIns="91425" rIns="91425" bIns="91425" anchor="ctr" anchorCtr="0">
             <a:normAutofit/>
           </a:bodyPr>
           <a:lstStyle>
@@ -3576,7 +3702,7 @@
             </a:lvl9pPr>
           </a:lstStyle>
           <a:p>
-            <a:pPr indent="0" lvl="0" marL="0" rtl="0" algn="r">
+            <a:pPr marL="0" lvl="0" indent="0" algn="r" rtl="0">
               <a:spcBef>
                 <a:spcPts val="0"/>
               </a:spcBef>
@@ -3587,7 +3713,7 @@
             </a:pPr>
             <a:fld id="{00000000-1234-1234-1234-123412341234}" type="slidenum">
               <a:rPr lang="nl"/>
-              <a:t>‹#›</a:t>
+              <a:t>‹nr.›</a:t>
             </a:fld>
             <a:endParaRPr/>
           </a:p>
@@ -3602,11 +3728,11 @@
 </file>
 
 <file path=ppt/slideLayouts/slideLayout4.xml><?xml version="1.0" encoding="utf-8"?>
-<p:sldLayout xmlns:a="http://schemas.openxmlformats.org/drawingml/2006/main" xmlns:r="http://schemas.openxmlformats.org/officeDocument/2006/relationships" xmlns:mc="http://schemas.openxmlformats.org/markup-compatibility/2006" xmlns:mv="urn:schemas-microsoft-com:mac:vml" xmlns:p="http://schemas.openxmlformats.org/presentationml/2006/main" xmlns:c="http://schemas.openxmlformats.org/drawingml/2006/chart" xmlns:dgm="http://schemas.openxmlformats.org/drawingml/2006/diagram" xmlns:o="urn:schemas-microsoft-com:office:office" xmlns:v="urn:schemas-microsoft-com:vml" xmlns:pvml="urn:schemas-microsoft-com:office:powerpoint" xmlns:com="http://schemas.openxmlformats.org/drawingml/2006/compatibility" xmlns:p14="http://schemas.microsoft.com/office/powerpoint/2010/main" xmlns:p15="http://schemas.microsoft.com/office/powerpoint/2012/main" xmlns:ahyp="http://schemas.microsoft.com/office/drawing/2018/hyperlinkcolor" matchingName="Title and two columns" type="twoColTx">
+<p:sldLayout xmlns:a="http://schemas.openxmlformats.org/drawingml/2006/main" xmlns:r="http://schemas.openxmlformats.org/officeDocument/2006/relationships" xmlns:p="http://schemas.openxmlformats.org/presentationml/2006/main" matchingName="Title and two columns" type="twoColTx">
   <p:cSld name="TITLE_AND_TWO_COLUMNS">
     <p:spTree>
       <p:nvGrpSpPr>
-        <p:cNvPr id="20" name="Shape 20"/>
+        <p:cNvPr id="1" name="Shape 20"/>
         <p:cNvGrpSpPr/>
         <p:nvPr/>
       </p:nvGrpSpPr>
@@ -3621,7 +3747,9 @@
       <p:sp>
         <p:nvSpPr>
           <p:cNvPr id="21" name="Google Shape;21;p5"/>
-          <p:cNvSpPr txBox="1"/>
+          <p:cNvSpPr txBox="1">
+            <a:spLocks noGrp="1"/>
+          </p:cNvSpPr>
           <p:nvPr>
             <p:ph type="title"/>
           </p:nvPr>
@@ -3636,7 +3764,7 @@
           </a:prstGeom>
         </p:spPr>
         <p:txBody>
-          <a:bodyPr anchorCtr="0" anchor="t" bIns="91425" lIns="91425" spcFirstLastPara="1" rIns="91425" wrap="square" tIns="91425">
+          <a:bodyPr spcFirstLastPara="1" wrap="square" lIns="91425" tIns="91425" rIns="91425" bIns="91425" anchor="t" anchorCtr="0">
             <a:normAutofit/>
           </a:bodyPr>
           <a:lstStyle>
@@ -3740,15 +3868,19 @@
               <a:defRPr/>
             </a:lvl9pPr>
           </a:lstStyle>
-          <a:p/>
+          <a:p>
+            <a:endParaRPr/>
+          </a:p>
         </p:txBody>
       </p:sp>
       <p:sp>
         <p:nvSpPr>
           <p:cNvPr id="22" name="Google Shape;22;p5"/>
-          <p:cNvSpPr txBox="1"/>
+          <p:cNvSpPr txBox="1">
+            <a:spLocks noGrp="1"/>
+          </p:cNvSpPr>
           <p:nvPr>
-            <p:ph idx="1" type="body"/>
+            <p:ph type="body" idx="1"/>
           </p:nvPr>
         </p:nvSpPr>
         <p:spPr>
@@ -3761,11 +3893,11 @@
           </a:prstGeom>
         </p:spPr>
         <p:txBody>
-          <a:bodyPr anchorCtr="0" anchor="t" bIns="91425" lIns="91425" spcFirstLastPara="1" rIns="91425" wrap="square" tIns="91425">
+          <a:bodyPr spcFirstLastPara="1" wrap="square" lIns="91425" tIns="91425" rIns="91425" bIns="91425" anchor="t" anchorCtr="0">
             <a:normAutofit/>
           </a:bodyPr>
           <a:lstStyle>
-            <a:lvl1pPr indent="-317500" lvl="0" marL="457200">
+            <a:lvl1pPr marL="457200" lvl="0" indent="-317500">
               <a:spcBef>
                 <a:spcPts val="0"/>
               </a:spcBef>
@@ -3776,7 +3908,7 @@
               <a:buChar char="●"/>
               <a:defRPr sz="1400"/>
             </a:lvl1pPr>
-            <a:lvl2pPr indent="-304800" lvl="1" marL="914400">
+            <a:lvl2pPr marL="914400" lvl="1" indent="-304800">
               <a:spcBef>
                 <a:spcPts val="0"/>
               </a:spcBef>
@@ -3787,7 +3919,7 @@
               <a:buChar char="○"/>
               <a:defRPr sz="1200"/>
             </a:lvl2pPr>
-            <a:lvl3pPr indent="-304800" lvl="2" marL="1371600">
+            <a:lvl3pPr marL="1371600" lvl="2" indent="-304800">
               <a:spcBef>
                 <a:spcPts val="0"/>
               </a:spcBef>
@@ -3798,7 +3930,7 @@
               <a:buChar char="■"/>
               <a:defRPr sz="1200"/>
             </a:lvl3pPr>
-            <a:lvl4pPr indent="-304800" lvl="3" marL="1828800">
+            <a:lvl4pPr marL="1828800" lvl="3" indent="-304800">
               <a:spcBef>
                 <a:spcPts val="0"/>
               </a:spcBef>
@@ -3809,7 +3941,7 @@
               <a:buChar char="●"/>
               <a:defRPr sz="1200"/>
             </a:lvl4pPr>
-            <a:lvl5pPr indent="-304800" lvl="4" marL="2286000">
+            <a:lvl5pPr marL="2286000" lvl="4" indent="-304800">
               <a:spcBef>
                 <a:spcPts val="0"/>
               </a:spcBef>
@@ -3820,7 +3952,7 @@
               <a:buChar char="○"/>
               <a:defRPr sz="1200"/>
             </a:lvl5pPr>
-            <a:lvl6pPr indent="-304800" lvl="5" marL="2743200">
+            <a:lvl6pPr marL="2743200" lvl="5" indent="-304800">
               <a:spcBef>
                 <a:spcPts val="0"/>
               </a:spcBef>
@@ -3831,7 +3963,7 @@
               <a:buChar char="■"/>
               <a:defRPr sz="1200"/>
             </a:lvl6pPr>
-            <a:lvl7pPr indent="-304800" lvl="6" marL="3200400">
+            <a:lvl7pPr marL="3200400" lvl="6" indent="-304800">
               <a:spcBef>
                 <a:spcPts val="0"/>
               </a:spcBef>
@@ -3842,7 +3974,7 @@
               <a:buChar char="●"/>
               <a:defRPr sz="1200"/>
             </a:lvl7pPr>
-            <a:lvl8pPr indent="-304800" lvl="7" marL="3657600">
+            <a:lvl8pPr marL="3657600" lvl="7" indent="-304800">
               <a:spcBef>
                 <a:spcPts val="0"/>
               </a:spcBef>
@@ -3853,7 +3985,7 @@
               <a:buChar char="○"/>
               <a:defRPr sz="1200"/>
             </a:lvl8pPr>
-            <a:lvl9pPr indent="-304800" lvl="8" marL="4114800">
+            <a:lvl9pPr marL="4114800" lvl="8" indent="-304800">
               <a:spcBef>
                 <a:spcPts val="0"/>
               </a:spcBef>
@@ -3865,15 +3997,19 @@
               <a:defRPr sz="1200"/>
             </a:lvl9pPr>
           </a:lstStyle>
-          <a:p/>
+          <a:p>
+            <a:endParaRPr/>
+          </a:p>
         </p:txBody>
       </p:sp>
       <p:sp>
         <p:nvSpPr>
           <p:cNvPr id="23" name="Google Shape;23;p5"/>
-          <p:cNvSpPr txBox="1"/>
+          <p:cNvSpPr txBox="1">
+            <a:spLocks noGrp="1"/>
+          </p:cNvSpPr>
           <p:nvPr>
-            <p:ph idx="2" type="body"/>
+            <p:ph type="body" idx="2"/>
           </p:nvPr>
         </p:nvSpPr>
         <p:spPr>
@@ -3886,11 +4022,11 @@
           </a:prstGeom>
         </p:spPr>
         <p:txBody>
-          <a:bodyPr anchorCtr="0" anchor="t" bIns="91425" lIns="91425" spcFirstLastPara="1" rIns="91425" wrap="square" tIns="91425">
+          <a:bodyPr spcFirstLastPara="1" wrap="square" lIns="91425" tIns="91425" rIns="91425" bIns="91425" anchor="t" anchorCtr="0">
             <a:normAutofit/>
           </a:bodyPr>
           <a:lstStyle>
-            <a:lvl1pPr indent="-317500" lvl="0" marL="457200">
+            <a:lvl1pPr marL="457200" lvl="0" indent="-317500">
               <a:spcBef>
                 <a:spcPts val="0"/>
               </a:spcBef>
@@ -3901,7 +4037,7 @@
               <a:buChar char="●"/>
               <a:defRPr sz="1400"/>
             </a:lvl1pPr>
-            <a:lvl2pPr indent="-304800" lvl="1" marL="914400">
+            <a:lvl2pPr marL="914400" lvl="1" indent="-304800">
               <a:spcBef>
                 <a:spcPts val="0"/>
               </a:spcBef>
@@ -3912,7 +4048,7 @@
               <a:buChar char="○"/>
               <a:defRPr sz="1200"/>
             </a:lvl2pPr>
-            <a:lvl3pPr indent="-304800" lvl="2" marL="1371600">
+            <a:lvl3pPr marL="1371600" lvl="2" indent="-304800">
               <a:spcBef>
                 <a:spcPts val="0"/>
               </a:spcBef>
@@ -3923,7 +4059,7 @@
               <a:buChar char="■"/>
               <a:defRPr sz="1200"/>
             </a:lvl3pPr>
-            <a:lvl4pPr indent="-304800" lvl="3" marL="1828800">
+            <a:lvl4pPr marL="1828800" lvl="3" indent="-304800">
               <a:spcBef>
                 <a:spcPts val="0"/>
               </a:spcBef>
@@ -3934,7 +4070,7 @@
               <a:buChar char="●"/>
               <a:defRPr sz="1200"/>
             </a:lvl4pPr>
-            <a:lvl5pPr indent="-304800" lvl="4" marL="2286000">
+            <a:lvl5pPr marL="2286000" lvl="4" indent="-304800">
               <a:spcBef>
                 <a:spcPts val="0"/>
               </a:spcBef>
@@ -3945,7 +4081,7 @@
               <a:buChar char="○"/>
               <a:defRPr sz="1200"/>
             </a:lvl5pPr>
-            <a:lvl6pPr indent="-304800" lvl="5" marL="2743200">
+            <a:lvl6pPr marL="2743200" lvl="5" indent="-304800">
               <a:spcBef>
                 <a:spcPts val="0"/>
               </a:spcBef>
@@ -3956,7 +4092,7 @@
               <a:buChar char="■"/>
               <a:defRPr sz="1200"/>
             </a:lvl6pPr>
-            <a:lvl7pPr indent="-304800" lvl="6" marL="3200400">
+            <a:lvl7pPr marL="3200400" lvl="6" indent="-304800">
               <a:spcBef>
                 <a:spcPts val="0"/>
               </a:spcBef>
@@ -3967,7 +4103,7 @@
               <a:buChar char="●"/>
               <a:defRPr sz="1200"/>
             </a:lvl7pPr>
-            <a:lvl8pPr indent="-304800" lvl="7" marL="3657600">
+            <a:lvl8pPr marL="3657600" lvl="7" indent="-304800">
               <a:spcBef>
                 <a:spcPts val="0"/>
               </a:spcBef>
@@ -3978,7 +4114,7 @@
               <a:buChar char="○"/>
               <a:defRPr sz="1200"/>
             </a:lvl8pPr>
-            <a:lvl9pPr indent="-304800" lvl="8" marL="4114800">
+            <a:lvl9pPr marL="4114800" lvl="8" indent="-304800">
               <a:spcBef>
                 <a:spcPts val="0"/>
               </a:spcBef>
@@ -3990,15 +4126,19 @@
               <a:defRPr sz="1200"/>
             </a:lvl9pPr>
           </a:lstStyle>
-          <a:p/>
+          <a:p>
+            <a:endParaRPr/>
+          </a:p>
         </p:txBody>
       </p:sp>
       <p:sp>
         <p:nvSpPr>
           <p:cNvPr id="24" name="Google Shape;24;p5"/>
-          <p:cNvSpPr txBox="1"/>
+          <p:cNvSpPr txBox="1">
+            <a:spLocks noGrp="1"/>
+          </p:cNvSpPr>
           <p:nvPr>
-            <p:ph idx="12" type="sldNum"/>
+            <p:ph type="sldNum" idx="12"/>
           </p:nvPr>
         </p:nvSpPr>
         <p:spPr>
@@ -4011,7 +4151,7 @@
           </a:prstGeom>
         </p:spPr>
         <p:txBody>
-          <a:bodyPr anchorCtr="0" anchor="ctr" bIns="91425" lIns="91425" spcFirstLastPara="1" rIns="91425" wrap="square" tIns="91425">
+          <a:bodyPr spcFirstLastPara="1" wrap="square" lIns="91425" tIns="91425" rIns="91425" bIns="91425" anchor="ctr" anchorCtr="0">
             <a:normAutofit/>
           </a:bodyPr>
           <a:lstStyle>
@@ -4053,7 +4193,7 @@
             </a:lvl9pPr>
           </a:lstStyle>
           <a:p>
-            <a:pPr indent="0" lvl="0" marL="0" rtl="0" algn="r">
+            <a:pPr marL="0" lvl="0" indent="0" algn="r" rtl="0">
               <a:spcBef>
                 <a:spcPts val="0"/>
               </a:spcBef>
@@ -4064,7 +4204,7 @@
             </a:pPr>
             <a:fld id="{00000000-1234-1234-1234-123412341234}" type="slidenum">
               <a:rPr lang="nl"/>
-              <a:t>‹#›</a:t>
+              <a:t>‹nr.›</a:t>
             </a:fld>
             <a:endParaRPr/>
           </a:p>
@@ -4079,11 +4219,11 @@
 </file>
 
 <file path=ppt/slideLayouts/slideLayout5.xml><?xml version="1.0" encoding="utf-8"?>
-<p:sldLayout xmlns:a="http://schemas.openxmlformats.org/drawingml/2006/main" xmlns:r="http://schemas.openxmlformats.org/officeDocument/2006/relationships" xmlns:mc="http://schemas.openxmlformats.org/markup-compatibility/2006" xmlns:mv="urn:schemas-microsoft-com:mac:vml" xmlns:p="http://schemas.openxmlformats.org/presentationml/2006/main" xmlns:c="http://schemas.openxmlformats.org/drawingml/2006/chart" xmlns:dgm="http://schemas.openxmlformats.org/drawingml/2006/diagram" xmlns:o="urn:schemas-microsoft-com:office:office" xmlns:v="urn:schemas-microsoft-com:vml" xmlns:pvml="urn:schemas-microsoft-com:office:powerpoint" xmlns:com="http://schemas.openxmlformats.org/drawingml/2006/compatibility" xmlns:p14="http://schemas.microsoft.com/office/powerpoint/2010/main" xmlns:p15="http://schemas.microsoft.com/office/powerpoint/2012/main" xmlns:ahyp="http://schemas.microsoft.com/office/drawing/2018/hyperlinkcolor" matchingName="Title only" type="titleOnly">
+<p:sldLayout xmlns:a="http://schemas.openxmlformats.org/drawingml/2006/main" xmlns:r="http://schemas.openxmlformats.org/officeDocument/2006/relationships" xmlns:p="http://schemas.openxmlformats.org/presentationml/2006/main" matchingName="Title only" type="titleOnly">
   <p:cSld name="TITLE_ONLY">
     <p:spTree>
       <p:nvGrpSpPr>
-        <p:cNvPr id="25" name="Shape 25"/>
+        <p:cNvPr id="1" name="Shape 25"/>
         <p:cNvGrpSpPr/>
         <p:nvPr/>
       </p:nvGrpSpPr>
@@ -4098,7 +4238,9 @@
       <p:sp>
         <p:nvSpPr>
           <p:cNvPr id="26" name="Google Shape;26;p6"/>
-          <p:cNvSpPr txBox="1"/>
+          <p:cNvSpPr txBox="1">
+            <a:spLocks noGrp="1"/>
+          </p:cNvSpPr>
           <p:nvPr>
             <p:ph type="title"/>
           </p:nvPr>
@@ -4113,7 +4255,7 @@
           </a:prstGeom>
         </p:spPr>
         <p:txBody>
-          <a:bodyPr anchorCtr="0" anchor="t" bIns="91425" lIns="91425" spcFirstLastPara="1" rIns="91425" wrap="square" tIns="91425">
+          <a:bodyPr spcFirstLastPara="1" wrap="square" lIns="91425" tIns="91425" rIns="91425" bIns="91425" anchor="t" anchorCtr="0">
             <a:normAutofit/>
           </a:bodyPr>
           <a:lstStyle>
@@ -4217,15 +4359,19 @@
               <a:defRPr/>
             </a:lvl9pPr>
           </a:lstStyle>
-          <a:p/>
+          <a:p>
+            <a:endParaRPr/>
+          </a:p>
         </p:txBody>
       </p:sp>
       <p:sp>
         <p:nvSpPr>
           <p:cNvPr id="27" name="Google Shape;27;p6"/>
-          <p:cNvSpPr txBox="1"/>
+          <p:cNvSpPr txBox="1">
+            <a:spLocks noGrp="1"/>
+          </p:cNvSpPr>
           <p:nvPr>
-            <p:ph idx="12" type="sldNum"/>
+            <p:ph type="sldNum" idx="12"/>
           </p:nvPr>
         </p:nvSpPr>
         <p:spPr>
@@ -4238,7 +4384,7 @@
           </a:prstGeom>
         </p:spPr>
         <p:txBody>
-          <a:bodyPr anchorCtr="0" anchor="ctr" bIns="91425" lIns="91425" spcFirstLastPara="1" rIns="91425" wrap="square" tIns="91425">
+          <a:bodyPr spcFirstLastPara="1" wrap="square" lIns="91425" tIns="91425" rIns="91425" bIns="91425" anchor="ctr" anchorCtr="0">
             <a:normAutofit/>
           </a:bodyPr>
           <a:lstStyle>
@@ -4280,7 +4426,7 @@
             </a:lvl9pPr>
           </a:lstStyle>
           <a:p>
-            <a:pPr indent="0" lvl="0" marL="0" rtl="0" algn="r">
+            <a:pPr marL="0" lvl="0" indent="0" algn="r" rtl="0">
               <a:spcBef>
                 <a:spcPts val="0"/>
               </a:spcBef>
@@ -4291,7 +4437,7 @@
             </a:pPr>
             <a:fld id="{00000000-1234-1234-1234-123412341234}" type="slidenum">
               <a:rPr lang="nl"/>
-              <a:t>‹#›</a:t>
+              <a:t>‹nr.›</a:t>
             </a:fld>
             <a:endParaRPr/>
           </a:p>
@@ -4306,11 +4452,11 @@
 </file>
 
 <file path=ppt/slideLayouts/slideLayout6.xml><?xml version="1.0" encoding="utf-8"?>
-<p:sldLayout xmlns:a="http://schemas.openxmlformats.org/drawingml/2006/main" xmlns:r="http://schemas.openxmlformats.org/officeDocument/2006/relationships" xmlns:mc="http://schemas.openxmlformats.org/markup-compatibility/2006" xmlns:mv="urn:schemas-microsoft-com:mac:vml" xmlns:p="http://schemas.openxmlformats.org/presentationml/2006/main" xmlns:c="http://schemas.openxmlformats.org/drawingml/2006/chart" xmlns:dgm="http://schemas.openxmlformats.org/drawingml/2006/diagram" xmlns:o="urn:schemas-microsoft-com:office:office" xmlns:v="urn:schemas-microsoft-com:vml" xmlns:pvml="urn:schemas-microsoft-com:office:powerpoint" xmlns:com="http://schemas.openxmlformats.org/drawingml/2006/compatibility" xmlns:p14="http://schemas.microsoft.com/office/powerpoint/2010/main" xmlns:p15="http://schemas.microsoft.com/office/powerpoint/2012/main" xmlns:ahyp="http://schemas.microsoft.com/office/drawing/2018/hyperlinkcolor" matchingName="One column text">
+<p:sldLayout xmlns:a="http://schemas.openxmlformats.org/drawingml/2006/main" xmlns:r="http://schemas.openxmlformats.org/officeDocument/2006/relationships" xmlns:p="http://schemas.openxmlformats.org/presentationml/2006/main" matchingName="One column text">
   <p:cSld name="ONE_COLUMN_TEXT">
     <p:spTree>
       <p:nvGrpSpPr>
-        <p:cNvPr id="28" name="Shape 28"/>
+        <p:cNvPr id="1" name="Shape 28"/>
         <p:cNvGrpSpPr/>
         <p:nvPr/>
       </p:nvGrpSpPr>
@@ -4325,7 +4471,9 @@
       <p:sp>
         <p:nvSpPr>
           <p:cNvPr id="29" name="Google Shape;29;p7"/>
-          <p:cNvSpPr txBox="1"/>
+          <p:cNvSpPr txBox="1">
+            <a:spLocks noGrp="1"/>
+          </p:cNvSpPr>
           <p:nvPr>
             <p:ph type="title"/>
           </p:nvPr>
@@ -4340,7 +4488,7 @@
           </a:prstGeom>
         </p:spPr>
         <p:txBody>
-          <a:bodyPr anchorCtr="0" anchor="b" bIns="91425" lIns="91425" spcFirstLastPara="1" rIns="91425" wrap="square" tIns="91425">
+          <a:bodyPr spcFirstLastPara="1" wrap="square" lIns="91425" tIns="91425" rIns="91425" bIns="91425" anchor="b" anchorCtr="0">
             <a:normAutofit/>
           </a:bodyPr>
           <a:lstStyle>
@@ -4444,15 +4592,19 @@
               <a:defRPr sz="2400"/>
             </a:lvl9pPr>
           </a:lstStyle>
-          <a:p/>
+          <a:p>
+            <a:endParaRPr/>
+          </a:p>
         </p:txBody>
       </p:sp>
       <p:sp>
         <p:nvSpPr>
           <p:cNvPr id="30" name="Google Shape;30;p7"/>
-          <p:cNvSpPr txBox="1"/>
+          <p:cNvSpPr txBox="1">
+            <a:spLocks noGrp="1"/>
+          </p:cNvSpPr>
           <p:nvPr>
-            <p:ph idx="1" type="body"/>
+            <p:ph type="body" idx="1"/>
           </p:nvPr>
         </p:nvSpPr>
         <p:spPr>
@@ -4465,11 +4617,11 @@
           </a:prstGeom>
         </p:spPr>
         <p:txBody>
-          <a:bodyPr anchorCtr="0" anchor="t" bIns="91425" lIns="91425" spcFirstLastPara="1" rIns="91425" wrap="square" tIns="91425">
+          <a:bodyPr spcFirstLastPara="1" wrap="square" lIns="91425" tIns="91425" rIns="91425" bIns="91425" anchor="t" anchorCtr="0">
             <a:normAutofit/>
           </a:bodyPr>
           <a:lstStyle>
-            <a:lvl1pPr indent="-304800" lvl="0" marL="457200">
+            <a:lvl1pPr marL="457200" lvl="0" indent="-304800">
               <a:spcBef>
                 <a:spcPts val="0"/>
               </a:spcBef>
@@ -4480,7 +4632,7 @@
               <a:buChar char="●"/>
               <a:defRPr sz="1200"/>
             </a:lvl1pPr>
-            <a:lvl2pPr indent="-304800" lvl="1" marL="914400">
+            <a:lvl2pPr marL="914400" lvl="1" indent="-304800">
               <a:spcBef>
                 <a:spcPts val="0"/>
               </a:spcBef>
@@ -4491,7 +4643,7 @@
               <a:buChar char="○"/>
               <a:defRPr sz="1200"/>
             </a:lvl2pPr>
-            <a:lvl3pPr indent="-304800" lvl="2" marL="1371600">
+            <a:lvl3pPr marL="1371600" lvl="2" indent="-304800">
               <a:spcBef>
                 <a:spcPts val="0"/>
               </a:spcBef>
@@ -4502,7 +4654,7 @@
               <a:buChar char="■"/>
               <a:defRPr sz="1200"/>
             </a:lvl3pPr>
-            <a:lvl4pPr indent="-304800" lvl="3" marL="1828800">
+            <a:lvl4pPr marL="1828800" lvl="3" indent="-304800">
               <a:spcBef>
                 <a:spcPts val="0"/>
               </a:spcBef>
@@ -4513,7 +4665,7 @@
               <a:buChar char="●"/>
               <a:defRPr sz="1200"/>
             </a:lvl4pPr>
-            <a:lvl5pPr indent="-304800" lvl="4" marL="2286000">
+            <a:lvl5pPr marL="2286000" lvl="4" indent="-304800">
               <a:spcBef>
                 <a:spcPts val="0"/>
               </a:spcBef>
@@ -4524,7 +4676,7 @@
               <a:buChar char="○"/>
               <a:defRPr sz="1200"/>
             </a:lvl5pPr>
-            <a:lvl6pPr indent="-304800" lvl="5" marL="2743200">
+            <a:lvl6pPr marL="2743200" lvl="5" indent="-304800">
               <a:spcBef>
                 <a:spcPts val="0"/>
               </a:spcBef>
@@ -4535,7 +4687,7 @@
               <a:buChar char="■"/>
               <a:defRPr sz="1200"/>
             </a:lvl6pPr>
-            <a:lvl7pPr indent="-304800" lvl="6" marL="3200400">
+            <a:lvl7pPr marL="3200400" lvl="6" indent="-304800">
               <a:spcBef>
                 <a:spcPts val="0"/>
               </a:spcBef>
@@ -4546,7 +4698,7 @@
               <a:buChar char="●"/>
               <a:defRPr sz="1200"/>
             </a:lvl7pPr>
-            <a:lvl8pPr indent="-304800" lvl="7" marL="3657600">
+            <a:lvl8pPr marL="3657600" lvl="7" indent="-304800">
               <a:spcBef>
                 <a:spcPts val="0"/>
               </a:spcBef>
@@ -4557,7 +4709,7 @@
               <a:buChar char="○"/>
               <a:defRPr sz="1200"/>
             </a:lvl8pPr>
-            <a:lvl9pPr indent="-304800" lvl="8" marL="4114800">
+            <a:lvl9pPr marL="4114800" lvl="8" indent="-304800">
               <a:spcBef>
                 <a:spcPts val="0"/>
               </a:spcBef>
@@ -4569,15 +4721,19 @@
               <a:defRPr sz="1200"/>
             </a:lvl9pPr>
           </a:lstStyle>
-          <a:p/>
+          <a:p>
+            <a:endParaRPr/>
+          </a:p>
         </p:txBody>
       </p:sp>
       <p:sp>
         <p:nvSpPr>
           <p:cNvPr id="31" name="Google Shape;31;p7"/>
-          <p:cNvSpPr txBox="1"/>
+          <p:cNvSpPr txBox="1">
+            <a:spLocks noGrp="1"/>
+          </p:cNvSpPr>
           <p:nvPr>
-            <p:ph idx="12" type="sldNum"/>
+            <p:ph type="sldNum" idx="12"/>
           </p:nvPr>
         </p:nvSpPr>
         <p:spPr>
@@ -4590,7 +4746,7 @@
           </a:prstGeom>
         </p:spPr>
         <p:txBody>
-          <a:bodyPr anchorCtr="0" anchor="ctr" bIns="91425" lIns="91425" spcFirstLastPara="1" rIns="91425" wrap="square" tIns="91425">
+          <a:bodyPr spcFirstLastPara="1" wrap="square" lIns="91425" tIns="91425" rIns="91425" bIns="91425" anchor="ctr" anchorCtr="0">
             <a:normAutofit/>
           </a:bodyPr>
           <a:lstStyle>
@@ -4632,7 +4788,7 @@
             </a:lvl9pPr>
           </a:lstStyle>
           <a:p>
-            <a:pPr indent="0" lvl="0" marL="0" rtl="0" algn="r">
+            <a:pPr marL="0" lvl="0" indent="0" algn="r" rtl="0">
               <a:spcBef>
                 <a:spcPts val="0"/>
               </a:spcBef>
@@ -4643,7 +4799,7 @@
             </a:pPr>
             <a:fld id="{00000000-1234-1234-1234-123412341234}" type="slidenum">
               <a:rPr lang="nl"/>
-              <a:t>‹#›</a:t>
+              <a:t>‹nr.›</a:t>
             </a:fld>
             <a:endParaRPr/>
           </a:p>
@@ -4658,11 +4814,11 @@
 </file>
 
 <file path=ppt/slideLayouts/slideLayout7.xml><?xml version="1.0" encoding="utf-8"?>
-<p:sldLayout xmlns:a="http://schemas.openxmlformats.org/drawingml/2006/main" xmlns:r="http://schemas.openxmlformats.org/officeDocument/2006/relationships" xmlns:mc="http://schemas.openxmlformats.org/markup-compatibility/2006" xmlns:mv="urn:schemas-microsoft-com:mac:vml" xmlns:p="http://schemas.openxmlformats.org/presentationml/2006/main" xmlns:c="http://schemas.openxmlformats.org/drawingml/2006/chart" xmlns:dgm="http://schemas.openxmlformats.org/drawingml/2006/diagram" xmlns:o="urn:schemas-microsoft-com:office:office" xmlns:v="urn:schemas-microsoft-com:vml" xmlns:pvml="urn:schemas-microsoft-com:office:powerpoint" xmlns:com="http://schemas.openxmlformats.org/drawingml/2006/compatibility" xmlns:p14="http://schemas.microsoft.com/office/powerpoint/2010/main" xmlns:p15="http://schemas.microsoft.com/office/powerpoint/2012/main" xmlns:ahyp="http://schemas.microsoft.com/office/drawing/2018/hyperlinkcolor" matchingName="Main point">
+<p:sldLayout xmlns:a="http://schemas.openxmlformats.org/drawingml/2006/main" xmlns:r="http://schemas.openxmlformats.org/officeDocument/2006/relationships" xmlns:p="http://schemas.openxmlformats.org/presentationml/2006/main" matchingName="Main point">
   <p:cSld name="MAIN_POINT">
     <p:spTree>
       <p:nvGrpSpPr>
-        <p:cNvPr id="32" name="Shape 32"/>
+        <p:cNvPr id="1" name="Shape 32"/>
         <p:cNvGrpSpPr/>
         <p:nvPr/>
       </p:nvGrpSpPr>
@@ -4677,7 +4833,9 @@
       <p:sp>
         <p:nvSpPr>
           <p:cNvPr id="33" name="Google Shape;33;p8"/>
-          <p:cNvSpPr txBox="1"/>
+          <p:cNvSpPr txBox="1">
+            <a:spLocks noGrp="1"/>
+          </p:cNvSpPr>
           <p:nvPr>
             <p:ph type="title"/>
           </p:nvPr>
@@ -4692,7 +4850,7 @@
           </a:prstGeom>
         </p:spPr>
         <p:txBody>
-          <a:bodyPr anchorCtr="0" anchor="ctr" bIns="91425" lIns="91425" spcFirstLastPara="1" rIns="91425" wrap="square" tIns="91425">
+          <a:bodyPr spcFirstLastPara="1" wrap="square" lIns="91425" tIns="91425" rIns="91425" bIns="91425" anchor="ctr" anchorCtr="0">
             <a:normAutofit/>
           </a:bodyPr>
           <a:lstStyle>
@@ -4796,15 +4954,19 @@
               <a:defRPr sz="4800"/>
             </a:lvl9pPr>
           </a:lstStyle>
-          <a:p/>
+          <a:p>
+            <a:endParaRPr/>
+          </a:p>
         </p:txBody>
       </p:sp>
       <p:sp>
         <p:nvSpPr>
           <p:cNvPr id="34" name="Google Shape;34;p8"/>
-          <p:cNvSpPr txBox="1"/>
+          <p:cNvSpPr txBox="1">
+            <a:spLocks noGrp="1"/>
+          </p:cNvSpPr>
           <p:nvPr>
-            <p:ph idx="12" type="sldNum"/>
+            <p:ph type="sldNum" idx="12"/>
           </p:nvPr>
         </p:nvSpPr>
         <p:spPr>
@@ -4817,7 +4979,7 @@
           </a:prstGeom>
         </p:spPr>
         <p:txBody>
-          <a:bodyPr anchorCtr="0" anchor="ctr" bIns="91425" lIns="91425" spcFirstLastPara="1" rIns="91425" wrap="square" tIns="91425">
+          <a:bodyPr spcFirstLastPara="1" wrap="square" lIns="91425" tIns="91425" rIns="91425" bIns="91425" anchor="ctr" anchorCtr="0">
             <a:normAutofit/>
           </a:bodyPr>
           <a:lstStyle>
@@ -4859,7 +5021,7 @@
             </a:lvl9pPr>
           </a:lstStyle>
           <a:p>
-            <a:pPr indent="0" lvl="0" marL="0" rtl="0" algn="r">
+            <a:pPr marL="0" lvl="0" indent="0" algn="r" rtl="0">
               <a:spcBef>
                 <a:spcPts val="0"/>
               </a:spcBef>
@@ -4870,7 +5032,7 @@
             </a:pPr>
             <a:fld id="{00000000-1234-1234-1234-123412341234}" type="slidenum">
               <a:rPr lang="nl"/>
-              <a:t>‹#›</a:t>
+              <a:t>‹nr.›</a:t>
             </a:fld>
             <a:endParaRPr/>
           </a:p>
@@ -4885,11 +5047,11 @@
 </file>
 
 <file path=ppt/slideLayouts/slideLayout8.xml><?xml version="1.0" encoding="utf-8"?>
-<p:sldLayout xmlns:a="http://schemas.openxmlformats.org/drawingml/2006/main" xmlns:r="http://schemas.openxmlformats.org/officeDocument/2006/relationships" xmlns:mc="http://schemas.openxmlformats.org/markup-compatibility/2006" xmlns:mv="urn:schemas-microsoft-com:mac:vml" xmlns:p="http://schemas.openxmlformats.org/presentationml/2006/main" xmlns:c="http://schemas.openxmlformats.org/drawingml/2006/chart" xmlns:dgm="http://schemas.openxmlformats.org/drawingml/2006/diagram" xmlns:o="urn:schemas-microsoft-com:office:office" xmlns:v="urn:schemas-microsoft-com:vml" xmlns:pvml="urn:schemas-microsoft-com:office:powerpoint" xmlns:com="http://schemas.openxmlformats.org/drawingml/2006/compatibility" xmlns:p14="http://schemas.microsoft.com/office/powerpoint/2010/main" xmlns:p15="http://schemas.microsoft.com/office/powerpoint/2012/main" xmlns:ahyp="http://schemas.microsoft.com/office/drawing/2018/hyperlinkcolor" matchingName="Section title and description">
+<p:sldLayout xmlns:a="http://schemas.openxmlformats.org/drawingml/2006/main" xmlns:r="http://schemas.openxmlformats.org/officeDocument/2006/relationships" xmlns:p="http://schemas.openxmlformats.org/presentationml/2006/main" matchingName="Section title and description">
   <p:cSld name="SECTION_TITLE_AND_DESCRIPTION">
     <p:spTree>
       <p:nvGrpSpPr>
-        <p:cNvPr id="35" name="Shape 35"/>
+        <p:cNvPr id="1" name="Shape 35"/>
         <p:cNvGrpSpPr/>
         <p:nvPr/>
       </p:nvGrpSpPr>
@@ -4923,23 +5085,20 @@
           </a:ln>
         </p:spPr>
         <p:txBody>
-          <a:bodyPr anchorCtr="0" anchor="ctr" bIns="91425" lIns="91425" spcFirstLastPara="1" rIns="91425" wrap="square" tIns="91425">
+          <a:bodyPr spcFirstLastPara="1" wrap="square" lIns="91425" tIns="91425" rIns="91425" bIns="91425" anchor="ctr" anchorCtr="0">
             <a:noAutofit/>
           </a:bodyPr>
           <a:lstStyle/>
           <a:p>
-            <a:pPr indent="0" lvl="0" marL="0" rtl="0" algn="l">
-              <a:spcBef>
-                <a:spcPts val="0"/>
-              </a:spcBef>
-              <a:spcAft>
-                <a:spcPts val="0"/>
-              </a:spcAft>
-              <a:buNone/>
-            </a:pPr>
-            <a:r>
-              <a:t/>
-            </a:r>
+            <a:pPr marL="0" lvl="0" indent="0" algn="l" rtl="0">
+              <a:spcBef>
+                <a:spcPts val="0"/>
+              </a:spcBef>
+              <a:spcAft>
+                <a:spcPts val="0"/>
+              </a:spcAft>
+              <a:buNone/>
+            </a:pPr>
             <a:endParaRPr/>
           </a:p>
         </p:txBody>
@@ -4947,7 +5106,9 @@
       <p:sp>
         <p:nvSpPr>
           <p:cNvPr id="37" name="Google Shape;37;p9"/>
-          <p:cNvSpPr txBox="1"/>
+          <p:cNvSpPr txBox="1">
+            <a:spLocks noGrp="1"/>
+          </p:cNvSpPr>
           <p:nvPr>
             <p:ph type="title"/>
           </p:nvPr>
@@ -4962,7 +5123,7 @@
           </a:prstGeom>
         </p:spPr>
         <p:txBody>
-          <a:bodyPr anchorCtr="0" anchor="b" bIns="91425" lIns="91425" spcFirstLastPara="1" rIns="91425" wrap="square" tIns="91425">
+          <a:bodyPr spcFirstLastPara="1" wrap="square" lIns="91425" tIns="91425" rIns="91425" bIns="91425" anchor="b" anchorCtr="0">
             <a:normAutofit/>
           </a:bodyPr>
           <a:lstStyle>
@@ -5066,15 +5227,19 @@
               <a:defRPr sz="4200"/>
             </a:lvl9pPr>
           </a:lstStyle>
-          <a:p/>
+          <a:p>
+            <a:endParaRPr/>
+          </a:p>
         </p:txBody>
       </p:sp>
       <p:sp>
         <p:nvSpPr>
           <p:cNvPr id="38" name="Google Shape;38;p9"/>
-          <p:cNvSpPr txBox="1"/>
+          <p:cNvSpPr txBox="1">
+            <a:spLocks noGrp="1"/>
+          </p:cNvSpPr>
           <p:nvPr>
-            <p:ph idx="1" type="subTitle"/>
+            <p:ph type="subTitle" idx="1"/>
           </p:nvPr>
         </p:nvSpPr>
         <p:spPr>
@@ -5087,7 +5252,7 @@
           </a:prstGeom>
         </p:spPr>
         <p:txBody>
-          <a:bodyPr anchorCtr="0" anchor="t" bIns="91425" lIns="91425" spcFirstLastPara="1" rIns="91425" wrap="square" tIns="91425">
+          <a:bodyPr spcFirstLastPara="1" wrap="square" lIns="91425" tIns="91425" rIns="91425" bIns="91425" anchor="t" anchorCtr="0">
             <a:normAutofit/>
           </a:bodyPr>
           <a:lstStyle>
@@ -5218,15 +5383,19 @@
               <a:defRPr sz="2100"/>
             </a:lvl9pPr>
           </a:lstStyle>
-          <a:p/>
+          <a:p>
+            <a:endParaRPr/>
+          </a:p>
         </p:txBody>
       </p:sp>
       <p:sp>
         <p:nvSpPr>
           <p:cNvPr id="39" name="Google Shape;39;p9"/>
-          <p:cNvSpPr txBox="1"/>
+          <p:cNvSpPr txBox="1">
+            <a:spLocks noGrp="1"/>
+          </p:cNvSpPr>
           <p:nvPr>
-            <p:ph idx="2" type="body"/>
+            <p:ph type="body" idx="2"/>
           </p:nvPr>
         </p:nvSpPr>
         <p:spPr>
@@ -5239,11 +5408,11 @@
           </a:prstGeom>
         </p:spPr>
         <p:txBody>
-          <a:bodyPr anchorCtr="0" anchor="ctr" bIns="91425" lIns="91425" spcFirstLastPara="1" rIns="91425" wrap="square" tIns="91425">
+          <a:bodyPr spcFirstLastPara="1" wrap="square" lIns="91425" tIns="91425" rIns="91425" bIns="91425" anchor="ctr" anchorCtr="0">
             <a:normAutofit/>
           </a:bodyPr>
           <a:lstStyle>
-            <a:lvl1pPr indent="-342900" lvl="0" marL="457200">
+            <a:lvl1pPr marL="457200" lvl="0" indent="-342900">
               <a:spcBef>
                 <a:spcPts val="0"/>
               </a:spcBef>
@@ -5254,7 +5423,7 @@
               <a:buChar char="●"/>
               <a:defRPr/>
             </a:lvl1pPr>
-            <a:lvl2pPr indent="-317500" lvl="1" marL="914400">
+            <a:lvl2pPr marL="914400" lvl="1" indent="-317500">
               <a:spcBef>
                 <a:spcPts val="0"/>
               </a:spcBef>
@@ -5265,7 +5434,7 @@
               <a:buChar char="○"/>
               <a:defRPr/>
             </a:lvl2pPr>
-            <a:lvl3pPr indent="-317500" lvl="2" marL="1371600">
+            <a:lvl3pPr marL="1371600" lvl="2" indent="-317500">
               <a:spcBef>
                 <a:spcPts val="0"/>
               </a:spcBef>
@@ -5276,7 +5445,7 @@
               <a:buChar char="■"/>
               <a:defRPr/>
             </a:lvl3pPr>
-            <a:lvl4pPr indent="-317500" lvl="3" marL="1828800">
+            <a:lvl4pPr marL="1828800" lvl="3" indent="-317500">
               <a:spcBef>
                 <a:spcPts val="0"/>
               </a:spcBef>
@@ -5287,7 +5456,7 @@
               <a:buChar char="●"/>
               <a:defRPr/>
             </a:lvl4pPr>
-            <a:lvl5pPr indent="-317500" lvl="4" marL="2286000">
+            <a:lvl5pPr marL="2286000" lvl="4" indent="-317500">
               <a:spcBef>
                 <a:spcPts val="0"/>
               </a:spcBef>
@@ -5298,7 +5467,7 @@
               <a:buChar char="○"/>
               <a:defRPr/>
             </a:lvl5pPr>
-            <a:lvl6pPr indent="-317500" lvl="5" marL="2743200">
+            <a:lvl6pPr marL="2743200" lvl="5" indent="-317500">
               <a:spcBef>
                 <a:spcPts val="0"/>
               </a:spcBef>
@@ -5309,7 +5478,7 @@
               <a:buChar char="■"/>
               <a:defRPr/>
             </a:lvl6pPr>
-            <a:lvl7pPr indent="-317500" lvl="6" marL="3200400">
+            <a:lvl7pPr marL="3200400" lvl="6" indent="-317500">
               <a:spcBef>
                 <a:spcPts val="0"/>
               </a:spcBef>
@@ -5320,7 +5489,7 @@
               <a:buChar char="●"/>
               <a:defRPr/>
             </a:lvl7pPr>
-            <a:lvl8pPr indent="-317500" lvl="7" marL="3657600">
+            <a:lvl8pPr marL="3657600" lvl="7" indent="-317500">
               <a:spcBef>
                 <a:spcPts val="0"/>
               </a:spcBef>
@@ -5331,7 +5500,7 @@
               <a:buChar char="○"/>
               <a:defRPr/>
             </a:lvl8pPr>
-            <a:lvl9pPr indent="-317500" lvl="8" marL="4114800">
+            <a:lvl9pPr marL="4114800" lvl="8" indent="-317500">
               <a:spcBef>
                 <a:spcPts val="0"/>
               </a:spcBef>
@@ -5343,15 +5512,19 @@
               <a:defRPr/>
             </a:lvl9pPr>
           </a:lstStyle>
-          <a:p/>
+          <a:p>
+            <a:endParaRPr/>
+          </a:p>
         </p:txBody>
       </p:sp>
       <p:sp>
         <p:nvSpPr>
           <p:cNvPr id="40" name="Google Shape;40;p9"/>
-          <p:cNvSpPr txBox="1"/>
+          <p:cNvSpPr txBox="1">
+            <a:spLocks noGrp="1"/>
+          </p:cNvSpPr>
           <p:nvPr>
-            <p:ph idx="12" type="sldNum"/>
+            <p:ph type="sldNum" idx="12"/>
           </p:nvPr>
         </p:nvSpPr>
         <p:spPr>
@@ -5364,7 +5537,7 @@
           </a:prstGeom>
         </p:spPr>
         <p:txBody>
-          <a:bodyPr anchorCtr="0" anchor="ctr" bIns="91425" lIns="91425" spcFirstLastPara="1" rIns="91425" wrap="square" tIns="91425">
+          <a:bodyPr spcFirstLastPara="1" wrap="square" lIns="91425" tIns="91425" rIns="91425" bIns="91425" anchor="ctr" anchorCtr="0">
             <a:normAutofit/>
           </a:bodyPr>
           <a:lstStyle>
@@ -5406,7 +5579,7 @@
             </a:lvl9pPr>
           </a:lstStyle>
           <a:p>
-            <a:pPr indent="0" lvl="0" marL="0" rtl="0" algn="r">
+            <a:pPr marL="0" lvl="0" indent="0" algn="r" rtl="0">
               <a:spcBef>
                 <a:spcPts val="0"/>
               </a:spcBef>
@@ -5417,7 +5590,7 @@
             </a:pPr>
             <a:fld id="{00000000-1234-1234-1234-123412341234}" type="slidenum">
               <a:rPr lang="nl"/>
-              <a:t>‹#›</a:t>
+              <a:t>‹nr.›</a:t>
             </a:fld>
             <a:endParaRPr/>
           </a:p>
@@ -5432,11 +5605,11 @@
 </file>
 
 <file path=ppt/slideLayouts/slideLayout9.xml><?xml version="1.0" encoding="utf-8"?>
-<p:sldLayout xmlns:a="http://schemas.openxmlformats.org/drawingml/2006/main" xmlns:r="http://schemas.openxmlformats.org/officeDocument/2006/relationships" xmlns:mc="http://schemas.openxmlformats.org/markup-compatibility/2006" xmlns:mv="urn:schemas-microsoft-com:mac:vml" xmlns:p="http://schemas.openxmlformats.org/presentationml/2006/main" xmlns:c="http://schemas.openxmlformats.org/drawingml/2006/chart" xmlns:dgm="http://schemas.openxmlformats.org/drawingml/2006/diagram" xmlns:o="urn:schemas-microsoft-com:office:office" xmlns:v="urn:schemas-microsoft-com:vml" xmlns:pvml="urn:schemas-microsoft-com:office:powerpoint" xmlns:com="http://schemas.openxmlformats.org/drawingml/2006/compatibility" xmlns:p14="http://schemas.microsoft.com/office/powerpoint/2010/main" xmlns:p15="http://schemas.microsoft.com/office/powerpoint/2012/main" xmlns:ahyp="http://schemas.microsoft.com/office/drawing/2018/hyperlinkcolor" matchingName="Caption">
+<p:sldLayout xmlns:a="http://schemas.openxmlformats.org/drawingml/2006/main" xmlns:r="http://schemas.openxmlformats.org/officeDocument/2006/relationships" xmlns:p="http://schemas.openxmlformats.org/presentationml/2006/main" matchingName="Caption">
   <p:cSld name="CAPTION_ONLY">
     <p:spTree>
       <p:nvGrpSpPr>
-        <p:cNvPr id="41" name="Shape 41"/>
+        <p:cNvPr id="1" name="Shape 41"/>
         <p:cNvGrpSpPr/>
         <p:nvPr/>
       </p:nvGrpSpPr>
@@ -5451,9 +5624,11 @@
       <p:sp>
         <p:nvSpPr>
           <p:cNvPr id="42" name="Google Shape;42;p10"/>
-          <p:cNvSpPr txBox="1"/>
+          <p:cNvSpPr txBox="1">
+            <a:spLocks noGrp="1"/>
+          </p:cNvSpPr>
           <p:nvPr>
-            <p:ph idx="1" type="body"/>
+            <p:ph type="body" idx="1"/>
           </p:nvPr>
         </p:nvSpPr>
         <p:spPr>
@@ -5466,11 +5641,11 @@
           </a:prstGeom>
         </p:spPr>
         <p:txBody>
-          <a:bodyPr anchorCtr="0" anchor="ctr" bIns="91425" lIns="91425" spcFirstLastPara="1" rIns="91425" wrap="square" tIns="91425">
+          <a:bodyPr spcFirstLastPara="1" wrap="square" lIns="91425" tIns="91425" rIns="91425" bIns="91425" anchor="ctr" anchorCtr="0">
             <a:normAutofit/>
           </a:bodyPr>
           <a:lstStyle>
-            <a:lvl1pPr indent="-228600" lvl="0" marL="457200">
+            <a:lvl1pPr marL="457200" lvl="0" indent="-228600">
               <a:lnSpc>
                 <a:spcPct val="100000"/>
               </a:lnSpc>
@@ -5485,15 +5660,19 @@
               <a:defRPr/>
             </a:lvl1pPr>
           </a:lstStyle>
-          <a:p/>
+          <a:p>
+            <a:endParaRPr/>
+          </a:p>
         </p:txBody>
       </p:sp>
       <p:sp>
         <p:nvSpPr>
           <p:cNvPr id="43" name="Google Shape;43;p10"/>
-          <p:cNvSpPr txBox="1"/>
+          <p:cNvSpPr txBox="1">
+            <a:spLocks noGrp="1"/>
+          </p:cNvSpPr>
           <p:nvPr>
-            <p:ph idx="12" type="sldNum"/>
+            <p:ph type="sldNum" idx="12"/>
           </p:nvPr>
         </p:nvSpPr>
         <p:spPr>
@@ -5506,7 +5685,7 @@
           </a:prstGeom>
         </p:spPr>
         <p:txBody>
-          <a:bodyPr anchorCtr="0" anchor="ctr" bIns="91425" lIns="91425" spcFirstLastPara="1" rIns="91425" wrap="square" tIns="91425">
+          <a:bodyPr spcFirstLastPara="1" wrap="square" lIns="91425" tIns="91425" rIns="91425" bIns="91425" anchor="ctr" anchorCtr="0">
             <a:normAutofit/>
           </a:bodyPr>
           <a:lstStyle>
@@ -5548,7 +5727,7 @@
             </a:lvl9pPr>
           </a:lstStyle>
           <a:p>
-            <a:pPr indent="0" lvl="0" marL="0" rtl="0" algn="r">
+            <a:pPr marL="0" lvl="0" indent="0" algn="r" rtl="0">
               <a:spcBef>
                 <a:spcPts val="0"/>
               </a:spcBef>
@@ -5559,7 +5738,7 @@
             </a:pPr>
             <a:fld id="{00000000-1234-1234-1234-123412341234}" type="slidenum">
               <a:rPr lang="nl"/>
-              <a:t>‹#›</a:t>
+              <a:t>‹nr.›</a:t>
             </a:fld>
             <a:endParaRPr/>
           </a:p>
@@ -5574,18 +5753,19 @@
 </file>
 
 <file path=ppt/slideMasters/slideMaster1.xml><?xml version="1.0" encoding="utf-8"?>
-<p:sldMaster xmlns:a="http://schemas.openxmlformats.org/drawingml/2006/main" xmlns:r="http://schemas.openxmlformats.org/officeDocument/2006/relationships" xmlns:mc="http://schemas.openxmlformats.org/markup-compatibility/2006" xmlns:mv="urn:schemas-microsoft-com:mac:vml" xmlns:p="http://schemas.openxmlformats.org/presentationml/2006/main" xmlns:c="http://schemas.openxmlformats.org/drawingml/2006/chart" xmlns:dgm="http://schemas.openxmlformats.org/drawingml/2006/diagram" xmlns:o="urn:schemas-microsoft-com:office:office" xmlns:v="urn:schemas-microsoft-com:vml" xmlns:pvml="urn:schemas-microsoft-com:office:powerpoint" xmlns:com="http://schemas.openxmlformats.org/drawingml/2006/compatibility" xmlns:p14="http://schemas.microsoft.com/office/powerpoint/2010/main" xmlns:p15="http://schemas.microsoft.com/office/powerpoint/2012/main" xmlns:ahyp="http://schemas.microsoft.com/office/drawing/2018/hyperlinkcolor">
+<p:sldMaster xmlns:a="http://schemas.openxmlformats.org/drawingml/2006/main" xmlns:r="http://schemas.openxmlformats.org/officeDocument/2006/relationships" xmlns:p="http://schemas.openxmlformats.org/presentationml/2006/main">
   <p:cSld name="simple-light-2">
     <p:bg>
       <p:bgPr>
         <a:solidFill>
           <a:schemeClr val="lt1"/>
         </a:solidFill>
+        <a:effectLst/>
       </p:bgPr>
     </p:bg>
     <p:spTree>
       <p:nvGrpSpPr>
-        <p:cNvPr id="5" name="Shape 5"/>
+        <p:cNvPr id="1" name="Shape 5"/>
         <p:cNvGrpSpPr/>
         <p:nvPr/>
       </p:nvGrpSpPr>
@@ -5600,7 +5780,9 @@
       <p:sp>
         <p:nvSpPr>
           <p:cNvPr id="6" name="Google Shape;6;p1"/>
-          <p:cNvSpPr txBox="1"/>
+          <p:cNvSpPr txBox="1">
+            <a:spLocks noGrp="1"/>
+          </p:cNvSpPr>
           <p:nvPr>
             <p:ph type="title"/>
           </p:nvPr>
@@ -5619,7 +5801,7 @@
           </a:ln>
         </p:spPr>
         <p:txBody>
-          <a:bodyPr anchorCtr="0" anchor="t" bIns="91425" lIns="91425" spcFirstLastPara="1" rIns="91425" wrap="square" tIns="91425">
+          <a:bodyPr spcFirstLastPara="1" wrap="square" lIns="91425" tIns="91425" rIns="91425" bIns="91425" anchor="t" anchorCtr="0">
             <a:normAutofit/>
           </a:bodyPr>
           <a:lstStyle>
@@ -5786,15 +5968,19 @@
               </a:defRPr>
             </a:lvl9pPr>
           </a:lstStyle>
-          <a:p/>
+          <a:p>
+            <a:endParaRPr/>
+          </a:p>
         </p:txBody>
       </p:sp>
       <p:sp>
         <p:nvSpPr>
           <p:cNvPr id="7" name="Google Shape;7;p1"/>
-          <p:cNvSpPr txBox="1"/>
+          <p:cNvSpPr txBox="1">
+            <a:spLocks noGrp="1"/>
+          </p:cNvSpPr>
           <p:nvPr>
-            <p:ph idx="1" type="body"/>
+            <p:ph type="body" idx="1"/>
           </p:nvPr>
         </p:nvSpPr>
         <p:spPr>
@@ -5811,11 +5997,11 @@
           </a:ln>
         </p:spPr>
         <p:txBody>
-          <a:bodyPr anchorCtr="0" anchor="t" bIns="91425" lIns="91425" spcFirstLastPara="1" rIns="91425" wrap="square" tIns="91425">
+          <a:bodyPr spcFirstLastPara="1" wrap="square" lIns="91425" tIns="91425" rIns="91425" bIns="91425" anchor="t" anchorCtr="0">
             <a:normAutofit/>
           </a:bodyPr>
           <a:lstStyle>
-            <a:lvl1pPr indent="-342900" lvl="0" marL="457200">
+            <a:lvl1pPr marL="457200" lvl="0" indent="-342900">
               <a:lnSpc>
                 <a:spcPct val="115000"/>
               </a:lnSpc>
@@ -5836,7 +6022,7 @@
                 </a:solidFill>
               </a:defRPr>
             </a:lvl1pPr>
-            <a:lvl2pPr indent="-317500" lvl="1" marL="914400">
+            <a:lvl2pPr marL="914400" lvl="1" indent="-317500">
               <a:lnSpc>
                 <a:spcPct val="115000"/>
               </a:lnSpc>
@@ -5857,7 +6043,7 @@
                 </a:solidFill>
               </a:defRPr>
             </a:lvl2pPr>
-            <a:lvl3pPr indent="-317500" lvl="2" marL="1371600">
+            <a:lvl3pPr marL="1371600" lvl="2" indent="-317500">
               <a:lnSpc>
                 <a:spcPct val="115000"/>
               </a:lnSpc>
@@ -5878,7 +6064,7 @@
                 </a:solidFill>
               </a:defRPr>
             </a:lvl3pPr>
-            <a:lvl4pPr indent="-317500" lvl="3" marL="1828800">
+            <a:lvl4pPr marL="1828800" lvl="3" indent="-317500">
               <a:lnSpc>
                 <a:spcPct val="115000"/>
               </a:lnSpc>
@@ -5899,7 +6085,7 @@
                 </a:solidFill>
               </a:defRPr>
             </a:lvl4pPr>
-            <a:lvl5pPr indent="-317500" lvl="4" marL="2286000">
+            <a:lvl5pPr marL="2286000" lvl="4" indent="-317500">
               <a:lnSpc>
                 <a:spcPct val="115000"/>
               </a:lnSpc>
@@ -5920,7 +6106,7 @@
                 </a:solidFill>
               </a:defRPr>
             </a:lvl5pPr>
-            <a:lvl6pPr indent="-317500" lvl="5" marL="2743200">
+            <a:lvl6pPr marL="2743200" lvl="5" indent="-317500">
               <a:lnSpc>
                 <a:spcPct val="115000"/>
               </a:lnSpc>
@@ -5941,7 +6127,7 @@
                 </a:solidFill>
               </a:defRPr>
             </a:lvl6pPr>
-            <a:lvl7pPr indent="-317500" lvl="6" marL="3200400">
+            <a:lvl7pPr marL="3200400" lvl="6" indent="-317500">
               <a:lnSpc>
                 <a:spcPct val="115000"/>
               </a:lnSpc>
@@ -5962,7 +6148,7 @@
                 </a:solidFill>
               </a:defRPr>
             </a:lvl7pPr>
-            <a:lvl8pPr indent="-317500" lvl="7" marL="3657600">
+            <a:lvl8pPr marL="3657600" lvl="7" indent="-317500">
               <a:lnSpc>
                 <a:spcPct val="115000"/>
               </a:lnSpc>
@@ -5983,7 +6169,7 @@
                 </a:solidFill>
               </a:defRPr>
             </a:lvl8pPr>
-            <a:lvl9pPr indent="-317500" lvl="8" marL="4114800">
+            <a:lvl9pPr marL="4114800" lvl="8" indent="-317500">
               <a:lnSpc>
                 <a:spcPct val="115000"/>
               </a:lnSpc>
@@ -6005,15 +6191,19 @@
               </a:defRPr>
             </a:lvl9pPr>
           </a:lstStyle>
-          <a:p/>
+          <a:p>
+            <a:endParaRPr/>
+          </a:p>
         </p:txBody>
       </p:sp>
       <p:sp>
         <p:nvSpPr>
           <p:cNvPr id="8" name="Google Shape;8;p1"/>
-          <p:cNvSpPr txBox="1"/>
+          <p:cNvSpPr txBox="1">
+            <a:spLocks noGrp="1"/>
+          </p:cNvSpPr>
           <p:nvPr>
-            <p:ph idx="12" type="sldNum"/>
+            <p:ph type="sldNum" idx="12"/>
           </p:nvPr>
         </p:nvSpPr>
         <p:spPr>
@@ -6030,7 +6220,7 @@
           </a:ln>
         </p:spPr>
         <p:txBody>
-          <a:bodyPr anchorCtr="0" anchor="ctr" bIns="91425" lIns="91425" spcFirstLastPara="1" rIns="91425" wrap="square" tIns="91425">
+          <a:bodyPr spcFirstLastPara="1" wrap="square" lIns="91425" tIns="91425" rIns="91425" bIns="91425" anchor="ctr" anchorCtr="0">
             <a:normAutofit/>
           </a:bodyPr>
           <a:lstStyle>
@@ -6108,7 +6298,7 @@
             </a:lvl9pPr>
           </a:lstStyle>
           <a:p>
-            <a:pPr indent="0" lvl="0" marL="0" rtl="0" algn="r">
+            <a:pPr marL="0" lvl="0" indent="0" algn="r" rtl="0">
               <a:spcBef>
                 <a:spcPts val="0"/>
               </a:spcBef>
@@ -6119,7 +6309,7 @@
             </a:pPr>
             <a:fld id="{00000000-1234-1234-1234-123412341234}" type="slidenum">
               <a:rPr lang="nl"/>
-              <a:t>‹#›</a:t>
+              <a:t>‹nr.›</a:t>
             </a:fld>
             <a:endParaRPr/>
           </a:p>
@@ -6127,7 +6317,7 @@
       </p:sp>
     </p:spTree>
   </p:cSld>
-  <p:clrMap accent1="accent1" accent2="accent2" accent3="accent3" accent4="accent4" accent5="accent5" accent6="accent6" bg1="lt1" bg2="dk2" tx1="dk1" tx2="lt2" folHlink="folHlink" hlink="hlink"/>
+  <p:clrMap bg1="lt1" tx1="dk1" bg2="dk2" tx2="lt2" accent1="accent1" accent2="accent2" accent3="accent3" accent4="accent4" accent5="accent5" accent6="accent6" hlink="hlink" folHlink="folHlink"/>
   <p:sldLayoutIdLst>
     <p:sldLayoutId id="2147483648" r:id="rId1"/>
     <p:sldLayoutId id="2147483649" r:id="rId2"/>
@@ -6141,10 +6331,10 @@
     <p:sldLayoutId id="2147483657" r:id="rId10"/>
     <p:sldLayoutId id="2147483658" r:id="rId11"/>
   </p:sldLayoutIdLst>
-  <p:hf dt="0" ftr="0" hdr="0" sldNum="0"/>
+  <p:hf sldNum="0" hdr="0" ftr="0" dt="0"/>
   <p:txStyles>
     <p:titleStyle>
-      <a:defPPr lvl="0" marR="0" rtl="0" algn="l">
+      <a:defPPr marR="0" lvl="0" algn="l" rtl="0">
         <a:lnSpc>
           <a:spcPct val="100000"/>
         </a:lnSpc>
@@ -6155,7 +6345,7 @@
           <a:spcPts val="0"/>
         </a:spcAft>
       </a:defPPr>
-      <a:lvl1pPr lvl="0" marR="0" rtl="0" algn="l">
+      <a:lvl1pPr marR="0" lvl="0" algn="l" rtl="0">
         <a:lnSpc>
           <a:spcPct val="100000"/>
         </a:lnSpc>
@@ -6169,7 +6359,7 @@
           <a:srgbClr val="000000"/>
         </a:buClr>
         <a:buFont typeface="Arial"/>
-        <a:defRPr b="0" i="0" sz="1400" u="none" cap="none" strike="noStrike">
+        <a:defRPr sz="1400" b="0" i="0" u="none" strike="noStrike" cap="none">
           <a:solidFill>
             <a:srgbClr val="000000"/>
           </a:solidFill>
@@ -6179,7 +6369,7 @@
           <a:sym typeface="Arial"/>
         </a:defRPr>
       </a:lvl1pPr>
-      <a:lvl2pPr lvl="1" marR="0" rtl="0" algn="l">
+      <a:lvl2pPr marR="0" lvl="1" algn="l" rtl="0">
         <a:lnSpc>
           <a:spcPct val="100000"/>
         </a:lnSpc>
@@ -6193,7 +6383,7 @@
           <a:srgbClr val="000000"/>
         </a:buClr>
         <a:buFont typeface="Arial"/>
-        <a:defRPr b="0" i="0" sz="1400" u="none" cap="none" strike="noStrike">
+        <a:defRPr sz="1400" b="0" i="0" u="none" strike="noStrike" cap="none">
           <a:solidFill>
             <a:srgbClr val="000000"/>
           </a:solidFill>
@@ -6203,7 +6393,7 @@
           <a:sym typeface="Arial"/>
         </a:defRPr>
       </a:lvl2pPr>
-      <a:lvl3pPr lvl="2" marR="0" rtl="0" algn="l">
+      <a:lvl3pPr marR="0" lvl="2" algn="l" rtl="0">
         <a:lnSpc>
           <a:spcPct val="100000"/>
         </a:lnSpc>
@@ -6217,7 +6407,7 @@
           <a:srgbClr val="000000"/>
         </a:buClr>
         <a:buFont typeface="Arial"/>
-        <a:defRPr b="0" i="0" sz="1400" u="none" cap="none" strike="noStrike">
+        <a:defRPr sz="1400" b="0" i="0" u="none" strike="noStrike" cap="none">
           <a:solidFill>
             <a:srgbClr val="000000"/>
           </a:solidFill>
@@ -6227,7 +6417,7 @@
           <a:sym typeface="Arial"/>
         </a:defRPr>
       </a:lvl3pPr>
-      <a:lvl4pPr lvl="3" marR="0" rtl="0" algn="l">
+      <a:lvl4pPr marR="0" lvl="3" algn="l" rtl="0">
         <a:lnSpc>
           <a:spcPct val="100000"/>
         </a:lnSpc>
@@ -6241,7 +6431,7 @@
           <a:srgbClr val="000000"/>
         </a:buClr>
         <a:buFont typeface="Arial"/>
-        <a:defRPr b="0" i="0" sz="1400" u="none" cap="none" strike="noStrike">
+        <a:defRPr sz="1400" b="0" i="0" u="none" strike="noStrike" cap="none">
           <a:solidFill>
             <a:srgbClr val="000000"/>
           </a:solidFill>
@@ -6251,7 +6441,7 @@
           <a:sym typeface="Arial"/>
         </a:defRPr>
       </a:lvl4pPr>
-      <a:lvl5pPr lvl="4" marR="0" rtl="0" algn="l">
+      <a:lvl5pPr marR="0" lvl="4" algn="l" rtl="0">
         <a:lnSpc>
           <a:spcPct val="100000"/>
         </a:lnSpc>
@@ -6265,7 +6455,7 @@
           <a:srgbClr val="000000"/>
         </a:buClr>
         <a:buFont typeface="Arial"/>
-        <a:defRPr b="0" i="0" sz="1400" u="none" cap="none" strike="noStrike">
+        <a:defRPr sz="1400" b="0" i="0" u="none" strike="noStrike" cap="none">
           <a:solidFill>
             <a:srgbClr val="000000"/>
           </a:solidFill>
@@ -6275,7 +6465,7 @@
           <a:sym typeface="Arial"/>
         </a:defRPr>
       </a:lvl5pPr>
-      <a:lvl6pPr lvl="5" marR="0" rtl="0" algn="l">
+      <a:lvl6pPr marR="0" lvl="5" algn="l" rtl="0">
         <a:lnSpc>
           <a:spcPct val="100000"/>
         </a:lnSpc>
@@ -6289,7 +6479,7 @@
           <a:srgbClr val="000000"/>
         </a:buClr>
         <a:buFont typeface="Arial"/>
-        <a:defRPr b="0" i="0" sz="1400" u="none" cap="none" strike="noStrike">
+        <a:defRPr sz="1400" b="0" i="0" u="none" strike="noStrike" cap="none">
           <a:solidFill>
             <a:srgbClr val="000000"/>
           </a:solidFill>
@@ -6299,7 +6489,7 @@
           <a:sym typeface="Arial"/>
         </a:defRPr>
       </a:lvl6pPr>
-      <a:lvl7pPr lvl="6" marR="0" rtl="0" algn="l">
+      <a:lvl7pPr marR="0" lvl="6" algn="l" rtl="0">
         <a:lnSpc>
           <a:spcPct val="100000"/>
         </a:lnSpc>
@@ -6313,7 +6503,7 @@
           <a:srgbClr val="000000"/>
         </a:buClr>
         <a:buFont typeface="Arial"/>
-        <a:defRPr b="0" i="0" sz="1400" u="none" cap="none" strike="noStrike">
+        <a:defRPr sz="1400" b="0" i="0" u="none" strike="noStrike" cap="none">
           <a:solidFill>
             <a:srgbClr val="000000"/>
           </a:solidFill>
@@ -6323,7 +6513,7 @@
           <a:sym typeface="Arial"/>
         </a:defRPr>
       </a:lvl7pPr>
-      <a:lvl8pPr lvl="7" marR="0" rtl="0" algn="l">
+      <a:lvl8pPr marR="0" lvl="7" algn="l" rtl="0">
         <a:lnSpc>
           <a:spcPct val="100000"/>
         </a:lnSpc>
@@ -6337,7 +6527,7 @@
           <a:srgbClr val="000000"/>
         </a:buClr>
         <a:buFont typeface="Arial"/>
-        <a:defRPr b="0" i="0" sz="1400" u="none" cap="none" strike="noStrike">
+        <a:defRPr sz="1400" b="0" i="0" u="none" strike="noStrike" cap="none">
           <a:solidFill>
             <a:srgbClr val="000000"/>
           </a:solidFill>
@@ -6347,7 +6537,7 @@
           <a:sym typeface="Arial"/>
         </a:defRPr>
       </a:lvl8pPr>
-      <a:lvl9pPr lvl="8" marR="0" rtl="0" algn="l">
+      <a:lvl9pPr marR="0" lvl="8" algn="l" rtl="0">
         <a:lnSpc>
           <a:spcPct val="100000"/>
         </a:lnSpc>
@@ -6361,7 +6551,7 @@
           <a:srgbClr val="000000"/>
         </a:buClr>
         <a:buFont typeface="Arial"/>
-        <a:defRPr b="0" i="0" sz="1400" u="none" cap="none" strike="noStrike">
+        <a:defRPr sz="1400" b="0" i="0" u="none" strike="noStrike" cap="none">
           <a:solidFill>
             <a:srgbClr val="000000"/>
           </a:solidFill>
@@ -6373,7 +6563,7 @@
       </a:lvl9pPr>
     </p:titleStyle>
     <p:bodyStyle>
-      <a:defPPr lvl="0" marR="0" rtl="0" algn="l">
+      <a:defPPr marR="0" lvl="0" algn="l" rtl="0">
         <a:lnSpc>
           <a:spcPct val="100000"/>
         </a:lnSpc>
@@ -6384,7 +6574,7 @@
           <a:spcPts val="0"/>
         </a:spcAft>
       </a:defPPr>
-      <a:lvl1pPr lvl="0" marR="0" rtl="0" algn="l">
+      <a:lvl1pPr marR="0" lvl="0" algn="l" rtl="0">
         <a:lnSpc>
           <a:spcPct val="100000"/>
         </a:lnSpc>
@@ -6398,7 +6588,7 @@
           <a:srgbClr val="000000"/>
         </a:buClr>
         <a:buFont typeface="Arial"/>
-        <a:defRPr b="0" i="0" sz="1400" u="none" cap="none" strike="noStrike">
+        <a:defRPr sz="1400" b="0" i="0" u="none" strike="noStrike" cap="none">
           <a:solidFill>
             <a:srgbClr val="000000"/>
           </a:solidFill>
@@ -6408,7 +6598,7 @@
           <a:sym typeface="Arial"/>
         </a:defRPr>
       </a:lvl1pPr>
-      <a:lvl2pPr lvl="1" marR="0" rtl="0" algn="l">
+      <a:lvl2pPr marR="0" lvl="1" algn="l" rtl="0">
         <a:lnSpc>
           <a:spcPct val="100000"/>
         </a:lnSpc>
@@ -6422,7 +6612,7 @@
           <a:srgbClr val="000000"/>
         </a:buClr>
         <a:buFont typeface="Arial"/>
-        <a:defRPr b="0" i="0" sz="1400" u="none" cap="none" strike="noStrike">
+        <a:defRPr sz="1400" b="0" i="0" u="none" strike="noStrike" cap="none">
           <a:solidFill>
             <a:srgbClr val="000000"/>
           </a:solidFill>
@@ -6432,7 +6622,7 @@
           <a:sym typeface="Arial"/>
         </a:defRPr>
       </a:lvl2pPr>
-      <a:lvl3pPr lvl="2" marR="0" rtl="0" algn="l">
+      <a:lvl3pPr marR="0" lvl="2" algn="l" rtl="0">
         <a:lnSpc>
           <a:spcPct val="100000"/>
         </a:lnSpc>
@@ -6446,7 +6636,7 @@
           <a:srgbClr val="000000"/>
         </a:buClr>
         <a:buFont typeface="Arial"/>
-        <a:defRPr b="0" i="0" sz="1400" u="none" cap="none" strike="noStrike">
+        <a:defRPr sz="1400" b="0" i="0" u="none" strike="noStrike" cap="none">
           <a:solidFill>
             <a:srgbClr val="000000"/>
           </a:solidFill>
@@ -6456,7 +6646,7 @@
           <a:sym typeface="Arial"/>
         </a:defRPr>
       </a:lvl3pPr>
-      <a:lvl4pPr lvl="3" marR="0" rtl="0" algn="l">
+      <a:lvl4pPr marR="0" lvl="3" algn="l" rtl="0">
         <a:lnSpc>
           <a:spcPct val="100000"/>
         </a:lnSpc>
@@ -6470,7 +6660,7 @@
           <a:srgbClr val="000000"/>
         </a:buClr>
         <a:buFont typeface="Arial"/>
-        <a:defRPr b="0" i="0" sz="1400" u="none" cap="none" strike="noStrike">
+        <a:defRPr sz="1400" b="0" i="0" u="none" strike="noStrike" cap="none">
           <a:solidFill>
             <a:srgbClr val="000000"/>
           </a:solidFill>
@@ -6480,7 +6670,7 @@
           <a:sym typeface="Arial"/>
         </a:defRPr>
       </a:lvl4pPr>
-      <a:lvl5pPr lvl="4" marR="0" rtl="0" algn="l">
+      <a:lvl5pPr marR="0" lvl="4" algn="l" rtl="0">
         <a:lnSpc>
           <a:spcPct val="100000"/>
         </a:lnSpc>
@@ -6494,7 +6684,7 @@
           <a:srgbClr val="000000"/>
         </a:buClr>
         <a:buFont typeface="Arial"/>
-        <a:defRPr b="0" i="0" sz="1400" u="none" cap="none" strike="noStrike">
+        <a:defRPr sz="1400" b="0" i="0" u="none" strike="noStrike" cap="none">
           <a:solidFill>
             <a:srgbClr val="000000"/>
           </a:solidFill>
@@ -6504,7 +6694,7 @@
           <a:sym typeface="Arial"/>
         </a:defRPr>
       </a:lvl5pPr>
-      <a:lvl6pPr lvl="5" marR="0" rtl="0" algn="l">
+      <a:lvl6pPr marR="0" lvl="5" algn="l" rtl="0">
         <a:lnSpc>
           <a:spcPct val="100000"/>
         </a:lnSpc>
@@ -6518,7 +6708,7 @@
           <a:srgbClr val="000000"/>
         </a:buClr>
         <a:buFont typeface="Arial"/>
-        <a:defRPr b="0" i="0" sz="1400" u="none" cap="none" strike="noStrike">
+        <a:defRPr sz="1400" b="0" i="0" u="none" strike="noStrike" cap="none">
           <a:solidFill>
             <a:srgbClr val="000000"/>
           </a:solidFill>
@@ -6528,7 +6718,7 @@
           <a:sym typeface="Arial"/>
         </a:defRPr>
       </a:lvl6pPr>
-      <a:lvl7pPr lvl="6" marR="0" rtl="0" algn="l">
+      <a:lvl7pPr marR="0" lvl="6" algn="l" rtl="0">
         <a:lnSpc>
           <a:spcPct val="100000"/>
         </a:lnSpc>
@@ -6542,7 +6732,7 @@
           <a:srgbClr val="000000"/>
         </a:buClr>
         <a:buFont typeface="Arial"/>
-        <a:defRPr b="0" i="0" sz="1400" u="none" cap="none" strike="noStrike">
+        <a:defRPr sz="1400" b="0" i="0" u="none" strike="noStrike" cap="none">
           <a:solidFill>
             <a:srgbClr val="000000"/>
           </a:solidFill>
@@ -6552,7 +6742,7 @@
           <a:sym typeface="Arial"/>
         </a:defRPr>
       </a:lvl7pPr>
-      <a:lvl8pPr lvl="7" marR="0" rtl="0" algn="l">
+      <a:lvl8pPr marR="0" lvl="7" algn="l" rtl="0">
         <a:lnSpc>
           <a:spcPct val="100000"/>
         </a:lnSpc>
@@ -6566,7 +6756,7 @@
           <a:srgbClr val="000000"/>
         </a:buClr>
         <a:buFont typeface="Arial"/>
-        <a:defRPr b="0" i="0" sz="1400" u="none" cap="none" strike="noStrike">
+        <a:defRPr sz="1400" b="0" i="0" u="none" strike="noStrike" cap="none">
           <a:solidFill>
             <a:srgbClr val="000000"/>
           </a:solidFill>
@@ -6576,7 +6766,7 @@
           <a:sym typeface="Arial"/>
         </a:defRPr>
       </a:lvl8pPr>
-      <a:lvl9pPr lvl="8" marR="0" rtl="0" algn="l">
+      <a:lvl9pPr marR="0" lvl="8" algn="l" rtl="0">
         <a:lnSpc>
           <a:spcPct val="100000"/>
         </a:lnSpc>
@@ -6590,7 +6780,7 @@
           <a:srgbClr val="000000"/>
         </a:buClr>
         <a:buFont typeface="Arial"/>
-        <a:defRPr b="0" i="0" sz="1400" u="none" cap="none" strike="noStrike">
+        <a:defRPr sz="1400" b="0" i="0" u="none" strike="noStrike" cap="none">
           <a:solidFill>
             <a:srgbClr val="000000"/>
           </a:solidFill>
@@ -6602,7 +6792,7 @@
       </a:lvl9pPr>
     </p:bodyStyle>
     <p:otherStyle>
-      <a:defPPr lvl="0" marR="0" rtl="0" algn="l">
+      <a:defPPr marR="0" lvl="0" algn="l" rtl="0">
         <a:lnSpc>
           <a:spcPct val="100000"/>
         </a:lnSpc>
@@ -6613,7 +6803,7 @@
           <a:spcPts val="0"/>
         </a:spcAft>
       </a:defPPr>
-      <a:lvl1pPr lvl="0" marR="0" rtl="0" algn="l">
+      <a:lvl1pPr marR="0" lvl="0" algn="l" rtl="0">
         <a:lnSpc>
           <a:spcPct val="100000"/>
         </a:lnSpc>
@@ -6627,7 +6817,7 @@
           <a:srgbClr val="000000"/>
         </a:buClr>
         <a:buFont typeface="Arial"/>
-        <a:defRPr b="0" i="0" sz="1400" u="none" cap="none" strike="noStrike">
+        <a:defRPr sz="1400" b="0" i="0" u="none" strike="noStrike" cap="none">
           <a:solidFill>
             <a:srgbClr val="000000"/>
           </a:solidFill>
@@ -6637,7 +6827,7 @@
           <a:sym typeface="Arial"/>
         </a:defRPr>
       </a:lvl1pPr>
-      <a:lvl2pPr lvl="1" marR="0" rtl="0" algn="l">
+      <a:lvl2pPr marR="0" lvl="1" algn="l" rtl="0">
         <a:lnSpc>
           <a:spcPct val="100000"/>
         </a:lnSpc>
@@ -6651,7 +6841,7 @@
           <a:srgbClr val="000000"/>
         </a:buClr>
         <a:buFont typeface="Arial"/>
-        <a:defRPr b="0" i="0" sz="1400" u="none" cap="none" strike="noStrike">
+        <a:defRPr sz="1400" b="0" i="0" u="none" strike="noStrike" cap="none">
           <a:solidFill>
             <a:srgbClr val="000000"/>
           </a:solidFill>
@@ -6661,7 +6851,7 @@
           <a:sym typeface="Arial"/>
         </a:defRPr>
       </a:lvl2pPr>
-      <a:lvl3pPr lvl="2" marR="0" rtl="0" algn="l">
+      <a:lvl3pPr marR="0" lvl="2" algn="l" rtl="0">
         <a:lnSpc>
           <a:spcPct val="100000"/>
         </a:lnSpc>
@@ -6675,7 +6865,7 @@
           <a:srgbClr val="000000"/>
         </a:buClr>
         <a:buFont typeface="Arial"/>
-        <a:defRPr b="0" i="0" sz="1400" u="none" cap="none" strike="noStrike">
+        <a:defRPr sz="1400" b="0" i="0" u="none" strike="noStrike" cap="none">
           <a:solidFill>
             <a:srgbClr val="000000"/>
           </a:solidFill>
@@ -6685,7 +6875,7 @@
           <a:sym typeface="Arial"/>
         </a:defRPr>
       </a:lvl3pPr>
-      <a:lvl4pPr lvl="3" marR="0" rtl="0" algn="l">
+      <a:lvl4pPr marR="0" lvl="3" algn="l" rtl="0">
         <a:lnSpc>
           <a:spcPct val="100000"/>
         </a:lnSpc>
@@ -6699,7 +6889,7 @@
           <a:srgbClr val="000000"/>
         </a:buClr>
         <a:buFont typeface="Arial"/>
-        <a:defRPr b="0" i="0" sz="1400" u="none" cap="none" strike="noStrike">
+        <a:defRPr sz="1400" b="0" i="0" u="none" strike="noStrike" cap="none">
           <a:solidFill>
             <a:srgbClr val="000000"/>
           </a:solidFill>
@@ -6709,7 +6899,7 @@
           <a:sym typeface="Arial"/>
         </a:defRPr>
       </a:lvl4pPr>
-      <a:lvl5pPr lvl="4" marR="0" rtl="0" algn="l">
+      <a:lvl5pPr marR="0" lvl="4" algn="l" rtl="0">
         <a:lnSpc>
           <a:spcPct val="100000"/>
         </a:lnSpc>
@@ -6723,7 +6913,7 @@
           <a:srgbClr val="000000"/>
         </a:buClr>
         <a:buFont typeface="Arial"/>
-        <a:defRPr b="0" i="0" sz="1400" u="none" cap="none" strike="noStrike">
+        <a:defRPr sz="1400" b="0" i="0" u="none" strike="noStrike" cap="none">
           <a:solidFill>
             <a:srgbClr val="000000"/>
           </a:solidFill>
@@ -6733,7 +6923,7 @@
           <a:sym typeface="Arial"/>
         </a:defRPr>
       </a:lvl5pPr>
-      <a:lvl6pPr lvl="5" marR="0" rtl="0" algn="l">
+      <a:lvl6pPr marR="0" lvl="5" algn="l" rtl="0">
         <a:lnSpc>
           <a:spcPct val="100000"/>
         </a:lnSpc>
@@ -6747,7 +6937,7 @@
           <a:srgbClr val="000000"/>
         </a:buClr>
         <a:buFont typeface="Arial"/>
-        <a:defRPr b="0" i="0" sz="1400" u="none" cap="none" strike="noStrike">
+        <a:defRPr sz="1400" b="0" i="0" u="none" strike="noStrike" cap="none">
           <a:solidFill>
             <a:srgbClr val="000000"/>
           </a:solidFill>
@@ -6757,7 +6947,7 @@
           <a:sym typeface="Arial"/>
         </a:defRPr>
       </a:lvl6pPr>
-      <a:lvl7pPr lvl="6" marR="0" rtl="0" algn="l">
+      <a:lvl7pPr marR="0" lvl="6" algn="l" rtl="0">
         <a:lnSpc>
           <a:spcPct val="100000"/>
         </a:lnSpc>
@@ -6771,7 +6961,7 @@
           <a:srgbClr val="000000"/>
         </a:buClr>
         <a:buFont typeface="Arial"/>
-        <a:defRPr b="0" i="0" sz="1400" u="none" cap="none" strike="noStrike">
+        <a:defRPr sz="1400" b="0" i="0" u="none" strike="noStrike" cap="none">
           <a:solidFill>
             <a:srgbClr val="000000"/>
           </a:solidFill>
@@ -6781,7 +6971,7 @@
           <a:sym typeface="Arial"/>
         </a:defRPr>
       </a:lvl7pPr>
-      <a:lvl8pPr lvl="7" marR="0" rtl="0" algn="l">
+      <a:lvl8pPr marR="0" lvl="7" algn="l" rtl="0">
         <a:lnSpc>
           <a:spcPct val="100000"/>
         </a:lnSpc>
@@ -6795,7 +6985,7 @@
           <a:srgbClr val="000000"/>
         </a:buClr>
         <a:buFont typeface="Arial"/>
-        <a:defRPr b="0" i="0" sz="1400" u="none" cap="none" strike="noStrike">
+        <a:defRPr sz="1400" b="0" i="0" u="none" strike="noStrike" cap="none">
           <a:solidFill>
             <a:srgbClr val="000000"/>
           </a:solidFill>
@@ -6805,7 +6995,7 @@
           <a:sym typeface="Arial"/>
         </a:defRPr>
       </a:lvl8pPr>
-      <a:lvl9pPr lvl="8" marR="0" rtl="0" algn="l">
+      <a:lvl9pPr marR="0" lvl="8" algn="l" rtl="0">
         <a:lnSpc>
           <a:spcPct val="100000"/>
         </a:lnSpc>
@@ -6819,7 +7009,7 @@
           <a:srgbClr val="000000"/>
         </a:buClr>
         <a:buFont typeface="Arial"/>
-        <a:defRPr b="0" i="0" sz="1400" u="none" cap="none" strike="noStrike">
+        <a:defRPr sz="1400" b="0" i="0" u="none" strike="noStrike" cap="none">
           <a:solidFill>
             <a:srgbClr val="000000"/>
           </a:solidFill>
@@ -6835,11 +7025,11 @@
 </file>
 
 <file path=ppt/slides/slide1.xml><?xml version="1.0" encoding="utf-8"?>
-<p:sld xmlns:a="http://schemas.openxmlformats.org/drawingml/2006/main" xmlns:r="http://schemas.openxmlformats.org/officeDocument/2006/relationships" xmlns:mc="http://schemas.openxmlformats.org/markup-compatibility/2006" xmlns:mv="urn:schemas-microsoft-com:mac:vml" xmlns:p="http://schemas.openxmlformats.org/presentationml/2006/main" xmlns:c="http://schemas.openxmlformats.org/drawingml/2006/chart" xmlns:dgm="http://schemas.openxmlformats.org/drawingml/2006/diagram" xmlns:o="urn:schemas-microsoft-com:office:office" xmlns:v="urn:schemas-microsoft-com:vml" xmlns:pvml="urn:schemas-microsoft-com:office:powerpoint" xmlns:com="http://schemas.openxmlformats.org/drawingml/2006/compatibility" xmlns:p14="http://schemas.microsoft.com/office/powerpoint/2010/main" xmlns:p15="http://schemas.microsoft.com/office/powerpoint/2012/main" xmlns:ahyp="http://schemas.microsoft.com/office/drawing/2018/hyperlinkcolor">
+<p:sld xmlns:a="http://schemas.openxmlformats.org/drawingml/2006/main" xmlns:r="http://schemas.openxmlformats.org/officeDocument/2006/relationships" xmlns:p="http://schemas.openxmlformats.org/presentationml/2006/main">
   <p:cSld>
     <p:spTree>
       <p:nvGrpSpPr>
-        <p:cNvPr id="53" name="Shape 53"/>
+        <p:cNvPr id="1" name="Shape 53"/>
         <p:cNvGrpSpPr/>
         <p:nvPr/>
       </p:nvGrpSpPr>
@@ -6854,7 +7044,9 @@
       <p:sp>
         <p:nvSpPr>
           <p:cNvPr id="54" name="Google Shape;54;p13"/>
-          <p:cNvSpPr txBox="1"/>
+          <p:cNvSpPr txBox="1">
+            <a:spLocks noGrp="1"/>
+          </p:cNvSpPr>
           <p:nvPr>
             <p:ph type="ctrTitle"/>
           </p:nvPr>
@@ -6869,12 +7061,12 @@
           </a:prstGeom>
         </p:spPr>
         <p:txBody>
-          <a:bodyPr anchorCtr="0" anchor="b" bIns="91425" lIns="91425" spcFirstLastPara="1" rIns="91425" wrap="square" tIns="91425">
+          <a:bodyPr spcFirstLastPara="1" wrap="square" lIns="91425" tIns="91425" rIns="91425" bIns="91425" anchor="b" anchorCtr="0">
             <a:normAutofit/>
           </a:bodyPr>
           <a:lstStyle/>
           <a:p>
-            <a:pPr indent="0" lvl="0" marL="0" rtl="0" algn="ctr">
+            <a:pPr marL="0" lvl="0" indent="0" algn="ctr" rtl="0">
               <a:spcBef>
                 <a:spcPts val="0"/>
               </a:spcBef>
@@ -6894,9 +7086,11 @@
       <p:sp>
         <p:nvSpPr>
           <p:cNvPr id="55" name="Google Shape;55;p13"/>
-          <p:cNvSpPr txBox="1"/>
+          <p:cNvSpPr txBox="1">
+            <a:spLocks noGrp="1"/>
+          </p:cNvSpPr>
           <p:nvPr>
-            <p:ph idx="1" type="subTitle"/>
+            <p:ph type="subTitle" idx="1"/>
           </p:nvPr>
         </p:nvSpPr>
         <p:spPr>
@@ -6909,12 +7103,12 @@
           </a:prstGeom>
         </p:spPr>
         <p:txBody>
-          <a:bodyPr anchorCtr="0" anchor="t" bIns="91425" lIns="91425" spcFirstLastPara="1" rIns="91425" wrap="square" tIns="91425">
+          <a:bodyPr spcFirstLastPara="1" wrap="square" lIns="91425" tIns="91425" rIns="91425" bIns="91425" anchor="t" anchorCtr="0">
             <a:normAutofit/>
           </a:bodyPr>
           <a:lstStyle/>
           <a:p>
-            <a:pPr indent="0" lvl="0" marL="0" rtl="0" algn="ctr">
+            <a:pPr marL="0" lvl="0" indent="0" algn="ctr" rtl="0">
               <a:spcBef>
                 <a:spcPts val="0"/>
               </a:spcBef>
@@ -7052,11 +7246,11 @@
 </file>
 
 <file path=ppt/slides/slide10.xml><?xml version="1.0" encoding="utf-8"?>
-<p:sld xmlns:a="http://schemas.openxmlformats.org/drawingml/2006/main" xmlns:r="http://schemas.openxmlformats.org/officeDocument/2006/relationships" xmlns:mc="http://schemas.openxmlformats.org/markup-compatibility/2006" xmlns:mv="urn:schemas-microsoft-com:mac:vml" xmlns:p="http://schemas.openxmlformats.org/presentationml/2006/main" xmlns:c="http://schemas.openxmlformats.org/drawingml/2006/chart" xmlns:dgm="http://schemas.openxmlformats.org/drawingml/2006/diagram" xmlns:o="urn:schemas-microsoft-com:office:office" xmlns:v="urn:schemas-microsoft-com:vml" xmlns:pvml="urn:schemas-microsoft-com:office:powerpoint" xmlns:com="http://schemas.openxmlformats.org/drawingml/2006/compatibility" xmlns:p14="http://schemas.microsoft.com/office/powerpoint/2010/main" xmlns:p15="http://schemas.microsoft.com/office/powerpoint/2012/main" xmlns:ahyp="http://schemas.microsoft.com/office/drawing/2018/hyperlinkcolor">
+<p:sld xmlns:a="http://schemas.openxmlformats.org/drawingml/2006/main" xmlns:r="http://schemas.openxmlformats.org/officeDocument/2006/relationships" xmlns:p="http://schemas.openxmlformats.org/presentationml/2006/main">
   <p:cSld>
     <p:spTree>
       <p:nvGrpSpPr>
-        <p:cNvPr id="120" name="Shape 120"/>
+        <p:cNvPr id="1" name="Shape 120"/>
         <p:cNvGrpSpPr/>
         <p:nvPr/>
       </p:nvGrpSpPr>
@@ -7071,7 +7265,9 @@
       <p:sp>
         <p:nvSpPr>
           <p:cNvPr id="121" name="Google Shape;121;p22"/>
-          <p:cNvSpPr txBox="1"/>
+          <p:cNvSpPr txBox="1">
+            <a:spLocks noGrp="1"/>
+          </p:cNvSpPr>
           <p:nvPr>
             <p:ph type="title"/>
           </p:nvPr>
@@ -7086,12 +7282,12 @@
           </a:prstGeom>
         </p:spPr>
         <p:txBody>
-          <a:bodyPr anchorCtr="0" anchor="t" bIns="91425" lIns="91425" spcFirstLastPara="1" rIns="91425" wrap="square" tIns="91425">
+          <a:bodyPr spcFirstLastPara="1" wrap="square" lIns="91425" tIns="91425" rIns="91425" bIns="91425" anchor="t" anchorCtr="0">
             <a:normAutofit fontScale="90000"/>
           </a:bodyPr>
           <a:lstStyle/>
           <a:p>
-            <a:pPr indent="0" lvl="0" marL="0" rtl="0" algn="l">
+            <a:pPr marL="0" lvl="0" indent="0" algn="l" rtl="0">
               <a:spcBef>
                 <a:spcPts val="0"/>
               </a:spcBef>
@@ -7111,9 +7307,11 @@
       <p:sp>
         <p:nvSpPr>
           <p:cNvPr id="122" name="Google Shape;122;p22"/>
-          <p:cNvSpPr txBox="1"/>
+          <p:cNvSpPr txBox="1">
+            <a:spLocks noGrp="1"/>
+          </p:cNvSpPr>
           <p:nvPr>
-            <p:ph idx="1" type="body"/>
+            <p:ph type="body" idx="1"/>
           </p:nvPr>
         </p:nvSpPr>
         <p:spPr>
@@ -7126,12 +7324,12 @@
           </a:prstGeom>
         </p:spPr>
         <p:txBody>
-          <a:bodyPr anchorCtr="0" anchor="t" bIns="91425" lIns="91425" spcFirstLastPara="1" rIns="91425" wrap="square" tIns="91425">
+          <a:bodyPr spcFirstLastPara="1" wrap="square" lIns="91425" tIns="91425" rIns="91425" bIns="91425" anchor="t" anchorCtr="0">
             <a:normAutofit/>
           </a:bodyPr>
           <a:lstStyle/>
           <a:p>
-            <a:pPr indent="-342900" lvl="0" marL="457200" rtl="0" algn="l">
+            <a:pPr marL="457200" lvl="0" indent="-342900" algn="l" rtl="0">
               <a:spcBef>
                 <a:spcPts val="0"/>
               </a:spcBef>
@@ -7148,7 +7346,7 @@
             <a:endParaRPr/>
           </a:p>
           <a:p>
-            <a:pPr indent="-342900" lvl="0" marL="457200" rtl="0" algn="l">
+            <a:pPr marL="457200" lvl="0" indent="-342900" algn="l" rtl="0">
               <a:spcBef>
                 <a:spcPts val="0"/>
               </a:spcBef>
@@ -7179,29 +7377,29 @@
           </a:xfrm>
           <a:prstGeom prst="roundRect">
             <a:avLst>
-              <a:gd fmla="val 16667" name="adj"/>
+              <a:gd name="adj" fmla="val 16667"/>
             </a:avLst>
           </a:prstGeom>
           <a:solidFill>
             <a:schemeClr val="lt2"/>
           </a:solidFill>
-          <a:ln cap="flat" cmpd="sng" w="9525">
+          <a:ln w="9525" cap="flat" cmpd="sng">
             <a:solidFill>
               <a:schemeClr val="dk2"/>
             </a:solidFill>
             <a:prstDash val="solid"/>
             <a:round/>
-            <a:headEnd len="sm" w="sm" type="none"/>
-            <a:tailEnd len="sm" w="sm" type="none"/>
+            <a:headEnd type="none" w="sm" len="sm"/>
+            <a:tailEnd type="none" w="sm" len="sm"/>
           </a:ln>
         </p:spPr>
         <p:txBody>
-          <a:bodyPr anchorCtr="0" anchor="ctr" bIns="91425" lIns="91425" spcFirstLastPara="1" rIns="91425" wrap="square" tIns="91425">
+          <a:bodyPr spcFirstLastPara="1" wrap="square" lIns="91425" tIns="91425" rIns="91425" bIns="91425" anchor="ctr" anchorCtr="0">
             <a:noAutofit/>
           </a:bodyPr>
           <a:lstStyle/>
           <a:p>
-            <a:pPr indent="0" lvl="0" marL="0" rtl="0" algn="ctr">
+            <a:pPr marL="0" lvl="0" indent="0" algn="ctr" rtl="0">
               <a:spcBef>
                 <a:spcPts val="0"/>
               </a:spcBef>
@@ -7231,29 +7429,29 @@
           </a:xfrm>
           <a:prstGeom prst="roundRect">
             <a:avLst>
-              <a:gd fmla="val 16667" name="adj"/>
+              <a:gd name="adj" fmla="val 16667"/>
             </a:avLst>
           </a:prstGeom>
           <a:solidFill>
             <a:schemeClr val="lt2"/>
           </a:solidFill>
-          <a:ln cap="flat" cmpd="sng" w="9525">
+          <a:ln w="9525" cap="flat" cmpd="sng">
             <a:solidFill>
               <a:schemeClr val="dk2"/>
             </a:solidFill>
             <a:prstDash val="solid"/>
             <a:round/>
-            <a:headEnd len="sm" w="sm" type="none"/>
-            <a:tailEnd len="sm" w="sm" type="none"/>
+            <a:headEnd type="none" w="sm" len="sm"/>
+            <a:tailEnd type="none" w="sm" len="sm"/>
           </a:ln>
         </p:spPr>
         <p:txBody>
-          <a:bodyPr anchorCtr="0" anchor="ctr" bIns="91425" lIns="91425" spcFirstLastPara="1" rIns="91425" wrap="square" tIns="91425">
+          <a:bodyPr spcFirstLastPara="1" wrap="square" lIns="91425" tIns="91425" rIns="91425" bIns="91425" anchor="ctr" anchorCtr="0">
             <a:noAutofit/>
           </a:bodyPr>
           <a:lstStyle/>
           <a:p>
-            <a:pPr indent="0" lvl="0" marL="0" rtl="0" algn="ctr">
+            <a:pPr marL="0" lvl="0" indent="0" algn="ctr" rtl="0">
               <a:spcBef>
                 <a:spcPts val="0"/>
               </a:spcBef>
@@ -7283,29 +7481,29 @@
           </a:xfrm>
           <a:prstGeom prst="roundRect">
             <a:avLst>
-              <a:gd fmla="val 16667" name="adj"/>
+              <a:gd name="adj" fmla="val 16667"/>
             </a:avLst>
           </a:prstGeom>
           <a:solidFill>
             <a:schemeClr val="lt2"/>
           </a:solidFill>
-          <a:ln cap="flat" cmpd="sng" w="9525">
+          <a:ln w="9525" cap="flat" cmpd="sng">
             <a:solidFill>
               <a:schemeClr val="dk2"/>
             </a:solidFill>
             <a:prstDash val="solid"/>
             <a:round/>
-            <a:headEnd len="sm" w="sm" type="none"/>
-            <a:tailEnd len="sm" w="sm" type="none"/>
+            <a:headEnd type="none" w="sm" len="sm"/>
+            <a:tailEnd type="none" w="sm" len="sm"/>
           </a:ln>
         </p:spPr>
         <p:txBody>
-          <a:bodyPr anchorCtr="0" anchor="ctr" bIns="91425" lIns="91425" spcFirstLastPara="1" rIns="91425" wrap="square" tIns="91425">
+          <a:bodyPr spcFirstLastPara="1" wrap="square" lIns="91425" tIns="91425" rIns="91425" bIns="91425" anchor="ctr" anchorCtr="0">
             <a:noAutofit/>
           </a:bodyPr>
           <a:lstStyle/>
           <a:p>
-            <a:pPr indent="0" lvl="0" marL="0" rtl="0" algn="ctr">
+            <a:pPr marL="0" lvl="0" indent="0" algn="ctr" rtl="0">
               <a:spcBef>
                 <a:spcPts val="0"/>
               </a:spcBef>
@@ -7335,29 +7533,29 @@
           </a:xfrm>
           <a:prstGeom prst="roundRect">
             <a:avLst>
-              <a:gd fmla="val 16667" name="adj"/>
+              <a:gd name="adj" fmla="val 16667"/>
             </a:avLst>
           </a:prstGeom>
           <a:solidFill>
             <a:schemeClr val="lt2"/>
           </a:solidFill>
-          <a:ln cap="flat" cmpd="sng" w="9525">
+          <a:ln w="9525" cap="flat" cmpd="sng">
             <a:solidFill>
               <a:schemeClr val="dk2"/>
             </a:solidFill>
             <a:prstDash val="solid"/>
             <a:round/>
-            <a:headEnd len="sm" w="sm" type="none"/>
-            <a:tailEnd len="sm" w="sm" type="none"/>
+            <a:headEnd type="none" w="sm" len="sm"/>
+            <a:tailEnd type="none" w="sm" len="sm"/>
           </a:ln>
         </p:spPr>
         <p:txBody>
-          <a:bodyPr anchorCtr="0" anchor="ctr" bIns="91425" lIns="91425" spcFirstLastPara="1" rIns="91425" wrap="square" tIns="91425">
+          <a:bodyPr spcFirstLastPara="1" wrap="square" lIns="91425" tIns="91425" rIns="91425" bIns="91425" anchor="ctr" anchorCtr="0">
             <a:noAutofit/>
           </a:bodyPr>
           <a:lstStyle/>
           <a:p>
-            <a:pPr indent="0" lvl="0" marL="0" rtl="0" algn="ctr">
+            <a:pPr marL="0" lvl="0" indent="0" algn="ctr" rtl="0">
               <a:spcBef>
                 <a:spcPts val="0"/>
               </a:spcBef>
@@ -7382,32 +7580,32 @@
   <p:timing>
     <p:tnLst>
       <p:par>
-        <p:cTn dur="indefinite" nodeType="tmRoot" restart="never">
+        <p:cTn id="1" dur="indefinite" restart="never" nodeType="tmRoot">
           <p:childTnLst>
             <p:seq concurrent="1" nextAc="seek">
-              <p:cTn dur="indefinite" id="2" nodeType="mainSeq">
+              <p:cTn id="2" dur="indefinite" nodeType="mainSeq">
                 <p:childTnLst>
                   <p:par>
-                    <p:cTn fill="hold">
+                    <p:cTn id="3" fill="hold">
                       <p:stCondLst>
                         <p:cond delay="indefinite"/>
                       </p:stCondLst>
                       <p:childTnLst>
                         <p:par>
-                          <p:cTn fill="hold">
+                          <p:cTn id="4" fill="hold">
                             <p:stCondLst>
                               <p:cond delay="0"/>
                             </p:stCondLst>
                             <p:childTnLst>
                               <p:par>
-                                <p:cTn fill="hold" nodeType="clickEffect" presetClass="entr" presetID="1" presetSubtype="0">
+                                <p:cTn id="5" presetID="1" presetClass="entr" presetSubtype="0" fill="hold" nodeType="clickEffect">
                                   <p:stCondLst>
                                     <p:cond delay="0"/>
                                   </p:stCondLst>
                                   <p:childTnLst>
                                     <p:set>
                                       <p:cBhvr>
-                                        <p:cTn dur="1" fill="hold">
+                                        <p:cTn id="6" dur="1" fill="hold">
                                           <p:stCondLst>
                                             <p:cond delay="0"/>
                                           </p:stCondLst>
@@ -7427,14 +7625,14 @@
                                 </p:cTn>
                               </p:par>
                               <p:par>
-                                <p:cTn fill="hold" nodeType="withEffect" presetClass="entr" presetID="1" presetSubtype="0">
+                                <p:cTn id="7" presetID="1" presetClass="entr" presetSubtype="0" fill="hold" nodeType="withEffect">
                                   <p:stCondLst>
                                     <p:cond delay="0"/>
                                   </p:stCondLst>
                                   <p:childTnLst>
                                     <p:set>
                                       <p:cBhvr>
-                                        <p:cTn dur="1" fill="hold">
+                                        <p:cTn id="8" dur="1" fill="hold">
                                           <p:stCondLst>
                                             <p:cond delay="0"/>
                                           </p:stCondLst>
@@ -7454,14 +7652,14 @@
                                 </p:cTn>
                               </p:par>
                               <p:par>
-                                <p:cTn fill="hold" nodeType="withEffect" presetClass="entr" presetID="1" presetSubtype="0">
+                                <p:cTn id="9" presetID="1" presetClass="entr" presetSubtype="0" fill="hold" nodeType="withEffect">
                                   <p:stCondLst>
                                     <p:cond delay="0"/>
                                   </p:stCondLst>
                                   <p:childTnLst>
                                     <p:set>
                                       <p:cBhvr>
-                                        <p:cTn dur="1" fill="hold">
+                                        <p:cTn id="10" dur="1" fill="hold">
                                           <p:stCondLst>
                                             <p:cond delay="0"/>
                                           </p:stCondLst>
@@ -7481,14 +7679,14 @@
                                 </p:cTn>
                               </p:par>
                               <p:par>
-                                <p:cTn fill="hold" nodeType="withEffect" presetClass="entr" presetID="1" presetSubtype="0">
+                                <p:cTn id="11" presetID="1" presetClass="entr" presetSubtype="0" fill="hold" nodeType="withEffect">
                                   <p:stCondLst>
                                     <p:cond delay="0"/>
                                   </p:stCondLst>
                                   <p:childTnLst>
                                     <p:set>
                                       <p:cBhvr>
-                                        <p:cTn dur="1" fill="hold">
+                                        <p:cTn id="12" dur="1" fill="hold">
                                           <p:stCondLst>
                                             <p:cond delay="0"/>
                                           </p:stCondLst>
@@ -7516,14 +7714,14 @@
                 </p:childTnLst>
               </p:cTn>
               <p:prevCondLst>
-                <p:cond evt="onPrev">
+                <p:cond evt="onPrev" delay="0">
                   <p:tgtEl>
                     <p:sldTgt/>
                   </p:tgtEl>
                 </p:cond>
               </p:prevCondLst>
               <p:nextCondLst>
-                <p:cond evt="onNext">
+                <p:cond evt="onNext" delay="0">
                   <p:tgtEl>
                     <p:sldTgt/>
                   </p:tgtEl>
@@ -7539,11 +7737,11 @@
 </file>
 
 <file path=ppt/slides/slide11.xml><?xml version="1.0" encoding="utf-8"?>
-<p:sld xmlns:a="http://schemas.openxmlformats.org/drawingml/2006/main" xmlns:r="http://schemas.openxmlformats.org/officeDocument/2006/relationships" xmlns:mc="http://schemas.openxmlformats.org/markup-compatibility/2006" xmlns:mv="urn:schemas-microsoft-com:mac:vml" xmlns:p="http://schemas.openxmlformats.org/presentationml/2006/main" xmlns:c="http://schemas.openxmlformats.org/drawingml/2006/chart" xmlns:dgm="http://schemas.openxmlformats.org/drawingml/2006/diagram" xmlns:o="urn:schemas-microsoft-com:office:office" xmlns:v="urn:schemas-microsoft-com:vml" xmlns:pvml="urn:schemas-microsoft-com:office:powerpoint" xmlns:com="http://schemas.openxmlformats.org/drawingml/2006/compatibility" xmlns:p14="http://schemas.microsoft.com/office/powerpoint/2010/main" xmlns:p15="http://schemas.microsoft.com/office/powerpoint/2012/main" xmlns:ahyp="http://schemas.microsoft.com/office/drawing/2018/hyperlinkcolor">
+<p:sld xmlns:a="http://schemas.openxmlformats.org/drawingml/2006/main" xmlns:r="http://schemas.openxmlformats.org/officeDocument/2006/relationships" xmlns:p="http://schemas.openxmlformats.org/presentationml/2006/main">
   <p:cSld>
     <p:spTree>
       <p:nvGrpSpPr>
-        <p:cNvPr id="130" name="Shape 130"/>
+        <p:cNvPr id="1" name="Shape 130"/>
         <p:cNvGrpSpPr/>
         <p:nvPr/>
       </p:nvGrpSpPr>
@@ -7558,7 +7756,9 @@
       <p:sp>
         <p:nvSpPr>
           <p:cNvPr id="131" name="Google Shape;131;p23"/>
-          <p:cNvSpPr txBox="1"/>
+          <p:cNvSpPr txBox="1">
+            <a:spLocks noGrp="1"/>
+          </p:cNvSpPr>
           <p:nvPr>
             <p:ph type="title"/>
           </p:nvPr>
@@ -7573,12 +7773,12 @@
           </a:prstGeom>
         </p:spPr>
         <p:txBody>
-          <a:bodyPr anchorCtr="0" anchor="t" bIns="91425" lIns="91425" spcFirstLastPara="1" rIns="91425" wrap="square" tIns="91425">
+          <a:bodyPr spcFirstLastPara="1" wrap="square" lIns="91425" tIns="91425" rIns="91425" bIns="91425" anchor="t" anchorCtr="0">
             <a:normAutofit fontScale="90000"/>
           </a:bodyPr>
           <a:lstStyle/>
           <a:p>
-            <a:pPr indent="0" lvl="0" marL="0" rtl="0" algn="l">
+            <a:pPr marL="0" lvl="0" indent="0" algn="l" rtl="0">
               <a:spcBef>
                 <a:spcPts val="0"/>
               </a:spcBef>
@@ -7598,9 +7798,11 @@
       <p:sp>
         <p:nvSpPr>
           <p:cNvPr id="132" name="Google Shape;132;p23"/>
-          <p:cNvSpPr txBox="1"/>
+          <p:cNvSpPr txBox="1">
+            <a:spLocks noGrp="1"/>
+          </p:cNvSpPr>
           <p:nvPr>
-            <p:ph idx="1" type="body"/>
+            <p:ph type="body" idx="1"/>
           </p:nvPr>
         </p:nvSpPr>
         <p:spPr>
@@ -7613,12 +7815,12 @@
           </a:prstGeom>
         </p:spPr>
         <p:txBody>
-          <a:bodyPr anchorCtr="0" anchor="t" bIns="91425" lIns="91425" spcFirstLastPara="1" rIns="91425" wrap="square" tIns="91425">
+          <a:bodyPr spcFirstLastPara="1" wrap="square" lIns="91425" tIns="91425" rIns="91425" bIns="91425" anchor="t" anchorCtr="0">
             <a:normAutofit/>
           </a:bodyPr>
           <a:lstStyle/>
           <a:p>
-            <a:pPr indent="-342900" lvl="0" marL="457200" rtl="0" algn="l">
+            <a:pPr marL="457200" lvl="0" indent="-342900" algn="l" rtl="0">
               <a:spcBef>
                 <a:spcPts val="0"/>
               </a:spcBef>
@@ -7635,7 +7837,7 @@
             <a:endParaRPr/>
           </a:p>
           <a:p>
-            <a:pPr indent="-342900" lvl="0" marL="457200" rtl="0" algn="l">
+            <a:pPr marL="457200" lvl="0" indent="-342900" algn="l" rtl="0">
               <a:spcBef>
                 <a:spcPts val="0"/>
               </a:spcBef>
@@ -7652,7 +7854,7 @@
             <a:endParaRPr/>
           </a:p>
           <a:p>
-            <a:pPr indent="-342900" lvl="0" marL="457200" rtl="0" algn="l">
+            <a:pPr marL="457200" lvl="0" indent="-342900" algn="l" rtl="0">
               <a:spcBef>
                 <a:spcPts val="0"/>
               </a:spcBef>
@@ -7683,29 +7885,29 @@
           </a:xfrm>
           <a:prstGeom prst="roundRect">
             <a:avLst>
-              <a:gd fmla="val 16667" name="adj"/>
+              <a:gd name="adj" fmla="val 16667"/>
             </a:avLst>
           </a:prstGeom>
           <a:solidFill>
             <a:schemeClr val="lt2"/>
           </a:solidFill>
-          <a:ln cap="flat" cmpd="sng" w="9525">
+          <a:ln w="9525" cap="flat" cmpd="sng">
             <a:solidFill>
               <a:schemeClr val="dk2"/>
             </a:solidFill>
             <a:prstDash val="solid"/>
             <a:round/>
-            <a:headEnd len="sm" w="sm" type="none"/>
-            <a:tailEnd len="sm" w="sm" type="none"/>
+            <a:headEnd type="none" w="sm" len="sm"/>
+            <a:tailEnd type="none" w="sm" len="sm"/>
           </a:ln>
         </p:spPr>
         <p:txBody>
-          <a:bodyPr anchorCtr="0" anchor="ctr" bIns="91425" lIns="91425" spcFirstLastPara="1" rIns="91425" wrap="square" tIns="91425">
+          <a:bodyPr spcFirstLastPara="1" wrap="square" lIns="91425" tIns="91425" rIns="91425" bIns="91425" anchor="ctr" anchorCtr="0">
             <a:noAutofit/>
           </a:bodyPr>
           <a:lstStyle/>
           <a:p>
-            <a:pPr indent="0" lvl="0" marL="0" rtl="0" algn="ctr">
+            <a:pPr marL="0" lvl="0" indent="0" algn="ctr" rtl="0">
               <a:spcBef>
                 <a:spcPts val="0"/>
               </a:spcBef>
@@ -7735,29 +7937,29 @@
           </a:xfrm>
           <a:prstGeom prst="roundRect">
             <a:avLst>
-              <a:gd fmla="val 16667" name="adj"/>
+              <a:gd name="adj" fmla="val 16667"/>
             </a:avLst>
           </a:prstGeom>
           <a:solidFill>
             <a:schemeClr val="lt2"/>
           </a:solidFill>
-          <a:ln cap="flat" cmpd="sng" w="9525">
+          <a:ln w="9525" cap="flat" cmpd="sng">
             <a:solidFill>
               <a:schemeClr val="dk2"/>
             </a:solidFill>
             <a:prstDash val="solid"/>
             <a:round/>
-            <a:headEnd len="sm" w="sm" type="none"/>
-            <a:tailEnd len="sm" w="sm" type="none"/>
+            <a:headEnd type="none" w="sm" len="sm"/>
+            <a:tailEnd type="none" w="sm" len="sm"/>
           </a:ln>
         </p:spPr>
         <p:txBody>
-          <a:bodyPr anchorCtr="0" anchor="ctr" bIns="91425" lIns="91425" spcFirstLastPara="1" rIns="91425" wrap="square" tIns="91425">
+          <a:bodyPr spcFirstLastPara="1" wrap="square" lIns="91425" tIns="91425" rIns="91425" bIns="91425" anchor="ctr" anchorCtr="0">
             <a:noAutofit/>
           </a:bodyPr>
           <a:lstStyle/>
           <a:p>
-            <a:pPr indent="0" lvl="0" marL="0" rtl="0" algn="ctr">
+            <a:pPr marL="0" lvl="0" indent="0" algn="ctr" rtl="0">
               <a:spcBef>
                 <a:spcPts val="0"/>
               </a:spcBef>
@@ -7787,29 +7989,29 @@
           </a:xfrm>
           <a:prstGeom prst="roundRect">
             <a:avLst>
-              <a:gd fmla="val 16667" name="adj"/>
+              <a:gd name="adj" fmla="val 16667"/>
             </a:avLst>
           </a:prstGeom>
           <a:solidFill>
             <a:schemeClr val="lt2"/>
           </a:solidFill>
-          <a:ln cap="flat" cmpd="sng" w="9525">
+          <a:ln w="9525" cap="flat" cmpd="sng">
             <a:solidFill>
               <a:schemeClr val="dk2"/>
             </a:solidFill>
             <a:prstDash val="solid"/>
             <a:round/>
-            <a:headEnd len="sm" w="sm" type="none"/>
-            <a:tailEnd len="sm" w="sm" type="none"/>
+            <a:headEnd type="none" w="sm" len="sm"/>
+            <a:tailEnd type="none" w="sm" len="sm"/>
           </a:ln>
         </p:spPr>
         <p:txBody>
-          <a:bodyPr anchorCtr="0" anchor="ctr" bIns="91425" lIns="91425" spcFirstLastPara="1" rIns="91425" wrap="square" tIns="91425">
+          <a:bodyPr spcFirstLastPara="1" wrap="square" lIns="91425" tIns="91425" rIns="91425" bIns="91425" anchor="ctr" anchorCtr="0">
             <a:noAutofit/>
           </a:bodyPr>
           <a:lstStyle/>
           <a:p>
-            <a:pPr indent="0" lvl="0" marL="0" rtl="0" algn="ctr">
+            <a:pPr marL="0" lvl="0" indent="0" algn="ctr" rtl="0">
               <a:spcBef>
                 <a:spcPts val="0"/>
               </a:spcBef>
@@ -7839,29 +8041,29 @@
           </a:xfrm>
           <a:prstGeom prst="roundRect">
             <a:avLst>
-              <a:gd fmla="val 16667" name="adj"/>
+              <a:gd name="adj" fmla="val 16667"/>
             </a:avLst>
           </a:prstGeom>
           <a:solidFill>
             <a:schemeClr val="lt2"/>
           </a:solidFill>
-          <a:ln cap="flat" cmpd="sng" w="9525">
+          <a:ln w="9525" cap="flat" cmpd="sng">
             <a:solidFill>
               <a:schemeClr val="dk2"/>
             </a:solidFill>
             <a:prstDash val="solid"/>
             <a:round/>
-            <a:headEnd len="sm" w="sm" type="none"/>
-            <a:tailEnd len="sm" w="sm" type="none"/>
+            <a:headEnd type="none" w="sm" len="sm"/>
+            <a:tailEnd type="none" w="sm" len="sm"/>
           </a:ln>
         </p:spPr>
         <p:txBody>
-          <a:bodyPr anchorCtr="0" anchor="ctr" bIns="91425" lIns="91425" spcFirstLastPara="1" rIns="91425" wrap="square" tIns="91425">
+          <a:bodyPr spcFirstLastPara="1" wrap="square" lIns="91425" tIns="91425" rIns="91425" bIns="91425" anchor="ctr" anchorCtr="0">
             <a:noAutofit/>
           </a:bodyPr>
           <a:lstStyle/>
           <a:p>
-            <a:pPr indent="0" lvl="0" marL="0" rtl="0" algn="ctr">
+            <a:pPr marL="0" lvl="0" indent="0" algn="ctr" rtl="0">
               <a:spcBef>
                 <a:spcPts val="0"/>
               </a:spcBef>
@@ -7891,29 +8093,29 @@
           </a:xfrm>
           <a:prstGeom prst="roundRect">
             <a:avLst>
-              <a:gd fmla="val 16667" name="adj"/>
+              <a:gd name="adj" fmla="val 16667"/>
             </a:avLst>
           </a:prstGeom>
           <a:solidFill>
             <a:schemeClr val="lt2"/>
           </a:solidFill>
-          <a:ln cap="flat" cmpd="sng" w="9525">
+          <a:ln w="9525" cap="flat" cmpd="sng">
             <a:solidFill>
               <a:schemeClr val="dk2"/>
             </a:solidFill>
             <a:prstDash val="solid"/>
             <a:round/>
-            <a:headEnd len="sm" w="sm" type="none"/>
-            <a:tailEnd len="sm" w="sm" type="none"/>
+            <a:headEnd type="none" w="sm" len="sm"/>
+            <a:tailEnd type="none" w="sm" len="sm"/>
           </a:ln>
         </p:spPr>
         <p:txBody>
-          <a:bodyPr anchorCtr="0" anchor="ctr" bIns="91425" lIns="91425" spcFirstLastPara="1" rIns="91425" wrap="square" tIns="91425">
+          <a:bodyPr spcFirstLastPara="1" wrap="square" lIns="91425" tIns="91425" rIns="91425" bIns="91425" anchor="ctr" anchorCtr="0">
             <a:noAutofit/>
           </a:bodyPr>
           <a:lstStyle/>
           <a:p>
-            <a:pPr indent="0" lvl="0" marL="0" rtl="0" algn="ctr">
+            <a:pPr marL="0" lvl="0" indent="0" algn="ctr" rtl="0">
               <a:spcBef>
                 <a:spcPts val="0"/>
               </a:spcBef>
@@ -7948,14 +8150,14 @@
             <a:avLst/>
           </a:prstGeom>
           <a:noFill/>
-          <a:ln cap="flat" cmpd="sng" w="9525">
+          <a:ln w="9525" cap="flat" cmpd="sng">
             <a:solidFill>
               <a:schemeClr val="dk2"/>
             </a:solidFill>
             <a:prstDash val="solid"/>
             <a:round/>
-            <a:headEnd len="med" w="med" type="none"/>
-            <a:tailEnd len="med" w="med" type="none"/>
+            <a:headEnd type="none" w="med" len="med"/>
+            <a:tailEnd type="none" w="med" len="med"/>
           </a:ln>
         </p:spPr>
       </p:cxnSp>
@@ -7977,14 +8179,14 @@
             <a:avLst/>
           </a:prstGeom>
           <a:noFill/>
-          <a:ln cap="flat" cmpd="sng" w="9525">
+          <a:ln w="9525" cap="flat" cmpd="sng">
             <a:solidFill>
               <a:schemeClr val="dk2"/>
             </a:solidFill>
             <a:prstDash val="solid"/>
             <a:round/>
-            <a:headEnd len="med" w="med" type="none"/>
-            <a:tailEnd len="med" w="med" type="none"/>
+            <a:headEnd type="none" w="med" len="med"/>
+            <a:tailEnd type="none" w="med" len="med"/>
           </a:ln>
         </p:spPr>
       </p:cxnSp>
@@ -7996,32 +8198,32 @@
   <p:timing>
     <p:tnLst>
       <p:par>
-        <p:cTn dur="indefinite" nodeType="tmRoot" restart="never">
+        <p:cTn id="1" dur="indefinite" restart="never" nodeType="tmRoot">
           <p:childTnLst>
             <p:seq concurrent="1" nextAc="seek">
-              <p:cTn dur="indefinite" id="2" nodeType="mainSeq">
+              <p:cTn id="2" dur="indefinite" nodeType="mainSeq">
                 <p:childTnLst>
                   <p:par>
-                    <p:cTn fill="hold">
+                    <p:cTn id="3" fill="hold">
                       <p:stCondLst>
                         <p:cond delay="indefinite"/>
                       </p:stCondLst>
                       <p:childTnLst>
                         <p:par>
-                          <p:cTn fill="hold">
+                          <p:cTn id="4" fill="hold">
                             <p:stCondLst>
                               <p:cond delay="0"/>
                             </p:stCondLst>
                             <p:childTnLst>
                               <p:par>
-                                <p:cTn fill="hold" nodeType="clickEffect" presetClass="entr" presetID="1" presetSubtype="0">
+                                <p:cTn id="5" presetID="1" presetClass="entr" presetSubtype="0" fill="hold" nodeType="clickEffect">
                                   <p:stCondLst>
                                     <p:cond delay="0"/>
                                   </p:stCondLst>
                                   <p:childTnLst>
                                     <p:set>
                                       <p:cBhvr>
-                                        <p:cTn dur="1" fill="hold">
+                                        <p:cTn id="6" dur="1" fill="hold">
                                           <p:stCondLst>
                                             <p:cond delay="0"/>
                                           </p:stCondLst>
@@ -8041,14 +8243,14 @@
                                 </p:cTn>
                               </p:par>
                               <p:par>
-                                <p:cTn fill="hold" nodeType="withEffect" presetClass="entr" presetID="1" presetSubtype="0">
+                                <p:cTn id="7" presetID="1" presetClass="entr" presetSubtype="0" fill="hold" nodeType="withEffect">
                                   <p:stCondLst>
                                     <p:cond delay="0"/>
                                   </p:stCondLst>
                                   <p:childTnLst>
                                     <p:set>
                                       <p:cBhvr>
-                                        <p:cTn dur="1" fill="hold">
+                                        <p:cTn id="8" dur="1" fill="hold">
                                           <p:stCondLst>
                                             <p:cond delay="0"/>
                                           </p:stCondLst>
@@ -8068,14 +8270,14 @@
                                 </p:cTn>
                               </p:par>
                               <p:par>
-                                <p:cTn fill="hold" nodeType="withEffect" presetClass="entr" presetID="1" presetSubtype="0">
+                                <p:cTn id="9" presetID="1" presetClass="entr" presetSubtype="0" fill="hold" nodeType="withEffect">
                                   <p:stCondLst>
                                     <p:cond delay="0"/>
                                   </p:stCondLst>
                                   <p:childTnLst>
                                     <p:set>
                                       <p:cBhvr>
-                                        <p:cTn dur="1" fill="hold">
+                                        <p:cTn id="10" dur="1" fill="hold">
                                           <p:stCondLst>
                                             <p:cond delay="0"/>
                                           </p:stCondLst>
@@ -8103,14 +8305,14 @@
                 </p:childTnLst>
               </p:cTn>
               <p:prevCondLst>
-                <p:cond evt="onPrev">
+                <p:cond evt="onPrev" delay="0">
                   <p:tgtEl>
                     <p:sldTgt/>
                   </p:tgtEl>
                 </p:cond>
               </p:prevCondLst>
               <p:nextCondLst>
-                <p:cond evt="onNext">
+                <p:cond evt="onNext" delay="0">
                   <p:tgtEl>
                     <p:sldTgt/>
                   </p:tgtEl>
@@ -8126,11 +8328,11 @@
 </file>
 
 <file path=ppt/slides/slide12.xml><?xml version="1.0" encoding="utf-8"?>
-<p:sld xmlns:a="http://schemas.openxmlformats.org/drawingml/2006/main" xmlns:r="http://schemas.openxmlformats.org/officeDocument/2006/relationships" xmlns:mc="http://schemas.openxmlformats.org/markup-compatibility/2006" xmlns:mv="urn:schemas-microsoft-com:mac:vml" xmlns:p="http://schemas.openxmlformats.org/presentationml/2006/main" xmlns:c="http://schemas.openxmlformats.org/drawingml/2006/chart" xmlns:dgm="http://schemas.openxmlformats.org/drawingml/2006/diagram" xmlns:o="urn:schemas-microsoft-com:office:office" xmlns:v="urn:schemas-microsoft-com:vml" xmlns:pvml="urn:schemas-microsoft-com:office:powerpoint" xmlns:com="http://schemas.openxmlformats.org/drawingml/2006/compatibility" xmlns:p14="http://schemas.microsoft.com/office/powerpoint/2010/main" xmlns:p15="http://schemas.microsoft.com/office/powerpoint/2012/main" xmlns:ahyp="http://schemas.microsoft.com/office/drawing/2018/hyperlinkcolor">
+<p:sld xmlns:a="http://schemas.openxmlformats.org/drawingml/2006/main" xmlns:r="http://schemas.openxmlformats.org/officeDocument/2006/relationships" xmlns:p="http://schemas.openxmlformats.org/presentationml/2006/main">
   <p:cSld>
     <p:spTree>
       <p:nvGrpSpPr>
-        <p:cNvPr id="143" name="Shape 143"/>
+        <p:cNvPr id="1" name="Shape 143"/>
         <p:cNvGrpSpPr/>
         <p:nvPr/>
       </p:nvGrpSpPr>
@@ -8145,7 +8347,9 @@
       <p:sp>
         <p:nvSpPr>
           <p:cNvPr id="144" name="Google Shape;144;p24"/>
-          <p:cNvSpPr txBox="1"/>
+          <p:cNvSpPr txBox="1">
+            <a:spLocks noGrp="1"/>
+          </p:cNvSpPr>
           <p:nvPr>
             <p:ph type="title"/>
           </p:nvPr>
@@ -8160,12 +8364,12 @@
           </a:prstGeom>
         </p:spPr>
         <p:txBody>
-          <a:bodyPr anchorCtr="0" anchor="t" bIns="91425" lIns="91425" spcFirstLastPara="1" rIns="91425" wrap="square" tIns="91425">
+          <a:bodyPr spcFirstLastPara="1" wrap="square" lIns="91425" tIns="91425" rIns="91425" bIns="91425" anchor="t" anchorCtr="0">
             <a:normAutofit fontScale="90000"/>
           </a:bodyPr>
           <a:lstStyle/>
           <a:p>
-            <a:pPr indent="0" lvl="0" marL="0" rtl="0" algn="l">
+            <a:pPr marL="0" lvl="0" indent="0" algn="l" rtl="0">
               <a:spcBef>
                 <a:spcPts val="0"/>
               </a:spcBef>
@@ -8185,9 +8389,11 @@
       <p:sp>
         <p:nvSpPr>
           <p:cNvPr id="145" name="Google Shape;145;p24"/>
-          <p:cNvSpPr txBox="1"/>
+          <p:cNvSpPr txBox="1">
+            <a:spLocks noGrp="1"/>
+          </p:cNvSpPr>
           <p:nvPr>
-            <p:ph idx="1" type="body"/>
+            <p:ph type="body" idx="1"/>
           </p:nvPr>
         </p:nvSpPr>
         <p:spPr>
@@ -8200,12 +8406,12 @@
           </a:prstGeom>
         </p:spPr>
         <p:txBody>
-          <a:bodyPr anchorCtr="0" anchor="t" bIns="91425" lIns="91425" spcFirstLastPara="1" rIns="91425" wrap="square" tIns="91425">
+          <a:bodyPr spcFirstLastPara="1" wrap="square" lIns="91425" tIns="91425" rIns="91425" bIns="91425" anchor="t" anchorCtr="0">
             <a:normAutofit/>
           </a:bodyPr>
           <a:lstStyle/>
           <a:p>
-            <a:pPr indent="-342900" lvl="0" marL="457200" rtl="0" algn="l">
+            <a:pPr marL="457200" lvl="0" indent="-342900" algn="l" rtl="0">
               <a:spcBef>
                 <a:spcPts val="0"/>
               </a:spcBef>
@@ -8222,7 +8428,7 @@
             <a:endParaRPr/>
           </a:p>
           <a:p>
-            <a:pPr indent="-342900" lvl="0" marL="457200" rtl="0" algn="l">
+            <a:pPr marL="457200" lvl="0" indent="-342900" algn="l" rtl="0">
               <a:spcBef>
                 <a:spcPts val="0"/>
               </a:spcBef>
@@ -8239,7 +8445,7 @@
             <a:endParaRPr/>
           </a:p>
           <a:p>
-            <a:pPr indent="-342900" lvl="0" marL="457200" rtl="0" algn="l">
+            <a:pPr marL="457200" lvl="0" indent="-342900" algn="l" rtl="0">
               <a:spcBef>
                 <a:spcPts val="0"/>
               </a:spcBef>
@@ -8270,29 +8476,29 @@
           </a:xfrm>
           <a:prstGeom prst="roundRect">
             <a:avLst>
-              <a:gd fmla="val 16667" name="adj"/>
+              <a:gd name="adj" fmla="val 16667"/>
             </a:avLst>
           </a:prstGeom>
           <a:solidFill>
             <a:schemeClr val="lt2"/>
           </a:solidFill>
-          <a:ln cap="flat" cmpd="sng" w="9525">
+          <a:ln w="9525" cap="flat" cmpd="sng">
             <a:solidFill>
               <a:schemeClr val="dk2"/>
             </a:solidFill>
             <a:prstDash val="solid"/>
             <a:round/>
-            <a:headEnd len="sm" w="sm" type="none"/>
-            <a:tailEnd len="sm" w="sm" type="none"/>
+            <a:headEnd type="none" w="sm" len="sm"/>
+            <a:tailEnd type="none" w="sm" len="sm"/>
           </a:ln>
         </p:spPr>
         <p:txBody>
-          <a:bodyPr anchorCtr="0" anchor="ctr" bIns="91425" lIns="91425" spcFirstLastPara="1" rIns="91425" wrap="square" tIns="91425">
+          <a:bodyPr spcFirstLastPara="1" wrap="square" lIns="91425" tIns="91425" rIns="91425" bIns="91425" anchor="ctr" anchorCtr="0">
             <a:noAutofit/>
           </a:bodyPr>
           <a:lstStyle/>
           <a:p>
-            <a:pPr indent="0" lvl="0" marL="0" rtl="0" algn="ctr">
+            <a:pPr marL="0" lvl="0" indent="0" algn="ctr" rtl="0">
               <a:spcBef>
                 <a:spcPts val="0"/>
               </a:spcBef>
@@ -8322,29 +8528,29 @@
           </a:xfrm>
           <a:prstGeom prst="roundRect">
             <a:avLst>
-              <a:gd fmla="val 16667" name="adj"/>
+              <a:gd name="adj" fmla="val 16667"/>
             </a:avLst>
           </a:prstGeom>
           <a:solidFill>
             <a:schemeClr val="lt2"/>
           </a:solidFill>
-          <a:ln cap="flat" cmpd="sng" w="9525">
+          <a:ln w="9525" cap="flat" cmpd="sng">
             <a:solidFill>
               <a:schemeClr val="dk2"/>
             </a:solidFill>
             <a:prstDash val="solid"/>
             <a:round/>
-            <a:headEnd len="sm" w="sm" type="none"/>
-            <a:tailEnd len="sm" w="sm" type="none"/>
+            <a:headEnd type="none" w="sm" len="sm"/>
+            <a:tailEnd type="none" w="sm" len="sm"/>
           </a:ln>
         </p:spPr>
         <p:txBody>
-          <a:bodyPr anchorCtr="0" anchor="ctr" bIns="91425" lIns="91425" spcFirstLastPara="1" rIns="91425" wrap="square" tIns="91425">
+          <a:bodyPr spcFirstLastPara="1" wrap="square" lIns="91425" tIns="91425" rIns="91425" bIns="91425" anchor="ctr" anchorCtr="0">
             <a:noAutofit/>
           </a:bodyPr>
           <a:lstStyle/>
           <a:p>
-            <a:pPr indent="0" lvl="0" marL="0" rtl="0" algn="ctr">
+            <a:pPr marL="0" lvl="0" indent="0" algn="ctr" rtl="0">
               <a:spcBef>
                 <a:spcPts val="0"/>
               </a:spcBef>
@@ -8374,29 +8580,29 @@
           </a:xfrm>
           <a:prstGeom prst="roundRect">
             <a:avLst>
-              <a:gd fmla="val 16667" name="adj"/>
+              <a:gd name="adj" fmla="val 16667"/>
             </a:avLst>
           </a:prstGeom>
           <a:solidFill>
             <a:schemeClr val="lt2"/>
           </a:solidFill>
-          <a:ln cap="flat" cmpd="sng" w="9525">
+          <a:ln w="9525" cap="flat" cmpd="sng">
             <a:solidFill>
               <a:schemeClr val="dk2"/>
             </a:solidFill>
             <a:prstDash val="solid"/>
             <a:round/>
-            <a:headEnd len="sm" w="sm" type="none"/>
-            <a:tailEnd len="sm" w="sm" type="none"/>
+            <a:headEnd type="none" w="sm" len="sm"/>
+            <a:tailEnd type="none" w="sm" len="sm"/>
           </a:ln>
         </p:spPr>
         <p:txBody>
-          <a:bodyPr anchorCtr="0" anchor="ctr" bIns="91425" lIns="91425" spcFirstLastPara="1" rIns="91425" wrap="square" tIns="91425">
+          <a:bodyPr spcFirstLastPara="1" wrap="square" lIns="91425" tIns="91425" rIns="91425" bIns="91425" anchor="ctr" anchorCtr="0">
             <a:noAutofit/>
           </a:bodyPr>
           <a:lstStyle/>
           <a:p>
-            <a:pPr indent="0" lvl="0" marL="0" rtl="0" algn="ctr">
+            <a:pPr marL="0" lvl="0" indent="0" algn="ctr" rtl="0">
               <a:spcBef>
                 <a:spcPts val="0"/>
               </a:spcBef>
@@ -8426,29 +8632,29 @@
           </a:xfrm>
           <a:prstGeom prst="roundRect">
             <a:avLst>
-              <a:gd fmla="val 16667" name="adj"/>
+              <a:gd name="adj" fmla="val 16667"/>
             </a:avLst>
           </a:prstGeom>
           <a:solidFill>
             <a:schemeClr val="lt2"/>
           </a:solidFill>
-          <a:ln cap="flat" cmpd="sng" w="9525">
+          <a:ln w="9525" cap="flat" cmpd="sng">
             <a:solidFill>
               <a:schemeClr val="dk2"/>
             </a:solidFill>
             <a:prstDash val="solid"/>
             <a:round/>
-            <a:headEnd len="sm" w="sm" type="none"/>
-            <a:tailEnd len="sm" w="sm" type="none"/>
+            <a:headEnd type="none" w="sm" len="sm"/>
+            <a:tailEnd type="none" w="sm" len="sm"/>
           </a:ln>
         </p:spPr>
         <p:txBody>
-          <a:bodyPr anchorCtr="0" anchor="ctr" bIns="91425" lIns="91425" spcFirstLastPara="1" rIns="91425" wrap="square" tIns="91425">
+          <a:bodyPr spcFirstLastPara="1" wrap="square" lIns="91425" tIns="91425" rIns="91425" bIns="91425" anchor="ctr" anchorCtr="0">
             <a:noAutofit/>
           </a:bodyPr>
           <a:lstStyle/>
           <a:p>
-            <a:pPr indent="0" lvl="0" marL="0" rtl="0" algn="ctr">
+            <a:pPr marL="0" lvl="0" indent="0" algn="ctr" rtl="0">
               <a:spcBef>
                 <a:spcPts val="0"/>
               </a:spcBef>
@@ -8478,29 +8684,29 @@
           </a:xfrm>
           <a:prstGeom prst="roundRect">
             <a:avLst>
-              <a:gd fmla="val 16667" name="adj"/>
+              <a:gd name="adj" fmla="val 16667"/>
             </a:avLst>
           </a:prstGeom>
           <a:solidFill>
             <a:schemeClr val="lt2"/>
           </a:solidFill>
-          <a:ln cap="flat" cmpd="sng" w="9525">
+          <a:ln w="9525" cap="flat" cmpd="sng">
             <a:solidFill>
               <a:schemeClr val="dk2"/>
             </a:solidFill>
             <a:prstDash val="solid"/>
             <a:round/>
-            <a:headEnd len="sm" w="sm" type="none"/>
-            <a:tailEnd len="sm" w="sm" type="none"/>
+            <a:headEnd type="none" w="sm" len="sm"/>
+            <a:tailEnd type="none" w="sm" len="sm"/>
           </a:ln>
         </p:spPr>
         <p:txBody>
-          <a:bodyPr anchorCtr="0" anchor="ctr" bIns="91425" lIns="91425" spcFirstLastPara="1" rIns="91425" wrap="square" tIns="91425">
+          <a:bodyPr spcFirstLastPara="1" wrap="square" lIns="91425" tIns="91425" rIns="91425" bIns="91425" anchor="ctr" anchorCtr="0">
             <a:noAutofit/>
           </a:bodyPr>
           <a:lstStyle/>
           <a:p>
-            <a:pPr indent="0" lvl="0" marL="0" rtl="0" algn="ctr">
+            <a:pPr marL="0" lvl="0" indent="0" algn="ctr" rtl="0">
               <a:spcBef>
                 <a:spcPts val="0"/>
               </a:spcBef>
@@ -8535,14 +8741,14 @@
             <a:avLst/>
           </a:prstGeom>
           <a:noFill/>
-          <a:ln cap="flat" cmpd="sng" w="9525">
+          <a:ln w="9525" cap="flat" cmpd="sng">
             <a:solidFill>
               <a:schemeClr val="dk2"/>
             </a:solidFill>
             <a:prstDash val="solid"/>
             <a:round/>
-            <a:headEnd len="med" w="med" type="none"/>
-            <a:tailEnd len="med" w="med" type="none"/>
+            <a:headEnd type="none" w="med" len="med"/>
+            <a:tailEnd type="none" w="med" len="med"/>
           </a:ln>
         </p:spPr>
       </p:cxnSp>
@@ -8564,14 +8770,14 @@
             <a:avLst/>
           </a:prstGeom>
           <a:noFill/>
-          <a:ln cap="flat" cmpd="sng" w="9525">
+          <a:ln w="9525" cap="flat" cmpd="sng">
             <a:solidFill>
               <a:schemeClr val="dk2"/>
             </a:solidFill>
             <a:prstDash val="solid"/>
             <a:round/>
-            <a:headEnd len="med" w="med" type="none"/>
-            <a:tailEnd len="med" w="med" type="none"/>
+            <a:headEnd type="none" w="med" len="med"/>
+            <a:tailEnd type="none" w="med" len="med"/>
           </a:ln>
         </p:spPr>
       </p:cxnSp>
@@ -8588,29 +8794,29 @@
           </a:xfrm>
           <a:prstGeom prst="roundRect">
             <a:avLst>
-              <a:gd fmla="val 16667" name="adj"/>
+              <a:gd name="adj" fmla="val 16667"/>
             </a:avLst>
           </a:prstGeom>
           <a:solidFill>
             <a:schemeClr val="lt2"/>
           </a:solidFill>
-          <a:ln cap="flat" cmpd="sng" w="9525">
+          <a:ln w="9525" cap="flat" cmpd="sng">
             <a:solidFill>
               <a:schemeClr val="dk2"/>
             </a:solidFill>
             <a:prstDash val="solid"/>
             <a:round/>
-            <a:headEnd len="sm" w="sm" type="none"/>
-            <a:tailEnd len="sm" w="sm" type="none"/>
+            <a:headEnd type="none" w="sm" len="sm"/>
+            <a:tailEnd type="none" w="sm" len="sm"/>
           </a:ln>
         </p:spPr>
         <p:txBody>
-          <a:bodyPr anchorCtr="0" anchor="ctr" bIns="91425" lIns="91425" spcFirstLastPara="1" rIns="91425" wrap="square" tIns="91425">
+          <a:bodyPr spcFirstLastPara="1" wrap="square" lIns="91425" tIns="91425" rIns="91425" bIns="91425" anchor="ctr" anchorCtr="0">
             <a:noAutofit/>
           </a:bodyPr>
           <a:lstStyle/>
           <a:p>
-            <a:pPr indent="0" lvl="0" marL="0" rtl="0" algn="ctr">
+            <a:pPr marL="0" lvl="0" indent="0" algn="ctr" rtl="0">
               <a:spcBef>
                 <a:spcPts val="0"/>
               </a:spcBef>
@@ -8637,7 +8843,7 @@
           <p:nvPr/>
         </p:nvCxnSpPr>
         <p:spPr>
-          <a:xfrm flipH="1" rot="10800000">
+          <a:xfrm rot="10800000" flipH="1">
             <a:off x="3774300" y="3442175"/>
             <a:ext cx="1280700" cy="786000"/>
           </a:xfrm>
@@ -8645,14 +8851,14 @@
             <a:avLst/>
           </a:prstGeom>
           <a:noFill/>
-          <a:ln cap="flat" cmpd="sng" w="9525">
+          <a:ln w="9525" cap="flat" cmpd="sng">
             <a:solidFill>
               <a:schemeClr val="dk2"/>
             </a:solidFill>
             <a:prstDash val="solid"/>
             <a:round/>
-            <a:headEnd len="med" w="med" type="none"/>
-            <a:tailEnd len="med" w="med" type="none"/>
+            <a:headEnd type="none" w="med" len="med"/>
+            <a:tailEnd type="none" w="med" len="med"/>
           </a:ln>
         </p:spPr>
       </p:cxnSp>
@@ -8674,14 +8880,14 @@
             <a:avLst/>
           </a:prstGeom>
           <a:noFill/>
-          <a:ln cap="flat" cmpd="sng" w="9525">
+          <a:ln w="9525" cap="flat" cmpd="sng">
             <a:solidFill>
               <a:schemeClr val="dk2"/>
             </a:solidFill>
             <a:prstDash val="solid"/>
             <a:round/>
-            <a:headEnd len="med" w="med" type="none"/>
-            <a:tailEnd len="med" w="med" type="none"/>
+            <a:headEnd type="none" w="med" len="med"/>
+            <a:tailEnd type="none" w="med" len="med"/>
           </a:ln>
         </p:spPr>
       </p:cxnSp>
@@ -8698,29 +8904,29 @@
           </a:xfrm>
           <a:prstGeom prst="roundRect">
             <a:avLst>
-              <a:gd fmla="val 16667" name="adj"/>
+              <a:gd name="adj" fmla="val 16667"/>
             </a:avLst>
           </a:prstGeom>
           <a:solidFill>
             <a:schemeClr val="lt2"/>
           </a:solidFill>
-          <a:ln cap="flat" cmpd="sng" w="9525">
+          <a:ln w="9525" cap="flat" cmpd="sng">
             <a:solidFill>
               <a:schemeClr val="dk2"/>
             </a:solidFill>
             <a:prstDash val="solid"/>
             <a:round/>
-            <a:headEnd len="sm" w="sm" type="none"/>
-            <a:tailEnd len="sm" w="sm" type="none"/>
+            <a:headEnd type="none" w="sm" len="sm"/>
+            <a:tailEnd type="none" w="sm" len="sm"/>
           </a:ln>
         </p:spPr>
         <p:txBody>
-          <a:bodyPr anchorCtr="0" anchor="ctr" bIns="91425" lIns="91425" spcFirstLastPara="1" rIns="91425" wrap="square" tIns="91425">
+          <a:bodyPr spcFirstLastPara="1" wrap="square" lIns="91425" tIns="91425" rIns="91425" bIns="91425" anchor="ctr" anchorCtr="0">
             <a:noAutofit/>
           </a:bodyPr>
           <a:lstStyle/>
           <a:p>
-            <a:pPr indent="0" lvl="0" marL="0" rtl="0" algn="ctr">
+            <a:pPr marL="0" lvl="0" indent="0" algn="ctr" rtl="0">
               <a:spcBef>
                 <a:spcPts val="0"/>
               </a:spcBef>
@@ -8755,14 +8961,14 @@
             <a:avLst/>
           </a:prstGeom>
           <a:noFill/>
-          <a:ln cap="flat" cmpd="sng" w="9525">
+          <a:ln w="9525" cap="flat" cmpd="sng">
             <a:solidFill>
               <a:schemeClr val="dk2"/>
             </a:solidFill>
             <a:prstDash val="solid"/>
             <a:round/>
-            <a:headEnd len="med" w="med" type="none"/>
-            <a:tailEnd len="med" w="med" type="none"/>
+            <a:headEnd type="none" w="med" len="med"/>
+            <a:tailEnd type="none" w="med" len="med"/>
           </a:ln>
         </p:spPr>
       </p:cxnSp>
@@ -8784,14 +8990,14 @@
             <a:avLst/>
           </a:prstGeom>
           <a:noFill/>
-          <a:ln cap="flat" cmpd="sng" w="9525">
+          <a:ln w="9525" cap="flat" cmpd="sng">
             <a:solidFill>
               <a:schemeClr val="dk2"/>
             </a:solidFill>
             <a:prstDash val="solid"/>
             <a:round/>
-            <a:headEnd len="med" w="med" type="none"/>
-            <a:tailEnd len="med" w="med" type="none"/>
+            <a:headEnd type="none" w="med" len="med"/>
+            <a:tailEnd type="none" w="med" len="med"/>
           </a:ln>
         </p:spPr>
       </p:cxnSp>
@@ -8803,32 +9009,32 @@
   <p:timing>
     <p:tnLst>
       <p:par>
-        <p:cTn dur="indefinite" nodeType="tmRoot" restart="never">
+        <p:cTn id="1" dur="indefinite" restart="never" nodeType="tmRoot">
           <p:childTnLst>
             <p:seq concurrent="1" nextAc="seek">
-              <p:cTn dur="indefinite" id="2" nodeType="mainSeq">
+              <p:cTn id="2" dur="indefinite" nodeType="mainSeq">
                 <p:childTnLst>
                   <p:par>
-                    <p:cTn fill="hold">
+                    <p:cTn id="3" fill="hold">
                       <p:stCondLst>
                         <p:cond delay="indefinite"/>
                       </p:stCondLst>
                       <p:childTnLst>
                         <p:par>
-                          <p:cTn fill="hold">
+                          <p:cTn id="4" fill="hold">
                             <p:stCondLst>
                               <p:cond delay="0"/>
                             </p:stCondLst>
                             <p:childTnLst>
                               <p:par>
-                                <p:cTn fill="hold" nodeType="clickEffect" presetClass="entr" presetID="1" presetSubtype="0">
+                                <p:cTn id="5" presetID="1" presetClass="entr" presetSubtype="0" fill="hold" nodeType="clickEffect">
                                   <p:stCondLst>
                                     <p:cond delay="0"/>
                                   </p:stCondLst>
                                   <p:childTnLst>
                                     <p:set>
                                       <p:cBhvr>
-                                        <p:cTn dur="1" fill="hold">
+                                        <p:cTn id="6" dur="1" fill="hold">
                                           <p:stCondLst>
                                             <p:cond delay="0"/>
                                           </p:stCondLst>
@@ -8848,14 +9054,14 @@
                                 </p:cTn>
                               </p:par>
                               <p:par>
-                                <p:cTn fill="hold" nodeType="withEffect" presetClass="entr" presetID="1" presetSubtype="0">
+                                <p:cTn id="7" presetID="1" presetClass="entr" presetSubtype="0" fill="hold" nodeType="withEffect">
                                   <p:stCondLst>
                                     <p:cond delay="0"/>
                                   </p:stCondLst>
                                   <p:childTnLst>
                                     <p:set>
                                       <p:cBhvr>
-                                        <p:cTn dur="1" fill="hold">
+                                        <p:cTn id="8" dur="1" fill="hold">
                                           <p:stCondLst>
                                             <p:cond delay="0"/>
                                           </p:stCondLst>
@@ -8875,14 +9081,14 @@
                                 </p:cTn>
                               </p:par>
                               <p:par>
-                                <p:cTn fill="hold" nodeType="withEffect" presetClass="entr" presetID="1" presetSubtype="0">
+                                <p:cTn id="9" presetID="1" presetClass="entr" presetSubtype="0" fill="hold" nodeType="withEffect">
                                   <p:stCondLst>
                                     <p:cond delay="0"/>
                                   </p:stCondLst>
                                   <p:childTnLst>
                                     <p:set>
                                       <p:cBhvr>
-                                        <p:cTn dur="1" fill="hold">
+                                        <p:cTn id="10" dur="1" fill="hold">
                                           <p:stCondLst>
                                             <p:cond delay="0"/>
                                           </p:stCondLst>
@@ -8908,26 +9114,26 @@
                     </p:cTn>
                   </p:par>
                   <p:par>
-                    <p:cTn fill="hold">
+                    <p:cTn id="11" fill="hold">
                       <p:stCondLst>
                         <p:cond delay="indefinite"/>
                       </p:stCondLst>
                       <p:childTnLst>
                         <p:par>
-                          <p:cTn fill="hold">
+                          <p:cTn id="12" fill="hold">
                             <p:stCondLst>
                               <p:cond delay="0"/>
                             </p:stCondLst>
                             <p:childTnLst>
                               <p:par>
-                                <p:cTn fill="hold" nodeType="clickEffect" presetClass="entr" presetID="1" presetSubtype="0">
+                                <p:cTn id="13" presetID="1" presetClass="entr" presetSubtype="0" fill="hold" nodeType="clickEffect">
                                   <p:stCondLst>
                                     <p:cond delay="0"/>
                                   </p:stCondLst>
                                   <p:childTnLst>
                                     <p:set>
                                       <p:cBhvr>
-                                        <p:cTn dur="1" fill="hold">
+                                        <p:cTn id="14" dur="1" fill="hold">
                                           <p:stCondLst>
                                             <p:cond delay="0"/>
                                           </p:stCondLst>
@@ -8947,14 +9153,14 @@
                                 </p:cTn>
                               </p:par>
                               <p:par>
-                                <p:cTn fill="hold" nodeType="withEffect" presetClass="entr" presetID="1" presetSubtype="0">
+                                <p:cTn id="15" presetID="1" presetClass="entr" presetSubtype="0" fill="hold" nodeType="withEffect">
                                   <p:stCondLst>
                                     <p:cond delay="0"/>
                                   </p:stCondLst>
                                   <p:childTnLst>
                                     <p:set>
                                       <p:cBhvr>
-                                        <p:cTn dur="1" fill="hold">
+                                        <p:cTn id="16" dur="1" fill="hold">
                                           <p:stCondLst>
                                             <p:cond delay="0"/>
                                           </p:stCondLst>
@@ -8974,14 +9180,14 @@
                                 </p:cTn>
                               </p:par>
                               <p:par>
-                                <p:cTn fill="hold" nodeType="withEffect" presetClass="entr" presetID="1" presetSubtype="0">
+                                <p:cTn id="17" presetID="1" presetClass="entr" presetSubtype="0" fill="hold" nodeType="withEffect">
                                   <p:stCondLst>
                                     <p:cond delay="0"/>
                                   </p:stCondLst>
                                   <p:childTnLst>
                                     <p:set>
                                       <p:cBhvr>
-                                        <p:cTn dur="1" fill="hold">
+                                        <p:cTn id="18" dur="1" fill="hold">
                                           <p:stCondLst>
                                             <p:cond delay="0"/>
                                           </p:stCondLst>
@@ -9009,14 +9215,14 @@
                 </p:childTnLst>
               </p:cTn>
               <p:prevCondLst>
-                <p:cond evt="onPrev">
+                <p:cond evt="onPrev" delay="0">
                   <p:tgtEl>
                     <p:sldTgt/>
                   </p:tgtEl>
                 </p:cond>
               </p:prevCondLst>
               <p:nextCondLst>
-                <p:cond evt="onNext">
+                <p:cond evt="onNext" delay="0">
                   <p:tgtEl>
                     <p:sldTgt/>
                   </p:tgtEl>
@@ -9032,11 +9238,11 @@
 </file>
 
 <file path=ppt/slides/slide13.xml><?xml version="1.0" encoding="utf-8"?>
-<p:sld xmlns:a="http://schemas.openxmlformats.org/drawingml/2006/main" xmlns:r="http://schemas.openxmlformats.org/officeDocument/2006/relationships" xmlns:mc="http://schemas.openxmlformats.org/markup-compatibility/2006" xmlns:mv="urn:schemas-microsoft-com:mac:vml" xmlns:p="http://schemas.openxmlformats.org/presentationml/2006/main" xmlns:c="http://schemas.openxmlformats.org/drawingml/2006/chart" xmlns:dgm="http://schemas.openxmlformats.org/drawingml/2006/diagram" xmlns:o="urn:schemas-microsoft-com:office:office" xmlns:v="urn:schemas-microsoft-com:vml" xmlns:pvml="urn:schemas-microsoft-com:office:powerpoint" xmlns:com="http://schemas.openxmlformats.org/drawingml/2006/compatibility" xmlns:p14="http://schemas.microsoft.com/office/powerpoint/2010/main" xmlns:p15="http://schemas.microsoft.com/office/powerpoint/2012/main" xmlns:ahyp="http://schemas.microsoft.com/office/drawing/2018/hyperlinkcolor">
+<p:sld xmlns:a="http://schemas.openxmlformats.org/drawingml/2006/main" xmlns:r="http://schemas.openxmlformats.org/officeDocument/2006/relationships" xmlns:p="http://schemas.openxmlformats.org/presentationml/2006/main">
   <p:cSld>
     <p:spTree>
       <p:nvGrpSpPr>
-        <p:cNvPr id="162" name="Shape 162"/>
+        <p:cNvPr id="1" name="Shape 162"/>
         <p:cNvGrpSpPr/>
         <p:nvPr/>
       </p:nvGrpSpPr>
@@ -9051,7 +9257,9 @@
       <p:sp>
         <p:nvSpPr>
           <p:cNvPr id="163" name="Google Shape;163;p25"/>
-          <p:cNvSpPr txBox="1"/>
+          <p:cNvSpPr txBox="1">
+            <a:spLocks noGrp="1"/>
+          </p:cNvSpPr>
           <p:nvPr>
             <p:ph type="title"/>
           </p:nvPr>
@@ -9066,12 +9274,12 @@
           </a:prstGeom>
         </p:spPr>
         <p:txBody>
-          <a:bodyPr anchorCtr="0" anchor="t" bIns="91425" lIns="91425" spcFirstLastPara="1" rIns="91425" wrap="square" tIns="91425">
+          <a:bodyPr spcFirstLastPara="1" wrap="square" lIns="91425" tIns="91425" rIns="91425" bIns="91425" anchor="t" anchorCtr="0">
             <a:normAutofit fontScale="90000"/>
           </a:bodyPr>
           <a:lstStyle/>
           <a:p>
-            <a:pPr indent="0" lvl="0" marL="0" rtl="0" algn="l">
+            <a:pPr marL="0" lvl="0" indent="0" algn="l" rtl="0">
               <a:spcBef>
                 <a:spcPts val="0"/>
               </a:spcBef>
@@ -9091,9 +9299,11 @@
       <p:sp>
         <p:nvSpPr>
           <p:cNvPr id="164" name="Google Shape;164;p25"/>
-          <p:cNvSpPr txBox="1"/>
+          <p:cNvSpPr txBox="1">
+            <a:spLocks noGrp="1"/>
+          </p:cNvSpPr>
           <p:nvPr>
-            <p:ph idx="1" type="body"/>
+            <p:ph type="body" idx="1"/>
           </p:nvPr>
         </p:nvSpPr>
         <p:spPr>
@@ -9106,12 +9316,12 @@
           </a:prstGeom>
         </p:spPr>
         <p:txBody>
-          <a:bodyPr anchorCtr="0" anchor="t" bIns="91425" lIns="91425" spcFirstLastPara="1" rIns="91425" wrap="square" tIns="91425">
+          <a:bodyPr spcFirstLastPara="1" wrap="square" lIns="91425" tIns="91425" rIns="91425" bIns="91425" anchor="t" anchorCtr="0">
             <a:normAutofit/>
           </a:bodyPr>
           <a:lstStyle/>
           <a:p>
-            <a:pPr indent="-342900" lvl="0" marL="457200" rtl="0" algn="l">
+            <a:pPr marL="457200" lvl="0" indent="-342900" algn="l" rtl="0">
               <a:spcBef>
                 <a:spcPts val="0"/>
               </a:spcBef>
@@ -9128,7 +9338,7 @@
             <a:endParaRPr/>
           </a:p>
           <a:p>
-            <a:pPr indent="-342900" lvl="0" marL="457200" rtl="0" algn="l">
+            <a:pPr marL="457200" lvl="0" indent="-342900" algn="l" rtl="0">
               <a:spcBef>
                 <a:spcPts val="0"/>
               </a:spcBef>
@@ -9145,7 +9355,7 @@
             <a:endParaRPr/>
           </a:p>
           <a:p>
-            <a:pPr indent="-342900" lvl="0" marL="457200" rtl="0" algn="l">
+            <a:pPr marL="457200" lvl="0" indent="-342900" algn="l" rtl="0">
               <a:spcBef>
                 <a:spcPts val="0"/>
               </a:spcBef>
@@ -9162,7 +9372,7 @@
             <a:endParaRPr/>
           </a:p>
           <a:p>
-            <a:pPr indent="-342900" lvl="0" marL="457200" rtl="0" algn="l">
+            <a:pPr marL="457200" lvl="0" indent="-342900" algn="l" rtl="0">
               <a:spcBef>
                 <a:spcPts val="0"/>
               </a:spcBef>
@@ -9193,29 +9403,29 @@
           </a:xfrm>
           <a:prstGeom prst="roundRect">
             <a:avLst>
-              <a:gd fmla="val 16667" name="adj"/>
+              <a:gd name="adj" fmla="val 16667"/>
             </a:avLst>
           </a:prstGeom>
           <a:solidFill>
             <a:schemeClr val="lt2"/>
           </a:solidFill>
-          <a:ln cap="flat" cmpd="sng" w="9525">
+          <a:ln w="9525" cap="flat" cmpd="sng">
             <a:solidFill>
               <a:schemeClr val="dk2"/>
             </a:solidFill>
             <a:prstDash val="solid"/>
             <a:round/>
-            <a:headEnd len="sm" w="sm" type="none"/>
-            <a:tailEnd len="sm" w="sm" type="none"/>
+            <a:headEnd type="none" w="sm" len="sm"/>
+            <a:tailEnd type="none" w="sm" len="sm"/>
           </a:ln>
         </p:spPr>
         <p:txBody>
-          <a:bodyPr anchorCtr="0" anchor="ctr" bIns="91425" lIns="91425" spcFirstLastPara="1" rIns="91425" wrap="square" tIns="91425">
+          <a:bodyPr spcFirstLastPara="1" wrap="square" lIns="91425" tIns="91425" rIns="91425" bIns="91425" anchor="ctr" anchorCtr="0">
             <a:noAutofit/>
           </a:bodyPr>
           <a:lstStyle/>
           <a:p>
-            <a:pPr indent="0" lvl="0" marL="0" rtl="0" algn="ctr">
+            <a:pPr marL="0" lvl="0" indent="0" algn="ctr" rtl="0">
               <a:spcBef>
                 <a:spcPts val="0"/>
               </a:spcBef>
@@ -9245,29 +9455,29 @@
           </a:xfrm>
           <a:prstGeom prst="roundRect">
             <a:avLst>
-              <a:gd fmla="val 16667" name="adj"/>
+              <a:gd name="adj" fmla="val 16667"/>
             </a:avLst>
           </a:prstGeom>
           <a:solidFill>
             <a:schemeClr val="lt2"/>
           </a:solidFill>
-          <a:ln cap="flat" cmpd="sng" w="9525">
+          <a:ln w="9525" cap="flat" cmpd="sng">
             <a:solidFill>
               <a:schemeClr val="dk2"/>
             </a:solidFill>
             <a:prstDash val="solid"/>
             <a:round/>
-            <a:headEnd len="sm" w="sm" type="none"/>
-            <a:tailEnd len="sm" w="sm" type="none"/>
+            <a:headEnd type="none" w="sm" len="sm"/>
+            <a:tailEnd type="none" w="sm" len="sm"/>
           </a:ln>
         </p:spPr>
         <p:txBody>
-          <a:bodyPr anchorCtr="0" anchor="ctr" bIns="91425" lIns="91425" spcFirstLastPara="1" rIns="91425" wrap="square" tIns="91425">
+          <a:bodyPr spcFirstLastPara="1" wrap="square" lIns="91425" tIns="91425" rIns="91425" bIns="91425" anchor="ctr" anchorCtr="0">
             <a:noAutofit/>
           </a:bodyPr>
           <a:lstStyle/>
           <a:p>
-            <a:pPr indent="0" lvl="0" marL="0" rtl="0" algn="ctr">
+            <a:pPr marL="0" lvl="0" indent="0" algn="ctr" rtl="0">
               <a:spcBef>
                 <a:spcPts val="0"/>
               </a:spcBef>
@@ -9297,29 +9507,29 @@
           </a:xfrm>
           <a:prstGeom prst="roundRect">
             <a:avLst>
-              <a:gd fmla="val 16667" name="adj"/>
+              <a:gd name="adj" fmla="val 16667"/>
             </a:avLst>
           </a:prstGeom>
           <a:solidFill>
             <a:schemeClr val="lt2"/>
           </a:solidFill>
-          <a:ln cap="flat" cmpd="sng" w="9525">
+          <a:ln w="9525" cap="flat" cmpd="sng">
             <a:solidFill>
               <a:schemeClr val="dk2"/>
             </a:solidFill>
             <a:prstDash val="solid"/>
             <a:round/>
-            <a:headEnd len="sm" w="sm" type="none"/>
-            <a:tailEnd len="sm" w="sm" type="none"/>
+            <a:headEnd type="none" w="sm" len="sm"/>
+            <a:tailEnd type="none" w="sm" len="sm"/>
           </a:ln>
         </p:spPr>
         <p:txBody>
-          <a:bodyPr anchorCtr="0" anchor="ctr" bIns="91425" lIns="91425" spcFirstLastPara="1" rIns="91425" wrap="square" tIns="91425">
+          <a:bodyPr spcFirstLastPara="1" wrap="square" lIns="91425" tIns="91425" rIns="91425" bIns="91425" anchor="ctr" anchorCtr="0">
             <a:noAutofit/>
           </a:bodyPr>
           <a:lstStyle/>
           <a:p>
-            <a:pPr indent="0" lvl="0" marL="0" rtl="0" algn="ctr">
+            <a:pPr marL="0" lvl="0" indent="0" algn="ctr" rtl="0">
               <a:spcBef>
                 <a:spcPts val="0"/>
               </a:spcBef>
@@ -9349,29 +9559,29 @@
           </a:xfrm>
           <a:prstGeom prst="roundRect">
             <a:avLst>
-              <a:gd fmla="val 16667" name="adj"/>
+              <a:gd name="adj" fmla="val 16667"/>
             </a:avLst>
           </a:prstGeom>
           <a:solidFill>
             <a:schemeClr val="lt2"/>
           </a:solidFill>
-          <a:ln cap="flat" cmpd="sng" w="9525">
+          <a:ln w="9525" cap="flat" cmpd="sng">
             <a:solidFill>
               <a:schemeClr val="dk2"/>
             </a:solidFill>
             <a:prstDash val="solid"/>
             <a:round/>
-            <a:headEnd len="sm" w="sm" type="none"/>
-            <a:tailEnd len="sm" w="sm" type="none"/>
+            <a:headEnd type="none" w="sm" len="sm"/>
+            <a:tailEnd type="none" w="sm" len="sm"/>
           </a:ln>
         </p:spPr>
         <p:txBody>
-          <a:bodyPr anchorCtr="0" anchor="ctr" bIns="91425" lIns="91425" spcFirstLastPara="1" rIns="91425" wrap="square" tIns="91425">
+          <a:bodyPr spcFirstLastPara="1" wrap="square" lIns="91425" tIns="91425" rIns="91425" bIns="91425" anchor="ctr" anchorCtr="0">
             <a:noAutofit/>
           </a:bodyPr>
           <a:lstStyle/>
           <a:p>
-            <a:pPr indent="0" lvl="0" marL="0" rtl="0" algn="ctr">
+            <a:pPr marL="0" lvl="0" indent="0" algn="ctr" rtl="0">
               <a:spcBef>
                 <a:spcPts val="0"/>
               </a:spcBef>
@@ -9401,29 +9611,29 @@
           </a:xfrm>
           <a:prstGeom prst="roundRect">
             <a:avLst>
-              <a:gd fmla="val 16667" name="adj"/>
+              <a:gd name="adj" fmla="val 16667"/>
             </a:avLst>
           </a:prstGeom>
           <a:solidFill>
             <a:schemeClr val="lt2"/>
           </a:solidFill>
-          <a:ln cap="flat" cmpd="sng" w="9525">
+          <a:ln w="9525" cap="flat" cmpd="sng">
             <a:solidFill>
               <a:schemeClr val="dk2"/>
             </a:solidFill>
             <a:prstDash val="solid"/>
             <a:round/>
-            <a:headEnd len="sm" w="sm" type="none"/>
-            <a:tailEnd len="sm" w="sm" type="none"/>
+            <a:headEnd type="none" w="sm" len="sm"/>
+            <a:tailEnd type="none" w="sm" len="sm"/>
           </a:ln>
         </p:spPr>
         <p:txBody>
-          <a:bodyPr anchorCtr="0" anchor="ctr" bIns="91425" lIns="91425" spcFirstLastPara="1" rIns="91425" wrap="square" tIns="91425">
+          <a:bodyPr spcFirstLastPara="1" wrap="square" lIns="91425" tIns="91425" rIns="91425" bIns="91425" anchor="ctr" anchorCtr="0">
             <a:noAutofit/>
           </a:bodyPr>
           <a:lstStyle/>
           <a:p>
-            <a:pPr indent="0" lvl="0" marL="0" rtl="0" algn="ctr">
+            <a:pPr marL="0" lvl="0" indent="0" algn="ctr" rtl="0">
               <a:spcBef>
                 <a:spcPts val="0"/>
               </a:spcBef>
@@ -9458,14 +9668,14 @@
             <a:avLst/>
           </a:prstGeom>
           <a:noFill/>
-          <a:ln cap="flat" cmpd="sng" w="9525">
+          <a:ln w="9525" cap="flat" cmpd="sng">
             <a:solidFill>
               <a:schemeClr val="dk2"/>
             </a:solidFill>
             <a:prstDash val="solid"/>
             <a:round/>
-            <a:headEnd len="med" w="med" type="none"/>
-            <a:tailEnd len="med" w="med" type="none"/>
+            <a:headEnd type="none" w="med" len="med"/>
+            <a:tailEnd type="none" w="med" len="med"/>
           </a:ln>
         </p:spPr>
       </p:cxnSp>
@@ -9487,14 +9697,14 @@
             <a:avLst/>
           </a:prstGeom>
           <a:noFill/>
-          <a:ln cap="flat" cmpd="sng" w="9525">
+          <a:ln w="9525" cap="flat" cmpd="sng">
             <a:solidFill>
               <a:schemeClr val="dk2"/>
             </a:solidFill>
             <a:prstDash val="solid"/>
             <a:round/>
-            <a:headEnd len="med" w="med" type="none"/>
-            <a:tailEnd len="med" w="med" type="none"/>
+            <a:headEnd type="none" w="med" len="med"/>
+            <a:tailEnd type="none" w="med" len="med"/>
           </a:ln>
         </p:spPr>
       </p:cxnSp>
@@ -9511,29 +9721,29 @@
           </a:xfrm>
           <a:prstGeom prst="roundRect">
             <a:avLst>
-              <a:gd fmla="val 16667" name="adj"/>
+              <a:gd name="adj" fmla="val 16667"/>
             </a:avLst>
           </a:prstGeom>
           <a:solidFill>
             <a:schemeClr val="lt2"/>
           </a:solidFill>
-          <a:ln cap="flat" cmpd="sng" w="9525">
+          <a:ln w="9525" cap="flat" cmpd="sng">
             <a:solidFill>
               <a:schemeClr val="dk2"/>
             </a:solidFill>
             <a:prstDash val="solid"/>
             <a:round/>
-            <a:headEnd len="sm" w="sm" type="none"/>
-            <a:tailEnd len="sm" w="sm" type="none"/>
+            <a:headEnd type="none" w="sm" len="sm"/>
+            <a:tailEnd type="none" w="sm" len="sm"/>
           </a:ln>
         </p:spPr>
         <p:txBody>
-          <a:bodyPr anchorCtr="0" anchor="ctr" bIns="91425" lIns="91425" spcFirstLastPara="1" rIns="91425" wrap="square" tIns="91425">
+          <a:bodyPr spcFirstLastPara="1" wrap="square" lIns="91425" tIns="91425" rIns="91425" bIns="91425" anchor="ctr" anchorCtr="0">
             <a:noAutofit/>
           </a:bodyPr>
           <a:lstStyle/>
           <a:p>
-            <a:pPr indent="0" lvl="0" marL="0" rtl="0" algn="ctr">
+            <a:pPr marL="0" lvl="0" indent="0" algn="ctr" rtl="0">
               <a:spcBef>
                 <a:spcPts val="0"/>
               </a:spcBef>
@@ -9560,7 +9770,7 @@
           <p:nvPr/>
         </p:nvCxnSpPr>
         <p:spPr>
-          <a:xfrm flipH="1" rot="10800000">
+          <a:xfrm rot="10800000" flipH="1">
             <a:off x="3774300" y="3709500"/>
             <a:ext cx="1280700" cy="786000"/>
           </a:xfrm>
@@ -9568,14 +9778,14 @@
             <a:avLst/>
           </a:prstGeom>
           <a:noFill/>
-          <a:ln cap="flat" cmpd="sng" w="9525">
+          <a:ln w="9525" cap="flat" cmpd="sng">
             <a:solidFill>
               <a:schemeClr val="dk2"/>
             </a:solidFill>
             <a:prstDash val="solid"/>
             <a:round/>
-            <a:headEnd len="med" w="med" type="none"/>
-            <a:tailEnd len="med" w="med" type="none"/>
+            <a:headEnd type="none" w="med" len="med"/>
+            <a:tailEnd type="none" w="med" len="med"/>
           </a:ln>
         </p:spPr>
       </p:cxnSp>
@@ -9597,14 +9807,14 @@
             <a:avLst/>
           </a:prstGeom>
           <a:noFill/>
-          <a:ln cap="flat" cmpd="sng" w="9525">
+          <a:ln w="9525" cap="flat" cmpd="sng">
             <a:solidFill>
               <a:schemeClr val="dk2"/>
             </a:solidFill>
             <a:prstDash val="solid"/>
             <a:round/>
-            <a:headEnd len="med" w="med" type="none"/>
-            <a:tailEnd len="med" w="med" type="none"/>
+            <a:headEnd type="none" w="med" len="med"/>
+            <a:tailEnd type="none" w="med" len="med"/>
           </a:ln>
         </p:spPr>
       </p:cxnSp>
@@ -9621,29 +9831,29 @@
           </a:xfrm>
           <a:prstGeom prst="roundRect">
             <a:avLst>
-              <a:gd fmla="val 16667" name="adj"/>
+              <a:gd name="adj" fmla="val 16667"/>
             </a:avLst>
           </a:prstGeom>
           <a:solidFill>
             <a:schemeClr val="lt2"/>
           </a:solidFill>
-          <a:ln cap="flat" cmpd="sng" w="9525">
+          <a:ln w="9525" cap="flat" cmpd="sng">
             <a:solidFill>
               <a:schemeClr val="dk2"/>
             </a:solidFill>
             <a:prstDash val="solid"/>
             <a:round/>
-            <a:headEnd len="sm" w="sm" type="none"/>
-            <a:tailEnd len="sm" w="sm" type="none"/>
+            <a:headEnd type="none" w="sm" len="sm"/>
+            <a:tailEnd type="none" w="sm" len="sm"/>
           </a:ln>
         </p:spPr>
         <p:txBody>
-          <a:bodyPr anchorCtr="0" anchor="ctr" bIns="91425" lIns="91425" spcFirstLastPara="1" rIns="91425" wrap="square" tIns="91425">
+          <a:bodyPr spcFirstLastPara="1" wrap="square" lIns="91425" tIns="91425" rIns="91425" bIns="91425" anchor="ctr" anchorCtr="0">
             <a:noAutofit/>
           </a:bodyPr>
           <a:lstStyle/>
           <a:p>
-            <a:pPr indent="0" lvl="0" marL="0" rtl="0" algn="ctr">
+            <a:pPr marL="0" lvl="0" indent="0" algn="ctr" rtl="0">
               <a:spcBef>
                 <a:spcPts val="0"/>
               </a:spcBef>
@@ -9678,14 +9888,14 @@
             <a:avLst/>
           </a:prstGeom>
           <a:noFill/>
-          <a:ln cap="flat" cmpd="sng" w="9525">
+          <a:ln w="9525" cap="flat" cmpd="sng">
             <a:solidFill>
               <a:schemeClr val="dk2"/>
             </a:solidFill>
             <a:prstDash val="solid"/>
             <a:round/>
-            <a:headEnd len="med" w="med" type="none"/>
-            <a:tailEnd len="med" w="med" type="none"/>
+            <a:headEnd type="none" w="med" len="med"/>
+            <a:tailEnd type="none" w="med" len="med"/>
           </a:ln>
         </p:spPr>
       </p:cxnSp>
@@ -9707,14 +9917,14 @@
             <a:avLst/>
           </a:prstGeom>
           <a:noFill/>
-          <a:ln cap="flat" cmpd="sng" w="9525">
+          <a:ln w="9525" cap="flat" cmpd="sng">
             <a:solidFill>
               <a:schemeClr val="dk2"/>
             </a:solidFill>
             <a:prstDash val="solid"/>
             <a:round/>
-            <a:headEnd len="med" w="med" type="none"/>
-            <a:tailEnd len="med" w="med" type="none"/>
+            <a:headEnd type="none" w="med" len="med"/>
+            <a:tailEnd type="none" w="med" len="med"/>
           </a:ln>
         </p:spPr>
       </p:cxnSp>
@@ -9894,32 +10104,32 @@
   <p:timing>
     <p:tnLst>
       <p:par>
-        <p:cTn dur="indefinite" nodeType="tmRoot" restart="never">
+        <p:cTn id="1" dur="indefinite" restart="never" nodeType="tmRoot">
           <p:childTnLst>
             <p:seq concurrent="1" nextAc="seek">
-              <p:cTn dur="indefinite" id="2" nodeType="mainSeq">
+              <p:cTn id="2" dur="indefinite" nodeType="mainSeq">
                 <p:childTnLst>
                   <p:par>
-                    <p:cTn fill="hold">
+                    <p:cTn id="3" fill="hold">
                       <p:stCondLst>
                         <p:cond delay="indefinite"/>
                       </p:stCondLst>
                       <p:childTnLst>
                         <p:par>
-                          <p:cTn fill="hold">
+                          <p:cTn id="4" fill="hold">
                             <p:stCondLst>
                               <p:cond delay="0"/>
                             </p:stCondLst>
                             <p:childTnLst>
                               <p:par>
-                                <p:cTn fill="hold" nodeType="clickEffect" presetClass="entr" presetID="1" presetSubtype="0">
+                                <p:cTn id="5" presetID="1" presetClass="entr" presetSubtype="0" fill="hold" nodeType="clickEffect">
                                   <p:stCondLst>
                                     <p:cond delay="0"/>
                                   </p:stCondLst>
                                   <p:childTnLst>
                                     <p:set>
                                       <p:cBhvr>
-                                        <p:cTn dur="1" fill="hold">
+                                        <p:cTn id="6" dur="1" fill="hold">
                                           <p:stCondLst>
                                             <p:cond delay="0"/>
                                           </p:stCondLst>
@@ -9945,26 +10155,26 @@
                     </p:cTn>
                   </p:par>
                   <p:par>
-                    <p:cTn fill="hold">
+                    <p:cTn id="7" fill="hold">
                       <p:stCondLst>
                         <p:cond delay="indefinite"/>
                       </p:stCondLst>
                       <p:childTnLst>
                         <p:par>
-                          <p:cTn fill="hold">
+                          <p:cTn id="8" fill="hold">
                             <p:stCondLst>
                               <p:cond delay="0"/>
                             </p:stCondLst>
                             <p:childTnLst>
                               <p:par>
-                                <p:cTn fill="hold" nodeType="clickEffect" presetClass="entr" presetID="1" presetSubtype="0">
+                                <p:cTn id="9" presetID="1" presetClass="entr" presetSubtype="0" fill="hold" nodeType="clickEffect">
                                   <p:stCondLst>
                                     <p:cond delay="0"/>
                                   </p:stCondLst>
                                   <p:childTnLst>
                                     <p:set>
                                       <p:cBhvr>
-                                        <p:cTn dur="1" fill="hold">
+                                        <p:cTn id="10" dur="1" fill="hold">
                                           <p:stCondLst>
                                             <p:cond delay="0"/>
                                           </p:stCondLst>
@@ -9990,26 +10200,26 @@
                     </p:cTn>
                   </p:par>
                   <p:par>
-                    <p:cTn fill="hold">
+                    <p:cTn id="11" fill="hold">
                       <p:stCondLst>
                         <p:cond delay="indefinite"/>
                       </p:stCondLst>
                       <p:childTnLst>
                         <p:par>
-                          <p:cTn fill="hold">
+                          <p:cTn id="12" fill="hold">
                             <p:stCondLst>
                               <p:cond delay="0"/>
                             </p:stCondLst>
                             <p:childTnLst>
                               <p:par>
-                                <p:cTn fill="hold" nodeType="clickEffect" presetClass="entr" presetID="1" presetSubtype="0">
+                                <p:cTn id="13" presetID="1" presetClass="entr" presetSubtype="0" fill="hold" nodeType="clickEffect">
                                   <p:stCondLst>
                                     <p:cond delay="0"/>
                                   </p:stCondLst>
                                   <p:childTnLst>
                                     <p:set>
                                       <p:cBhvr>
-                                        <p:cTn dur="1" fill="hold">
+                                        <p:cTn id="14" dur="1" fill="hold">
                                           <p:stCondLst>
                                             <p:cond delay="0"/>
                                           </p:stCondLst>
@@ -10035,26 +10245,26 @@
                     </p:cTn>
                   </p:par>
                   <p:par>
-                    <p:cTn fill="hold">
+                    <p:cTn id="15" fill="hold">
                       <p:stCondLst>
                         <p:cond delay="indefinite"/>
                       </p:stCondLst>
                       <p:childTnLst>
                         <p:par>
-                          <p:cTn fill="hold">
+                          <p:cTn id="16" fill="hold">
                             <p:stCondLst>
                               <p:cond delay="0"/>
                             </p:stCondLst>
                             <p:childTnLst>
                               <p:par>
-                                <p:cTn fill="hold" nodeType="clickEffect" presetClass="entr" presetID="1" presetSubtype="0">
+                                <p:cTn id="17" presetID="1" presetClass="entr" presetSubtype="0" fill="hold" nodeType="clickEffect">
                                   <p:stCondLst>
                                     <p:cond delay="0"/>
                                   </p:stCondLst>
                                   <p:childTnLst>
                                     <p:set>
                                       <p:cBhvr>
-                                        <p:cTn dur="1" fill="hold">
+                                        <p:cTn id="18" dur="1" fill="hold">
                                           <p:stCondLst>
                                             <p:cond delay="0"/>
                                           </p:stCondLst>
@@ -10080,26 +10290,26 @@
                     </p:cTn>
                   </p:par>
                   <p:par>
-                    <p:cTn fill="hold">
+                    <p:cTn id="19" fill="hold">
                       <p:stCondLst>
                         <p:cond delay="indefinite"/>
                       </p:stCondLst>
                       <p:childTnLst>
                         <p:par>
-                          <p:cTn fill="hold">
+                          <p:cTn id="20" fill="hold">
                             <p:stCondLst>
                               <p:cond delay="0"/>
                             </p:stCondLst>
                             <p:childTnLst>
                               <p:par>
-                                <p:cTn fill="hold" nodeType="clickEffect" presetClass="entr" presetID="1" presetSubtype="0">
+                                <p:cTn id="21" presetID="1" presetClass="entr" presetSubtype="0" fill="hold" nodeType="clickEffect">
                                   <p:stCondLst>
                                     <p:cond delay="0"/>
                                   </p:stCondLst>
                                   <p:childTnLst>
                                     <p:set>
                                       <p:cBhvr>
-                                        <p:cTn dur="1" fill="hold">
+                                        <p:cTn id="22" dur="1" fill="hold">
                                           <p:stCondLst>
                                             <p:cond delay="0"/>
                                           </p:stCondLst>
@@ -10125,26 +10335,26 @@
                     </p:cTn>
                   </p:par>
                   <p:par>
-                    <p:cTn fill="hold">
+                    <p:cTn id="23" fill="hold">
                       <p:stCondLst>
                         <p:cond delay="indefinite"/>
                       </p:stCondLst>
                       <p:childTnLst>
                         <p:par>
-                          <p:cTn fill="hold">
+                          <p:cTn id="24" fill="hold">
                             <p:stCondLst>
                               <p:cond delay="0"/>
                             </p:stCondLst>
                             <p:childTnLst>
                               <p:par>
-                                <p:cTn fill="hold" nodeType="clickEffect" presetClass="entr" presetID="1" presetSubtype="0">
+                                <p:cTn id="25" presetID="1" presetClass="entr" presetSubtype="0" fill="hold" nodeType="clickEffect">
                                   <p:stCondLst>
                                     <p:cond delay="0"/>
                                   </p:stCondLst>
                                   <p:childTnLst>
                                     <p:set>
                                       <p:cBhvr>
-                                        <p:cTn dur="1" fill="hold">
+                                        <p:cTn id="26" dur="1" fill="hold">
                                           <p:stCondLst>
                                             <p:cond delay="0"/>
                                           </p:stCondLst>
@@ -10172,14 +10382,14 @@
                 </p:childTnLst>
               </p:cTn>
               <p:prevCondLst>
-                <p:cond evt="onPrev">
+                <p:cond evt="onPrev" delay="0">
                   <p:tgtEl>
                     <p:sldTgt/>
                   </p:tgtEl>
                 </p:cond>
               </p:prevCondLst>
               <p:nextCondLst>
-                <p:cond evt="onNext">
+                <p:cond evt="onNext" delay="0">
                   <p:tgtEl>
                     <p:sldTgt/>
                   </p:tgtEl>
@@ -10195,11 +10405,11 @@
 </file>
 
 <file path=ppt/slides/slide14.xml><?xml version="1.0" encoding="utf-8"?>
-<p:sld xmlns:a="http://schemas.openxmlformats.org/drawingml/2006/main" xmlns:r="http://schemas.openxmlformats.org/officeDocument/2006/relationships" xmlns:mc="http://schemas.openxmlformats.org/markup-compatibility/2006" xmlns:mv="urn:schemas-microsoft-com:mac:vml" xmlns:p="http://schemas.openxmlformats.org/presentationml/2006/main" xmlns:c="http://schemas.openxmlformats.org/drawingml/2006/chart" xmlns:dgm="http://schemas.openxmlformats.org/drawingml/2006/diagram" xmlns:o="urn:schemas-microsoft-com:office:office" xmlns:v="urn:schemas-microsoft-com:vml" xmlns:pvml="urn:schemas-microsoft-com:office:powerpoint" xmlns:com="http://schemas.openxmlformats.org/drawingml/2006/compatibility" xmlns:p14="http://schemas.microsoft.com/office/powerpoint/2010/main" xmlns:p15="http://schemas.microsoft.com/office/powerpoint/2012/main" xmlns:ahyp="http://schemas.microsoft.com/office/drawing/2018/hyperlinkcolor">
+<p:sld xmlns:a="http://schemas.openxmlformats.org/drawingml/2006/main" xmlns:r="http://schemas.openxmlformats.org/officeDocument/2006/relationships" xmlns:p="http://schemas.openxmlformats.org/presentationml/2006/main">
   <p:cSld>
     <p:spTree>
       <p:nvGrpSpPr>
-        <p:cNvPr id="187" name="Shape 187"/>
+        <p:cNvPr id="1" name="Shape 187"/>
         <p:cNvGrpSpPr/>
         <p:nvPr/>
       </p:nvGrpSpPr>
@@ -10214,7 +10424,9 @@
       <p:sp>
         <p:nvSpPr>
           <p:cNvPr id="188" name="Google Shape;188;p26"/>
-          <p:cNvSpPr txBox="1"/>
+          <p:cNvSpPr txBox="1">
+            <a:spLocks noGrp="1"/>
+          </p:cNvSpPr>
           <p:nvPr>
             <p:ph type="title"/>
           </p:nvPr>
@@ -10229,12 +10441,12 @@
           </a:prstGeom>
         </p:spPr>
         <p:txBody>
-          <a:bodyPr anchorCtr="0" anchor="t" bIns="91425" lIns="91425" spcFirstLastPara="1" rIns="91425" wrap="square" tIns="91425">
+          <a:bodyPr spcFirstLastPara="1" wrap="square" lIns="91425" tIns="91425" rIns="91425" bIns="91425" anchor="t" anchorCtr="0">
             <a:normAutofit fontScale="90000"/>
           </a:bodyPr>
           <a:lstStyle/>
           <a:p>
-            <a:pPr indent="0" lvl="0" marL="0" rtl="0" algn="l">
+            <a:pPr marL="0" lvl="0" indent="0" algn="l" rtl="0">
               <a:spcBef>
                 <a:spcPts val="0"/>
               </a:spcBef>
@@ -10254,9 +10466,11 @@
       <p:sp>
         <p:nvSpPr>
           <p:cNvPr id="189" name="Google Shape;189;p26"/>
-          <p:cNvSpPr txBox="1"/>
+          <p:cNvSpPr txBox="1">
+            <a:spLocks noGrp="1"/>
+          </p:cNvSpPr>
           <p:nvPr>
-            <p:ph idx="1" type="body"/>
+            <p:ph type="body" idx="1"/>
           </p:nvPr>
         </p:nvSpPr>
         <p:spPr>
@@ -10269,12 +10483,12 @@
           </a:prstGeom>
         </p:spPr>
         <p:txBody>
-          <a:bodyPr anchorCtr="0" anchor="t" bIns="91425" lIns="91425" spcFirstLastPara="1" rIns="91425" wrap="square" tIns="91425">
+          <a:bodyPr spcFirstLastPara="1" wrap="square" lIns="91425" tIns="91425" rIns="91425" bIns="91425" anchor="t" anchorCtr="0">
             <a:normAutofit/>
           </a:bodyPr>
           <a:lstStyle/>
           <a:p>
-            <a:pPr indent="-342900" lvl="0" marL="457200" rtl="0" algn="l">
+            <a:pPr marL="457200" lvl="0" indent="-342900" algn="l" rtl="0">
               <a:spcBef>
                 <a:spcPts val="0"/>
               </a:spcBef>
@@ -10291,7 +10505,7 @@
             <a:endParaRPr/>
           </a:p>
           <a:p>
-            <a:pPr indent="-342900" lvl="0" marL="457200" rtl="0" algn="l">
+            <a:pPr marL="457200" lvl="0" indent="-342900" algn="l" rtl="0">
               <a:spcBef>
                 <a:spcPts val="0"/>
               </a:spcBef>
@@ -10308,7 +10522,7 @@
             <a:endParaRPr/>
           </a:p>
           <a:p>
-            <a:pPr indent="-342900" lvl="0" marL="457200" rtl="0" algn="l">
+            <a:pPr marL="457200" lvl="0" indent="-342900" algn="l" rtl="0">
               <a:spcBef>
                 <a:spcPts val="0"/>
               </a:spcBef>
@@ -10325,7 +10539,7 @@
             <a:endParaRPr/>
           </a:p>
           <a:p>
-            <a:pPr indent="-342900" lvl="0" marL="457200" rtl="0" algn="l">
+            <a:pPr marL="457200" lvl="0" indent="-342900" algn="l" rtl="0">
               <a:spcBef>
                 <a:spcPts val="0"/>
               </a:spcBef>
@@ -10342,7 +10556,7 @@
             <a:endParaRPr/>
           </a:p>
           <a:p>
-            <a:pPr indent="-342900" lvl="0" marL="457200" rtl="0" algn="l">
+            <a:pPr marL="457200" lvl="0" indent="-342900" algn="l" rtl="0">
               <a:spcBef>
                 <a:spcPts val="0"/>
               </a:spcBef>
@@ -10354,23 +10568,7 @@
             </a:pPr>
             <a:r>
               <a:rPr lang="nl"/>
-              <a:t>Stap 4) Elke letter heeft een code: A </a:t>
-            </a:r>
-            <a:r>
-              <a:rPr lang="nl"/>
-              <a:t>→</a:t>
-            </a:r>
-            <a:r>
-              <a:rPr lang="nl"/>
-              <a:t> 0, B</a:t>
-            </a:r>
-            <a:r>
-              <a:rPr lang="nl"/>
-              <a:t> → 10, C → 110 en D → 111</a:t>
-            </a:r>
-            <a:r>
-              <a:rPr lang="nl"/>
-              <a:t> </a:t>
+              <a:t>Stap 4) Elke letter heeft een code: A → 0, B → 10, C → 110 en D → 111 </a:t>
             </a:r>
             <a:endParaRPr/>
           </a:p>
@@ -10389,29 +10587,29 @@
           </a:xfrm>
           <a:prstGeom prst="roundRect">
             <a:avLst>
-              <a:gd fmla="val 16667" name="adj"/>
+              <a:gd name="adj" fmla="val 16667"/>
             </a:avLst>
           </a:prstGeom>
           <a:solidFill>
             <a:schemeClr val="lt2"/>
           </a:solidFill>
-          <a:ln cap="flat" cmpd="sng" w="9525">
+          <a:ln w="9525" cap="flat" cmpd="sng">
             <a:solidFill>
               <a:schemeClr val="dk2"/>
             </a:solidFill>
             <a:prstDash val="solid"/>
             <a:round/>
-            <a:headEnd len="sm" w="sm" type="none"/>
-            <a:tailEnd len="sm" w="sm" type="none"/>
+            <a:headEnd type="none" w="sm" len="sm"/>
+            <a:tailEnd type="none" w="sm" len="sm"/>
           </a:ln>
         </p:spPr>
         <p:txBody>
-          <a:bodyPr anchorCtr="0" anchor="ctr" bIns="91425" lIns="91425" spcFirstLastPara="1" rIns="91425" wrap="square" tIns="91425">
+          <a:bodyPr spcFirstLastPara="1" wrap="square" lIns="91425" tIns="91425" rIns="91425" bIns="91425" anchor="ctr" anchorCtr="0">
             <a:noAutofit/>
           </a:bodyPr>
           <a:lstStyle/>
           <a:p>
-            <a:pPr indent="0" lvl="0" marL="0" rtl="0" algn="ctr">
+            <a:pPr marL="0" lvl="0" indent="0" algn="ctr" rtl="0">
               <a:spcBef>
                 <a:spcPts val="0"/>
               </a:spcBef>
@@ -10441,29 +10639,29 @@
           </a:xfrm>
           <a:prstGeom prst="roundRect">
             <a:avLst>
-              <a:gd fmla="val 16667" name="adj"/>
+              <a:gd name="adj" fmla="val 16667"/>
             </a:avLst>
           </a:prstGeom>
           <a:solidFill>
             <a:schemeClr val="lt2"/>
           </a:solidFill>
-          <a:ln cap="flat" cmpd="sng" w="9525">
+          <a:ln w="9525" cap="flat" cmpd="sng">
             <a:solidFill>
               <a:schemeClr val="dk2"/>
             </a:solidFill>
             <a:prstDash val="solid"/>
             <a:round/>
-            <a:headEnd len="sm" w="sm" type="none"/>
-            <a:tailEnd len="sm" w="sm" type="none"/>
+            <a:headEnd type="none" w="sm" len="sm"/>
+            <a:tailEnd type="none" w="sm" len="sm"/>
           </a:ln>
         </p:spPr>
         <p:txBody>
-          <a:bodyPr anchorCtr="0" anchor="ctr" bIns="91425" lIns="91425" spcFirstLastPara="1" rIns="91425" wrap="square" tIns="91425">
+          <a:bodyPr spcFirstLastPara="1" wrap="square" lIns="91425" tIns="91425" rIns="91425" bIns="91425" anchor="ctr" anchorCtr="0">
             <a:noAutofit/>
           </a:bodyPr>
           <a:lstStyle/>
           <a:p>
-            <a:pPr indent="0" lvl="0" marL="0" rtl="0" algn="ctr">
+            <a:pPr marL="0" lvl="0" indent="0" algn="ctr" rtl="0">
               <a:spcBef>
                 <a:spcPts val="0"/>
               </a:spcBef>
@@ -10493,29 +10691,29 @@
           </a:xfrm>
           <a:prstGeom prst="roundRect">
             <a:avLst>
-              <a:gd fmla="val 16667" name="adj"/>
+              <a:gd name="adj" fmla="val 16667"/>
             </a:avLst>
           </a:prstGeom>
           <a:solidFill>
             <a:schemeClr val="lt2"/>
           </a:solidFill>
-          <a:ln cap="flat" cmpd="sng" w="9525">
+          <a:ln w="9525" cap="flat" cmpd="sng">
             <a:solidFill>
               <a:schemeClr val="dk2"/>
             </a:solidFill>
             <a:prstDash val="solid"/>
             <a:round/>
-            <a:headEnd len="sm" w="sm" type="none"/>
-            <a:tailEnd len="sm" w="sm" type="none"/>
+            <a:headEnd type="none" w="sm" len="sm"/>
+            <a:tailEnd type="none" w="sm" len="sm"/>
           </a:ln>
         </p:spPr>
         <p:txBody>
-          <a:bodyPr anchorCtr="0" anchor="ctr" bIns="91425" lIns="91425" spcFirstLastPara="1" rIns="91425" wrap="square" tIns="91425">
+          <a:bodyPr spcFirstLastPara="1" wrap="square" lIns="91425" tIns="91425" rIns="91425" bIns="91425" anchor="ctr" anchorCtr="0">
             <a:noAutofit/>
           </a:bodyPr>
           <a:lstStyle/>
           <a:p>
-            <a:pPr indent="0" lvl="0" marL="0" rtl="0" algn="ctr">
+            <a:pPr marL="0" lvl="0" indent="0" algn="ctr" rtl="0">
               <a:spcBef>
                 <a:spcPts val="0"/>
               </a:spcBef>
@@ -10545,29 +10743,29 @@
           </a:xfrm>
           <a:prstGeom prst="roundRect">
             <a:avLst>
-              <a:gd fmla="val 16667" name="adj"/>
+              <a:gd name="adj" fmla="val 16667"/>
             </a:avLst>
           </a:prstGeom>
           <a:solidFill>
             <a:schemeClr val="lt2"/>
           </a:solidFill>
-          <a:ln cap="flat" cmpd="sng" w="9525">
+          <a:ln w="9525" cap="flat" cmpd="sng">
             <a:solidFill>
               <a:schemeClr val="dk2"/>
             </a:solidFill>
             <a:prstDash val="solid"/>
             <a:round/>
-            <a:headEnd len="sm" w="sm" type="none"/>
-            <a:tailEnd len="sm" w="sm" type="none"/>
+            <a:headEnd type="none" w="sm" len="sm"/>
+            <a:tailEnd type="none" w="sm" len="sm"/>
           </a:ln>
         </p:spPr>
         <p:txBody>
-          <a:bodyPr anchorCtr="0" anchor="ctr" bIns="91425" lIns="91425" spcFirstLastPara="1" rIns="91425" wrap="square" tIns="91425">
+          <a:bodyPr spcFirstLastPara="1" wrap="square" lIns="91425" tIns="91425" rIns="91425" bIns="91425" anchor="ctr" anchorCtr="0">
             <a:noAutofit/>
           </a:bodyPr>
           <a:lstStyle/>
           <a:p>
-            <a:pPr indent="0" lvl="0" marL="0" rtl="0" algn="ctr">
+            <a:pPr marL="0" lvl="0" indent="0" algn="ctr" rtl="0">
               <a:spcBef>
                 <a:spcPts val="0"/>
               </a:spcBef>
@@ -10597,29 +10795,29 @@
           </a:xfrm>
           <a:prstGeom prst="roundRect">
             <a:avLst>
-              <a:gd fmla="val 16667" name="adj"/>
+              <a:gd name="adj" fmla="val 16667"/>
             </a:avLst>
           </a:prstGeom>
           <a:solidFill>
             <a:schemeClr val="lt2"/>
           </a:solidFill>
-          <a:ln cap="flat" cmpd="sng" w="9525">
+          <a:ln w="9525" cap="flat" cmpd="sng">
             <a:solidFill>
               <a:schemeClr val="dk2"/>
             </a:solidFill>
             <a:prstDash val="solid"/>
             <a:round/>
-            <a:headEnd len="sm" w="sm" type="none"/>
-            <a:tailEnd len="sm" w="sm" type="none"/>
+            <a:headEnd type="none" w="sm" len="sm"/>
+            <a:tailEnd type="none" w="sm" len="sm"/>
           </a:ln>
         </p:spPr>
         <p:txBody>
-          <a:bodyPr anchorCtr="0" anchor="ctr" bIns="91425" lIns="91425" spcFirstLastPara="1" rIns="91425" wrap="square" tIns="91425">
+          <a:bodyPr spcFirstLastPara="1" wrap="square" lIns="91425" tIns="91425" rIns="91425" bIns="91425" anchor="ctr" anchorCtr="0">
             <a:noAutofit/>
           </a:bodyPr>
           <a:lstStyle/>
           <a:p>
-            <a:pPr indent="0" lvl="0" marL="0" rtl="0" algn="ctr">
+            <a:pPr marL="0" lvl="0" indent="0" algn="ctr" rtl="0">
               <a:spcBef>
                 <a:spcPts val="0"/>
               </a:spcBef>
@@ -10654,14 +10852,14 @@
             <a:avLst/>
           </a:prstGeom>
           <a:noFill/>
-          <a:ln cap="flat" cmpd="sng" w="9525">
+          <a:ln w="9525" cap="flat" cmpd="sng">
             <a:solidFill>
               <a:schemeClr val="dk2"/>
             </a:solidFill>
             <a:prstDash val="solid"/>
             <a:round/>
-            <a:headEnd len="med" w="med" type="none"/>
-            <a:tailEnd len="med" w="med" type="none"/>
+            <a:headEnd type="none" w="med" len="med"/>
+            <a:tailEnd type="none" w="med" len="med"/>
           </a:ln>
         </p:spPr>
       </p:cxnSp>
@@ -10683,14 +10881,14 @@
             <a:avLst/>
           </a:prstGeom>
           <a:noFill/>
-          <a:ln cap="flat" cmpd="sng" w="9525">
+          <a:ln w="9525" cap="flat" cmpd="sng">
             <a:solidFill>
               <a:schemeClr val="dk2"/>
             </a:solidFill>
             <a:prstDash val="solid"/>
             <a:round/>
-            <a:headEnd len="med" w="med" type="none"/>
-            <a:tailEnd len="med" w="med" type="none"/>
+            <a:headEnd type="none" w="med" len="med"/>
+            <a:tailEnd type="none" w="med" len="med"/>
           </a:ln>
         </p:spPr>
       </p:cxnSp>
@@ -10707,29 +10905,29 @@
           </a:xfrm>
           <a:prstGeom prst="roundRect">
             <a:avLst>
-              <a:gd fmla="val 16667" name="adj"/>
+              <a:gd name="adj" fmla="val 16667"/>
             </a:avLst>
           </a:prstGeom>
           <a:solidFill>
             <a:schemeClr val="lt2"/>
           </a:solidFill>
-          <a:ln cap="flat" cmpd="sng" w="9525">
+          <a:ln w="9525" cap="flat" cmpd="sng">
             <a:solidFill>
               <a:schemeClr val="dk2"/>
             </a:solidFill>
             <a:prstDash val="solid"/>
             <a:round/>
-            <a:headEnd len="sm" w="sm" type="none"/>
-            <a:tailEnd len="sm" w="sm" type="none"/>
+            <a:headEnd type="none" w="sm" len="sm"/>
+            <a:tailEnd type="none" w="sm" len="sm"/>
           </a:ln>
         </p:spPr>
         <p:txBody>
-          <a:bodyPr anchorCtr="0" anchor="ctr" bIns="91425" lIns="91425" spcFirstLastPara="1" rIns="91425" wrap="square" tIns="91425">
+          <a:bodyPr spcFirstLastPara="1" wrap="square" lIns="91425" tIns="91425" rIns="91425" bIns="91425" anchor="ctr" anchorCtr="0">
             <a:noAutofit/>
           </a:bodyPr>
           <a:lstStyle/>
           <a:p>
-            <a:pPr indent="0" lvl="0" marL="0" rtl="0" algn="ctr">
+            <a:pPr marL="0" lvl="0" indent="0" algn="ctr" rtl="0">
               <a:spcBef>
                 <a:spcPts val="0"/>
               </a:spcBef>
@@ -10756,7 +10954,7 @@
           <p:nvPr/>
         </p:nvCxnSpPr>
         <p:spPr>
-          <a:xfrm flipH="1" rot="10800000">
+          <a:xfrm rot="10800000" flipH="1">
             <a:off x="3774300" y="3709500"/>
             <a:ext cx="1280700" cy="786000"/>
           </a:xfrm>
@@ -10764,14 +10962,14 @@
             <a:avLst/>
           </a:prstGeom>
           <a:noFill/>
-          <a:ln cap="flat" cmpd="sng" w="9525">
+          <a:ln w="9525" cap="flat" cmpd="sng">
             <a:solidFill>
               <a:schemeClr val="dk2"/>
             </a:solidFill>
             <a:prstDash val="solid"/>
             <a:round/>
-            <a:headEnd len="med" w="med" type="none"/>
-            <a:tailEnd len="med" w="med" type="none"/>
+            <a:headEnd type="none" w="med" len="med"/>
+            <a:tailEnd type="none" w="med" len="med"/>
           </a:ln>
         </p:spPr>
       </p:cxnSp>
@@ -10793,14 +10991,14 @@
             <a:avLst/>
           </a:prstGeom>
           <a:noFill/>
-          <a:ln cap="flat" cmpd="sng" w="9525">
+          <a:ln w="9525" cap="flat" cmpd="sng">
             <a:solidFill>
               <a:schemeClr val="dk2"/>
             </a:solidFill>
             <a:prstDash val="solid"/>
             <a:round/>
-            <a:headEnd len="med" w="med" type="none"/>
-            <a:tailEnd len="med" w="med" type="none"/>
+            <a:headEnd type="none" w="med" len="med"/>
+            <a:tailEnd type="none" w="med" len="med"/>
           </a:ln>
         </p:spPr>
       </p:cxnSp>
@@ -10817,29 +11015,29 @@
           </a:xfrm>
           <a:prstGeom prst="roundRect">
             <a:avLst>
-              <a:gd fmla="val 16667" name="adj"/>
+              <a:gd name="adj" fmla="val 16667"/>
             </a:avLst>
           </a:prstGeom>
           <a:solidFill>
             <a:schemeClr val="lt2"/>
           </a:solidFill>
-          <a:ln cap="flat" cmpd="sng" w="9525">
+          <a:ln w="9525" cap="flat" cmpd="sng">
             <a:solidFill>
               <a:schemeClr val="dk2"/>
             </a:solidFill>
             <a:prstDash val="solid"/>
             <a:round/>
-            <a:headEnd len="sm" w="sm" type="none"/>
-            <a:tailEnd len="sm" w="sm" type="none"/>
+            <a:headEnd type="none" w="sm" len="sm"/>
+            <a:tailEnd type="none" w="sm" len="sm"/>
           </a:ln>
         </p:spPr>
         <p:txBody>
-          <a:bodyPr anchorCtr="0" anchor="ctr" bIns="91425" lIns="91425" spcFirstLastPara="1" rIns="91425" wrap="square" tIns="91425">
+          <a:bodyPr spcFirstLastPara="1" wrap="square" lIns="91425" tIns="91425" rIns="91425" bIns="91425" anchor="ctr" anchorCtr="0">
             <a:noAutofit/>
           </a:bodyPr>
           <a:lstStyle/>
           <a:p>
-            <a:pPr indent="0" lvl="0" marL="0" rtl="0" algn="ctr">
+            <a:pPr marL="0" lvl="0" indent="0" algn="ctr" rtl="0">
               <a:spcBef>
                 <a:spcPts val="0"/>
               </a:spcBef>
@@ -10866,7 +11064,7 @@
           <p:nvPr/>
         </p:nvCxnSpPr>
         <p:spPr>
-          <a:xfrm flipH="1" rot="10800000">
+          <a:xfrm rot="10800000" flipH="1">
             <a:off x="3018275" y="3238875"/>
             <a:ext cx="2036700" cy="178500"/>
           </a:xfrm>
@@ -10874,14 +11072,14 @@
             <a:avLst/>
           </a:prstGeom>
           <a:noFill/>
-          <a:ln cap="flat" cmpd="sng" w="9525">
+          <a:ln w="9525" cap="flat" cmpd="sng">
             <a:solidFill>
               <a:schemeClr val="dk2"/>
             </a:solidFill>
             <a:prstDash val="solid"/>
             <a:round/>
-            <a:headEnd len="med" w="med" type="none"/>
-            <a:tailEnd len="med" w="med" type="none"/>
+            <a:headEnd type="none" w="med" len="med"/>
+            <a:tailEnd type="none" w="med" len="med"/>
           </a:ln>
         </p:spPr>
       </p:cxnSp>
@@ -10903,14 +11101,14 @@
             <a:avLst/>
           </a:prstGeom>
           <a:noFill/>
-          <a:ln cap="flat" cmpd="sng" w="9525">
+          <a:ln w="9525" cap="flat" cmpd="sng">
             <a:solidFill>
               <a:schemeClr val="dk2"/>
             </a:solidFill>
             <a:prstDash val="solid"/>
             <a:round/>
-            <a:headEnd len="med" w="med" type="none"/>
-            <a:tailEnd len="med" w="med" type="none"/>
+            <a:headEnd type="none" w="med" len="med"/>
+            <a:tailEnd type="none" w="med" len="med"/>
           </a:ln>
         </p:spPr>
       </p:cxnSp>
@@ -11091,11 +11289,11 @@
 </file>
 
 <file path=ppt/slides/slide15.xml><?xml version="1.0" encoding="utf-8"?>
-<p:sld xmlns:a="http://schemas.openxmlformats.org/drawingml/2006/main" xmlns:r="http://schemas.openxmlformats.org/officeDocument/2006/relationships" xmlns:mc="http://schemas.openxmlformats.org/markup-compatibility/2006" xmlns:mv="urn:schemas-microsoft-com:mac:vml" xmlns:p="http://schemas.openxmlformats.org/presentationml/2006/main" xmlns:c="http://schemas.openxmlformats.org/drawingml/2006/chart" xmlns:dgm="http://schemas.openxmlformats.org/drawingml/2006/diagram" xmlns:o="urn:schemas-microsoft-com:office:office" xmlns:v="urn:schemas-microsoft-com:vml" xmlns:pvml="urn:schemas-microsoft-com:office:powerpoint" xmlns:com="http://schemas.openxmlformats.org/drawingml/2006/compatibility" xmlns:p14="http://schemas.microsoft.com/office/powerpoint/2010/main" xmlns:p15="http://schemas.microsoft.com/office/powerpoint/2012/main" xmlns:ahyp="http://schemas.microsoft.com/office/drawing/2018/hyperlinkcolor">
+<p:sld xmlns:a="http://schemas.openxmlformats.org/drawingml/2006/main" xmlns:r="http://schemas.openxmlformats.org/officeDocument/2006/relationships" xmlns:p="http://schemas.openxmlformats.org/presentationml/2006/main">
   <p:cSld>
     <p:spTree>
       <p:nvGrpSpPr>
-        <p:cNvPr id="212" name="Shape 212"/>
+        <p:cNvPr id="1" name="Shape 212"/>
         <p:cNvGrpSpPr/>
         <p:nvPr/>
       </p:nvGrpSpPr>
@@ -11110,7 +11308,9 @@
       <p:sp>
         <p:nvSpPr>
           <p:cNvPr id="213" name="Google Shape;213;p27"/>
-          <p:cNvSpPr txBox="1"/>
+          <p:cNvSpPr txBox="1">
+            <a:spLocks noGrp="1"/>
+          </p:cNvSpPr>
           <p:nvPr>
             <p:ph type="title"/>
           </p:nvPr>
@@ -11125,12 +11325,12 @@
           </a:prstGeom>
         </p:spPr>
         <p:txBody>
-          <a:bodyPr anchorCtr="0" anchor="t" bIns="91425" lIns="91425" spcFirstLastPara="1" rIns="91425" wrap="square" tIns="91425">
+          <a:bodyPr spcFirstLastPara="1" wrap="square" lIns="91425" tIns="91425" rIns="91425" bIns="91425" anchor="t" anchorCtr="0">
             <a:normAutofit fontScale="90000"/>
           </a:bodyPr>
           <a:lstStyle/>
           <a:p>
-            <a:pPr indent="0" lvl="0" marL="0" rtl="0" algn="l">
+            <a:pPr marL="0" lvl="0" indent="0" algn="l" rtl="0">
               <a:spcBef>
                 <a:spcPts val="0"/>
               </a:spcBef>
@@ -11150,9 +11350,11 @@
       <p:sp>
         <p:nvSpPr>
           <p:cNvPr id="214" name="Google Shape;214;p27"/>
-          <p:cNvSpPr txBox="1"/>
+          <p:cNvSpPr txBox="1">
+            <a:spLocks noGrp="1"/>
+          </p:cNvSpPr>
           <p:nvPr>
-            <p:ph idx="1" type="body"/>
+            <p:ph type="body" idx="1"/>
           </p:nvPr>
         </p:nvSpPr>
         <p:spPr>
@@ -11165,12 +11367,12 @@
           </a:prstGeom>
         </p:spPr>
         <p:txBody>
-          <a:bodyPr anchorCtr="0" anchor="t" bIns="91425" lIns="91425" spcFirstLastPara="1" rIns="91425" wrap="square" tIns="91425">
+          <a:bodyPr spcFirstLastPara="1" wrap="square" lIns="91425" tIns="91425" rIns="91425" bIns="91425" anchor="t" anchorCtr="0">
             <a:normAutofit/>
           </a:bodyPr>
           <a:lstStyle/>
           <a:p>
-            <a:pPr indent="-342900" lvl="0" marL="457200" rtl="0" algn="l">
+            <a:pPr marL="457200" lvl="0" indent="-342900" algn="l" rtl="0">
               <a:spcBef>
                 <a:spcPts val="0"/>
               </a:spcBef>
@@ -11187,7 +11389,7 @@
             <a:endParaRPr/>
           </a:p>
           <a:p>
-            <a:pPr indent="-342900" lvl="0" marL="457200" rtl="0" algn="l">
+            <a:pPr marL="457200" lvl="0" indent="-342900" algn="l" rtl="0">
               <a:spcBef>
                 <a:spcPts val="0"/>
               </a:spcBef>
@@ -11204,7 +11406,7 @@
             <a:endParaRPr/>
           </a:p>
           <a:p>
-            <a:pPr indent="-342900" lvl="0" marL="457200" rtl="0" algn="l">
+            <a:pPr marL="457200" lvl="0" indent="-342900" algn="l" rtl="0">
               <a:spcBef>
                 <a:spcPts val="0"/>
               </a:spcBef>
@@ -11221,7 +11423,7 @@
             <a:endParaRPr/>
           </a:p>
           <a:p>
-            <a:pPr indent="-342900" lvl="0" marL="457200" rtl="0" algn="l">
+            <a:pPr marL="457200" lvl="0" indent="-342900" algn="l" rtl="0">
               <a:spcBef>
                 <a:spcPts val="0"/>
               </a:spcBef>
@@ -11238,7 +11440,7 @@
             <a:endParaRPr/>
           </a:p>
           <a:p>
-            <a:pPr indent="-342900" lvl="0" marL="457200" rtl="0" algn="l">
+            <a:pPr marL="457200" lvl="0" indent="-342900" algn="l" rtl="0">
               <a:spcBef>
                 <a:spcPts val="0"/>
               </a:spcBef>
@@ -11255,7 +11457,7 @@
             <a:endParaRPr/>
           </a:p>
           <a:p>
-            <a:pPr indent="-342900" lvl="0" marL="457200" rtl="0" algn="l">
+            <a:pPr marL="457200" lvl="0" indent="-342900" algn="l" rtl="0">
               <a:spcBef>
                 <a:spcPts val="0"/>
               </a:spcBef>
@@ -11272,7 +11474,7 @@
             <a:endParaRPr/>
           </a:p>
           <a:p>
-            <a:pPr indent="-317500" lvl="1" marL="914400" rtl="0" algn="l">
+            <a:pPr marL="914400" lvl="1" indent="-317500" algn="l" rtl="0">
               <a:spcBef>
                 <a:spcPts val="0"/>
               </a:spcBef>
@@ -11284,11 +11486,7 @@
             </a:pPr>
             <a:r>
               <a:rPr lang="nl"/>
-              <a:t>0 10 0 0 110 0 111 0 10</a:t>
-            </a:r>
-            <a:r>
-              <a:rPr lang="nl"/>
-              <a:t> → 010001100111010 (15 bits voor 9 letters)</a:t>
+              <a:t>0 10 0 0 110 0 111 0 10 → 010001100111010 (15 bits voor 9 letters)</a:t>
             </a:r>
             <a:br>
               <a:rPr lang="nl"/>
@@ -11296,7 +11494,7 @@
             <a:endParaRPr/>
           </a:p>
           <a:p>
-            <a:pPr indent="-342900" lvl="0" marL="457200" rtl="0" algn="l">
+            <a:pPr marL="457200" lvl="0" indent="-342900" algn="l" rtl="0">
               <a:spcBef>
                 <a:spcPts val="0"/>
               </a:spcBef>
@@ -11313,7 +11511,7 @@
             <a:endParaRPr/>
           </a:p>
           <a:p>
-            <a:pPr indent="-317500" lvl="1" marL="914400" rtl="0" algn="l">
+            <a:pPr marL="914400" lvl="1" indent="-317500" algn="l" rtl="0">
               <a:spcBef>
                 <a:spcPts val="0"/>
               </a:spcBef>
@@ -11330,7 +11528,7 @@
             <a:endParaRPr/>
           </a:p>
           <a:p>
-            <a:pPr indent="-317500" lvl="1" marL="914400" rtl="0" algn="l">
+            <a:pPr marL="914400" lvl="1" indent="-317500" algn="l" rtl="0">
               <a:spcBef>
                 <a:spcPts val="0"/>
               </a:spcBef>
@@ -11357,11 +11555,11 @@
 </file>
 
 <file path=ppt/slides/slide2.xml><?xml version="1.0" encoding="utf-8"?>
-<p:sld xmlns:a="http://schemas.openxmlformats.org/drawingml/2006/main" xmlns:r="http://schemas.openxmlformats.org/officeDocument/2006/relationships" xmlns:mc="http://schemas.openxmlformats.org/markup-compatibility/2006" xmlns:mv="urn:schemas-microsoft-com:mac:vml" xmlns:p="http://schemas.openxmlformats.org/presentationml/2006/main" xmlns:c="http://schemas.openxmlformats.org/drawingml/2006/chart" xmlns:dgm="http://schemas.openxmlformats.org/drawingml/2006/diagram" xmlns:o="urn:schemas-microsoft-com:office:office" xmlns:v="urn:schemas-microsoft-com:vml" xmlns:pvml="urn:schemas-microsoft-com:office:powerpoint" xmlns:com="http://schemas.openxmlformats.org/drawingml/2006/compatibility" xmlns:p14="http://schemas.microsoft.com/office/powerpoint/2010/main" xmlns:p15="http://schemas.microsoft.com/office/powerpoint/2012/main" xmlns:ahyp="http://schemas.microsoft.com/office/drawing/2018/hyperlinkcolor">
+<p:sld xmlns:a="http://schemas.openxmlformats.org/drawingml/2006/main" xmlns:r="http://schemas.openxmlformats.org/officeDocument/2006/relationships" xmlns:p="http://schemas.openxmlformats.org/presentationml/2006/main">
   <p:cSld>
     <p:spTree>
       <p:nvGrpSpPr>
-        <p:cNvPr id="63" name="Shape 63"/>
+        <p:cNvPr id="1" name="Shape 63"/>
         <p:cNvGrpSpPr/>
         <p:nvPr/>
       </p:nvGrpSpPr>
@@ -11376,7 +11574,9 @@
       <p:sp>
         <p:nvSpPr>
           <p:cNvPr id="64" name="Google Shape;64;p14"/>
-          <p:cNvSpPr txBox="1"/>
+          <p:cNvSpPr txBox="1">
+            <a:spLocks noGrp="1"/>
+          </p:cNvSpPr>
           <p:nvPr>
             <p:ph type="title"/>
           </p:nvPr>
@@ -11391,12 +11591,12 @@
           </a:prstGeom>
         </p:spPr>
         <p:txBody>
-          <a:bodyPr anchorCtr="0" anchor="t" bIns="91425" lIns="91425" spcFirstLastPara="1" rIns="91425" wrap="square" tIns="91425">
+          <a:bodyPr spcFirstLastPara="1" wrap="square" lIns="91425" tIns="91425" rIns="91425" bIns="91425" anchor="t" anchorCtr="0">
             <a:normAutofit fontScale="90000"/>
           </a:bodyPr>
           <a:lstStyle/>
           <a:p>
-            <a:pPr indent="0" lvl="0" marL="0" rtl="0" algn="l">
+            <a:pPr marL="0" lvl="0" indent="0" algn="l" rtl="0">
               <a:spcBef>
                 <a:spcPts val="0"/>
               </a:spcBef>
@@ -11416,9 +11616,11 @@
       <p:sp>
         <p:nvSpPr>
           <p:cNvPr id="65" name="Google Shape;65;p14"/>
-          <p:cNvSpPr txBox="1"/>
+          <p:cNvSpPr txBox="1">
+            <a:spLocks noGrp="1"/>
+          </p:cNvSpPr>
           <p:nvPr>
-            <p:ph idx="1" type="body"/>
+            <p:ph type="body" idx="1"/>
           </p:nvPr>
         </p:nvSpPr>
         <p:spPr>
@@ -11431,12 +11633,12 @@
           </a:prstGeom>
         </p:spPr>
         <p:txBody>
-          <a:bodyPr anchorCtr="0" anchor="t" bIns="91425" lIns="91425" spcFirstLastPara="1" rIns="91425" wrap="square" tIns="91425">
+          <a:bodyPr spcFirstLastPara="1" wrap="square" lIns="91425" tIns="91425" rIns="91425" bIns="91425" anchor="t" anchorCtr="0">
             <a:normAutofit/>
           </a:bodyPr>
           <a:lstStyle/>
           <a:p>
-            <a:pPr indent="-342900" lvl="0" marL="457200" rtl="0" algn="l">
+            <a:pPr marL="457200" lvl="0" indent="-342900" algn="l" rtl="0">
               <a:spcBef>
                 <a:spcPts val="0"/>
               </a:spcBef>
@@ -11453,7 +11655,7 @@
             <a:endParaRPr/>
           </a:p>
           <a:p>
-            <a:pPr indent="-317500" lvl="1" marL="914400" rtl="0" algn="l">
+            <a:pPr marL="914400" lvl="1" indent="-317500" algn="l" rtl="0">
               <a:spcBef>
                 <a:spcPts val="0"/>
               </a:spcBef>
@@ -11470,7 +11672,7 @@
             <a:endParaRPr/>
           </a:p>
           <a:p>
-            <a:pPr indent="-317500" lvl="1" marL="914400" rtl="0" algn="l">
+            <a:pPr marL="914400" lvl="1" indent="-317500" algn="l" rtl="0">
               <a:spcBef>
                 <a:spcPts val="0"/>
               </a:spcBef>
@@ -11487,7 +11689,7 @@
             <a:endParaRPr/>
           </a:p>
           <a:p>
-            <a:pPr indent="0" lvl="0" marL="0" rtl="0" algn="l">
+            <a:pPr marL="0" lvl="0" indent="0" algn="l" rtl="0">
               <a:spcBef>
                 <a:spcPts val="1200"/>
               </a:spcBef>
@@ -11496,9 +11698,6 @@
               </a:spcAft>
               <a:buNone/>
             </a:pPr>
-            <a:r>
-              <a:t/>
-            </a:r>
             <a:endParaRPr/>
           </a:p>
         </p:txBody>
@@ -11513,7 +11712,7 @@
           <a:blip r:embed="rId3">
             <a:alphaModFix/>
           </a:blip>
-          <a:srcRect b="36411" l="0" r="0" t="0"/>
+          <a:srcRect b="36411"/>
           <a:stretch/>
         </p:blipFill>
         <p:spPr>
@@ -11539,11 +11738,11 @@
 </file>
 
 <file path=ppt/slides/slide3.xml><?xml version="1.0" encoding="utf-8"?>
-<p:sld xmlns:a="http://schemas.openxmlformats.org/drawingml/2006/main" xmlns:r="http://schemas.openxmlformats.org/officeDocument/2006/relationships" xmlns:mc="http://schemas.openxmlformats.org/markup-compatibility/2006" xmlns:mv="urn:schemas-microsoft-com:mac:vml" xmlns:p="http://schemas.openxmlformats.org/presentationml/2006/main" xmlns:c="http://schemas.openxmlformats.org/drawingml/2006/chart" xmlns:dgm="http://schemas.openxmlformats.org/drawingml/2006/diagram" xmlns:o="urn:schemas-microsoft-com:office:office" xmlns:v="urn:schemas-microsoft-com:vml" xmlns:pvml="urn:schemas-microsoft-com:office:powerpoint" xmlns:com="http://schemas.openxmlformats.org/drawingml/2006/compatibility" xmlns:p14="http://schemas.microsoft.com/office/powerpoint/2010/main" xmlns:p15="http://schemas.microsoft.com/office/powerpoint/2012/main" xmlns:ahyp="http://schemas.microsoft.com/office/drawing/2018/hyperlinkcolor">
+<p:sld xmlns:a="http://schemas.openxmlformats.org/drawingml/2006/main" xmlns:r="http://schemas.openxmlformats.org/officeDocument/2006/relationships" xmlns:p="http://schemas.openxmlformats.org/presentationml/2006/main">
   <p:cSld>
     <p:spTree>
       <p:nvGrpSpPr>
-        <p:cNvPr id="70" name="Shape 70"/>
+        <p:cNvPr id="1" name="Shape 70"/>
         <p:cNvGrpSpPr/>
         <p:nvPr/>
       </p:nvGrpSpPr>
@@ -11558,7 +11757,9 @@
       <p:sp>
         <p:nvSpPr>
           <p:cNvPr id="71" name="Google Shape;71;p15"/>
-          <p:cNvSpPr txBox="1"/>
+          <p:cNvSpPr txBox="1">
+            <a:spLocks noGrp="1"/>
+          </p:cNvSpPr>
           <p:nvPr>
             <p:ph type="title"/>
           </p:nvPr>
@@ -11573,12 +11774,12 @@
           </a:prstGeom>
         </p:spPr>
         <p:txBody>
-          <a:bodyPr anchorCtr="0" anchor="t" bIns="91425" lIns="91425" spcFirstLastPara="1" rIns="91425" wrap="square" tIns="91425">
+          <a:bodyPr spcFirstLastPara="1" wrap="square" lIns="91425" tIns="91425" rIns="91425" bIns="91425" anchor="t" anchorCtr="0">
             <a:normAutofit fontScale="90000"/>
           </a:bodyPr>
           <a:lstStyle/>
           <a:p>
-            <a:pPr indent="0" lvl="0" marL="0" rtl="0" algn="l">
+            <a:pPr marL="0" lvl="0" indent="0" algn="l" rtl="0">
               <a:spcBef>
                 <a:spcPts val="0"/>
               </a:spcBef>
@@ -11598,9 +11799,11 @@
       <p:sp>
         <p:nvSpPr>
           <p:cNvPr id="72" name="Google Shape;72;p15"/>
-          <p:cNvSpPr txBox="1"/>
+          <p:cNvSpPr txBox="1">
+            <a:spLocks noGrp="1"/>
+          </p:cNvSpPr>
           <p:nvPr>
-            <p:ph idx="1" type="body"/>
+            <p:ph type="body" idx="1"/>
           </p:nvPr>
         </p:nvSpPr>
         <p:spPr>
@@ -11613,12 +11816,12 @@
           </a:prstGeom>
         </p:spPr>
         <p:txBody>
-          <a:bodyPr anchorCtr="0" anchor="t" bIns="91425" lIns="91425" spcFirstLastPara="1" rIns="91425" wrap="square" tIns="91425">
+          <a:bodyPr spcFirstLastPara="1" wrap="square" lIns="91425" tIns="91425" rIns="91425" bIns="91425" anchor="t" anchorCtr="0">
             <a:normAutofit/>
           </a:bodyPr>
           <a:lstStyle/>
           <a:p>
-            <a:pPr indent="-342900" lvl="0" marL="457200" rtl="0" algn="l">
+            <a:pPr marL="457200" lvl="0" indent="-342900" algn="l" rtl="0">
               <a:spcBef>
                 <a:spcPts val="0"/>
               </a:spcBef>
@@ -11635,7 +11838,7 @@
             <a:endParaRPr/>
           </a:p>
           <a:p>
-            <a:pPr indent="-342900" lvl="0" marL="457200" rtl="0" algn="l">
+            <a:pPr marL="457200" lvl="0" indent="-342900" algn="l" rtl="0">
               <a:spcBef>
                 <a:spcPts val="0"/>
               </a:spcBef>
@@ -11652,7 +11855,7 @@
             <a:endParaRPr/>
           </a:p>
           <a:p>
-            <a:pPr indent="-317500" lvl="1" marL="914400" rtl="0" algn="l">
+            <a:pPr marL="914400" lvl="1" indent="-317500" algn="l" rtl="0">
               <a:spcBef>
                 <a:spcPts val="0"/>
               </a:spcBef>
@@ -11669,7 +11872,7 @@
             <a:endParaRPr/>
           </a:p>
           <a:p>
-            <a:pPr indent="-317500" lvl="2" marL="1371600" rtl="0" algn="l">
+            <a:pPr marL="1371600" lvl="2" indent="-317500" algn="l" rtl="0">
               <a:spcBef>
                 <a:spcPts val="0"/>
               </a:spcBef>
@@ -11686,7 +11889,7 @@
             <a:endParaRPr/>
           </a:p>
           <a:p>
-            <a:pPr indent="-317500" lvl="2" marL="1371600" rtl="0" algn="l">
+            <a:pPr marL="1371600" lvl="2" indent="-317500" algn="l" rtl="0">
               <a:spcBef>
                 <a:spcPts val="0"/>
               </a:spcBef>
@@ -11703,7 +11906,7 @@
             <a:endParaRPr/>
           </a:p>
           <a:p>
-            <a:pPr indent="-317500" lvl="2" marL="1371600" rtl="0" algn="l">
+            <a:pPr marL="1371600" lvl="2" indent="-317500" algn="l" rtl="0">
               <a:spcBef>
                 <a:spcPts val="0"/>
               </a:spcBef>
@@ -11720,7 +11923,7 @@
             <a:endParaRPr/>
           </a:p>
           <a:p>
-            <a:pPr indent="-317500" lvl="2" marL="1371600" rtl="0" algn="l">
+            <a:pPr marL="1371600" lvl="2" indent="-317500" algn="l" rtl="0">
               <a:spcBef>
                 <a:spcPts val="0"/>
               </a:spcBef>
@@ -11740,7 +11943,7 @@
             <a:endParaRPr/>
           </a:p>
           <a:p>
-            <a:pPr indent="-342900" lvl="0" marL="457200" rtl="0" algn="l">
+            <a:pPr marL="457200" lvl="0" indent="-342900" algn="l" rtl="0">
               <a:spcBef>
                 <a:spcPts val="0"/>
               </a:spcBef>
@@ -11764,7 +11967,7 @@
             <a:endParaRPr/>
           </a:p>
           <a:p>
-            <a:pPr indent="0" lvl="0" marL="0" rtl="0" algn="l">
+            <a:pPr marL="0" lvl="0" indent="0" algn="l" rtl="0">
               <a:spcBef>
                 <a:spcPts val="1200"/>
               </a:spcBef>
@@ -11773,9 +11976,6 @@
               </a:spcAft>
               <a:buNone/>
             </a:pPr>
-            <a:r>
-              <a:t/>
-            </a:r>
             <a:endParaRPr/>
           </a:p>
         </p:txBody>
@@ -11790,7 +11990,7 @@
           <a:blip r:embed="rId3">
             <a:alphaModFix/>
           </a:blip>
-          <a:srcRect b="59456" l="0" r="61139" t="0"/>
+          <a:srcRect r="61139" b="59456"/>
           <a:stretch/>
         </p:blipFill>
         <p:spPr>
@@ -11816,11 +12016,11 @@
 </file>
 
 <file path=ppt/slides/slide4.xml><?xml version="1.0" encoding="utf-8"?>
-<p:sld xmlns:a="http://schemas.openxmlformats.org/drawingml/2006/main" xmlns:r="http://schemas.openxmlformats.org/officeDocument/2006/relationships" xmlns:mc="http://schemas.openxmlformats.org/markup-compatibility/2006" xmlns:mv="urn:schemas-microsoft-com:mac:vml" xmlns:p="http://schemas.openxmlformats.org/presentationml/2006/main" xmlns:c="http://schemas.openxmlformats.org/drawingml/2006/chart" xmlns:dgm="http://schemas.openxmlformats.org/drawingml/2006/diagram" xmlns:o="urn:schemas-microsoft-com:office:office" xmlns:v="urn:schemas-microsoft-com:vml" xmlns:pvml="urn:schemas-microsoft-com:office:powerpoint" xmlns:com="http://schemas.openxmlformats.org/drawingml/2006/compatibility" xmlns:p14="http://schemas.microsoft.com/office/powerpoint/2010/main" xmlns:p15="http://schemas.microsoft.com/office/powerpoint/2012/main" xmlns:ahyp="http://schemas.microsoft.com/office/drawing/2018/hyperlinkcolor">
+<p:sld xmlns:a="http://schemas.openxmlformats.org/drawingml/2006/main" xmlns:r="http://schemas.openxmlformats.org/officeDocument/2006/relationships" xmlns:p="http://schemas.openxmlformats.org/presentationml/2006/main">
   <p:cSld>
     <p:spTree>
       <p:nvGrpSpPr>
-        <p:cNvPr id="77" name="Shape 77"/>
+        <p:cNvPr id="1" name="Shape 77"/>
         <p:cNvGrpSpPr/>
         <p:nvPr/>
       </p:nvGrpSpPr>
@@ -11835,7 +12035,9 @@
       <p:sp>
         <p:nvSpPr>
           <p:cNvPr id="78" name="Google Shape;78;p16"/>
-          <p:cNvSpPr txBox="1"/>
+          <p:cNvSpPr txBox="1">
+            <a:spLocks noGrp="1"/>
+          </p:cNvSpPr>
           <p:nvPr>
             <p:ph type="title"/>
           </p:nvPr>
@@ -11850,12 +12052,12 @@
           </a:prstGeom>
         </p:spPr>
         <p:txBody>
-          <a:bodyPr anchorCtr="0" anchor="t" bIns="91425" lIns="91425" spcFirstLastPara="1" rIns="91425" wrap="square" tIns="91425">
+          <a:bodyPr spcFirstLastPara="1" wrap="square" lIns="91425" tIns="91425" rIns="91425" bIns="91425" anchor="t" anchorCtr="0">
             <a:normAutofit fontScale="90000"/>
           </a:bodyPr>
           <a:lstStyle/>
           <a:p>
-            <a:pPr indent="0" lvl="0" marL="0" rtl="0" algn="l">
+            <a:pPr marL="0" lvl="0" indent="0" algn="l" rtl="0">
               <a:spcBef>
                 <a:spcPts val="0"/>
               </a:spcBef>
@@ -11876,18 +12078,15 @@
             <a:endParaRPr/>
           </a:p>
           <a:p>
-            <a:pPr indent="0" lvl="0" marL="0" rtl="0" algn="l">
-              <a:spcBef>
-                <a:spcPts val="0"/>
-              </a:spcBef>
-              <a:spcAft>
-                <a:spcPts val="0"/>
-              </a:spcAft>
-              <a:buNone/>
-            </a:pPr>
-            <a:r>
-              <a:t/>
-            </a:r>
+            <a:pPr marL="0" lvl="0" indent="0" algn="l" rtl="0">
+              <a:spcBef>
+                <a:spcPts val="0"/>
+              </a:spcBef>
+              <a:spcAft>
+                <a:spcPts val="0"/>
+              </a:spcAft>
+              <a:buNone/>
+            </a:pPr>
             <a:endParaRPr/>
           </a:p>
         </p:txBody>
@@ -11895,9 +12094,11 @@
       <p:sp>
         <p:nvSpPr>
           <p:cNvPr id="79" name="Google Shape;79;p16"/>
-          <p:cNvSpPr txBox="1"/>
+          <p:cNvSpPr txBox="1">
+            <a:spLocks noGrp="1"/>
+          </p:cNvSpPr>
           <p:nvPr>
-            <p:ph idx="1" type="body"/>
+            <p:ph type="body" idx="1"/>
           </p:nvPr>
         </p:nvSpPr>
         <p:spPr>
@@ -11910,12 +12111,12 @@
           </a:prstGeom>
         </p:spPr>
         <p:txBody>
-          <a:bodyPr anchorCtr="0" anchor="t" bIns="91425" lIns="91425" spcFirstLastPara="1" rIns="91425" wrap="square" tIns="91425">
+          <a:bodyPr spcFirstLastPara="1" wrap="square" lIns="91425" tIns="91425" rIns="91425" bIns="91425" anchor="t" anchorCtr="0">
             <a:normAutofit/>
           </a:bodyPr>
           <a:lstStyle/>
           <a:p>
-            <a:pPr indent="-342900" lvl="0" marL="457200" rtl="0" algn="l">
+            <a:pPr marL="457200" lvl="0" indent="-342900" algn="l" rtl="0">
               <a:spcBef>
                 <a:spcPts val="0"/>
               </a:spcBef>
@@ -11927,16 +12128,12 @@
             </a:pPr>
             <a:r>
               <a:rPr lang="nl"/>
-              <a:t>Unicode </a:t>
+              <a:t>Unicode nummers moeten omgevormd worden naar bits (door UTF-8)</a:t>
             </a:r>
-            <a:r>
-              <a:rPr lang="nl"/>
-              <a:t>nummers moeten omgevormd worden naar bits (door UTF-8)</a:t>
-            </a:r>
-            <a:endParaRPr/>
-          </a:p>
-          <a:p>
-            <a:pPr indent="-317500" lvl="1" marL="914400" rtl="0" algn="l">
+            <a:endParaRPr/>
+          </a:p>
+          <a:p>
+            <a:pPr marL="914400" lvl="1" indent="-317500" algn="l" rtl="0">
               <a:spcBef>
                 <a:spcPts val="0"/>
               </a:spcBef>
@@ -11953,7 +12150,7 @@
             <a:endParaRPr/>
           </a:p>
           <a:p>
-            <a:pPr indent="-317500" lvl="1" marL="914400" rtl="0" algn="l">
+            <a:pPr marL="914400" lvl="1" indent="-317500" algn="l" rtl="0">
               <a:spcBef>
                 <a:spcPts val="0"/>
               </a:spcBef>
@@ -11970,7 +12167,7 @@
             <a:endParaRPr/>
           </a:p>
           <a:p>
-            <a:pPr indent="-317500" lvl="1" marL="914400" rtl="0" algn="l">
+            <a:pPr marL="914400" lvl="1" indent="-317500" algn="l" rtl="0">
               <a:spcBef>
                 <a:spcPts val="0"/>
               </a:spcBef>
@@ -11987,7 +12184,7 @@
             <a:endParaRPr/>
           </a:p>
           <a:p>
-            <a:pPr indent="-342900" lvl="0" marL="457200" rtl="0" algn="l">
+            <a:pPr marL="457200" lvl="0" indent="-342900" algn="l" rtl="0">
               <a:spcBef>
                 <a:spcPts val="0"/>
               </a:spcBef>
@@ -12004,7 +12201,7 @@
             <a:endParaRPr/>
           </a:p>
           <a:p>
-            <a:pPr indent="-317500" lvl="1" marL="914400" rtl="0" algn="l">
+            <a:pPr marL="914400" lvl="1" indent="-317500" algn="l" rtl="0">
               <a:spcBef>
                 <a:spcPts val="0"/>
               </a:spcBef>
@@ -12021,7 +12218,7 @@
             <a:endParaRPr/>
           </a:p>
           <a:p>
-            <a:pPr indent="-317500" lvl="1" marL="914400" rtl="0" algn="l">
+            <a:pPr marL="914400" lvl="1" indent="-317500" algn="l" rtl="0">
               <a:spcBef>
                 <a:spcPts val="0"/>
               </a:spcBef>
@@ -12038,7 +12235,7 @@
             <a:endParaRPr/>
           </a:p>
           <a:p>
-            <a:pPr indent="-317500" lvl="1" marL="914400" rtl="0" algn="l">
+            <a:pPr marL="914400" lvl="1" indent="-317500" algn="l" rtl="0">
               <a:spcBef>
                 <a:spcPts val="0"/>
               </a:spcBef>
@@ -12055,7 +12252,7 @@
             <a:endParaRPr/>
           </a:p>
           <a:p>
-            <a:pPr indent="-317500" lvl="1" marL="914400" rtl="0" algn="l">
+            <a:pPr marL="914400" lvl="1" indent="-317500" algn="l" rtl="0">
               <a:spcBef>
                 <a:spcPts val="0"/>
               </a:spcBef>
@@ -12072,7 +12269,7 @@
             <a:endParaRPr/>
           </a:p>
           <a:p>
-            <a:pPr indent="-317500" lvl="1" marL="914400" rtl="0" algn="l">
+            <a:pPr marL="914400" lvl="1" indent="-317500" algn="l" rtl="0">
               <a:spcBef>
                 <a:spcPts val="0"/>
               </a:spcBef>
@@ -12099,11 +12296,11 @@
 </file>
 
 <file path=ppt/slides/slide5.xml><?xml version="1.0" encoding="utf-8"?>
-<p:sld xmlns:a="http://schemas.openxmlformats.org/drawingml/2006/main" xmlns:r="http://schemas.openxmlformats.org/officeDocument/2006/relationships" xmlns:mc="http://schemas.openxmlformats.org/markup-compatibility/2006" xmlns:mv="urn:schemas-microsoft-com:mac:vml" xmlns:p="http://schemas.openxmlformats.org/presentationml/2006/main" xmlns:c="http://schemas.openxmlformats.org/drawingml/2006/chart" xmlns:dgm="http://schemas.openxmlformats.org/drawingml/2006/diagram" xmlns:o="urn:schemas-microsoft-com:office:office" xmlns:v="urn:schemas-microsoft-com:vml" xmlns:pvml="urn:schemas-microsoft-com:office:powerpoint" xmlns:com="http://schemas.openxmlformats.org/drawingml/2006/compatibility" xmlns:p14="http://schemas.microsoft.com/office/powerpoint/2010/main" xmlns:p15="http://schemas.microsoft.com/office/powerpoint/2012/main" xmlns:ahyp="http://schemas.microsoft.com/office/drawing/2018/hyperlinkcolor">
+<p:sld xmlns:a="http://schemas.openxmlformats.org/drawingml/2006/main" xmlns:r="http://schemas.openxmlformats.org/officeDocument/2006/relationships" xmlns:p="http://schemas.openxmlformats.org/presentationml/2006/main">
   <p:cSld>
     <p:spTree>
       <p:nvGrpSpPr>
-        <p:cNvPr id="83" name="Shape 83"/>
+        <p:cNvPr id="1" name="Shape 83"/>
         <p:cNvGrpSpPr/>
         <p:nvPr/>
       </p:nvGrpSpPr>
@@ -12118,7 +12315,9 @@
       <p:sp>
         <p:nvSpPr>
           <p:cNvPr id="84" name="Google Shape;84;p17"/>
-          <p:cNvSpPr txBox="1"/>
+          <p:cNvSpPr txBox="1">
+            <a:spLocks noGrp="1"/>
+          </p:cNvSpPr>
           <p:nvPr>
             <p:ph type="title"/>
           </p:nvPr>
@@ -12133,12 +12332,12 @@
           </a:prstGeom>
         </p:spPr>
         <p:txBody>
-          <a:bodyPr anchorCtr="0" anchor="t" bIns="91425" lIns="91425" spcFirstLastPara="1" rIns="91425" wrap="square" tIns="91425">
+          <a:bodyPr spcFirstLastPara="1" wrap="square" lIns="91425" tIns="91425" rIns="91425" bIns="91425" anchor="t" anchorCtr="0">
             <a:normAutofit fontScale="90000"/>
           </a:bodyPr>
           <a:lstStyle/>
           <a:p>
-            <a:pPr indent="0" lvl="0" marL="0" rtl="0" algn="l">
+            <a:pPr marL="0" lvl="0" indent="0" algn="l" rtl="0">
               <a:spcBef>
                 <a:spcPts val="0"/>
               </a:spcBef>
@@ -12154,18 +12353,15 @@
             <a:endParaRPr/>
           </a:p>
           <a:p>
-            <a:pPr indent="0" lvl="0" marL="0" rtl="0" algn="l">
-              <a:spcBef>
-                <a:spcPts val="0"/>
-              </a:spcBef>
-              <a:spcAft>
-                <a:spcPts val="0"/>
-              </a:spcAft>
-              <a:buNone/>
-            </a:pPr>
-            <a:r>
-              <a:t/>
-            </a:r>
+            <a:pPr marL="0" lvl="0" indent="0" algn="l" rtl="0">
+              <a:spcBef>
+                <a:spcPts val="0"/>
+              </a:spcBef>
+              <a:spcAft>
+                <a:spcPts val="0"/>
+              </a:spcAft>
+              <a:buNone/>
+            </a:pPr>
             <a:endParaRPr/>
           </a:p>
         </p:txBody>
@@ -12173,9 +12369,11 @@
       <p:sp>
         <p:nvSpPr>
           <p:cNvPr id="85" name="Google Shape;85;p17"/>
-          <p:cNvSpPr txBox="1"/>
+          <p:cNvSpPr txBox="1">
+            <a:spLocks noGrp="1"/>
+          </p:cNvSpPr>
           <p:nvPr>
-            <p:ph idx="1" type="body"/>
+            <p:ph type="body" idx="1"/>
           </p:nvPr>
         </p:nvSpPr>
         <p:spPr>
@@ -12188,12 +12386,12 @@
           </a:prstGeom>
         </p:spPr>
         <p:txBody>
-          <a:bodyPr anchorCtr="0" anchor="t" bIns="91425" lIns="91425" spcFirstLastPara="1" rIns="91425" wrap="square" tIns="91425">
+          <a:bodyPr spcFirstLastPara="1" wrap="square" lIns="91425" tIns="91425" rIns="91425" bIns="91425" anchor="t" anchorCtr="0">
             <a:normAutofit lnSpcReduction="10000"/>
           </a:bodyPr>
           <a:lstStyle/>
           <a:p>
-            <a:pPr indent="-342900" lvl="0" marL="457200" rtl="0" algn="l">
+            <a:pPr marL="457200" lvl="0" indent="-342900" algn="l" rtl="0">
               <a:spcBef>
                 <a:spcPts val="0"/>
               </a:spcBef>
@@ -12210,7 +12408,7 @@
             <a:endParaRPr/>
           </a:p>
           <a:p>
-            <a:pPr indent="-342900" lvl="0" marL="457200" rtl="0" algn="l">
+            <a:pPr marL="457200" lvl="0" indent="-342900" algn="l" rtl="0">
               <a:spcBef>
                 <a:spcPts val="0"/>
               </a:spcBef>
@@ -12227,7 +12425,7 @@
             <a:endParaRPr/>
           </a:p>
           <a:p>
-            <a:pPr indent="-317500" lvl="1" marL="914400" rtl="0" algn="l">
+            <a:pPr marL="914400" lvl="1" indent="-317500" algn="l" rtl="0">
               <a:spcBef>
                 <a:spcPts val="0"/>
               </a:spcBef>
@@ -12244,7 +12442,7 @@
             <a:endParaRPr/>
           </a:p>
           <a:p>
-            <a:pPr indent="-317500" lvl="2" marL="1371600" rtl="0" algn="l">
+            <a:pPr marL="1371600" lvl="2" indent="-317500" algn="l" rtl="0">
               <a:spcBef>
                 <a:spcPts val="0"/>
               </a:spcBef>
@@ -12261,7 +12459,7 @@
             <a:endParaRPr/>
           </a:p>
           <a:p>
-            <a:pPr indent="-317500" lvl="1" marL="914400" rtl="0" algn="l">
+            <a:pPr marL="914400" lvl="1" indent="-317500" algn="l" rtl="0">
               <a:spcBef>
                 <a:spcPts val="0"/>
               </a:spcBef>
@@ -12278,7 +12476,7 @@
             <a:endParaRPr/>
           </a:p>
           <a:p>
-            <a:pPr indent="-317500" lvl="2" marL="1371600" rtl="0" algn="l">
+            <a:pPr marL="1371600" lvl="2" indent="-317500" algn="l" rtl="0">
               <a:spcBef>
                 <a:spcPts val="0"/>
               </a:spcBef>
@@ -12295,7 +12493,7 @@
             <a:endParaRPr/>
           </a:p>
           <a:p>
-            <a:pPr indent="-342900" lvl="0" marL="457200" rtl="0" algn="l">
+            <a:pPr marL="457200" lvl="0" indent="-342900" algn="l" rtl="0">
               <a:spcBef>
                 <a:spcPts val="0"/>
               </a:spcBef>
@@ -12312,7 +12510,7 @@
             <a:endParaRPr/>
           </a:p>
           <a:p>
-            <a:pPr indent="-317500" lvl="1" marL="914400" rtl="0" algn="l">
+            <a:pPr marL="914400" lvl="1" indent="-317500" algn="l" rtl="0">
               <a:spcBef>
                 <a:spcPts val="0"/>
               </a:spcBef>
@@ -12329,7 +12527,7 @@
             <a:endParaRPr/>
           </a:p>
           <a:p>
-            <a:pPr indent="-317500" lvl="1" marL="914400" rtl="0" algn="l">
+            <a:pPr marL="914400" lvl="1" indent="-317500" algn="l" rtl="0">
               <a:spcBef>
                 <a:spcPts val="0"/>
               </a:spcBef>
@@ -12346,7 +12544,7 @@
             <a:endParaRPr/>
           </a:p>
           <a:p>
-            <a:pPr indent="-317500" lvl="1" marL="914400" rtl="0" algn="l">
+            <a:pPr marL="914400" lvl="1" indent="-317500" algn="l" rtl="0">
               <a:spcBef>
                 <a:spcPts val="0"/>
               </a:spcBef>
@@ -12370,7 +12568,7 @@
             <a:endParaRPr/>
           </a:p>
           <a:p>
-            <a:pPr indent="-342900" lvl="0" marL="457200" rtl="0" algn="l">
+            <a:pPr marL="457200" lvl="0" indent="-342900" algn="l" rtl="0">
               <a:spcBef>
                 <a:spcPts val="0"/>
               </a:spcBef>
@@ -12387,7 +12585,7 @@
             <a:endParaRPr/>
           </a:p>
           <a:p>
-            <a:pPr indent="-317500" lvl="1" marL="914400" rtl="0" algn="l">
+            <a:pPr marL="914400" lvl="1" indent="-317500" algn="l" rtl="0">
               <a:spcBef>
                 <a:spcPts val="0"/>
               </a:spcBef>
@@ -12404,7 +12602,7 @@
             <a:endParaRPr/>
           </a:p>
           <a:p>
-            <a:pPr indent="-317500" lvl="1" marL="914400" rtl="0" algn="l">
+            <a:pPr marL="914400" lvl="1" indent="-317500" algn="l" rtl="0">
               <a:spcBef>
                 <a:spcPts val="0"/>
               </a:spcBef>
@@ -12459,11 +12657,11 @@
 </file>
 
 <file path=ppt/slides/slide6.xml><?xml version="1.0" encoding="utf-8"?>
-<p:sld xmlns:a="http://schemas.openxmlformats.org/drawingml/2006/main" xmlns:r="http://schemas.openxmlformats.org/officeDocument/2006/relationships" xmlns:mc="http://schemas.openxmlformats.org/markup-compatibility/2006" xmlns:mv="urn:schemas-microsoft-com:mac:vml" xmlns:p="http://schemas.openxmlformats.org/presentationml/2006/main" xmlns:c="http://schemas.openxmlformats.org/drawingml/2006/chart" xmlns:dgm="http://schemas.openxmlformats.org/drawingml/2006/diagram" xmlns:o="urn:schemas-microsoft-com:office:office" xmlns:v="urn:schemas-microsoft-com:vml" xmlns:pvml="urn:schemas-microsoft-com:office:powerpoint" xmlns:com="http://schemas.openxmlformats.org/drawingml/2006/compatibility" xmlns:p14="http://schemas.microsoft.com/office/powerpoint/2010/main" xmlns:p15="http://schemas.microsoft.com/office/powerpoint/2012/main" xmlns:ahyp="http://schemas.microsoft.com/office/drawing/2018/hyperlinkcolor">
+<p:sld xmlns:a="http://schemas.openxmlformats.org/drawingml/2006/main" xmlns:r="http://schemas.openxmlformats.org/officeDocument/2006/relationships" xmlns:p="http://schemas.openxmlformats.org/presentationml/2006/main">
   <p:cSld>
     <p:spTree>
       <p:nvGrpSpPr>
-        <p:cNvPr id="90" name="Shape 90"/>
+        <p:cNvPr id="1" name="Shape 90"/>
         <p:cNvGrpSpPr/>
         <p:nvPr/>
       </p:nvGrpSpPr>
@@ -12478,7 +12676,9 @@
       <p:sp>
         <p:nvSpPr>
           <p:cNvPr id="91" name="Google Shape;91;p18"/>
-          <p:cNvSpPr txBox="1"/>
+          <p:cNvSpPr txBox="1">
+            <a:spLocks noGrp="1"/>
+          </p:cNvSpPr>
           <p:nvPr>
             <p:ph type="title"/>
           </p:nvPr>
@@ -12493,12 +12693,12 @@
           </a:prstGeom>
         </p:spPr>
         <p:txBody>
-          <a:bodyPr anchorCtr="0" anchor="t" bIns="91425" lIns="91425" spcFirstLastPara="1" rIns="91425" wrap="square" tIns="91425">
+          <a:bodyPr spcFirstLastPara="1" wrap="square" lIns="91425" tIns="91425" rIns="91425" bIns="91425" anchor="t" anchorCtr="0">
             <a:normAutofit fontScale="90000"/>
           </a:bodyPr>
           <a:lstStyle/>
           <a:p>
-            <a:pPr indent="0" lvl="0" marL="0" rtl="0" algn="l">
+            <a:pPr marL="0" lvl="0" indent="0" algn="l" rtl="0">
               <a:spcBef>
                 <a:spcPts val="0"/>
               </a:spcBef>
@@ -12514,18 +12714,15 @@
             <a:endParaRPr/>
           </a:p>
           <a:p>
-            <a:pPr indent="0" lvl="0" marL="0" rtl="0" algn="l">
-              <a:spcBef>
-                <a:spcPts val="0"/>
-              </a:spcBef>
-              <a:spcAft>
-                <a:spcPts val="0"/>
-              </a:spcAft>
-              <a:buNone/>
-            </a:pPr>
-            <a:r>
-              <a:t/>
-            </a:r>
+            <a:pPr marL="0" lvl="0" indent="0" algn="l" rtl="0">
+              <a:spcBef>
+                <a:spcPts val="0"/>
+              </a:spcBef>
+              <a:spcAft>
+                <a:spcPts val="0"/>
+              </a:spcAft>
+              <a:buNone/>
+            </a:pPr>
             <a:endParaRPr/>
           </a:p>
         </p:txBody>
@@ -12533,9 +12730,11 @@
       <p:sp>
         <p:nvSpPr>
           <p:cNvPr id="92" name="Google Shape;92;p18"/>
-          <p:cNvSpPr txBox="1"/>
+          <p:cNvSpPr txBox="1">
+            <a:spLocks noGrp="1"/>
+          </p:cNvSpPr>
           <p:nvPr>
-            <p:ph idx="1" type="body"/>
+            <p:ph type="body" idx="1"/>
           </p:nvPr>
         </p:nvSpPr>
         <p:spPr>
@@ -12548,12 +12747,12 @@
           </a:prstGeom>
         </p:spPr>
         <p:txBody>
-          <a:bodyPr anchorCtr="0" anchor="t" bIns="91425" lIns="91425" spcFirstLastPara="1" rIns="91425" wrap="square" tIns="91425">
-            <a:normAutofit/>
+          <a:bodyPr spcFirstLastPara="1" wrap="square" lIns="91425" tIns="91425" rIns="91425" bIns="91425" anchor="t" anchorCtr="0">
+            <a:normAutofit fontScale="92500" lnSpcReduction="10000"/>
           </a:bodyPr>
           <a:lstStyle/>
           <a:p>
-            <a:pPr indent="-342900" lvl="0" marL="457200" rtl="0" algn="l">
+            <a:pPr marL="457200" lvl="0" indent="-342900" algn="l" rtl="0">
               <a:spcBef>
                 <a:spcPts val="0"/>
               </a:spcBef>
@@ -12564,13 +12763,13 @@
               <a:buChar char="●"/>
             </a:pPr>
             <a:r>
-              <a:rPr lang="nl"/>
+              <a:rPr lang="nl" dirty="0"/>
               <a:t>Elke video bestaat uit een reeks plaatjes na elkaar + geluid</a:t>
             </a:r>
-            <a:endParaRPr/>
-          </a:p>
-          <a:p>
-            <a:pPr indent="-317500" lvl="1" marL="914400" rtl="0" algn="l">
+            <a:endParaRPr dirty="0"/>
+          </a:p>
+          <a:p>
+            <a:pPr marL="914400" lvl="1" indent="-317500" algn="l" rtl="0">
               <a:spcBef>
                 <a:spcPts val="0"/>
               </a:spcBef>
@@ -12581,13 +12780,13 @@
               <a:buChar char="○"/>
             </a:pPr>
             <a:r>
-              <a:rPr lang="nl"/>
+              <a:rPr lang="nl" dirty="0"/>
               <a:t>Meestal 30/60/90 plaatjes per seconde</a:t>
             </a:r>
-            <a:endParaRPr/>
-          </a:p>
-          <a:p>
-            <a:pPr indent="-342900" lvl="0" marL="457200" rtl="0" algn="l">
+            <a:endParaRPr dirty="0"/>
+          </a:p>
+          <a:p>
+            <a:pPr marL="457200" lvl="0" indent="-342900" algn="l" rtl="0">
               <a:spcBef>
                 <a:spcPts val="0"/>
               </a:spcBef>
@@ -12598,13 +12797,13 @@
               <a:buChar char="●"/>
             </a:pPr>
             <a:r>
-              <a:rPr lang="nl"/>
-              <a:t>Filmpje van 3 minuten in HD aan 60 fps (frames per second)</a:t>
+              <a:rPr lang="nl" dirty="0"/>
+              <a:t>Filmpje van 3 minuten in HD (1280x720px) in RGB aan 60 fps (frames per second)</a:t>
             </a:r>
-            <a:endParaRPr/>
-          </a:p>
-          <a:p>
-            <a:pPr indent="-317500" lvl="1" marL="914400" rtl="0" algn="l">
+            <a:endParaRPr dirty="0"/>
+          </a:p>
+          <a:p>
+            <a:pPr marL="914400" lvl="1" indent="-317500" algn="l" rtl="0">
               <a:spcBef>
                 <a:spcPts val="0"/>
               </a:spcBef>
@@ -12615,17 +12814,13 @@
               <a:buChar char="○"/>
             </a:pPr>
             <a:r>
-              <a:rPr lang="nl"/>
-              <a:t>HD: </a:t>
+              <a:rPr lang="nl" dirty="0"/>
+              <a:t>HD: 1280x720 px = 921.600 px per frame</a:t>
             </a:r>
-            <a:r>
-              <a:rPr lang="nl"/>
-              <a:t>1280x720 px = 921.600 px per frame</a:t>
-            </a:r>
-            <a:endParaRPr/>
-          </a:p>
-          <a:p>
-            <a:pPr indent="-317500" lvl="1" marL="914400" rtl="0" algn="l">
+            <a:endParaRPr dirty="0"/>
+          </a:p>
+          <a:p>
+            <a:pPr marL="914400" lvl="1" indent="-317500" algn="l" rtl="0">
               <a:spcBef>
                 <a:spcPts val="0"/>
               </a:spcBef>
@@ -12636,13 +12831,13 @@
               <a:buChar char="○"/>
             </a:pPr>
             <a:r>
-              <a:rPr lang="nl"/>
+              <a:rPr lang="nl" dirty="0"/>
               <a:t>921.600 px per frame * 3 bytes/px = 2.764.800 bytes/frame</a:t>
             </a:r>
-            <a:endParaRPr/>
-          </a:p>
-          <a:p>
-            <a:pPr indent="-317500" lvl="1" marL="914400" rtl="0" algn="l">
+            <a:endParaRPr dirty="0"/>
+          </a:p>
+          <a:p>
+            <a:pPr marL="914400" lvl="1" indent="-317500" algn="l" rtl="0">
               <a:spcBef>
                 <a:spcPts val="0"/>
               </a:spcBef>
@@ -12653,13 +12848,13 @@
               <a:buChar char="○"/>
             </a:pPr>
             <a:r>
-              <a:rPr lang="nl"/>
+              <a:rPr lang="nl" dirty="0"/>
               <a:t>2.764.800 bytes/frame x 60 frames/second x 180 seconden = 29.859.840.000 bytes = 30 GB</a:t>
             </a:r>
-            <a:endParaRPr/>
-          </a:p>
-          <a:p>
-            <a:pPr indent="457200" lvl="0" marL="1828800" rtl="0" algn="l">
+            <a:endParaRPr dirty="0"/>
+          </a:p>
+          <a:p>
+            <a:pPr marL="1828800" lvl="0" indent="457200" algn="l" rtl="0">
               <a:spcBef>
                 <a:spcPts val="1200"/>
               </a:spcBef>
@@ -12669,13 +12864,13 @@
               <a:buNone/>
             </a:pPr>
             <a:r>
-              <a:rPr lang="nl"/>
+              <a:rPr lang="nl" dirty="0"/>
               <a:t>Veelste groot en dat zonder geluid!</a:t>
             </a:r>
-            <a:endParaRPr/>
-          </a:p>
-          <a:p>
-            <a:pPr indent="0" lvl="0" marL="457200" rtl="0" algn="l">
+            <a:endParaRPr dirty="0"/>
+          </a:p>
+          <a:p>
+            <a:pPr marL="457200" lvl="0" indent="0" algn="l" rtl="0">
               <a:spcBef>
                 <a:spcPts val="1200"/>
               </a:spcBef>
@@ -12684,26 +12879,23 @@
               </a:spcAft>
               <a:buNone/>
             </a:pPr>
+            <a:endParaRPr dirty="0"/>
+          </a:p>
+          <a:p>
+            <a:pPr marL="457200" lvl="0" indent="457200" algn="l" rtl="0">
+              <a:spcBef>
+                <a:spcPts val="1200"/>
+              </a:spcBef>
+              <a:spcAft>
+                <a:spcPts val="1200"/>
+              </a:spcAft>
+              <a:buNone/>
+            </a:pPr>
             <a:r>
-              <a:t/>
-            </a:r>
-            <a:endParaRPr/>
-          </a:p>
-          <a:p>
-            <a:pPr indent="457200" lvl="0" marL="457200" rtl="0" algn="l">
-              <a:spcBef>
-                <a:spcPts val="1200"/>
-              </a:spcBef>
-              <a:spcAft>
-                <a:spcPts val="1200"/>
-              </a:spcAft>
-              <a:buNone/>
-            </a:pPr>
-            <a:r>
-              <a:rPr lang="nl"/>
+              <a:rPr lang="nl" dirty="0"/>
               <a:t>Hoe slaan we video’s dan wel op?</a:t>
             </a:r>
-            <a:endParaRPr/>
+            <a:endParaRPr dirty="0"/>
           </a:p>
         </p:txBody>
       </p:sp>
@@ -12772,11 +12964,11 @@
 </file>
 
 <file path=ppt/slides/slide7.xml><?xml version="1.0" encoding="utf-8"?>
-<p:sld xmlns:a="http://schemas.openxmlformats.org/drawingml/2006/main" xmlns:r="http://schemas.openxmlformats.org/officeDocument/2006/relationships" xmlns:mc="http://schemas.openxmlformats.org/markup-compatibility/2006" xmlns:mv="urn:schemas-microsoft-com:mac:vml" xmlns:p="http://schemas.openxmlformats.org/presentationml/2006/main" xmlns:c="http://schemas.openxmlformats.org/drawingml/2006/chart" xmlns:dgm="http://schemas.openxmlformats.org/drawingml/2006/diagram" xmlns:o="urn:schemas-microsoft-com:office:office" xmlns:v="urn:schemas-microsoft-com:vml" xmlns:pvml="urn:schemas-microsoft-com:office:powerpoint" xmlns:com="http://schemas.openxmlformats.org/drawingml/2006/compatibility" xmlns:p14="http://schemas.microsoft.com/office/powerpoint/2010/main" xmlns:p15="http://schemas.microsoft.com/office/powerpoint/2012/main" xmlns:ahyp="http://schemas.microsoft.com/office/drawing/2018/hyperlinkcolor">
+<p:sld xmlns:a="http://schemas.openxmlformats.org/drawingml/2006/main" xmlns:r="http://schemas.openxmlformats.org/officeDocument/2006/relationships" xmlns:p="http://schemas.openxmlformats.org/presentationml/2006/main">
   <p:cSld>
     <p:spTree>
       <p:nvGrpSpPr>
-        <p:cNvPr id="98" name="Shape 98"/>
+        <p:cNvPr id="1" name="Shape 98"/>
         <p:cNvGrpSpPr/>
         <p:nvPr/>
       </p:nvGrpSpPr>
@@ -12791,7 +12983,9 @@
       <p:sp>
         <p:nvSpPr>
           <p:cNvPr id="99" name="Google Shape;99;p19"/>
-          <p:cNvSpPr txBox="1"/>
+          <p:cNvSpPr txBox="1">
+            <a:spLocks noGrp="1"/>
+          </p:cNvSpPr>
           <p:nvPr>
             <p:ph type="title"/>
           </p:nvPr>
@@ -12806,12 +13000,12 @@
           </a:prstGeom>
         </p:spPr>
         <p:txBody>
-          <a:bodyPr anchorCtr="0" anchor="t" bIns="91425" lIns="91425" spcFirstLastPara="1" rIns="91425" wrap="square" tIns="91425">
+          <a:bodyPr spcFirstLastPara="1" wrap="square" lIns="91425" tIns="91425" rIns="91425" bIns="91425" anchor="t" anchorCtr="0">
             <a:normAutofit fontScale="90000"/>
           </a:bodyPr>
           <a:lstStyle/>
           <a:p>
-            <a:pPr indent="0" lvl="0" marL="0" rtl="0" algn="l">
+            <a:pPr marL="0" lvl="0" indent="0" algn="l" rtl="0">
               <a:spcBef>
                 <a:spcPts val="0"/>
               </a:spcBef>
@@ -12827,18 +13021,15 @@
             <a:endParaRPr/>
           </a:p>
           <a:p>
-            <a:pPr indent="0" lvl="0" marL="0" rtl="0" algn="l">
-              <a:spcBef>
-                <a:spcPts val="0"/>
-              </a:spcBef>
-              <a:spcAft>
-                <a:spcPts val="0"/>
-              </a:spcAft>
-              <a:buNone/>
-            </a:pPr>
-            <a:r>
-              <a:t/>
-            </a:r>
+            <a:pPr marL="0" lvl="0" indent="0" algn="l" rtl="0">
+              <a:spcBef>
+                <a:spcPts val="0"/>
+              </a:spcBef>
+              <a:spcAft>
+                <a:spcPts val="0"/>
+              </a:spcAft>
+              <a:buNone/>
+            </a:pPr>
             <a:endParaRPr/>
           </a:p>
         </p:txBody>
@@ -12846,9 +13037,11 @@
       <p:sp>
         <p:nvSpPr>
           <p:cNvPr id="100" name="Google Shape;100;p19"/>
-          <p:cNvSpPr txBox="1"/>
+          <p:cNvSpPr txBox="1">
+            <a:spLocks noGrp="1"/>
+          </p:cNvSpPr>
           <p:nvPr>
-            <p:ph idx="1" type="body"/>
+            <p:ph type="body" idx="1"/>
           </p:nvPr>
         </p:nvSpPr>
         <p:spPr>
@@ -12861,12 +13054,12 @@
           </a:prstGeom>
         </p:spPr>
         <p:txBody>
-          <a:bodyPr anchorCtr="0" anchor="t" bIns="91425" lIns="91425" spcFirstLastPara="1" rIns="91425" wrap="square" tIns="91425">
+          <a:bodyPr spcFirstLastPara="1" wrap="square" lIns="91425" tIns="91425" rIns="91425" bIns="91425" anchor="t" anchorCtr="0">
             <a:normAutofit/>
           </a:bodyPr>
           <a:lstStyle/>
           <a:p>
-            <a:pPr indent="-342900" lvl="0" marL="457200" rtl="0" algn="l">
+            <a:pPr marL="457200" lvl="0" indent="-342900" algn="l" rtl="0">
               <a:spcBef>
                 <a:spcPts val="0"/>
               </a:spcBef>
@@ -12883,7 +13076,7 @@
             <a:endParaRPr/>
           </a:p>
           <a:p>
-            <a:pPr indent="-317500" lvl="1" marL="914400" rtl="0" algn="l">
+            <a:pPr marL="914400" lvl="1" indent="-317500" algn="l" rtl="0">
               <a:spcBef>
                 <a:spcPts val="0"/>
               </a:spcBef>
@@ -12900,7 +13093,7 @@
             <a:endParaRPr/>
           </a:p>
           <a:p>
-            <a:pPr indent="-317500" lvl="1" marL="914400" rtl="0" algn="l">
+            <a:pPr marL="914400" lvl="1" indent="-317500" algn="l" rtl="0">
               <a:spcBef>
                 <a:spcPts val="0"/>
               </a:spcBef>
@@ -12919,16 +13112,12 @@
             </a:br>
             <a:r>
               <a:rPr lang="nl"/>
-              <a:t>→ Group of Pictures (GOP): Hoe minder I-frames hoe kleiner de video, maar meer fouten en minder </a:t>
+              <a:t>→ Group of Pictures (GOP): Hoe minder I-frames hoe kleiner de video, maar meer fouten en minder doorspoelmogelijkheid</a:t>
             </a:r>
-            <a:r>
-              <a:rPr lang="nl"/>
-              <a:t>doorspoelmogelijkheid</a:t>
-            </a:r>
-            <a:endParaRPr/>
-          </a:p>
-          <a:p>
-            <a:pPr indent="-317500" lvl="1" marL="914400" rtl="0" algn="l">
+            <a:endParaRPr/>
+          </a:p>
+          <a:p>
+            <a:pPr marL="914400" lvl="1" indent="-317500" algn="l" rtl="0">
               <a:spcBef>
                 <a:spcPts val="0"/>
               </a:spcBef>
@@ -12945,7 +13134,7 @@
             <a:endParaRPr/>
           </a:p>
           <a:p>
-            <a:pPr indent="-342900" lvl="0" marL="457200" rtl="0" algn="l">
+            <a:pPr marL="457200" lvl="0" indent="-342900" algn="l" rtl="0">
               <a:spcBef>
                 <a:spcPts val="0"/>
               </a:spcBef>
@@ -12962,7 +13151,7 @@
             <a:endParaRPr/>
           </a:p>
           <a:p>
-            <a:pPr indent="-317500" lvl="1" marL="914400" rtl="0" algn="l">
+            <a:pPr marL="914400" lvl="1" indent="-317500" algn="l" rtl="0">
               <a:spcBef>
                 <a:spcPts val="0"/>
               </a:spcBef>
@@ -12979,7 +13168,7 @@
             <a:endParaRPr/>
           </a:p>
           <a:p>
-            <a:pPr indent="0" lvl="0" marL="0" rtl="0" algn="l">
+            <a:pPr marL="0" lvl="0" indent="0" algn="l" rtl="0">
               <a:spcBef>
                 <a:spcPts val="1200"/>
               </a:spcBef>
@@ -13033,11 +13222,11 @@
 </file>
 
 <file path=ppt/slides/slide8.xml><?xml version="1.0" encoding="utf-8"?>
-<p:sld xmlns:a="http://schemas.openxmlformats.org/drawingml/2006/main" xmlns:r="http://schemas.openxmlformats.org/officeDocument/2006/relationships" xmlns:mc="http://schemas.openxmlformats.org/markup-compatibility/2006" xmlns:mv="urn:schemas-microsoft-com:mac:vml" xmlns:p="http://schemas.openxmlformats.org/presentationml/2006/main" xmlns:c="http://schemas.openxmlformats.org/drawingml/2006/chart" xmlns:dgm="http://schemas.openxmlformats.org/drawingml/2006/diagram" xmlns:o="urn:schemas-microsoft-com:office:office" xmlns:v="urn:schemas-microsoft-com:vml" xmlns:pvml="urn:schemas-microsoft-com:office:powerpoint" xmlns:com="http://schemas.openxmlformats.org/drawingml/2006/compatibility" xmlns:p14="http://schemas.microsoft.com/office/powerpoint/2010/main" xmlns:p15="http://schemas.microsoft.com/office/powerpoint/2012/main" xmlns:ahyp="http://schemas.microsoft.com/office/drawing/2018/hyperlinkcolor">
+<p:sld xmlns:a="http://schemas.openxmlformats.org/drawingml/2006/main" xmlns:r="http://schemas.openxmlformats.org/officeDocument/2006/relationships" xmlns:p="http://schemas.openxmlformats.org/presentationml/2006/main">
   <p:cSld>
     <p:spTree>
       <p:nvGrpSpPr>
-        <p:cNvPr id="105" name="Shape 105"/>
+        <p:cNvPr id="1" name="Shape 105"/>
         <p:cNvGrpSpPr/>
         <p:nvPr/>
       </p:nvGrpSpPr>
@@ -13052,7 +13241,9 @@
       <p:sp>
         <p:nvSpPr>
           <p:cNvPr id="106" name="Google Shape;106;p20"/>
-          <p:cNvSpPr txBox="1"/>
+          <p:cNvSpPr txBox="1">
+            <a:spLocks noGrp="1"/>
+          </p:cNvSpPr>
           <p:nvPr>
             <p:ph type="title"/>
           </p:nvPr>
@@ -13067,12 +13258,12 @@
           </a:prstGeom>
         </p:spPr>
         <p:txBody>
-          <a:bodyPr anchorCtr="0" anchor="t" bIns="91425" lIns="91425" spcFirstLastPara="1" rIns="91425" wrap="square" tIns="91425">
+          <a:bodyPr spcFirstLastPara="1" wrap="square" lIns="91425" tIns="91425" rIns="91425" bIns="91425" anchor="t" anchorCtr="0">
             <a:normAutofit fontScale="90000"/>
           </a:bodyPr>
           <a:lstStyle/>
           <a:p>
-            <a:pPr indent="0" lvl="0" marL="0" rtl="0" algn="l">
+            <a:pPr marL="0" lvl="0" indent="0" algn="l" rtl="0">
               <a:spcBef>
                 <a:spcPts val="0"/>
               </a:spcBef>
@@ -13092,9 +13283,11 @@
       <p:sp>
         <p:nvSpPr>
           <p:cNvPr id="107" name="Google Shape;107;p20"/>
-          <p:cNvSpPr txBox="1"/>
+          <p:cNvSpPr txBox="1">
+            <a:spLocks noGrp="1"/>
+          </p:cNvSpPr>
           <p:nvPr>
-            <p:ph idx="1" type="body"/>
+            <p:ph type="body" idx="1"/>
           </p:nvPr>
         </p:nvSpPr>
         <p:spPr>
@@ -13107,12 +13300,12 @@
           </a:prstGeom>
         </p:spPr>
         <p:txBody>
-          <a:bodyPr anchorCtr="0" anchor="t" bIns="91425" lIns="91425" spcFirstLastPara="1" rIns="91425" wrap="square" tIns="91425">
+          <a:bodyPr spcFirstLastPara="1" wrap="square" lIns="91425" tIns="91425" rIns="91425" bIns="91425" anchor="t" anchorCtr="0">
             <a:normAutofit/>
           </a:bodyPr>
           <a:lstStyle/>
           <a:p>
-            <a:pPr indent="-342900" lvl="0" marL="457200" rtl="0" algn="l">
+            <a:pPr marL="457200" lvl="0" indent="-342900" algn="l" rtl="0">
               <a:spcBef>
                 <a:spcPts val="0"/>
               </a:spcBef>
@@ -13129,7 +13322,7 @@
             <a:endParaRPr/>
           </a:p>
           <a:p>
-            <a:pPr indent="-317500" lvl="1" marL="914400" rtl="0" algn="l">
+            <a:pPr marL="914400" lvl="1" indent="-317500" algn="l" rtl="0">
               <a:spcBef>
                 <a:spcPts val="0"/>
               </a:spcBef>
@@ -13146,7 +13339,7 @@
             <a:endParaRPr/>
           </a:p>
           <a:p>
-            <a:pPr indent="-342900" lvl="0" marL="457200" rtl="0" algn="l">
+            <a:pPr marL="457200" lvl="0" indent="-342900" algn="l" rtl="0">
               <a:spcBef>
                 <a:spcPts val="0"/>
               </a:spcBef>
@@ -13163,7 +13356,7 @@
             <a:endParaRPr/>
           </a:p>
           <a:p>
-            <a:pPr indent="0" lvl="0" marL="0" rtl="0" algn="l">
+            <a:pPr marL="0" lvl="0" indent="0" algn="l" rtl="0">
               <a:spcBef>
                 <a:spcPts val="1200"/>
               </a:spcBef>
@@ -13172,13 +13365,10 @@
               </a:spcAft>
               <a:buNone/>
             </a:pPr>
-            <a:r>
-              <a:t/>
-            </a:r>
-            <a:endParaRPr/>
-          </a:p>
-          <a:p>
-            <a:pPr indent="-342900" lvl="0" marL="457200" rtl="0" algn="l">
+            <a:endParaRPr/>
+          </a:p>
+          <a:p>
+            <a:pPr marL="457200" lvl="0" indent="-342900" algn="l" rtl="0">
               <a:spcBef>
                 <a:spcPts val="1200"/>
               </a:spcBef>
@@ -13195,7 +13385,7 @@
             <a:endParaRPr/>
           </a:p>
           <a:p>
-            <a:pPr indent="-317500" lvl="1" marL="914400" rtl="0" algn="l">
+            <a:pPr marL="914400" lvl="1" indent="-317500" algn="l" rtl="0">
               <a:spcBef>
                 <a:spcPts val="0"/>
               </a:spcBef>
@@ -13212,7 +13402,7 @@
             <a:endParaRPr/>
           </a:p>
           <a:p>
-            <a:pPr indent="-317500" lvl="1" marL="914400" rtl="0" algn="l">
+            <a:pPr marL="914400" lvl="1" indent="-317500" algn="l" rtl="0">
               <a:spcBef>
                 <a:spcPts val="0"/>
               </a:spcBef>
@@ -13236,7 +13426,7 @@
             <a:endParaRPr/>
           </a:p>
           <a:p>
-            <a:pPr indent="-342900" lvl="0" marL="457200" rtl="0" algn="l">
+            <a:pPr marL="457200" lvl="0" indent="-342900" algn="l" rtl="0">
               <a:spcBef>
                 <a:spcPts val="0"/>
               </a:spcBef>
@@ -13253,7 +13443,7 @@
             <a:endParaRPr/>
           </a:p>
           <a:p>
-            <a:pPr indent="-317500" lvl="1" marL="914400" rtl="0" algn="l">
+            <a:pPr marL="914400" lvl="1" indent="-317500" algn="l" rtl="0">
               <a:spcBef>
                 <a:spcPts val="0"/>
               </a:spcBef>
@@ -13270,7 +13460,7 @@
             <a:endParaRPr/>
           </a:p>
           <a:p>
-            <a:pPr indent="-317500" lvl="1" marL="914400" rtl="0" algn="l">
+            <a:pPr marL="914400" lvl="1" indent="-317500" algn="l" rtl="0">
               <a:spcBef>
                 <a:spcPts val="0"/>
               </a:spcBef>
@@ -13325,11 +13515,11 @@
 </file>
 
 <file path=ppt/slides/slide9.xml><?xml version="1.0" encoding="utf-8"?>
-<p:sld xmlns:a="http://schemas.openxmlformats.org/drawingml/2006/main" xmlns:r="http://schemas.openxmlformats.org/officeDocument/2006/relationships" xmlns:mc="http://schemas.openxmlformats.org/markup-compatibility/2006" xmlns:mv="urn:schemas-microsoft-com:mac:vml" xmlns:p="http://schemas.openxmlformats.org/presentationml/2006/main" xmlns:c="http://schemas.openxmlformats.org/drawingml/2006/chart" xmlns:dgm="http://schemas.openxmlformats.org/drawingml/2006/diagram" xmlns:o="urn:schemas-microsoft-com:office:office" xmlns:v="urn:schemas-microsoft-com:vml" xmlns:pvml="urn:schemas-microsoft-com:office:powerpoint" xmlns:com="http://schemas.openxmlformats.org/drawingml/2006/compatibility" xmlns:p14="http://schemas.microsoft.com/office/powerpoint/2010/main" xmlns:p15="http://schemas.microsoft.com/office/powerpoint/2012/main" xmlns:ahyp="http://schemas.microsoft.com/office/drawing/2018/hyperlinkcolor">
+<p:sld xmlns:a="http://schemas.openxmlformats.org/drawingml/2006/main" xmlns:r="http://schemas.openxmlformats.org/officeDocument/2006/relationships" xmlns:p="http://schemas.openxmlformats.org/presentationml/2006/main">
   <p:cSld>
     <p:spTree>
       <p:nvGrpSpPr>
-        <p:cNvPr id="112" name="Shape 112"/>
+        <p:cNvPr id="1" name="Shape 112"/>
         <p:cNvGrpSpPr/>
         <p:nvPr/>
       </p:nvGrpSpPr>
@@ -13344,7 +13534,9 @@
       <p:sp>
         <p:nvSpPr>
           <p:cNvPr id="113" name="Google Shape;113;p21"/>
-          <p:cNvSpPr txBox="1"/>
+          <p:cNvSpPr txBox="1">
+            <a:spLocks noGrp="1"/>
+          </p:cNvSpPr>
           <p:nvPr>
             <p:ph type="title"/>
           </p:nvPr>
@@ -13359,12 +13551,12 @@
           </a:prstGeom>
         </p:spPr>
         <p:txBody>
-          <a:bodyPr anchorCtr="0" anchor="t" bIns="91425" lIns="91425" spcFirstLastPara="1" rIns="91425" wrap="square" tIns="91425">
+          <a:bodyPr spcFirstLastPara="1" wrap="square" lIns="91425" tIns="91425" rIns="91425" bIns="91425" anchor="t" anchorCtr="0">
             <a:normAutofit fontScale="90000"/>
           </a:bodyPr>
           <a:lstStyle/>
           <a:p>
-            <a:pPr indent="0" lvl="0" marL="0" rtl="0" algn="l">
+            <a:pPr marL="0" lvl="0" indent="0" algn="l" rtl="0">
               <a:spcBef>
                 <a:spcPts val="0"/>
               </a:spcBef>
@@ -13384,9 +13576,11 @@
       <p:sp>
         <p:nvSpPr>
           <p:cNvPr id="114" name="Google Shape;114;p21"/>
-          <p:cNvSpPr txBox="1"/>
+          <p:cNvSpPr txBox="1">
+            <a:spLocks noGrp="1"/>
+          </p:cNvSpPr>
           <p:nvPr>
-            <p:ph idx="1" type="body"/>
+            <p:ph type="body" idx="1"/>
           </p:nvPr>
         </p:nvSpPr>
         <p:spPr>
@@ -13399,12 +13593,12 @@
           </a:prstGeom>
         </p:spPr>
         <p:txBody>
-          <a:bodyPr anchorCtr="0" anchor="t" bIns="91425" lIns="91425" spcFirstLastPara="1" rIns="91425" wrap="square" tIns="91425">
+          <a:bodyPr spcFirstLastPara="1" wrap="square" lIns="91425" tIns="91425" rIns="91425" bIns="91425" anchor="t" anchorCtr="0">
             <a:normAutofit/>
           </a:bodyPr>
           <a:lstStyle/>
           <a:p>
-            <a:pPr indent="-342900" lvl="0" marL="457200" rtl="0" algn="l">
+            <a:pPr marL="457200" lvl="0" indent="-342900" algn="l" rtl="0">
               <a:spcBef>
                 <a:spcPts val="0"/>
               </a:spcBef>
@@ -13421,7 +13615,7 @@
             <a:endParaRPr/>
           </a:p>
           <a:p>
-            <a:pPr indent="-342900" lvl="0" marL="457200" rtl="0" algn="l">
+            <a:pPr marL="457200" lvl="0" indent="-342900" algn="l" rtl="0">
               <a:spcBef>
                 <a:spcPts val="0"/>
               </a:spcBef>
@@ -13433,16 +13627,12 @@
             </a:pPr>
             <a:r>
               <a:rPr lang="nl"/>
-              <a:t>Kernidee</a:t>
+              <a:t>Kernidee:</a:t>
             </a:r>
-            <a:r>
-              <a:rPr lang="nl"/>
-              <a:t>:</a:t>
-            </a:r>
-            <a:endParaRPr/>
-          </a:p>
-          <a:p>
-            <a:pPr indent="-317500" lvl="1" marL="914400" rtl="0" algn="l">
+            <a:endParaRPr/>
+          </a:p>
+          <a:p>
+            <a:pPr marL="914400" lvl="1" indent="-317500" algn="l" rtl="0">
               <a:spcBef>
                 <a:spcPts val="0"/>
               </a:spcBef>
@@ -13459,7 +13649,7 @@
             <a:endParaRPr/>
           </a:p>
           <a:p>
-            <a:pPr indent="-317500" lvl="1" marL="914400" rtl="0" algn="l">
+            <a:pPr marL="914400" lvl="1" indent="-317500" algn="l" rtl="0">
               <a:spcBef>
                 <a:spcPts val="0"/>
               </a:spcBef>
@@ -13471,16 +13661,12 @@
             </a:pPr>
             <a:r>
               <a:rPr lang="nl"/>
-              <a:t>Geef </a:t>
+              <a:t>Geef veel voorkomende tekens een korte binaire code en zeldzame een lange</a:t>
             </a:r>
-            <a:r>
-              <a:rPr lang="nl"/>
-              <a:t>veel voorkomende tekens een korte binaire code en zeldzame een lange</a:t>
-            </a:r>
-            <a:endParaRPr/>
-          </a:p>
-          <a:p>
-            <a:pPr indent="-317500" lvl="1" marL="914400" rtl="0" algn="l">
+            <a:endParaRPr/>
+          </a:p>
+          <a:p>
+            <a:pPr marL="914400" lvl="1" indent="-317500" algn="l" rtl="0">
               <a:spcBef>
                 <a:spcPts val="0"/>
               </a:spcBef>
@@ -13497,7 +13683,7 @@
             <a:endParaRPr/>
           </a:p>
           <a:p>
-            <a:pPr indent="0" lvl="0" marL="0" rtl="0" algn="l">
+            <a:pPr marL="0" lvl="0" indent="0" algn="l" rtl="0">
               <a:spcBef>
                 <a:spcPts val="1200"/>
               </a:spcBef>
@@ -13506,13 +13692,10 @@
               </a:spcAft>
               <a:buNone/>
             </a:pPr>
-            <a:r>
-              <a:t/>
-            </a:r>
-            <a:endParaRPr/>
-          </a:p>
-          <a:p>
-            <a:pPr indent="457200" lvl="0" marL="2286000" rtl="0" algn="l">
+            <a:endParaRPr/>
+          </a:p>
+          <a:p>
+            <a:pPr marL="2286000" lvl="0" indent="457200" algn="l" rtl="0">
               <a:spcBef>
                 <a:spcPts val="1200"/>
               </a:spcBef>
@@ -13594,7 +13777,7 @@
 </file>
 
 <file path=ppt/theme/theme1.xml><?xml version="1.0" encoding="utf-8"?>
-<a:theme xmlns:a="http://schemas.openxmlformats.org/drawingml/2006/main" xmlns:r="http://schemas.openxmlformats.org/officeDocument/2006/relationships" name="Simple Light">
+<a:theme xmlns:a="http://schemas.openxmlformats.org/drawingml/2006/main" name="Simple Light">
   <a:themeElements>
     <a:clrScheme name="Simple Light">
       <a:dk1>
@@ -13869,11 +14052,13 @@
       </a:bgFillStyleLst>
     </a:fmtScheme>
   </a:themeElements>
+  <a:objectDefaults/>
+  <a:extraClrSchemeLst/>
 </a:theme>
 </file>
 
 <file path=ppt/theme/theme2.xml><?xml version="1.0" encoding="utf-8"?>
-<a:theme xmlns:a="http://schemas.openxmlformats.org/drawingml/2006/main" xmlns:r="http://schemas.openxmlformats.org/officeDocument/2006/relationships">
+<a:theme xmlns:a="http://schemas.openxmlformats.org/drawingml/2006/main">
   <a:themeElements>
     <a:clrScheme name="Default">
       <a:dk1>
@@ -14148,5 +14333,7 @@
       </a:bgFillStyleLst>
     </a:fmtScheme>
   </a:themeElements>
+  <a:objectDefaults/>
+  <a:extraClrSchemeLst/>
 </a:theme>
 </file>